--- a/lectures/2.3Fsharp/lecture.pptx
+++ b/lectures/2.3Fsharp/lecture.pptx
@@ -5,7 +5,7 @@
     <p:sldMasterId id="2147483648" r:id="rId1"/>
   </p:sldMasterIdLst>
   <p:notesMasterIdLst>
-    <p:notesMasterId r:id="rId9"/>
+    <p:notesMasterId r:id="rId12"/>
   </p:notesMasterIdLst>
   <p:sldIdLst>
     <p:sldId id="256" r:id="rId2"/>
@@ -15,6 +15,9 @@
     <p:sldId id="282" r:id="rId6"/>
     <p:sldId id="259" r:id="rId7"/>
     <p:sldId id="284" r:id="rId8"/>
+    <p:sldId id="290" r:id="rId9"/>
+    <p:sldId id="291" r:id="rId10"/>
+    <p:sldId id="289" r:id="rId11"/>
   </p:sldIdLst>
   <p:sldSz cx="12192000" cy="6858000"/>
   <p:notesSz cx="6858000" cy="9144000"/>
@@ -203,7 +206,7 @@
           <a:p>
             <a:fld id="{248031C6-E4B0-0444-A4A8-9CCE96EC2C9C}" type="datetimeFigureOut">
               <a:rPr lang="en-GB" smtClean="0"/>
-              <a:t>11/09/2018</a:t>
+              <a:t>12/09/2018</a:t>
             </a:fld>
             <a:endParaRPr lang="en-GB"/>
           </a:p>
@@ -979,6 +982,174 @@
 </p:notes>
 </file>
 
+<file path=ppt/notesSlides/notesSlide5.xml><?xml version="1.0" encoding="utf-8"?>
+<p:notes xmlns:a="http://schemas.openxmlformats.org/drawingml/2006/main" xmlns:r="http://schemas.openxmlformats.org/officeDocument/2006/relationships" xmlns:p="http://schemas.openxmlformats.org/presentationml/2006/main">
+  <p:cSld>
+    <p:spTree>
+      <p:nvGrpSpPr>
+        <p:cNvPr id="1" name=""/>
+        <p:cNvGrpSpPr/>
+        <p:nvPr/>
+      </p:nvGrpSpPr>
+      <p:grpSpPr>
+        <a:xfrm>
+          <a:off x="0" y="0"/>
+          <a:ext cx="0" cy="0"/>
+          <a:chOff x="0" y="0"/>
+          <a:chExt cx="0" cy="0"/>
+        </a:xfrm>
+      </p:grpSpPr>
+      <p:sp>
+        <p:nvSpPr>
+          <p:cNvPr id="2" name="Slide Image Placeholder 1"/>
+          <p:cNvSpPr>
+            <a:spLocks noGrp="1" noRot="1" noChangeAspect="1"/>
+          </p:cNvSpPr>
+          <p:nvPr>
+            <p:ph type="sldImg"/>
+          </p:nvPr>
+        </p:nvSpPr>
+        <p:spPr/>
+      </p:sp>
+      <p:sp>
+        <p:nvSpPr>
+          <p:cNvPr id="3" name="Notes Placeholder 2"/>
+          <p:cNvSpPr>
+            <a:spLocks noGrp="1"/>
+          </p:cNvSpPr>
+          <p:nvPr>
+            <p:ph type="body" idx="1"/>
+          </p:nvPr>
+        </p:nvSpPr>
+        <p:spPr/>
+        <p:txBody>
+          <a:bodyPr/>
+          <a:lstStyle/>
+          <a:p>
+            <a:endParaRPr lang="en-GB" dirty="0"/>
+          </a:p>
+        </p:txBody>
+      </p:sp>
+      <p:sp>
+        <p:nvSpPr>
+          <p:cNvPr id="4" name="Slide Number Placeholder 3"/>
+          <p:cNvSpPr>
+            <a:spLocks noGrp="1"/>
+          </p:cNvSpPr>
+          <p:nvPr>
+            <p:ph type="sldNum" sz="quarter" idx="5"/>
+          </p:nvPr>
+        </p:nvSpPr>
+        <p:spPr/>
+        <p:txBody>
+          <a:bodyPr/>
+          <a:lstStyle/>
+          <a:p>
+            <a:fld id="{186431B5-AB57-3E4A-80D5-B6800CF8539B}" type="slidenum">
+              <a:rPr lang="en-GB" smtClean="0"/>
+              <a:t>7</a:t>
+            </a:fld>
+            <a:endParaRPr lang="en-GB"/>
+          </a:p>
+        </p:txBody>
+      </p:sp>
+    </p:spTree>
+    <p:extLst>
+      <p:ext uri="{BB962C8B-B14F-4D97-AF65-F5344CB8AC3E}">
+        <p14:creationId xmlns:p14="http://schemas.microsoft.com/office/powerpoint/2010/main" val="1387871530"/>
+      </p:ext>
+    </p:extLst>
+  </p:cSld>
+  <p:clrMapOvr>
+    <a:masterClrMapping/>
+  </p:clrMapOvr>
+</p:notes>
+</file>
+
+<file path=ppt/notesSlides/notesSlide6.xml><?xml version="1.0" encoding="utf-8"?>
+<p:notes xmlns:a="http://schemas.openxmlformats.org/drawingml/2006/main" xmlns:r="http://schemas.openxmlformats.org/officeDocument/2006/relationships" xmlns:p="http://schemas.openxmlformats.org/presentationml/2006/main">
+  <p:cSld>
+    <p:spTree>
+      <p:nvGrpSpPr>
+        <p:cNvPr id="1" name=""/>
+        <p:cNvGrpSpPr/>
+        <p:nvPr/>
+      </p:nvGrpSpPr>
+      <p:grpSpPr>
+        <a:xfrm>
+          <a:off x="0" y="0"/>
+          <a:ext cx="0" cy="0"/>
+          <a:chOff x="0" y="0"/>
+          <a:chExt cx="0" cy="0"/>
+        </a:xfrm>
+      </p:grpSpPr>
+      <p:sp>
+        <p:nvSpPr>
+          <p:cNvPr id="2" name="Slide Image Placeholder 1"/>
+          <p:cNvSpPr>
+            <a:spLocks noGrp="1" noRot="1" noChangeAspect="1"/>
+          </p:cNvSpPr>
+          <p:nvPr>
+            <p:ph type="sldImg"/>
+          </p:nvPr>
+        </p:nvSpPr>
+        <p:spPr/>
+      </p:sp>
+      <p:sp>
+        <p:nvSpPr>
+          <p:cNvPr id="3" name="Notes Placeholder 2"/>
+          <p:cNvSpPr>
+            <a:spLocks noGrp="1"/>
+          </p:cNvSpPr>
+          <p:nvPr>
+            <p:ph type="body" idx="1"/>
+          </p:nvPr>
+        </p:nvSpPr>
+        <p:spPr/>
+        <p:txBody>
+          <a:bodyPr/>
+          <a:lstStyle/>
+          <a:p>
+            <a:endParaRPr lang="en-GB" dirty="0"/>
+          </a:p>
+        </p:txBody>
+      </p:sp>
+      <p:sp>
+        <p:nvSpPr>
+          <p:cNvPr id="4" name="Slide Number Placeholder 3"/>
+          <p:cNvSpPr>
+            <a:spLocks noGrp="1"/>
+          </p:cNvSpPr>
+          <p:nvPr>
+            <p:ph type="sldNum" sz="quarter" idx="5"/>
+          </p:nvPr>
+        </p:nvSpPr>
+        <p:spPr/>
+        <p:txBody>
+          <a:bodyPr/>
+          <a:lstStyle/>
+          <a:p>
+            <a:fld id="{186431B5-AB57-3E4A-80D5-B6800CF8539B}" type="slidenum">
+              <a:rPr lang="en-GB" smtClean="0"/>
+              <a:t>9</a:t>
+            </a:fld>
+            <a:endParaRPr lang="en-GB"/>
+          </a:p>
+        </p:txBody>
+      </p:sp>
+    </p:spTree>
+    <p:extLst>
+      <p:ext uri="{BB962C8B-B14F-4D97-AF65-F5344CB8AC3E}">
+        <p14:creationId xmlns:p14="http://schemas.microsoft.com/office/powerpoint/2010/main" val="3882565584"/>
+      </p:ext>
+    </p:extLst>
+  </p:cSld>
+  <p:clrMapOvr>
+    <a:masterClrMapping/>
+  </p:clrMapOvr>
+</p:notes>
+</file>
+
 <file path=ppt/slideLayouts/slideLayout1.xml><?xml version="1.0" encoding="utf-8"?>
 <p:sldLayout xmlns:a="http://schemas.openxmlformats.org/drawingml/2006/main" xmlns:r="http://schemas.openxmlformats.org/officeDocument/2006/relationships" xmlns:p="http://schemas.openxmlformats.org/presentationml/2006/main" type="title" preserve="1">
   <p:cSld name="Title Slide">
@@ -1128,7 +1299,7 @@
           <a:p>
             <a:fld id="{66665395-52C5-5E4B-BB20-CD4E0BBC9899}" type="datetimeFigureOut">
               <a:rPr lang="en-GB" smtClean="0"/>
-              <a:t>11/09/2018</a:t>
+              <a:t>12/09/2018</a:t>
             </a:fld>
             <a:endParaRPr lang="en-GB"/>
           </a:p>
@@ -1328,7 +1499,7 @@
           <a:p>
             <a:fld id="{66665395-52C5-5E4B-BB20-CD4E0BBC9899}" type="datetimeFigureOut">
               <a:rPr lang="en-GB" smtClean="0"/>
-              <a:t>11/09/2018</a:t>
+              <a:t>12/09/2018</a:t>
             </a:fld>
             <a:endParaRPr lang="en-GB"/>
           </a:p>
@@ -1538,7 +1709,7 @@
           <a:p>
             <a:fld id="{66665395-52C5-5E4B-BB20-CD4E0BBC9899}" type="datetimeFigureOut">
               <a:rPr lang="en-GB" smtClean="0"/>
-              <a:t>11/09/2018</a:t>
+              <a:t>12/09/2018</a:t>
             </a:fld>
             <a:endParaRPr lang="en-GB"/>
           </a:p>
@@ -1738,7 +1909,7 @@
           <a:p>
             <a:fld id="{66665395-52C5-5E4B-BB20-CD4E0BBC9899}" type="datetimeFigureOut">
               <a:rPr lang="en-GB" smtClean="0"/>
-              <a:t>11/09/2018</a:t>
+              <a:t>12/09/2018</a:t>
             </a:fld>
             <a:endParaRPr lang="en-GB"/>
           </a:p>
@@ -2014,7 +2185,7 @@
           <a:p>
             <a:fld id="{66665395-52C5-5E4B-BB20-CD4E0BBC9899}" type="datetimeFigureOut">
               <a:rPr lang="en-GB" smtClean="0"/>
-              <a:t>11/09/2018</a:t>
+              <a:t>12/09/2018</a:t>
             </a:fld>
             <a:endParaRPr lang="en-GB"/>
           </a:p>
@@ -2282,7 +2453,7 @@
           <a:p>
             <a:fld id="{66665395-52C5-5E4B-BB20-CD4E0BBC9899}" type="datetimeFigureOut">
               <a:rPr lang="en-GB" smtClean="0"/>
-              <a:t>11/09/2018</a:t>
+              <a:t>12/09/2018</a:t>
             </a:fld>
             <a:endParaRPr lang="en-GB"/>
           </a:p>
@@ -2697,7 +2868,7 @@
           <a:p>
             <a:fld id="{66665395-52C5-5E4B-BB20-CD4E0BBC9899}" type="datetimeFigureOut">
               <a:rPr lang="en-GB" smtClean="0"/>
-              <a:t>11/09/2018</a:t>
+              <a:t>12/09/2018</a:t>
             </a:fld>
             <a:endParaRPr lang="en-GB"/>
           </a:p>
@@ -2839,7 +3010,7 @@
           <a:p>
             <a:fld id="{66665395-52C5-5E4B-BB20-CD4E0BBC9899}" type="datetimeFigureOut">
               <a:rPr lang="en-GB" smtClean="0"/>
-              <a:t>11/09/2018</a:t>
+              <a:t>12/09/2018</a:t>
             </a:fld>
             <a:endParaRPr lang="en-GB"/>
           </a:p>
@@ -2952,7 +3123,7 @@
           <a:p>
             <a:fld id="{66665395-52C5-5E4B-BB20-CD4E0BBC9899}" type="datetimeFigureOut">
               <a:rPr lang="en-GB" smtClean="0"/>
-              <a:t>11/09/2018</a:t>
+              <a:t>12/09/2018</a:t>
             </a:fld>
             <a:endParaRPr lang="en-GB"/>
           </a:p>
@@ -3265,7 +3436,7 @@
           <a:p>
             <a:fld id="{66665395-52C5-5E4B-BB20-CD4E0BBC9899}" type="datetimeFigureOut">
               <a:rPr lang="en-GB" smtClean="0"/>
-              <a:t>11/09/2018</a:t>
+              <a:t>12/09/2018</a:t>
             </a:fld>
             <a:endParaRPr lang="en-GB"/>
           </a:p>
@@ -3554,7 +3725,7 @@
           <a:p>
             <a:fld id="{66665395-52C5-5E4B-BB20-CD4E0BBC9899}" type="datetimeFigureOut">
               <a:rPr lang="en-GB" smtClean="0"/>
-              <a:t>11/09/2018</a:t>
+              <a:t>12/09/2018</a:t>
             </a:fld>
             <a:endParaRPr lang="en-GB"/>
           </a:p>
@@ -3797,7 +3968,7 @@
           <a:p>
             <a:fld id="{66665395-52C5-5E4B-BB20-CD4E0BBC9899}" type="datetimeFigureOut">
               <a:rPr lang="en-GB" smtClean="0"/>
-              <a:t>11/09/2018</a:t>
+              <a:t>12/09/2018</a:t>
             </a:fld>
             <a:endParaRPr lang="en-GB"/>
           </a:p>
@@ -4265,7 +4436,7 @@
           <a:p>
             <a:r>
               <a:rPr lang="da-DK" dirty="0"/>
-              <a:t>2.2: F# som en lommeregner</a:t>
+              <a:t>2.3: Typer, operatorer, præcedens, association</a:t>
             </a:r>
           </a:p>
         </p:txBody>
@@ -4280,6 +4451,2459 @@
   <p:clrMapOvr>
     <a:masterClrMapping/>
   </p:clrMapOvr>
+</p:sld>
+</file>
+
+<file path=ppt/slides/slide10.xml><?xml version="1.0" encoding="utf-8"?>
+<p:sld xmlns:a="http://schemas.openxmlformats.org/drawingml/2006/main" xmlns:r="http://schemas.openxmlformats.org/officeDocument/2006/relationships" xmlns:p="http://schemas.openxmlformats.org/presentationml/2006/main">
+  <p:cSld>
+    <p:spTree>
+      <p:nvGrpSpPr>
+        <p:cNvPr id="1" name=""/>
+        <p:cNvGrpSpPr/>
+        <p:nvPr/>
+      </p:nvGrpSpPr>
+      <p:grpSpPr>
+        <a:xfrm>
+          <a:off x="0" y="0"/>
+          <a:ext cx="0" cy="0"/>
+          <a:chOff x="0" y="0"/>
+          <a:chExt cx="0" cy="0"/>
+        </a:xfrm>
+      </p:grpSpPr>
+      <p:sp>
+        <p:nvSpPr>
+          <p:cNvPr id="2" name="Title 1">
+            <a:extLst>
+              <a:ext uri="{FF2B5EF4-FFF2-40B4-BE49-F238E27FC236}">
+                <a16:creationId xmlns:a16="http://schemas.microsoft.com/office/drawing/2014/main" id="{A6163BC1-C946-404A-841A-E7901DF9BF26}"/>
+              </a:ext>
+            </a:extLst>
+          </p:cNvPr>
+          <p:cNvSpPr>
+            <a:spLocks noGrp="1"/>
+          </p:cNvSpPr>
+          <p:nvPr>
+            <p:ph type="title"/>
+          </p:nvPr>
+        </p:nvSpPr>
+        <p:spPr>
+          <a:xfrm>
+            <a:off x="838199" y="365125"/>
+            <a:ext cx="10894017" cy="1325563"/>
+          </a:xfrm>
+        </p:spPr>
+        <p:txBody>
+          <a:bodyPr/>
+          <a:lstStyle/>
+          <a:p>
+            <a:r>
+              <a:rPr lang="en-GB" dirty="0"/>
+              <a:t>String </a:t>
+            </a:r>
+            <a:r>
+              <a:rPr lang="en-GB" dirty="0" err="1"/>
+              <a:t>slicing,boolske</a:t>
+            </a:r>
+            <a:r>
+              <a:rPr lang="en-GB" dirty="0"/>
+              <a:t> </a:t>
+            </a:r>
+            <a:r>
+              <a:rPr lang="en-GB" dirty="0" err="1"/>
+              <a:t>værdier</a:t>
+            </a:r>
+            <a:r>
+              <a:rPr lang="en-GB" dirty="0"/>
+              <a:t> </a:t>
+            </a:r>
+            <a:r>
+              <a:rPr lang="en-GB" dirty="0" err="1"/>
+              <a:t>og</a:t>
+            </a:r>
+            <a:r>
+              <a:rPr lang="en-GB" dirty="0"/>
+              <a:t> </a:t>
+            </a:r>
+            <a:r>
+              <a:rPr lang="en-GB" dirty="0" err="1"/>
+              <a:t>operatorer</a:t>
+            </a:r>
+            <a:endParaRPr lang="en-GB" dirty="0"/>
+          </a:p>
+        </p:txBody>
+      </p:sp>
+      <p:sp>
+        <p:nvSpPr>
+          <p:cNvPr id="4" name="Content Placeholder 2">
+            <a:extLst>
+              <a:ext uri="{FF2B5EF4-FFF2-40B4-BE49-F238E27FC236}">
+                <a16:creationId xmlns:a16="http://schemas.microsoft.com/office/drawing/2014/main" id="{3ED22099-B289-8744-AFEC-BC82A4A8BDBA}"/>
+              </a:ext>
+            </a:extLst>
+          </p:cNvPr>
+          <p:cNvSpPr txBox="1">
+            <a:spLocks/>
+          </p:cNvSpPr>
+          <p:nvPr/>
+        </p:nvSpPr>
+        <p:spPr>
+          <a:xfrm>
+            <a:off x="838200" y="2448340"/>
+            <a:ext cx="5035658" cy="2263145"/>
+          </a:xfrm>
+          <a:prstGeom prst="rect">
+            <a:avLst/>
+          </a:prstGeom>
+        </p:spPr>
+        <p:txBody>
+          <a:bodyPr vert="horz" lIns="91440" tIns="45720" rIns="91440" bIns="45720" rtlCol="0">
+            <a:normAutofit/>
+          </a:bodyPr>
+          <a:lstStyle>
+            <a:lvl1pPr marL="228600" indent="-228600" algn="l" defTabSz="914400" rtl="0" eaLnBrk="1" latinLnBrk="0" hangingPunct="1">
+              <a:lnSpc>
+                <a:spcPct val="90000"/>
+              </a:lnSpc>
+              <a:spcBef>
+                <a:spcPts val="1000"/>
+              </a:spcBef>
+              <a:buFont typeface="Arial" panose="020B0604020202020204" pitchFamily="34" charset="0"/>
+              <a:buChar char="•"/>
+              <a:defRPr sz="2800" kern="1200">
+                <a:solidFill>
+                  <a:schemeClr val="tx1"/>
+                </a:solidFill>
+                <a:latin typeface="+mn-lt"/>
+                <a:ea typeface="+mn-ea"/>
+                <a:cs typeface="+mn-cs"/>
+              </a:defRPr>
+            </a:lvl1pPr>
+            <a:lvl2pPr marL="685800" indent="-228600" algn="l" defTabSz="914400" rtl="0" eaLnBrk="1" latinLnBrk="0" hangingPunct="1">
+              <a:lnSpc>
+                <a:spcPct val="90000"/>
+              </a:lnSpc>
+              <a:spcBef>
+                <a:spcPts val="500"/>
+              </a:spcBef>
+              <a:buFont typeface="Arial" panose="020B0604020202020204" pitchFamily="34" charset="0"/>
+              <a:buChar char="•"/>
+              <a:defRPr sz="2400" kern="1200">
+                <a:solidFill>
+                  <a:schemeClr val="tx1"/>
+                </a:solidFill>
+                <a:latin typeface="+mn-lt"/>
+                <a:ea typeface="+mn-ea"/>
+                <a:cs typeface="+mn-cs"/>
+              </a:defRPr>
+            </a:lvl2pPr>
+            <a:lvl3pPr marL="1143000" indent="-228600" algn="l" defTabSz="914400" rtl="0" eaLnBrk="1" latinLnBrk="0" hangingPunct="1">
+              <a:lnSpc>
+                <a:spcPct val="90000"/>
+              </a:lnSpc>
+              <a:spcBef>
+                <a:spcPts val="500"/>
+              </a:spcBef>
+              <a:buFont typeface="Arial" panose="020B0604020202020204" pitchFamily="34" charset="0"/>
+              <a:buChar char="•"/>
+              <a:defRPr sz="2000" kern="1200">
+                <a:solidFill>
+                  <a:schemeClr val="tx1"/>
+                </a:solidFill>
+                <a:latin typeface="+mn-lt"/>
+                <a:ea typeface="+mn-ea"/>
+                <a:cs typeface="+mn-cs"/>
+              </a:defRPr>
+            </a:lvl3pPr>
+            <a:lvl4pPr marL="1600200" indent="-228600" algn="l" defTabSz="914400" rtl="0" eaLnBrk="1" latinLnBrk="0" hangingPunct="1">
+              <a:lnSpc>
+                <a:spcPct val="90000"/>
+              </a:lnSpc>
+              <a:spcBef>
+                <a:spcPts val="500"/>
+              </a:spcBef>
+              <a:buFont typeface="Arial" panose="020B0604020202020204" pitchFamily="34" charset="0"/>
+              <a:buChar char="•"/>
+              <a:defRPr sz="1800" kern="1200">
+                <a:solidFill>
+                  <a:schemeClr val="tx1"/>
+                </a:solidFill>
+                <a:latin typeface="+mn-lt"/>
+                <a:ea typeface="+mn-ea"/>
+                <a:cs typeface="+mn-cs"/>
+              </a:defRPr>
+            </a:lvl4pPr>
+            <a:lvl5pPr marL="2057400" indent="-228600" algn="l" defTabSz="914400" rtl="0" eaLnBrk="1" latinLnBrk="0" hangingPunct="1">
+              <a:lnSpc>
+                <a:spcPct val="90000"/>
+              </a:lnSpc>
+              <a:spcBef>
+                <a:spcPts val="500"/>
+              </a:spcBef>
+              <a:buFont typeface="Arial" panose="020B0604020202020204" pitchFamily="34" charset="0"/>
+              <a:buChar char="•"/>
+              <a:defRPr sz="1800" kern="1200">
+                <a:solidFill>
+                  <a:schemeClr val="tx1"/>
+                </a:solidFill>
+                <a:latin typeface="+mn-lt"/>
+                <a:ea typeface="+mn-ea"/>
+                <a:cs typeface="+mn-cs"/>
+              </a:defRPr>
+            </a:lvl5pPr>
+            <a:lvl6pPr marL="2514600" indent="-228600" algn="l" defTabSz="914400" rtl="0" eaLnBrk="1" latinLnBrk="0" hangingPunct="1">
+              <a:lnSpc>
+                <a:spcPct val="90000"/>
+              </a:lnSpc>
+              <a:spcBef>
+                <a:spcPts val="500"/>
+              </a:spcBef>
+              <a:buFont typeface="Arial" panose="020B0604020202020204" pitchFamily="34" charset="0"/>
+              <a:buChar char="•"/>
+              <a:defRPr sz="1800" kern="1200">
+                <a:solidFill>
+                  <a:schemeClr val="tx1"/>
+                </a:solidFill>
+                <a:latin typeface="+mn-lt"/>
+                <a:ea typeface="+mn-ea"/>
+                <a:cs typeface="+mn-cs"/>
+              </a:defRPr>
+            </a:lvl6pPr>
+            <a:lvl7pPr marL="2971800" indent="-228600" algn="l" defTabSz="914400" rtl="0" eaLnBrk="1" latinLnBrk="0" hangingPunct="1">
+              <a:lnSpc>
+                <a:spcPct val="90000"/>
+              </a:lnSpc>
+              <a:spcBef>
+                <a:spcPts val="500"/>
+              </a:spcBef>
+              <a:buFont typeface="Arial" panose="020B0604020202020204" pitchFamily="34" charset="0"/>
+              <a:buChar char="•"/>
+              <a:defRPr sz="1800" kern="1200">
+                <a:solidFill>
+                  <a:schemeClr val="tx1"/>
+                </a:solidFill>
+                <a:latin typeface="+mn-lt"/>
+                <a:ea typeface="+mn-ea"/>
+                <a:cs typeface="+mn-cs"/>
+              </a:defRPr>
+            </a:lvl7pPr>
+            <a:lvl8pPr marL="3429000" indent="-228600" algn="l" defTabSz="914400" rtl="0" eaLnBrk="1" latinLnBrk="0" hangingPunct="1">
+              <a:lnSpc>
+                <a:spcPct val="90000"/>
+              </a:lnSpc>
+              <a:spcBef>
+                <a:spcPts val="500"/>
+              </a:spcBef>
+              <a:buFont typeface="Arial" panose="020B0604020202020204" pitchFamily="34" charset="0"/>
+              <a:buChar char="•"/>
+              <a:defRPr sz="1800" kern="1200">
+                <a:solidFill>
+                  <a:schemeClr val="tx1"/>
+                </a:solidFill>
+                <a:latin typeface="+mn-lt"/>
+                <a:ea typeface="+mn-ea"/>
+                <a:cs typeface="+mn-cs"/>
+              </a:defRPr>
+            </a:lvl8pPr>
+            <a:lvl9pPr marL="3886200" indent="-228600" algn="l" defTabSz="914400" rtl="0" eaLnBrk="1" latinLnBrk="0" hangingPunct="1">
+              <a:lnSpc>
+                <a:spcPct val="90000"/>
+              </a:lnSpc>
+              <a:spcBef>
+                <a:spcPts val="500"/>
+              </a:spcBef>
+              <a:buFont typeface="Arial" panose="020B0604020202020204" pitchFamily="34" charset="0"/>
+              <a:buChar char="•"/>
+              <a:defRPr sz="1800" kern="1200">
+                <a:solidFill>
+                  <a:schemeClr val="tx1"/>
+                </a:solidFill>
+                <a:latin typeface="+mn-lt"/>
+                <a:ea typeface="+mn-ea"/>
+                <a:cs typeface="+mn-cs"/>
+              </a:defRPr>
+            </a:lvl9pPr>
+          </a:lstStyle>
+          <a:p>
+            <a:pPr marL="0" indent="0">
+              <a:lnSpc>
+                <a:spcPct val="100000"/>
+              </a:lnSpc>
+              <a:buNone/>
+            </a:pPr>
+            <a:r>
+              <a:rPr lang="en-GB" sz="1400" u="sng" dirty="0">
+                <a:latin typeface="DejaVu Sans Book" panose="020B0603030804020204" pitchFamily="34" charset="0"/>
+                <a:ea typeface="DejaVu Sans Book" panose="020B0603030804020204" pitchFamily="34" charset="0"/>
+                <a:cs typeface="DejaVu Sans Book" panose="020B0603030804020204" pitchFamily="34" charset="0"/>
+              </a:rPr>
+              <a:t>"</a:t>
+            </a:r>
+            <a:r>
+              <a:rPr lang="en-GB" sz="1400" u="sng" dirty="0" err="1">
+                <a:latin typeface="DejaVu Sans Book" panose="020B0603030804020204" pitchFamily="34" charset="0"/>
+                <a:ea typeface="DejaVu Sans Book" panose="020B0603030804020204" pitchFamily="34" charset="0"/>
+                <a:cs typeface="DejaVu Sans Book" panose="020B0603030804020204" pitchFamily="34" charset="0"/>
+              </a:rPr>
+              <a:t>abcdefghijkl</a:t>
+            </a:r>
+            <a:r>
+              <a:rPr lang="en-GB" sz="1400" u="sng" dirty="0">
+                <a:latin typeface="DejaVu Sans Book" panose="020B0603030804020204" pitchFamily="34" charset="0"/>
+                <a:ea typeface="DejaVu Sans Book" panose="020B0603030804020204" pitchFamily="34" charset="0"/>
+                <a:cs typeface="DejaVu Sans Book" panose="020B0603030804020204" pitchFamily="34" charset="0"/>
+              </a:rPr>
+              <a:t>".[1]</a:t>
+            </a:r>
+          </a:p>
+          <a:p>
+            <a:pPr marL="0" indent="0">
+              <a:lnSpc>
+                <a:spcPct val="100000"/>
+              </a:lnSpc>
+              <a:buNone/>
+            </a:pPr>
+            <a:r>
+              <a:rPr lang="en-GB" sz="1400" u="sng" dirty="0">
+                <a:latin typeface="DejaVu Sans Book" panose="020B0603030804020204" pitchFamily="34" charset="0"/>
+                <a:ea typeface="DejaVu Sans Book" panose="020B0603030804020204" pitchFamily="34" charset="0"/>
+                <a:cs typeface="DejaVu Sans Book" panose="020B0603030804020204" pitchFamily="34" charset="0"/>
+              </a:rPr>
+              <a:t>"</a:t>
+            </a:r>
+            <a:r>
+              <a:rPr lang="en-GB" sz="1400" u="sng" dirty="0" err="1">
+                <a:latin typeface="DejaVu Sans Book" panose="020B0603030804020204" pitchFamily="34" charset="0"/>
+                <a:ea typeface="DejaVu Sans Book" panose="020B0603030804020204" pitchFamily="34" charset="0"/>
+                <a:cs typeface="DejaVu Sans Book" panose="020B0603030804020204" pitchFamily="34" charset="0"/>
+              </a:rPr>
+              <a:t>abcdefghijkl</a:t>
+            </a:r>
+            <a:r>
+              <a:rPr lang="en-GB" sz="1400" u="sng" dirty="0">
+                <a:latin typeface="DejaVu Sans Book" panose="020B0603030804020204" pitchFamily="34" charset="0"/>
+                <a:ea typeface="DejaVu Sans Book" panose="020B0603030804020204" pitchFamily="34" charset="0"/>
+                <a:cs typeface="DejaVu Sans Book" panose="020B0603030804020204" pitchFamily="34" charset="0"/>
+              </a:rPr>
+              <a:t>".[1..4]</a:t>
+            </a:r>
+          </a:p>
+          <a:p>
+            <a:pPr marL="0" indent="0">
+              <a:lnSpc>
+                <a:spcPct val="100000"/>
+              </a:lnSpc>
+              <a:buNone/>
+            </a:pPr>
+            <a:r>
+              <a:rPr lang="en-GB" sz="1400" u="sng" dirty="0">
+                <a:latin typeface="DejaVu Sans Book" panose="020B0603030804020204" pitchFamily="34" charset="0"/>
+                <a:ea typeface="DejaVu Sans Book" panose="020B0603030804020204" pitchFamily="34" charset="0"/>
+                <a:cs typeface="DejaVu Sans Book" panose="020B0603030804020204" pitchFamily="34" charset="0"/>
+              </a:rPr>
+              <a:t>"</a:t>
+            </a:r>
+            <a:r>
+              <a:rPr lang="en-GB" sz="1400" u="sng" dirty="0" err="1">
+                <a:latin typeface="DejaVu Sans Book" panose="020B0603030804020204" pitchFamily="34" charset="0"/>
+                <a:ea typeface="DejaVu Sans Book" panose="020B0603030804020204" pitchFamily="34" charset="0"/>
+                <a:cs typeface="DejaVu Sans Book" panose="020B0603030804020204" pitchFamily="34" charset="0"/>
+              </a:rPr>
+              <a:t>abcdefghijkl</a:t>
+            </a:r>
+            <a:r>
+              <a:rPr lang="en-GB" sz="1400" u="sng" dirty="0">
+                <a:latin typeface="DejaVu Sans Book" panose="020B0603030804020204" pitchFamily="34" charset="0"/>
+                <a:ea typeface="DejaVu Sans Book" panose="020B0603030804020204" pitchFamily="34" charset="0"/>
+                <a:cs typeface="DejaVu Sans Book" panose="020B0603030804020204" pitchFamily="34" charset="0"/>
+              </a:rPr>
+              <a:t>".[..4]</a:t>
+            </a:r>
+          </a:p>
+          <a:p>
+            <a:pPr marL="0" indent="0">
+              <a:lnSpc>
+                <a:spcPct val="100000"/>
+              </a:lnSpc>
+              <a:buNone/>
+            </a:pPr>
+            <a:r>
+              <a:rPr lang="en-GB" sz="1400" u="sng" dirty="0">
+                <a:latin typeface="DejaVu Sans Book" panose="020B0603030804020204" pitchFamily="34" charset="0"/>
+                <a:ea typeface="DejaVu Sans Book" panose="020B0603030804020204" pitchFamily="34" charset="0"/>
+                <a:cs typeface="DejaVu Sans Book" panose="020B0603030804020204" pitchFamily="34" charset="0"/>
+              </a:rPr>
+              <a:t>"</a:t>
+            </a:r>
+            <a:r>
+              <a:rPr lang="en-GB" sz="1400" u="sng" dirty="0" err="1">
+                <a:latin typeface="DejaVu Sans Book" panose="020B0603030804020204" pitchFamily="34" charset="0"/>
+                <a:ea typeface="DejaVu Sans Book" panose="020B0603030804020204" pitchFamily="34" charset="0"/>
+                <a:cs typeface="DejaVu Sans Book" panose="020B0603030804020204" pitchFamily="34" charset="0"/>
+              </a:rPr>
+              <a:t>abcdefghijkl</a:t>
+            </a:r>
+            <a:r>
+              <a:rPr lang="en-GB" sz="1400" u="sng" dirty="0">
+                <a:latin typeface="DejaVu Sans Book" panose="020B0603030804020204" pitchFamily="34" charset="0"/>
+                <a:ea typeface="DejaVu Sans Book" panose="020B0603030804020204" pitchFamily="34" charset="0"/>
+                <a:cs typeface="DejaVu Sans Book" panose="020B0603030804020204" pitchFamily="34" charset="0"/>
+              </a:rPr>
+              <a:t>".[4..]</a:t>
+            </a:r>
+          </a:p>
+          <a:p>
+            <a:pPr marL="0" indent="0">
+              <a:lnSpc>
+                <a:spcPct val="100000"/>
+              </a:lnSpc>
+              <a:buNone/>
+            </a:pPr>
+            <a:r>
+              <a:rPr lang="en-GB" sz="1400" u="sng" dirty="0">
+                <a:latin typeface="DejaVu Sans Book" panose="020B0603030804020204" pitchFamily="34" charset="0"/>
+                <a:ea typeface="DejaVu Sans Book" panose="020B0603030804020204" pitchFamily="34" charset="0"/>
+                <a:cs typeface="DejaVu Sans Book" panose="020B0603030804020204" pitchFamily="34" charset="0"/>
+              </a:rPr>
+              <a:t>"</a:t>
+            </a:r>
+            <a:r>
+              <a:rPr lang="en-GB" sz="1400" u="sng" dirty="0" err="1">
+                <a:latin typeface="DejaVu Sans Book" panose="020B0603030804020204" pitchFamily="34" charset="0"/>
+                <a:ea typeface="DejaVu Sans Book" panose="020B0603030804020204" pitchFamily="34" charset="0"/>
+                <a:cs typeface="DejaVu Sans Book" panose="020B0603030804020204" pitchFamily="34" charset="0"/>
+              </a:rPr>
+              <a:t>abcdefghijkl</a:t>
+            </a:r>
+            <a:r>
+              <a:rPr lang="en-GB" sz="1400" u="sng" dirty="0">
+                <a:latin typeface="DejaVu Sans Book" panose="020B0603030804020204" pitchFamily="34" charset="0"/>
+                <a:ea typeface="DejaVu Sans Book" panose="020B0603030804020204" pitchFamily="34" charset="0"/>
+                <a:cs typeface="DejaVu Sans Book" panose="020B0603030804020204" pitchFamily="34" charset="0"/>
+              </a:rPr>
+              <a:t>".Length</a:t>
+            </a:r>
+          </a:p>
+          <a:p>
+            <a:pPr marL="0" indent="0">
+              <a:lnSpc>
+                <a:spcPct val="100000"/>
+              </a:lnSpc>
+              <a:buNone/>
+            </a:pPr>
+            <a:r>
+              <a:rPr lang="en-GB" sz="1400" u="sng" dirty="0">
+                <a:latin typeface="DejaVu Sans Book" panose="020B0603030804020204" pitchFamily="34" charset="0"/>
+                <a:ea typeface="DejaVu Sans Book" panose="020B0603030804020204" pitchFamily="34" charset="0"/>
+                <a:cs typeface="DejaVu Sans Book" panose="020B0603030804020204" pitchFamily="34" charset="0"/>
+              </a:rPr>
+              <a:t>"</a:t>
+            </a:r>
+            <a:r>
+              <a:rPr lang="en-GB" sz="1400" u="sng" dirty="0" err="1">
+                <a:latin typeface="DejaVu Sans Book" panose="020B0603030804020204" pitchFamily="34" charset="0"/>
+                <a:ea typeface="DejaVu Sans Book" panose="020B0603030804020204" pitchFamily="34" charset="0"/>
+                <a:cs typeface="DejaVu Sans Book" panose="020B0603030804020204" pitchFamily="34" charset="0"/>
+              </a:rPr>
+              <a:t>abcdefghijkl</a:t>
+            </a:r>
+            <a:r>
+              <a:rPr lang="en-GB" sz="1400" u="sng" dirty="0">
+                <a:latin typeface="DejaVu Sans Book" panose="020B0603030804020204" pitchFamily="34" charset="0"/>
+                <a:ea typeface="DejaVu Sans Book" panose="020B0603030804020204" pitchFamily="34" charset="0"/>
+                <a:cs typeface="DejaVu Sans Book" panose="020B0603030804020204" pitchFamily="34" charset="0"/>
+              </a:rPr>
+              <a:t>".[0..11]</a:t>
+            </a:r>
+          </a:p>
+        </p:txBody>
+      </p:sp>
+      <p:sp>
+        <p:nvSpPr>
+          <p:cNvPr id="5" name="TextBox 4">
+            <a:extLst>
+              <a:ext uri="{FF2B5EF4-FFF2-40B4-BE49-F238E27FC236}">
+                <a16:creationId xmlns:a16="http://schemas.microsoft.com/office/drawing/2014/main" id="{70A7D154-B20E-F944-8F38-85810BBE11C4}"/>
+              </a:ext>
+            </a:extLst>
+          </p:cNvPr>
+          <p:cNvSpPr txBox="1"/>
+          <p:nvPr/>
+        </p:nvSpPr>
+        <p:spPr>
+          <a:xfrm>
+            <a:off x="2869673" y="2463401"/>
+            <a:ext cx="622286" cy="307777"/>
+          </a:xfrm>
+          <a:prstGeom prst="rect">
+            <a:avLst/>
+          </a:prstGeom>
+          <a:noFill/>
+        </p:spPr>
+        <p:txBody>
+          <a:bodyPr wrap="none" rtlCol="0">
+            <a:spAutoFit/>
+          </a:bodyPr>
+          <a:lstStyle/>
+          <a:p>
+            <a:r>
+              <a:rPr lang="en-GB" sz="1400" dirty="0">
+                <a:solidFill>
+                  <a:schemeClr val="accent6"/>
+                </a:solidFill>
+                <a:latin typeface="DejaVu Sans Book" panose="020B0603030804020204" pitchFamily="34" charset="0"/>
+                <a:ea typeface="DejaVu Sans Book" panose="020B0603030804020204" pitchFamily="34" charset="0"/>
+                <a:cs typeface="DejaVu Sans Book" panose="020B0603030804020204" pitchFamily="34" charset="0"/>
+              </a:rPr>
+              <a:t>= ‘b’</a:t>
+            </a:r>
+          </a:p>
+        </p:txBody>
+      </p:sp>
+      <p:sp>
+        <p:nvSpPr>
+          <p:cNvPr id="6" name="TextBox 5">
+            <a:extLst>
+              <a:ext uri="{FF2B5EF4-FFF2-40B4-BE49-F238E27FC236}">
+                <a16:creationId xmlns:a16="http://schemas.microsoft.com/office/drawing/2014/main" id="{46B24CC0-06A6-AB4D-9BA8-06AE0260AB42}"/>
+              </a:ext>
+            </a:extLst>
+          </p:cNvPr>
+          <p:cNvSpPr txBox="1"/>
+          <p:nvPr/>
+        </p:nvSpPr>
+        <p:spPr>
+          <a:xfrm>
+            <a:off x="2885062" y="2802174"/>
+            <a:ext cx="997389" cy="307777"/>
+          </a:xfrm>
+          <a:prstGeom prst="rect">
+            <a:avLst/>
+          </a:prstGeom>
+          <a:noFill/>
+        </p:spPr>
+        <p:txBody>
+          <a:bodyPr wrap="none" rtlCol="0">
+            <a:spAutoFit/>
+          </a:bodyPr>
+          <a:lstStyle/>
+          <a:p>
+            <a:r>
+              <a:rPr lang="en-GB" sz="1400" dirty="0">
+                <a:solidFill>
+                  <a:schemeClr val="accent6"/>
+                </a:solidFill>
+                <a:latin typeface="DejaVu Sans Book" panose="020B0603030804020204" pitchFamily="34" charset="0"/>
+                <a:ea typeface="DejaVu Sans Book" panose="020B0603030804020204" pitchFamily="34" charset="0"/>
+                <a:cs typeface="DejaVu Sans Book" panose="020B0603030804020204" pitchFamily="34" charset="0"/>
+              </a:rPr>
+              <a:t>= </a:t>
+            </a:r>
+            <a:r>
+              <a:rPr lang="da-DK" sz="1400" dirty="0">
+                <a:solidFill>
+                  <a:schemeClr val="accent6"/>
+                </a:solidFill>
+                <a:latin typeface="DejaVu Sans Book" panose="020B0603030804020204" pitchFamily="34" charset="0"/>
+                <a:ea typeface="DejaVu Sans Book" panose="020B0603030804020204" pitchFamily="34" charset="0"/>
+                <a:cs typeface="DejaVu Sans Book" panose="020B0603030804020204" pitchFamily="34" charset="0"/>
+              </a:rPr>
+              <a:t>"</a:t>
+            </a:r>
+            <a:r>
+              <a:rPr lang="da-DK" sz="1400" dirty="0" err="1">
+                <a:solidFill>
+                  <a:schemeClr val="accent6"/>
+                </a:solidFill>
+                <a:latin typeface="DejaVu Sans Book" panose="020B0603030804020204" pitchFamily="34" charset="0"/>
+                <a:ea typeface="DejaVu Sans Book" panose="020B0603030804020204" pitchFamily="34" charset="0"/>
+                <a:cs typeface="DejaVu Sans Book" panose="020B0603030804020204" pitchFamily="34" charset="0"/>
+              </a:rPr>
+              <a:t>bcde</a:t>
+            </a:r>
+            <a:r>
+              <a:rPr lang="da-DK" sz="1400" dirty="0">
+                <a:solidFill>
+                  <a:schemeClr val="accent6"/>
+                </a:solidFill>
+                <a:latin typeface="DejaVu Sans Book" panose="020B0603030804020204" pitchFamily="34" charset="0"/>
+                <a:ea typeface="DejaVu Sans Book" panose="020B0603030804020204" pitchFamily="34" charset="0"/>
+                <a:cs typeface="DejaVu Sans Book" panose="020B0603030804020204" pitchFamily="34" charset="0"/>
+              </a:rPr>
+              <a:t>"</a:t>
+            </a:r>
+            <a:endParaRPr lang="da-DK" sz="1400" dirty="0">
+              <a:latin typeface="DejaVu Sans Book" panose="020B0603030804020204" pitchFamily="34" charset="0"/>
+              <a:ea typeface="DejaVu Sans Book" panose="020B0603030804020204" pitchFamily="34" charset="0"/>
+              <a:cs typeface="DejaVu Sans Book" panose="020B0603030804020204" pitchFamily="34" charset="0"/>
+            </a:endParaRPr>
+          </a:p>
+        </p:txBody>
+      </p:sp>
+      <p:sp>
+        <p:nvSpPr>
+          <p:cNvPr id="7" name="TextBox 6">
+            <a:extLst>
+              <a:ext uri="{FF2B5EF4-FFF2-40B4-BE49-F238E27FC236}">
+                <a16:creationId xmlns:a16="http://schemas.microsoft.com/office/drawing/2014/main" id="{9E8D4D4A-512D-9542-BE39-0CDCD0221B4F}"/>
+              </a:ext>
+            </a:extLst>
+          </p:cNvPr>
+          <p:cNvSpPr txBox="1"/>
+          <p:nvPr/>
+        </p:nvSpPr>
+        <p:spPr>
+          <a:xfrm>
+            <a:off x="2885062" y="3140510"/>
+            <a:ext cx="1107996" cy="307777"/>
+          </a:xfrm>
+          <a:prstGeom prst="rect">
+            <a:avLst/>
+          </a:prstGeom>
+          <a:noFill/>
+        </p:spPr>
+        <p:txBody>
+          <a:bodyPr wrap="none" rtlCol="0">
+            <a:spAutoFit/>
+          </a:bodyPr>
+          <a:lstStyle/>
+          <a:p>
+            <a:r>
+              <a:rPr lang="en-GB" sz="1400" dirty="0">
+                <a:solidFill>
+                  <a:schemeClr val="accent6"/>
+                </a:solidFill>
+                <a:latin typeface="DejaVu Sans Book" panose="020B0603030804020204" pitchFamily="34" charset="0"/>
+                <a:ea typeface="DejaVu Sans Book" panose="020B0603030804020204" pitchFamily="34" charset="0"/>
+                <a:cs typeface="DejaVu Sans Book" panose="020B0603030804020204" pitchFamily="34" charset="0"/>
+              </a:rPr>
+              <a:t>= </a:t>
+            </a:r>
+            <a:r>
+              <a:rPr lang="da-DK" sz="1400" dirty="0">
+                <a:solidFill>
+                  <a:schemeClr val="accent6"/>
+                </a:solidFill>
+                <a:latin typeface="DejaVu Sans Book" panose="020B0603030804020204" pitchFamily="34" charset="0"/>
+                <a:ea typeface="DejaVu Sans Book" panose="020B0603030804020204" pitchFamily="34" charset="0"/>
+                <a:cs typeface="DejaVu Sans Book" panose="020B0603030804020204" pitchFamily="34" charset="0"/>
+              </a:rPr>
+              <a:t>"</a:t>
+            </a:r>
+            <a:r>
+              <a:rPr lang="da-DK" sz="1400" dirty="0" err="1">
+                <a:solidFill>
+                  <a:schemeClr val="accent6"/>
+                </a:solidFill>
+                <a:latin typeface="DejaVu Sans Book" panose="020B0603030804020204" pitchFamily="34" charset="0"/>
+                <a:ea typeface="DejaVu Sans Book" panose="020B0603030804020204" pitchFamily="34" charset="0"/>
+                <a:cs typeface="DejaVu Sans Book" panose="020B0603030804020204" pitchFamily="34" charset="0"/>
+              </a:rPr>
+              <a:t>abcde</a:t>
+            </a:r>
+            <a:r>
+              <a:rPr lang="da-DK" sz="1400" dirty="0">
+                <a:solidFill>
+                  <a:schemeClr val="accent6"/>
+                </a:solidFill>
+                <a:latin typeface="DejaVu Sans Book" panose="020B0603030804020204" pitchFamily="34" charset="0"/>
+                <a:ea typeface="DejaVu Sans Book" panose="020B0603030804020204" pitchFamily="34" charset="0"/>
+                <a:cs typeface="DejaVu Sans Book" panose="020B0603030804020204" pitchFamily="34" charset="0"/>
+              </a:rPr>
+              <a:t>"</a:t>
+            </a:r>
+          </a:p>
+        </p:txBody>
+      </p:sp>
+      <p:sp>
+        <p:nvSpPr>
+          <p:cNvPr id="8" name="TextBox 7">
+            <a:extLst>
+              <a:ext uri="{FF2B5EF4-FFF2-40B4-BE49-F238E27FC236}">
+                <a16:creationId xmlns:a16="http://schemas.microsoft.com/office/drawing/2014/main" id="{F94F2E34-AEA1-994D-A5F8-4B718BC3A03F}"/>
+              </a:ext>
+            </a:extLst>
+          </p:cNvPr>
+          <p:cNvSpPr txBox="1"/>
+          <p:nvPr/>
+        </p:nvSpPr>
+        <p:spPr>
+          <a:xfrm>
+            <a:off x="2885062" y="3494344"/>
+            <a:ext cx="1213794" cy="307777"/>
+          </a:xfrm>
+          <a:prstGeom prst="rect">
+            <a:avLst/>
+          </a:prstGeom>
+          <a:noFill/>
+        </p:spPr>
+        <p:txBody>
+          <a:bodyPr wrap="none" rtlCol="0">
+            <a:spAutoFit/>
+          </a:bodyPr>
+          <a:lstStyle/>
+          <a:p>
+            <a:r>
+              <a:rPr lang="en-GB" sz="1400" dirty="0">
+                <a:solidFill>
+                  <a:schemeClr val="accent6"/>
+                </a:solidFill>
+                <a:latin typeface="DejaVu Sans Book" panose="020B0603030804020204" pitchFamily="34" charset="0"/>
+                <a:ea typeface="DejaVu Sans Book" panose="020B0603030804020204" pitchFamily="34" charset="0"/>
+                <a:cs typeface="DejaVu Sans Book" panose="020B0603030804020204" pitchFamily="34" charset="0"/>
+              </a:rPr>
+              <a:t>= </a:t>
+            </a:r>
+            <a:r>
+              <a:rPr lang="da-DK" sz="1400" dirty="0">
+                <a:solidFill>
+                  <a:schemeClr val="accent6"/>
+                </a:solidFill>
+                <a:latin typeface="DejaVu Sans Book" panose="020B0603030804020204" pitchFamily="34" charset="0"/>
+                <a:ea typeface="DejaVu Sans Book" panose="020B0603030804020204" pitchFamily="34" charset="0"/>
+                <a:cs typeface="DejaVu Sans Book" panose="020B0603030804020204" pitchFamily="34" charset="0"/>
+              </a:rPr>
+              <a:t>"</a:t>
+            </a:r>
+            <a:r>
+              <a:rPr lang="da-DK" sz="1400" dirty="0" err="1">
+                <a:solidFill>
+                  <a:schemeClr val="accent6"/>
+                </a:solidFill>
+                <a:latin typeface="DejaVu Sans Book" panose="020B0603030804020204" pitchFamily="34" charset="0"/>
+                <a:ea typeface="DejaVu Sans Book" panose="020B0603030804020204" pitchFamily="34" charset="0"/>
+                <a:cs typeface="DejaVu Sans Book" panose="020B0603030804020204" pitchFamily="34" charset="0"/>
+              </a:rPr>
+              <a:t>efghijkl</a:t>
+            </a:r>
+            <a:r>
+              <a:rPr lang="da-DK" sz="1400" dirty="0">
+                <a:solidFill>
+                  <a:schemeClr val="accent6"/>
+                </a:solidFill>
+                <a:latin typeface="DejaVu Sans Book" panose="020B0603030804020204" pitchFamily="34" charset="0"/>
+                <a:ea typeface="DejaVu Sans Book" panose="020B0603030804020204" pitchFamily="34" charset="0"/>
+                <a:cs typeface="DejaVu Sans Book" panose="020B0603030804020204" pitchFamily="34" charset="0"/>
+              </a:rPr>
+              <a:t>"</a:t>
+            </a:r>
+          </a:p>
+        </p:txBody>
+      </p:sp>
+      <p:sp>
+        <p:nvSpPr>
+          <p:cNvPr id="9" name="TextBox 8">
+            <a:extLst>
+              <a:ext uri="{FF2B5EF4-FFF2-40B4-BE49-F238E27FC236}">
+                <a16:creationId xmlns:a16="http://schemas.microsoft.com/office/drawing/2014/main" id="{4E2E672D-9B66-4C40-81CA-90ADA0C718E5}"/>
+              </a:ext>
+            </a:extLst>
+          </p:cNvPr>
+          <p:cNvSpPr txBox="1"/>
+          <p:nvPr/>
+        </p:nvSpPr>
+        <p:spPr>
+          <a:xfrm>
+            <a:off x="2885062" y="3821913"/>
+            <a:ext cx="620683" cy="307777"/>
+          </a:xfrm>
+          <a:prstGeom prst="rect">
+            <a:avLst/>
+          </a:prstGeom>
+          <a:noFill/>
+        </p:spPr>
+        <p:txBody>
+          <a:bodyPr wrap="none" rtlCol="0">
+            <a:spAutoFit/>
+          </a:bodyPr>
+          <a:lstStyle/>
+          <a:p>
+            <a:r>
+              <a:rPr lang="en-GB" sz="1400" dirty="0">
+                <a:solidFill>
+                  <a:schemeClr val="accent6"/>
+                </a:solidFill>
+                <a:latin typeface="DejaVu Sans Book" panose="020B0603030804020204" pitchFamily="34" charset="0"/>
+                <a:ea typeface="DejaVu Sans Book" panose="020B0603030804020204" pitchFamily="34" charset="0"/>
+                <a:cs typeface="DejaVu Sans Book" panose="020B0603030804020204" pitchFamily="34" charset="0"/>
+              </a:rPr>
+              <a:t>= 12</a:t>
+            </a:r>
+          </a:p>
+        </p:txBody>
+      </p:sp>
+      <p:sp>
+        <p:nvSpPr>
+          <p:cNvPr id="10" name="TextBox 9">
+            <a:extLst>
+              <a:ext uri="{FF2B5EF4-FFF2-40B4-BE49-F238E27FC236}">
+                <a16:creationId xmlns:a16="http://schemas.microsoft.com/office/drawing/2014/main" id="{8E9AEB84-41DD-0541-9E2B-5C1D3F87D7AF}"/>
+              </a:ext>
+            </a:extLst>
+          </p:cNvPr>
+          <p:cNvSpPr txBox="1"/>
+          <p:nvPr/>
+        </p:nvSpPr>
+        <p:spPr>
+          <a:xfrm>
+            <a:off x="2885062" y="4144751"/>
+            <a:ext cx="1651414" cy="307777"/>
+          </a:xfrm>
+          <a:prstGeom prst="rect">
+            <a:avLst/>
+          </a:prstGeom>
+          <a:noFill/>
+        </p:spPr>
+        <p:txBody>
+          <a:bodyPr wrap="none" rtlCol="0">
+            <a:spAutoFit/>
+          </a:bodyPr>
+          <a:lstStyle/>
+          <a:p>
+            <a:r>
+              <a:rPr lang="en-GB" sz="1400" dirty="0">
+                <a:solidFill>
+                  <a:schemeClr val="accent6"/>
+                </a:solidFill>
+                <a:latin typeface="DejaVu Sans Book" panose="020B0603030804020204" pitchFamily="34" charset="0"/>
+                <a:ea typeface="DejaVu Sans Book" panose="020B0603030804020204" pitchFamily="34" charset="0"/>
+                <a:cs typeface="DejaVu Sans Book" panose="020B0603030804020204" pitchFamily="34" charset="0"/>
+              </a:rPr>
+              <a:t>= </a:t>
+            </a:r>
+            <a:r>
+              <a:rPr lang="da-DK" sz="1400" dirty="0">
+                <a:solidFill>
+                  <a:schemeClr val="accent6"/>
+                </a:solidFill>
+                <a:latin typeface="DejaVu Sans Book" panose="020B0603030804020204" pitchFamily="34" charset="0"/>
+                <a:ea typeface="DejaVu Sans Book" panose="020B0603030804020204" pitchFamily="34" charset="0"/>
+                <a:cs typeface="DejaVu Sans Book" panose="020B0603030804020204" pitchFamily="34" charset="0"/>
+              </a:rPr>
+              <a:t>"</a:t>
+            </a:r>
+            <a:r>
+              <a:rPr lang="da-DK" sz="1400" dirty="0" err="1">
+                <a:solidFill>
+                  <a:schemeClr val="accent6"/>
+                </a:solidFill>
+                <a:latin typeface="DejaVu Sans Book" panose="020B0603030804020204" pitchFamily="34" charset="0"/>
+                <a:ea typeface="DejaVu Sans Book" panose="020B0603030804020204" pitchFamily="34" charset="0"/>
+                <a:cs typeface="DejaVu Sans Book" panose="020B0603030804020204" pitchFamily="34" charset="0"/>
+              </a:rPr>
+              <a:t>abcdefghijkl</a:t>
+            </a:r>
+            <a:r>
+              <a:rPr lang="da-DK" sz="1400" dirty="0">
+                <a:solidFill>
+                  <a:schemeClr val="accent6"/>
+                </a:solidFill>
+                <a:latin typeface="DejaVu Sans Book" panose="020B0603030804020204" pitchFamily="34" charset="0"/>
+                <a:ea typeface="DejaVu Sans Book" panose="020B0603030804020204" pitchFamily="34" charset="0"/>
+                <a:cs typeface="DejaVu Sans Book" panose="020B0603030804020204" pitchFamily="34" charset="0"/>
+              </a:rPr>
+              <a:t>"</a:t>
+            </a:r>
+          </a:p>
+        </p:txBody>
+      </p:sp>
+      <p:cxnSp>
+        <p:nvCxnSpPr>
+          <p:cNvPr id="11" name="Straight Connector 10">
+            <a:extLst>
+              <a:ext uri="{FF2B5EF4-FFF2-40B4-BE49-F238E27FC236}">
+                <a16:creationId xmlns:a16="http://schemas.microsoft.com/office/drawing/2014/main" id="{43A35C5C-6344-6E43-8A27-C7973D85C453}"/>
+              </a:ext>
+            </a:extLst>
+          </p:cNvPr>
+          <p:cNvCxnSpPr>
+            <a:cxnSpLocks/>
+          </p:cNvCxnSpPr>
+          <p:nvPr/>
+        </p:nvCxnSpPr>
+        <p:spPr>
+          <a:xfrm>
+            <a:off x="5157614" y="1850267"/>
+            <a:ext cx="0" cy="4128437"/>
+          </a:xfrm>
+          <a:prstGeom prst="line">
+            <a:avLst/>
+          </a:prstGeom>
+        </p:spPr>
+        <p:style>
+          <a:lnRef idx="1">
+            <a:schemeClr val="accent1"/>
+          </a:lnRef>
+          <a:fillRef idx="0">
+            <a:schemeClr val="accent1"/>
+          </a:fillRef>
+          <a:effectRef idx="0">
+            <a:schemeClr val="accent1"/>
+          </a:effectRef>
+          <a:fontRef idx="minor">
+            <a:schemeClr val="tx1"/>
+          </a:fontRef>
+        </p:style>
+      </p:cxnSp>
+      <p:cxnSp>
+        <p:nvCxnSpPr>
+          <p:cNvPr id="12" name="Straight Connector 11">
+            <a:extLst>
+              <a:ext uri="{FF2B5EF4-FFF2-40B4-BE49-F238E27FC236}">
+                <a16:creationId xmlns:a16="http://schemas.microsoft.com/office/drawing/2014/main" id="{6E1D33A4-76E2-D446-BCF7-493D38BDAC2A}"/>
+              </a:ext>
+            </a:extLst>
+          </p:cNvPr>
+          <p:cNvCxnSpPr>
+            <a:cxnSpLocks/>
+          </p:cNvCxnSpPr>
+          <p:nvPr/>
+        </p:nvCxnSpPr>
+        <p:spPr>
+          <a:xfrm>
+            <a:off x="7178002" y="1850267"/>
+            <a:ext cx="0" cy="4128437"/>
+          </a:xfrm>
+          <a:prstGeom prst="line">
+            <a:avLst/>
+          </a:prstGeom>
+        </p:spPr>
+        <p:style>
+          <a:lnRef idx="1">
+            <a:schemeClr val="accent1"/>
+          </a:lnRef>
+          <a:fillRef idx="0">
+            <a:schemeClr val="accent1"/>
+          </a:fillRef>
+          <a:effectRef idx="0">
+            <a:schemeClr val="accent1"/>
+          </a:effectRef>
+          <a:fontRef idx="minor">
+            <a:schemeClr val="tx1"/>
+          </a:fontRef>
+        </p:style>
+      </p:cxnSp>
+      <p:cxnSp>
+        <p:nvCxnSpPr>
+          <p:cNvPr id="13" name="Straight Connector 12">
+            <a:extLst>
+              <a:ext uri="{FF2B5EF4-FFF2-40B4-BE49-F238E27FC236}">
+                <a16:creationId xmlns:a16="http://schemas.microsoft.com/office/drawing/2014/main" id="{A6BCB359-E1FE-8644-8A87-5185D54A1DFC}"/>
+              </a:ext>
+            </a:extLst>
+          </p:cNvPr>
+          <p:cNvCxnSpPr>
+            <a:cxnSpLocks/>
+          </p:cNvCxnSpPr>
+          <p:nvPr/>
+        </p:nvCxnSpPr>
+        <p:spPr>
+          <a:xfrm>
+            <a:off x="838200" y="1850267"/>
+            <a:ext cx="0" cy="4128437"/>
+          </a:xfrm>
+          <a:prstGeom prst="line">
+            <a:avLst/>
+          </a:prstGeom>
+        </p:spPr>
+        <p:style>
+          <a:lnRef idx="1">
+            <a:schemeClr val="accent1"/>
+          </a:lnRef>
+          <a:fillRef idx="0">
+            <a:schemeClr val="accent1"/>
+          </a:fillRef>
+          <a:effectRef idx="0">
+            <a:schemeClr val="accent1"/>
+          </a:effectRef>
+          <a:fontRef idx="minor">
+            <a:schemeClr val="tx1"/>
+          </a:fontRef>
+        </p:style>
+      </p:cxnSp>
+      <p:sp>
+        <p:nvSpPr>
+          <p:cNvPr id="14" name="TextBox 13">
+            <a:extLst>
+              <a:ext uri="{FF2B5EF4-FFF2-40B4-BE49-F238E27FC236}">
+                <a16:creationId xmlns:a16="http://schemas.microsoft.com/office/drawing/2014/main" id="{CA0AD8F8-6AC5-F246-B713-7DC57433057B}"/>
+              </a:ext>
+            </a:extLst>
+          </p:cNvPr>
+          <p:cNvSpPr txBox="1"/>
+          <p:nvPr/>
+        </p:nvSpPr>
+        <p:spPr>
+          <a:xfrm>
+            <a:off x="838200" y="1937208"/>
+            <a:ext cx="777777" cy="369332"/>
+          </a:xfrm>
+          <a:prstGeom prst="rect">
+            <a:avLst/>
+          </a:prstGeom>
+          <a:noFill/>
+        </p:spPr>
+        <p:txBody>
+          <a:bodyPr wrap="none" rtlCol="0">
+            <a:spAutoFit/>
+          </a:bodyPr>
+          <a:lstStyle/>
+          <a:p>
+            <a:r>
+              <a:rPr lang="en-GB" dirty="0"/>
+              <a:t>Slicing</a:t>
+            </a:r>
+          </a:p>
+        </p:txBody>
+      </p:sp>
+      <p:sp>
+        <p:nvSpPr>
+          <p:cNvPr id="15" name="TextBox 14">
+            <a:extLst>
+              <a:ext uri="{FF2B5EF4-FFF2-40B4-BE49-F238E27FC236}">
+                <a16:creationId xmlns:a16="http://schemas.microsoft.com/office/drawing/2014/main" id="{8356B932-90E4-6C44-AD0B-6FB04415C606}"/>
+              </a:ext>
+            </a:extLst>
+          </p:cNvPr>
+          <p:cNvSpPr txBox="1"/>
+          <p:nvPr/>
+        </p:nvSpPr>
+        <p:spPr>
+          <a:xfrm>
+            <a:off x="5157623" y="1691205"/>
+            <a:ext cx="1920859" cy="646331"/>
+          </a:xfrm>
+          <a:prstGeom prst="rect">
+            <a:avLst/>
+          </a:prstGeom>
+          <a:noFill/>
+        </p:spPr>
+        <p:txBody>
+          <a:bodyPr wrap="square" rtlCol="0">
+            <a:spAutoFit/>
+          </a:bodyPr>
+          <a:lstStyle/>
+          <a:p>
+            <a:r>
+              <a:rPr lang="en-GB" dirty="0" err="1"/>
+              <a:t>Boolske</a:t>
+            </a:r>
+            <a:r>
+              <a:rPr lang="en-GB" dirty="0"/>
+              <a:t> </a:t>
+            </a:r>
+            <a:r>
+              <a:rPr lang="en-GB" dirty="0" err="1"/>
+              <a:t>værdier</a:t>
+            </a:r>
+            <a:r>
+              <a:rPr lang="en-GB" dirty="0"/>
+              <a:t> </a:t>
+            </a:r>
+            <a:r>
+              <a:rPr lang="en-GB" dirty="0" err="1"/>
+              <a:t>og</a:t>
+            </a:r>
+            <a:r>
+              <a:rPr lang="en-GB" dirty="0"/>
+              <a:t> </a:t>
+            </a:r>
+            <a:r>
+              <a:rPr lang="en-GB" dirty="0" err="1"/>
+              <a:t>operatorer</a:t>
+            </a:r>
+            <a:endParaRPr lang="en-GB" dirty="0"/>
+          </a:p>
+        </p:txBody>
+      </p:sp>
+      <p:sp>
+        <p:nvSpPr>
+          <p:cNvPr id="16" name="TextBox 15">
+            <a:extLst>
+              <a:ext uri="{FF2B5EF4-FFF2-40B4-BE49-F238E27FC236}">
+                <a16:creationId xmlns:a16="http://schemas.microsoft.com/office/drawing/2014/main" id="{36C8B54D-CEC3-1245-A005-C594C8FC7D7D}"/>
+              </a:ext>
+            </a:extLst>
+          </p:cNvPr>
+          <p:cNvSpPr txBox="1"/>
+          <p:nvPr/>
+        </p:nvSpPr>
+        <p:spPr>
+          <a:xfrm>
+            <a:off x="7178002" y="1937208"/>
+            <a:ext cx="1821011" cy="369332"/>
+          </a:xfrm>
+          <a:prstGeom prst="rect">
+            <a:avLst/>
+          </a:prstGeom>
+          <a:noFill/>
+        </p:spPr>
+        <p:txBody>
+          <a:bodyPr wrap="none" rtlCol="0">
+            <a:spAutoFit/>
+          </a:bodyPr>
+          <a:lstStyle/>
+          <a:p>
+            <a:r>
+              <a:rPr lang="en-GB" dirty="0" err="1"/>
+              <a:t>Sammenligninger</a:t>
+            </a:r>
+            <a:endParaRPr lang="en-GB" dirty="0"/>
+          </a:p>
+        </p:txBody>
+      </p:sp>
+      <p:cxnSp>
+        <p:nvCxnSpPr>
+          <p:cNvPr id="17" name="Straight Connector 16">
+            <a:extLst>
+              <a:ext uri="{FF2B5EF4-FFF2-40B4-BE49-F238E27FC236}">
+                <a16:creationId xmlns:a16="http://schemas.microsoft.com/office/drawing/2014/main" id="{AEDB743F-031F-3046-8837-DC14E6C7782F}"/>
+              </a:ext>
+            </a:extLst>
+          </p:cNvPr>
+          <p:cNvCxnSpPr>
+            <a:cxnSpLocks/>
+          </p:cNvCxnSpPr>
+          <p:nvPr/>
+        </p:nvCxnSpPr>
+        <p:spPr>
+          <a:xfrm>
+            <a:off x="838200" y="2364376"/>
+            <a:ext cx="10515600" cy="0"/>
+          </a:xfrm>
+          <a:prstGeom prst="line">
+            <a:avLst/>
+          </a:prstGeom>
+        </p:spPr>
+        <p:style>
+          <a:lnRef idx="1">
+            <a:schemeClr val="accent1"/>
+          </a:lnRef>
+          <a:fillRef idx="0">
+            <a:schemeClr val="accent1"/>
+          </a:fillRef>
+          <a:effectRef idx="0">
+            <a:schemeClr val="accent1"/>
+          </a:effectRef>
+          <a:fontRef idx="minor">
+            <a:schemeClr val="tx1"/>
+          </a:fontRef>
+        </p:style>
+      </p:cxnSp>
+      <p:sp>
+        <p:nvSpPr>
+          <p:cNvPr id="18" name="Content Placeholder 2">
+            <a:extLst>
+              <a:ext uri="{FF2B5EF4-FFF2-40B4-BE49-F238E27FC236}">
+                <a16:creationId xmlns:a16="http://schemas.microsoft.com/office/drawing/2014/main" id="{D8D60602-7CDD-0B4A-8E36-293CE7E1ACE0}"/>
+              </a:ext>
+            </a:extLst>
+          </p:cNvPr>
+          <p:cNvSpPr txBox="1">
+            <a:spLocks/>
+          </p:cNvSpPr>
+          <p:nvPr/>
+        </p:nvSpPr>
+        <p:spPr>
+          <a:xfrm>
+            <a:off x="5113518" y="2455815"/>
+            <a:ext cx="1964964" cy="3373392"/>
+          </a:xfrm>
+          <a:prstGeom prst="rect">
+            <a:avLst/>
+          </a:prstGeom>
+        </p:spPr>
+        <p:txBody>
+          <a:bodyPr vert="horz" lIns="91440" tIns="45720" rIns="91440" bIns="45720" rtlCol="0">
+            <a:normAutofit/>
+          </a:bodyPr>
+          <a:lstStyle>
+            <a:lvl1pPr marL="228600" indent="-228600" algn="l" defTabSz="914400" rtl="0" eaLnBrk="1" latinLnBrk="0" hangingPunct="1">
+              <a:lnSpc>
+                <a:spcPct val="90000"/>
+              </a:lnSpc>
+              <a:spcBef>
+                <a:spcPts val="1000"/>
+              </a:spcBef>
+              <a:buFont typeface="Arial" panose="020B0604020202020204" pitchFamily="34" charset="0"/>
+              <a:buChar char="•"/>
+              <a:defRPr sz="2800" kern="1200">
+                <a:solidFill>
+                  <a:schemeClr val="tx1"/>
+                </a:solidFill>
+                <a:latin typeface="+mn-lt"/>
+                <a:ea typeface="+mn-ea"/>
+                <a:cs typeface="+mn-cs"/>
+              </a:defRPr>
+            </a:lvl1pPr>
+            <a:lvl2pPr marL="685800" indent="-228600" algn="l" defTabSz="914400" rtl="0" eaLnBrk="1" latinLnBrk="0" hangingPunct="1">
+              <a:lnSpc>
+                <a:spcPct val="90000"/>
+              </a:lnSpc>
+              <a:spcBef>
+                <a:spcPts val="500"/>
+              </a:spcBef>
+              <a:buFont typeface="Arial" panose="020B0604020202020204" pitchFamily="34" charset="0"/>
+              <a:buChar char="•"/>
+              <a:defRPr sz="2400" kern="1200">
+                <a:solidFill>
+                  <a:schemeClr val="tx1"/>
+                </a:solidFill>
+                <a:latin typeface="+mn-lt"/>
+                <a:ea typeface="+mn-ea"/>
+                <a:cs typeface="+mn-cs"/>
+              </a:defRPr>
+            </a:lvl2pPr>
+            <a:lvl3pPr marL="1143000" indent="-228600" algn="l" defTabSz="914400" rtl="0" eaLnBrk="1" latinLnBrk="0" hangingPunct="1">
+              <a:lnSpc>
+                <a:spcPct val="90000"/>
+              </a:lnSpc>
+              <a:spcBef>
+                <a:spcPts val="500"/>
+              </a:spcBef>
+              <a:buFont typeface="Arial" panose="020B0604020202020204" pitchFamily="34" charset="0"/>
+              <a:buChar char="•"/>
+              <a:defRPr sz="2000" kern="1200">
+                <a:solidFill>
+                  <a:schemeClr val="tx1"/>
+                </a:solidFill>
+                <a:latin typeface="+mn-lt"/>
+                <a:ea typeface="+mn-ea"/>
+                <a:cs typeface="+mn-cs"/>
+              </a:defRPr>
+            </a:lvl3pPr>
+            <a:lvl4pPr marL="1600200" indent="-228600" algn="l" defTabSz="914400" rtl="0" eaLnBrk="1" latinLnBrk="0" hangingPunct="1">
+              <a:lnSpc>
+                <a:spcPct val="90000"/>
+              </a:lnSpc>
+              <a:spcBef>
+                <a:spcPts val="500"/>
+              </a:spcBef>
+              <a:buFont typeface="Arial" panose="020B0604020202020204" pitchFamily="34" charset="0"/>
+              <a:buChar char="•"/>
+              <a:defRPr sz="1800" kern="1200">
+                <a:solidFill>
+                  <a:schemeClr val="tx1"/>
+                </a:solidFill>
+                <a:latin typeface="+mn-lt"/>
+                <a:ea typeface="+mn-ea"/>
+                <a:cs typeface="+mn-cs"/>
+              </a:defRPr>
+            </a:lvl4pPr>
+            <a:lvl5pPr marL="2057400" indent="-228600" algn="l" defTabSz="914400" rtl="0" eaLnBrk="1" latinLnBrk="0" hangingPunct="1">
+              <a:lnSpc>
+                <a:spcPct val="90000"/>
+              </a:lnSpc>
+              <a:spcBef>
+                <a:spcPts val="500"/>
+              </a:spcBef>
+              <a:buFont typeface="Arial" panose="020B0604020202020204" pitchFamily="34" charset="0"/>
+              <a:buChar char="•"/>
+              <a:defRPr sz="1800" kern="1200">
+                <a:solidFill>
+                  <a:schemeClr val="tx1"/>
+                </a:solidFill>
+                <a:latin typeface="+mn-lt"/>
+                <a:ea typeface="+mn-ea"/>
+                <a:cs typeface="+mn-cs"/>
+              </a:defRPr>
+            </a:lvl5pPr>
+            <a:lvl6pPr marL="2514600" indent="-228600" algn="l" defTabSz="914400" rtl="0" eaLnBrk="1" latinLnBrk="0" hangingPunct="1">
+              <a:lnSpc>
+                <a:spcPct val="90000"/>
+              </a:lnSpc>
+              <a:spcBef>
+                <a:spcPts val="500"/>
+              </a:spcBef>
+              <a:buFont typeface="Arial" panose="020B0604020202020204" pitchFamily="34" charset="0"/>
+              <a:buChar char="•"/>
+              <a:defRPr sz="1800" kern="1200">
+                <a:solidFill>
+                  <a:schemeClr val="tx1"/>
+                </a:solidFill>
+                <a:latin typeface="+mn-lt"/>
+                <a:ea typeface="+mn-ea"/>
+                <a:cs typeface="+mn-cs"/>
+              </a:defRPr>
+            </a:lvl6pPr>
+            <a:lvl7pPr marL="2971800" indent="-228600" algn="l" defTabSz="914400" rtl="0" eaLnBrk="1" latinLnBrk="0" hangingPunct="1">
+              <a:lnSpc>
+                <a:spcPct val="90000"/>
+              </a:lnSpc>
+              <a:spcBef>
+                <a:spcPts val="500"/>
+              </a:spcBef>
+              <a:buFont typeface="Arial" panose="020B0604020202020204" pitchFamily="34" charset="0"/>
+              <a:buChar char="•"/>
+              <a:defRPr sz="1800" kern="1200">
+                <a:solidFill>
+                  <a:schemeClr val="tx1"/>
+                </a:solidFill>
+                <a:latin typeface="+mn-lt"/>
+                <a:ea typeface="+mn-ea"/>
+                <a:cs typeface="+mn-cs"/>
+              </a:defRPr>
+            </a:lvl7pPr>
+            <a:lvl8pPr marL="3429000" indent="-228600" algn="l" defTabSz="914400" rtl="0" eaLnBrk="1" latinLnBrk="0" hangingPunct="1">
+              <a:lnSpc>
+                <a:spcPct val="90000"/>
+              </a:lnSpc>
+              <a:spcBef>
+                <a:spcPts val="500"/>
+              </a:spcBef>
+              <a:buFont typeface="Arial" panose="020B0604020202020204" pitchFamily="34" charset="0"/>
+              <a:buChar char="•"/>
+              <a:defRPr sz="1800" kern="1200">
+                <a:solidFill>
+                  <a:schemeClr val="tx1"/>
+                </a:solidFill>
+                <a:latin typeface="+mn-lt"/>
+                <a:ea typeface="+mn-ea"/>
+                <a:cs typeface="+mn-cs"/>
+              </a:defRPr>
+            </a:lvl8pPr>
+            <a:lvl9pPr marL="3886200" indent="-228600" algn="l" defTabSz="914400" rtl="0" eaLnBrk="1" latinLnBrk="0" hangingPunct="1">
+              <a:lnSpc>
+                <a:spcPct val="90000"/>
+              </a:lnSpc>
+              <a:spcBef>
+                <a:spcPts val="500"/>
+              </a:spcBef>
+              <a:buFont typeface="Arial" panose="020B0604020202020204" pitchFamily="34" charset="0"/>
+              <a:buChar char="•"/>
+              <a:defRPr sz="1800" kern="1200">
+                <a:solidFill>
+                  <a:schemeClr val="tx1"/>
+                </a:solidFill>
+                <a:latin typeface="+mn-lt"/>
+                <a:ea typeface="+mn-ea"/>
+                <a:cs typeface="+mn-cs"/>
+              </a:defRPr>
+            </a:lvl9pPr>
+          </a:lstStyle>
+          <a:p>
+            <a:pPr marL="0" indent="0">
+              <a:lnSpc>
+                <a:spcPct val="100000"/>
+              </a:lnSpc>
+              <a:buNone/>
+            </a:pPr>
+            <a:r>
+              <a:rPr lang="en-GB" sz="1400" dirty="0">
+                <a:latin typeface="DejaVu Sans Book" panose="020B0603030804020204" pitchFamily="34" charset="0"/>
+                <a:ea typeface="DejaVu Sans Book" panose="020B0603030804020204" pitchFamily="34" charset="0"/>
+                <a:cs typeface="DejaVu Sans Book" panose="020B0603030804020204" pitchFamily="34" charset="0"/>
+              </a:rPr>
+              <a:t>true = 1</a:t>
+            </a:r>
+          </a:p>
+          <a:p>
+            <a:pPr marL="0" indent="0">
+              <a:lnSpc>
+                <a:spcPct val="100000"/>
+              </a:lnSpc>
+              <a:buNone/>
+            </a:pPr>
+            <a:r>
+              <a:rPr lang="en-GB" sz="1400" dirty="0">
+                <a:latin typeface="DejaVu Sans Book" panose="020B0603030804020204" pitchFamily="34" charset="0"/>
+                <a:ea typeface="DejaVu Sans Book" panose="020B0603030804020204" pitchFamily="34" charset="0"/>
+                <a:cs typeface="DejaVu Sans Book" panose="020B0603030804020204" pitchFamily="34" charset="0"/>
+              </a:rPr>
+              <a:t>false = 0</a:t>
+            </a:r>
+          </a:p>
+          <a:p>
+            <a:pPr marL="0" indent="0">
+              <a:lnSpc>
+                <a:spcPct val="100000"/>
+              </a:lnSpc>
+              <a:buNone/>
+            </a:pPr>
+            <a:r>
+              <a:rPr lang="en-GB" sz="1400" dirty="0">
+                <a:latin typeface="DejaVu Sans Book" panose="020B0603030804020204" pitchFamily="34" charset="0"/>
+                <a:ea typeface="DejaVu Sans Book" panose="020B0603030804020204" pitchFamily="34" charset="0"/>
+                <a:cs typeface="DejaVu Sans Book" panose="020B0603030804020204" pitchFamily="34" charset="0"/>
+              </a:rPr>
+              <a:t>a &amp;&amp; b</a:t>
+            </a:r>
+          </a:p>
+          <a:p>
+            <a:pPr marL="0" indent="0">
+              <a:lnSpc>
+                <a:spcPct val="100000"/>
+              </a:lnSpc>
+              <a:buNone/>
+            </a:pPr>
+            <a:r>
+              <a:rPr lang="en-GB" sz="1400" dirty="0">
+                <a:latin typeface="DejaVu Sans Book" panose="020B0603030804020204" pitchFamily="34" charset="0"/>
+                <a:ea typeface="DejaVu Sans Book" panose="020B0603030804020204" pitchFamily="34" charset="0"/>
+                <a:cs typeface="DejaVu Sans Book" panose="020B0603030804020204" pitchFamily="34" charset="0"/>
+              </a:rPr>
+              <a:t>a || b</a:t>
+            </a:r>
+          </a:p>
+          <a:p>
+            <a:pPr marL="0" indent="0">
+              <a:lnSpc>
+                <a:spcPct val="100000"/>
+              </a:lnSpc>
+              <a:buNone/>
+            </a:pPr>
+            <a:r>
+              <a:rPr lang="en-GB" sz="1400" dirty="0">
+                <a:latin typeface="DejaVu Sans Book" panose="020B0603030804020204" pitchFamily="34" charset="0"/>
+                <a:ea typeface="DejaVu Sans Book" panose="020B0603030804020204" pitchFamily="34" charset="0"/>
+                <a:cs typeface="DejaVu Sans Book" panose="020B0603030804020204" pitchFamily="34" charset="0"/>
+              </a:rPr>
+              <a:t>not a</a:t>
+            </a:r>
+            <a:endParaRPr lang="en-GB" sz="1400" u="sng" dirty="0">
+              <a:latin typeface="DejaVu Sans Book" panose="020B0603030804020204" pitchFamily="34" charset="0"/>
+              <a:ea typeface="DejaVu Sans Book" panose="020B0603030804020204" pitchFamily="34" charset="0"/>
+              <a:cs typeface="DejaVu Sans Book" panose="020B0603030804020204" pitchFamily="34" charset="0"/>
+            </a:endParaRPr>
+          </a:p>
+        </p:txBody>
+      </p:sp>
+      <p:sp>
+        <p:nvSpPr>
+          <p:cNvPr id="19" name="Content Placeholder 2">
+            <a:extLst>
+              <a:ext uri="{FF2B5EF4-FFF2-40B4-BE49-F238E27FC236}">
+                <a16:creationId xmlns:a16="http://schemas.microsoft.com/office/drawing/2014/main" id="{5262AE0A-9828-7445-AA6C-476F973328F1}"/>
+              </a:ext>
+            </a:extLst>
+          </p:cNvPr>
+          <p:cNvSpPr txBox="1">
+            <a:spLocks/>
+          </p:cNvSpPr>
+          <p:nvPr/>
+        </p:nvSpPr>
+        <p:spPr>
+          <a:xfrm>
+            <a:off x="7183609" y="2448340"/>
+            <a:ext cx="1964964" cy="3373392"/>
+          </a:xfrm>
+          <a:prstGeom prst="rect">
+            <a:avLst/>
+          </a:prstGeom>
+        </p:spPr>
+        <p:txBody>
+          <a:bodyPr vert="horz" lIns="91440" tIns="45720" rIns="91440" bIns="45720" rtlCol="0">
+            <a:normAutofit/>
+          </a:bodyPr>
+          <a:lstStyle>
+            <a:lvl1pPr marL="228600" indent="-228600" algn="l" defTabSz="914400" rtl="0" eaLnBrk="1" latinLnBrk="0" hangingPunct="1">
+              <a:lnSpc>
+                <a:spcPct val="90000"/>
+              </a:lnSpc>
+              <a:spcBef>
+                <a:spcPts val="1000"/>
+              </a:spcBef>
+              <a:buFont typeface="Arial" panose="020B0604020202020204" pitchFamily="34" charset="0"/>
+              <a:buChar char="•"/>
+              <a:defRPr sz="2800" kern="1200">
+                <a:solidFill>
+                  <a:schemeClr val="tx1"/>
+                </a:solidFill>
+                <a:latin typeface="+mn-lt"/>
+                <a:ea typeface="+mn-ea"/>
+                <a:cs typeface="+mn-cs"/>
+              </a:defRPr>
+            </a:lvl1pPr>
+            <a:lvl2pPr marL="685800" indent="-228600" algn="l" defTabSz="914400" rtl="0" eaLnBrk="1" latinLnBrk="0" hangingPunct="1">
+              <a:lnSpc>
+                <a:spcPct val="90000"/>
+              </a:lnSpc>
+              <a:spcBef>
+                <a:spcPts val="500"/>
+              </a:spcBef>
+              <a:buFont typeface="Arial" panose="020B0604020202020204" pitchFamily="34" charset="0"/>
+              <a:buChar char="•"/>
+              <a:defRPr sz="2400" kern="1200">
+                <a:solidFill>
+                  <a:schemeClr val="tx1"/>
+                </a:solidFill>
+                <a:latin typeface="+mn-lt"/>
+                <a:ea typeface="+mn-ea"/>
+                <a:cs typeface="+mn-cs"/>
+              </a:defRPr>
+            </a:lvl2pPr>
+            <a:lvl3pPr marL="1143000" indent="-228600" algn="l" defTabSz="914400" rtl="0" eaLnBrk="1" latinLnBrk="0" hangingPunct="1">
+              <a:lnSpc>
+                <a:spcPct val="90000"/>
+              </a:lnSpc>
+              <a:spcBef>
+                <a:spcPts val="500"/>
+              </a:spcBef>
+              <a:buFont typeface="Arial" panose="020B0604020202020204" pitchFamily="34" charset="0"/>
+              <a:buChar char="•"/>
+              <a:defRPr sz="2000" kern="1200">
+                <a:solidFill>
+                  <a:schemeClr val="tx1"/>
+                </a:solidFill>
+                <a:latin typeface="+mn-lt"/>
+                <a:ea typeface="+mn-ea"/>
+                <a:cs typeface="+mn-cs"/>
+              </a:defRPr>
+            </a:lvl3pPr>
+            <a:lvl4pPr marL="1600200" indent="-228600" algn="l" defTabSz="914400" rtl="0" eaLnBrk="1" latinLnBrk="0" hangingPunct="1">
+              <a:lnSpc>
+                <a:spcPct val="90000"/>
+              </a:lnSpc>
+              <a:spcBef>
+                <a:spcPts val="500"/>
+              </a:spcBef>
+              <a:buFont typeface="Arial" panose="020B0604020202020204" pitchFamily="34" charset="0"/>
+              <a:buChar char="•"/>
+              <a:defRPr sz="1800" kern="1200">
+                <a:solidFill>
+                  <a:schemeClr val="tx1"/>
+                </a:solidFill>
+                <a:latin typeface="+mn-lt"/>
+                <a:ea typeface="+mn-ea"/>
+                <a:cs typeface="+mn-cs"/>
+              </a:defRPr>
+            </a:lvl4pPr>
+            <a:lvl5pPr marL="2057400" indent="-228600" algn="l" defTabSz="914400" rtl="0" eaLnBrk="1" latinLnBrk="0" hangingPunct="1">
+              <a:lnSpc>
+                <a:spcPct val="90000"/>
+              </a:lnSpc>
+              <a:spcBef>
+                <a:spcPts val="500"/>
+              </a:spcBef>
+              <a:buFont typeface="Arial" panose="020B0604020202020204" pitchFamily="34" charset="0"/>
+              <a:buChar char="•"/>
+              <a:defRPr sz="1800" kern="1200">
+                <a:solidFill>
+                  <a:schemeClr val="tx1"/>
+                </a:solidFill>
+                <a:latin typeface="+mn-lt"/>
+                <a:ea typeface="+mn-ea"/>
+                <a:cs typeface="+mn-cs"/>
+              </a:defRPr>
+            </a:lvl5pPr>
+            <a:lvl6pPr marL="2514600" indent="-228600" algn="l" defTabSz="914400" rtl="0" eaLnBrk="1" latinLnBrk="0" hangingPunct="1">
+              <a:lnSpc>
+                <a:spcPct val="90000"/>
+              </a:lnSpc>
+              <a:spcBef>
+                <a:spcPts val="500"/>
+              </a:spcBef>
+              <a:buFont typeface="Arial" panose="020B0604020202020204" pitchFamily="34" charset="0"/>
+              <a:buChar char="•"/>
+              <a:defRPr sz="1800" kern="1200">
+                <a:solidFill>
+                  <a:schemeClr val="tx1"/>
+                </a:solidFill>
+                <a:latin typeface="+mn-lt"/>
+                <a:ea typeface="+mn-ea"/>
+                <a:cs typeface="+mn-cs"/>
+              </a:defRPr>
+            </a:lvl6pPr>
+            <a:lvl7pPr marL="2971800" indent="-228600" algn="l" defTabSz="914400" rtl="0" eaLnBrk="1" latinLnBrk="0" hangingPunct="1">
+              <a:lnSpc>
+                <a:spcPct val="90000"/>
+              </a:lnSpc>
+              <a:spcBef>
+                <a:spcPts val="500"/>
+              </a:spcBef>
+              <a:buFont typeface="Arial" panose="020B0604020202020204" pitchFamily="34" charset="0"/>
+              <a:buChar char="•"/>
+              <a:defRPr sz="1800" kern="1200">
+                <a:solidFill>
+                  <a:schemeClr val="tx1"/>
+                </a:solidFill>
+                <a:latin typeface="+mn-lt"/>
+                <a:ea typeface="+mn-ea"/>
+                <a:cs typeface="+mn-cs"/>
+              </a:defRPr>
+            </a:lvl7pPr>
+            <a:lvl8pPr marL="3429000" indent="-228600" algn="l" defTabSz="914400" rtl="0" eaLnBrk="1" latinLnBrk="0" hangingPunct="1">
+              <a:lnSpc>
+                <a:spcPct val="90000"/>
+              </a:lnSpc>
+              <a:spcBef>
+                <a:spcPts val="500"/>
+              </a:spcBef>
+              <a:buFont typeface="Arial" panose="020B0604020202020204" pitchFamily="34" charset="0"/>
+              <a:buChar char="•"/>
+              <a:defRPr sz="1800" kern="1200">
+                <a:solidFill>
+                  <a:schemeClr val="tx1"/>
+                </a:solidFill>
+                <a:latin typeface="+mn-lt"/>
+                <a:ea typeface="+mn-ea"/>
+                <a:cs typeface="+mn-cs"/>
+              </a:defRPr>
+            </a:lvl8pPr>
+            <a:lvl9pPr marL="3886200" indent="-228600" algn="l" defTabSz="914400" rtl="0" eaLnBrk="1" latinLnBrk="0" hangingPunct="1">
+              <a:lnSpc>
+                <a:spcPct val="90000"/>
+              </a:lnSpc>
+              <a:spcBef>
+                <a:spcPts val="500"/>
+              </a:spcBef>
+              <a:buFont typeface="Arial" panose="020B0604020202020204" pitchFamily="34" charset="0"/>
+              <a:buChar char="•"/>
+              <a:defRPr sz="1800" kern="1200">
+                <a:solidFill>
+                  <a:schemeClr val="tx1"/>
+                </a:solidFill>
+                <a:latin typeface="+mn-lt"/>
+                <a:ea typeface="+mn-ea"/>
+                <a:cs typeface="+mn-cs"/>
+              </a:defRPr>
+            </a:lvl9pPr>
+          </a:lstStyle>
+          <a:p>
+            <a:pPr marL="0" indent="0">
+              <a:lnSpc>
+                <a:spcPct val="100000"/>
+              </a:lnSpc>
+              <a:buNone/>
+            </a:pPr>
+            <a:r>
+              <a:rPr lang="en-GB" sz="1400" dirty="0">
+                <a:latin typeface="DejaVu Sans Book" panose="020B0603030804020204" pitchFamily="34" charset="0"/>
+                <a:ea typeface="DejaVu Sans Book" panose="020B0603030804020204" pitchFamily="34" charset="0"/>
+                <a:cs typeface="DejaVu Sans Book" panose="020B0603030804020204" pitchFamily="34" charset="0"/>
+              </a:rPr>
+              <a:t>3 &lt; 4</a:t>
+            </a:r>
+          </a:p>
+          <a:p>
+            <a:pPr marL="0" indent="0">
+              <a:lnSpc>
+                <a:spcPct val="100000"/>
+              </a:lnSpc>
+              <a:buNone/>
+            </a:pPr>
+            <a:r>
+              <a:rPr lang="en-GB" sz="1400" dirty="0">
+                <a:latin typeface="DejaVu Sans Book" panose="020B0603030804020204" pitchFamily="34" charset="0"/>
+                <a:ea typeface="DejaVu Sans Book" panose="020B0603030804020204" pitchFamily="34" charset="0"/>
+                <a:cs typeface="DejaVu Sans Book" panose="020B0603030804020204" pitchFamily="34" charset="0"/>
+              </a:rPr>
+              <a:t>3 &gt; 4</a:t>
+            </a:r>
+          </a:p>
+          <a:p>
+            <a:pPr marL="0" indent="0">
+              <a:lnSpc>
+                <a:spcPct val="100000"/>
+              </a:lnSpc>
+              <a:buNone/>
+            </a:pPr>
+            <a:r>
+              <a:rPr lang="en-GB" sz="1400" dirty="0">
+                <a:latin typeface="DejaVu Sans Book" panose="020B0603030804020204" pitchFamily="34" charset="0"/>
+                <a:ea typeface="DejaVu Sans Book" panose="020B0603030804020204" pitchFamily="34" charset="0"/>
+                <a:cs typeface="DejaVu Sans Book" panose="020B0603030804020204" pitchFamily="34" charset="0"/>
+              </a:rPr>
+              <a:t>3 &lt;&gt; 4</a:t>
+            </a:r>
+          </a:p>
+          <a:p>
+            <a:pPr marL="0" indent="0">
+              <a:lnSpc>
+                <a:spcPct val="100000"/>
+              </a:lnSpc>
+              <a:buNone/>
+            </a:pPr>
+            <a:r>
+              <a:rPr lang="en-GB" sz="1400" dirty="0">
+                <a:latin typeface="DejaVu Sans Book" panose="020B0603030804020204" pitchFamily="34" charset="0"/>
+                <a:ea typeface="DejaVu Sans Book" panose="020B0603030804020204" pitchFamily="34" charset="0"/>
+                <a:cs typeface="DejaVu Sans Book" panose="020B0603030804020204" pitchFamily="34" charset="0"/>
+              </a:rPr>
+              <a:t>3 = 4</a:t>
+            </a:r>
+          </a:p>
+          <a:p>
+            <a:pPr marL="0" indent="0">
+              <a:lnSpc>
+                <a:spcPct val="100000"/>
+              </a:lnSpc>
+              <a:buNone/>
+            </a:pPr>
+            <a:r>
+              <a:rPr lang="en-GB" sz="1400" dirty="0">
+                <a:latin typeface="DejaVu Sans Book" panose="020B0603030804020204" pitchFamily="34" charset="0"/>
+                <a:ea typeface="DejaVu Sans Book" panose="020B0603030804020204" pitchFamily="34" charset="0"/>
+                <a:cs typeface="DejaVu Sans Book" panose="020B0603030804020204" pitchFamily="34" charset="0"/>
+              </a:rPr>
+              <a:t>not 3 = 4</a:t>
+            </a:r>
+          </a:p>
+          <a:p>
+            <a:pPr marL="0" indent="0">
+              <a:lnSpc>
+                <a:spcPct val="100000"/>
+              </a:lnSpc>
+              <a:buNone/>
+            </a:pPr>
+            <a:endParaRPr lang="en-GB" sz="1400" dirty="0">
+              <a:latin typeface="DejaVu Sans Book" panose="020B0603030804020204" pitchFamily="34" charset="0"/>
+              <a:ea typeface="DejaVu Sans Book" panose="020B0603030804020204" pitchFamily="34" charset="0"/>
+              <a:cs typeface="DejaVu Sans Book" panose="020B0603030804020204" pitchFamily="34" charset="0"/>
+            </a:endParaRPr>
+          </a:p>
+        </p:txBody>
+      </p:sp>
+      <p:sp>
+        <p:nvSpPr>
+          <p:cNvPr id="22" name="Content Placeholder 2">
+            <a:extLst>
+              <a:ext uri="{FF2B5EF4-FFF2-40B4-BE49-F238E27FC236}">
+                <a16:creationId xmlns:a16="http://schemas.microsoft.com/office/drawing/2014/main" id="{8F054922-E7CB-894D-88AD-1A1F97C05EF0}"/>
+              </a:ext>
+            </a:extLst>
+          </p:cNvPr>
+          <p:cNvSpPr txBox="1">
+            <a:spLocks/>
+          </p:cNvSpPr>
+          <p:nvPr/>
+        </p:nvSpPr>
+        <p:spPr>
+          <a:xfrm>
+            <a:off x="7183609" y="4142511"/>
+            <a:ext cx="1964964" cy="322838"/>
+          </a:xfrm>
+          <a:prstGeom prst="rect">
+            <a:avLst/>
+          </a:prstGeom>
+        </p:spPr>
+        <p:txBody>
+          <a:bodyPr vert="horz" lIns="91440" tIns="45720" rIns="91440" bIns="45720" rtlCol="0">
+            <a:normAutofit fontScale="92500" lnSpcReduction="20000"/>
+          </a:bodyPr>
+          <a:lstStyle>
+            <a:lvl1pPr marL="228600" indent="-228600" algn="l" defTabSz="914400" rtl="0" eaLnBrk="1" latinLnBrk="0" hangingPunct="1">
+              <a:lnSpc>
+                <a:spcPct val="90000"/>
+              </a:lnSpc>
+              <a:spcBef>
+                <a:spcPts val="1000"/>
+              </a:spcBef>
+              <a:buFont typeface="Arial" panose="020B0604020202020204" pitchFamily="34" charset="0"/>
+              <a:buChar char="•"/>
+              <a:defRPr sz="2800" kern="1200">
+                <a:solidFill>
+                  <a:schemeClr val="tx1"/>
+                </a:solidFill>
+                <a:latin typeface="+mn-lt"/>
+                <a:ea typeface="+mn-ea"/>
+                <a:cs typeface="+mn-cs"/>
+              </a:defRPr>
+            </a:lvl1pPr>
+            <a:lvl2pPr marL="685800" indent="-228600" algn="l" defTabSz="914400" rtl="0" eaLnBrk="1" latinLnBrk="0" hangingPunct="1">
+              <a:lnSpc>
+                <a:spcPct val="90000"/>
+              </a:lnSpc>
+              <a:spcBef>
+                <a:spcPts val="500"/>
+              </a:spcBef>
+              <a:buFont typeface="Arial" panose="020B0604020202020204" pitchFamily="34" charset="0"/>
+              <a:buChar char="•"/>
+              <a:defRPr sz="2400" kern="1200">
+                <a:solidFill>
+                  <a:schemeClr val="tx1"/>
+                </a:solidFill>
+                <a:latin typeface="+mn-lt"/>
+                <a:ea typeface="+mn-ea"/>
+                <a:cs typeface="+mn-cs"/>
+              </a:defRPr>
+            </a:lvl2pPr>
+            <a:lvl3pPr marL="1143000" indent="-228600" algn="l" defTabSz="914400" rtl="0" eaLnBrk="1" latinLnBrk="0" hangingPunct="1">
+              <a:lnSpc>
+                <a:spcPct val="90000"/>
+              </a:lnSpc>
+              <a:spcBef>
+                <a:spcPts val="500"/>
+              </a:spcBef>
+              <a:buFont typeface="Arial" panose="020B0604020202020204" pitchFamily="34" charset="0"/>
+              <a:buChar char="•"/>
+              <a:defRPr sz="2000" kern="1200">
+                <a:solidFill>
+                  <a:schemeClr val="tx1"/>
+                </a:solidFill>
+                <a:latin typeface="+mn-lt"/>
+                <a:ea typeface="+mn-ea"/>
+                <a:cs typeface="+mn-cs"/>
+              </a:defRPr>
+            </a:lvl3pPr>
+            <a:lvl4pPr marL="1600200" indent="-228600" algn="l" defTabSz="914400" rtl="0" eaLnBrk="1" latinLnBrk="0" hangingPunct="1">
+              <a:lnSpc>
+                <a:spcPct val="90000"/>
+              </a:lnSpc>
+              <a:spcBef>
+                <a:spcPts val="500"/>
+              </a:spcBef>
+              <a:buFont typeface="Arial" panose="020B0604020202020204" pitchFamily="34" charset="0"/>
+              <a:buChar char="•"/>
+              <a:defRPr sz="1800" kern="1200">
+                <a:solidFill>
+                  <a:schemeClr val="tx1"/>
+                </a:solidFill>
+                <a:latin typeface="+mn-lt"/>
+                <a:ea typeface="+mn-ea"/>
+                <a:cs typeface="+mn-cs"/>
+              </a:defRPr>
+            </a:lvl4pPr>
+            <a:lvl5pPr marL="2057400" indent="-228600" algn="l" defTabSz="914400" rtl="0" eaLnBrk="1" latinLnBrk="0" hangingPunct="1">
+              <a:lnSpc>
+                <a:spcPct val="90000"/>
+              </a:lnSpc>
+              <a:spcBef>
+                <a:spcPts val="500"/>
+              </a:spcBef>
+              <a:buFont typeface="Arial" panose="020B0604020202020204" pitchFamily="34" charset="0"/>
+              <a:buChar char="•"/>
+              <a:defRPr sz="1800" kern="1200">
+                <a:solidFill>
+                  <a:schemeClr val="tx1"/>
+                </a:solidFill>
+                <a:latin typeface="+mn-lt"/>
+                <a:ea typeface="+mn-ea"/>
+                <a:cs typeface="+mn-cs"/>
+              </a:defRPr>
+            </a:lvl5pPr>
+            <a:lvl6pPr marL="2514600" indent="-228600" algn="l" defTabSz="914400" rtl="0" eaLnBrk="1" latinLnBrk="0" hangingPunct="1">
+              <a:lnSpc>
+                <a:spcPct val="90000"/>
+              </a:lnSpc>
+              <a:spcBef>
+                <a:spcPts val="500"/>
+              </a:spcBef>
+              <a:buFont typeface="Arial" panose="020B0604020202020204" pitchFamily="34" charset="0"/>
+              <a:buChar char="•"/>
+              <a:defRPr sz="1800" kern="1200">
+                <a:solidFill>
+                  <a:schemeClr val="tx1"/>
+                </a:solidFill>
+                <a:latin typeface="+mn-lt"/>
+                <a:ea typeface="+mn-ea"/>
+                <a:cs typeface="+mn-cs"/>
+              </a:defRPr>
+            </a:lvl6pPr>
+            <a:lvl7pPr marL="2971800" indent="-228600" algn="l" defTabSz="914400" rtl="0" eaLnBrk="1" latinLnBrk="0" hangingPunct="1">
+              <a:lnSpc>
+                <a:spcPct val="90000"/>
+              </a:lnSpc>
+              <a:spcBef>
+                <a:spcPts val="500"/>
+              </a:spcBef>
+              <a:buFont typeface="Arial" panose="020B0604020202020204" pitchFamily="34" charset="0"/>
+              <a:buChar char="•"/>
+              <a:defRPr sz="1800" kern="1200">
+                <a:solidFill>
+                  <a:schemeClr val="tx1"/>
+                </a:solidFill>
+                <a:latin typeface="+mn-lt"/>
+                <a:ea typeface="+mn-ea"/>
+                <a:cs typeface="+mn-cs"/>
+              </a:defRPr>
+            </a:lvl7pPr>
+            <a:lvl8pPr marL="3429000" indent="-228600" algn="l" defTabSz="914400" rtl="0" eaLnBrk="1" latinLnBrk="0" hangingPunct="1">
+              <a:lnSpc>
+                <a:spcPct val="90000"/>
+              </a:lnSpc>
+              <a:spcBef>
+                <a:spcPts val="500"/>
+              </a:spcBef>
+              <a:buFont typeface="Arial" panose="020B0604020202020204" pitchFamily="34" charset="0"/>
+              <a:buChar char="•"/>
+              <a:defRPr sz="1800" kern="1200">
+                <a:solidFill>
+                  <a:schemeClr val="tx1"/>
+                </a:solidFill>
+                <a:latin typeface="+mn-lt"/>
+                <a:ea typeface="+mn-ea"/>
+                <a:cs typeface="+mn-cs"/>
+              </a:defRPr>
+            </a:lvl8pPr>
+            <a:lvl9pPr marL="3886200" indent="-228600" algn="l" defTabSz="914400" rtl="0" eaLnBrk="1" latinLnBrk="0" hangingPunct="1">
+              <a:lnSpc>
+                <a:spcPct val="90000"/>
+              </a:lnSpc>
+              <a:spcBef>
+                <a:spcPts val="500"/>
+              </a:spcBef>
+              <a:buFont typeface="Arial" panose="020B0604020202020204" pitchFamily="34" charset="0"/>
+              <a:buChar char="•"/>
+              <a:defRPr sz="1800" kern="1200">
+                <a:solidFill>
+                  <a:schemeClr val="tx1"/>
+                </a:solidFill>
+                <a:latin typeface="+mn-lt"/>
+                <a:ea typeface="+mn-ea"/>
+                <a:cs typeface="+mn-cs"/>
+              </a:defRPr>
+            </a:lvl9pPr>
+          </a:lstStyle>
+          <a:p>
+            <a:pPr marL="0" indent="0">
+              <a:lnSpc>
+                <a:spcPct val="100000"/>
+              </a:lnSpc>
+              <a:buNone/>
+            </a:pPr>
+            <a:r>
+              <a:rPr lang="en-GB" sz="1800" dirty="0">
+                <a:solidFill>
+                  <a:schemeClr val="accent6"/>
+                </a:solidFill>
+              </a:rPr>
+              <a:t>not (3 = 4)</a:t>
+            </a:r>
+          </a:p>
+          <a:p>
+            <a:pPr marL="0" indent="0">
+              <a:lnSpc>
+                <a:spcPct val="100000"/>
+              </a:lnSpc>
+              <a:buNone/>
+            </a:pPr>
+            <a:endParaRPr lang="en-GB" sz="1400" dirty="0">
+              <a:latin typeface="DejaVu Sans Book" panose="020B0603030804020204" pitchFamily="34" charset="0"/>
+              <a:ea typeface="DejaVu Sans Book" panose="020B0603030804020204" pitchFamily="34" charset="0"/>
+              <a:cs typeface="DejaVu Sans Book" panose="020B0603030804020204" pitchFamily="34" charset="0"/>
+            </a:endParaRPr>
+          </a:p>
+        </p:txBody>
+      </p:sp>
+      <p:cxnSp>
+        <p:nvCxnSpPr>
+          <p:cNvPr id="23" name="Straight Connector 22">
+            <a:extLst>
+              <a:ext uri="{FF2B5EF4-FFF2-40B4-BE49-F238E27FC236}">
+                <a16:creationId xmlns:a16="http://schemas.microsoft.com/office/drawing/2014/main" id="{7E4750FC-EEDA-A145-A093-96CE3CA96B89}"/>
+              </a:ext>
+            </a:extLst>
+          </p:cNvPr>
+          <p:cNvCxnSpPr>
+            <a:cxnSpLocks/>
+          </p:cNvCxnSpPr>
+          <p:nvPr/>
+        </p:nvCxnSpPr>
+        <p:spPr>
+          <a:xfrm flipV="1">
+            <a:off x="7237708" y="3921071"/>
+            <a:ext cx="945397" cy="92991"/>
+          </a:xfrm>
+          <a:prstGeom prst="line">
+            <a:avLst/>
+          </a:prstGeom>
+          <a:ln w="38100">
+            <a:solidFill>
+              <a:srgbClr val="C00000">
+                <a:alpha val="50000"/>
+              </a:srgbClr>
+            </a:solidFill>
+          </a:ln>
+        </p:spPr>
+        <p:style>
+          <a:lnRef idx="1">
+            <a:schemeClr val="accent1"/>
+          </a:lnRef>
+          <a:fillRef idx="0">
+            <a:schemeClr val="accent1"/>
+          </a:fillRef>
+          <a:effectRef idx="0">
+            <a:schemeClr val="accent1"/>
+          </a:effectRef>
+          <a:fontRef idx="minor">
+            <a:schemeClr val="tx1"/>
+          </a:fontRef>
+        </p:style>
+      </p:cxnSp>
+    </p:spTree>
+    <p:extLst>
+      <p:ext uri="{BB962C8B-B14F-4D97-AF65-F5344CB8AC3E}">
+        <p14:creationId xmlns:p14="http://schemas.microsoft.com/office/powerpoint/2010/main" val="338430536"/>
+      </p:ext>
+    </p:extLst>
+  </p:cSld>
+  <p:clrMapOvr>
+    <a:masterClrMapping/>
+  </p:clrMapOvr>
+  <p:timing>
+    <p:tnLst>
+      <p:par>
+        <p:cTn id="1" dur="indefinite" restart="never" nodeType="tmRoot">
+          <p:childTnLst>
+            <p:seq concurrent="1" nextAc="seek">
+              <p:cTn id="2" dur="indefinite" nodeType="mainSeq">
+                <p:childTnLst>
+                  <p:par>
+                    <p:cTn id="3" fill="hold">
+                      <p:stCondLst>
+                        <p:cond delay="indefinite"/>
+                      </p:stCondLst>
+                      <p:childTnLst>
+                        <p:par>
+                          <p:cTn id="4" fill="hold">
+                            <p:stCondLst>
+                              <p:cond delay="0"/>
+                            </p:stCondLst>
+                            <p:childTnLst>
+                              <p:par>
+                                <p:cTn id="5" presetID="1" presetClass="entr" presetSubtype="0" fill="hold" grpId="0" nodeType="clickEffect">
+                                  <p:stCondLst>
+                                    <p:cond delay="0"/>
+                                  </p:stCondLst>
+                                  <p:childTnLst>
+                                    <p:set>
+                                      <p:cBhvr>
+                                        <p:cTn id="6" dur="1" fill="hold">
+                                          <p:stCondLst>
+                                            <p:cond delay="0"/>
+                                          </p:stCondLst>
+                                        </p:cTn>
+                                        <p:tgtEl>
+                                          <p:spTgt spid="5"/>
+                                        </p:tgtEl>
+                                        <p:attrNameLst>
+                                          <p:attrName>style.visibility</p:attrName>
+                                        </p:attrNameLst>
+                                      </p:cBhvr>
+                                      <p:to>
+                                        <p:strVal val="visible"/>
+                                      </p:to>
+                                    </p:set>
+                                  </p:childTnLst>
+                                </p:cTn>
+                              </p:par>
+                            </p:childTnLst>
+                          </p:cTn>
+                        </p:par>
+                      </p:childTnLst>
+                    </p:cTn>
+                  </p:par>
+                  <p:par>
+                    <p:cTn id="7" fill="hold">
+                      <p:stCondLst>
+                        <p:cond delay="indefinite"/>
+                      </p:stCondLst>
+                      <p:childTnLst>
+                        <p:par>
+                          <p:cTn id="8" fill="hold">
+                            <p:stCondLst>
+                              <p:cond delay="0"/>
+                            </p:stCondLst>
+                            <p:childTnLst>
+                              <p:par>
+                                <p:cTn id="9" presetID="1" presetClass="entr" presetSubtype="0" fill="hold" grpId="0" nodeType="clickEffect">
+                                  <p:stCondLst>
+                                    <p:cond delay="0"/>
+                                  </p:stCondLst>
+                                  <p:childTnLst>
+                                    <p:set>
+                                      <p:cBhvr>
+                                        <p:cTn id="10" dur="1" fill="hold">
+                                          <p:stCondLst>
+                                            <p:cond delay="0"/>
+                                          </p:stCondLst>
+                                        </p:cTn>
+                                        <p:tgtEl>
+                                          <p:spTgt spid="6"/>
+                                        </p:tgtEl>
+                                        <p:attrNameLst>
+                                          <p:attrName>style.visibility</p:attrName>
+                                        </p:attrNameLst>
+                                      </p:cBhvr>
+                                      <p:to>
+                                        <p:strVal val="visible"/>
+                                      </p:to>
+                                    </p:set>
+                                  </p:childTnLst>
+                                </p:cTn>
+                              </p:par>
+                            </p:childTnLst>
+                          </p:cTn>
+                        </p:par>
+                      </p:childTnLst>
+                    </p:cTn>
+                  </p:par>
+                  <p:par>
+                    <p:cTn id="11" fill="hold">
+                      <p:stCondLst>
+                        <p:cond delay="indefinite"/>
+                      </p:stCondLst>
+                      <p:childTnLst>
+                        <p:par>
+                          <p:cTn id="12" fill="hold">
+                            <p:stCondLst>
+                              <p:cond delay="0"/>
+                            </p:stCondLst>
+                            <p:childTnLst>
+                              <p:par>
+                                <p:cTn id="13" presetID="1" presetClass="entr" presetSubtype="0" fill="hold" grpId="0" nodeType="clickEffect">
+                                  <p:stCondLst>
+                                    <p:cond delay="0"/>
+                                  </p:stCondLst>
+                                  <p:childTnLst>
+                                    <p:set>
+                                      <p:cBhvr>
+                                        <p:cTn id="14" dur="1" fill="hold">
+                                          <p:stCondLst>
+                                            <p:cond delay="0"/>
+                                          </p:stCondLst>
+                                        </p:cTn>
+                                        <p:tgtEl>
+                                          <p:spTgt spid="7"/>
+                                        </p:tgtEl>
+                                        <p:attrNameLst>
+                                          <p:attrName>style.visibility</p:attrName>
+                                        </p:attrNameLst>
+                                      </p:cBhvr>
+                                      <p:to>
+                                        <p:strVal val="visible"/>
+                                      </p:to>
+                                    </p:set>
+                                  </p:childTnLst>
+                                </p:cTn>
+                              </p:par>
+                            </p:childTnLst>
+                          </p:cTn>
+                        </p:par>
+                      </p:childTnLst>
+                    </p:cTn>
+                  </p:par>
+                  <p:par>
+                    <p:cTn id="15" fill="hold">
+                      <p:stCondLst>
+                        <p:cond delay="indefinite"/>
+                      </p:stCondLst>
+                      <p:childTnLst>
+                        <p:par>
+                          <p:cTn id="16" fill="hold">
+                            <p:stCondLst>
+                              <p:cond delay="0"/>
+                            </p:stCondLst>
+                            <p:childTnLst>
+                              <p:par>
+                                <p:cTn id="17" presetID="1" presetClass="entr" presetSubtype="0" fill="hold" grpId="0" nodeType="clickEffect">
+                                  <p:stCondLst>
+                                    <p:cond delay="0"/>
+                                  </p:stCondLst>
+                                  <p:childTnLst>
+                                    <p:set>
+                                      <p:cBhvr>
+                                        <p:cTn id="18" dur="1" fill="hold">
+                                          <p:stCondLst>
+                                            <p:cond delay="0"/>
+                                          </p:stCondLst>
+                                        </p:cTn>
+                                        <p:tgtEl>
+                                          <p:spTgt spid="8"/>
+                                        </p:tgtEl>
+                                        <p:attrNameLst>
+                                          <p:attrName>style.visibility</p:attrName>
+                                        </p:attrNameLst>
+                                      </p:cBhvr>
+                                      <p:to>
+                                        <p:strVal val="visible"/>
+                                      </p:to>
+                                    </p:set>
+                                  </p:childTnLst>
+                                </p:cTn>
+                              </p:par>
+                            </p:childTnLst>
+                          </p:cTn>
+                        </p:par>
+                      </p:childTnLst>
+                    </p:cTn>
+                  </p:par>
+                  <p:par>
+                    <p:cTn id="19" fill="hold">
+                      <p:stCondLst>
+                        <p:cond delay="indefinite"/>
+                      </p:stCondLst>
+                      <p:childTnLst>
+                        <p:par>
+                          <p:cTn id="20" fill="hold">
+                            <p:stCondLst>
+                              <p:cond delay="0"/>
+                            </p:stCondLst>
+                            <p:childTnLst>
+                              <p:par>
+                                <p:cTn id="21" presetID="1" presetClass="entr" presetSubtype="0" fill="hold" grpId="0" nodeType="clickEffect">
+                                  <p:stCondLst>
+                                    <p:cond delay="0"/>
+                                  </p:stCondLst>
+                                  <p:childTnLst>
+                                    <p:set>
+                                      <p:cBhvr>
+                                        <p:cTn id="22" dur="1" fill="hold">
+                                          <p:stCondLst>
+                                            <p:cond delay="0"/>
+                                          </p:stCondLst>
+                                        </p:cTn>
+                                        <p:tgtEl>
+                                          <p:spTgt spid="9"/>
+                                        </p:tgtEl>
+                                        <p:attrNameLst>
+                                          <p:attrName>style.visibility</p:attrName>
+                                        </p:attrNameLst>
+                                      </p:cBhvr>
+                                      <p:to>
+                                        <p:strVal val="visible"/>
+                                      </p:to>
+                                    </p:set>
+                                  </p:childTnLst>
+                                </p:cTn>
+                              </p:par>
+                            </p:childTnLst>
+                          </p:cTn>
+                        </p:par>
+                      </p:childTnLst>
+                    </p:cTn>
+                  </p:par>
+                  <p:par>
+                    <p:cTn id="23" fill="hold">
+                      <p:stCondLst>
+                        <p:cond delay="indefinite"/>
+                      </p:stCondLst>
+                      <p:childTnLst>
+                        <p:par>
+                          <p:cTn id="24" fill="hold">
+                            <p:stCondLst>
+                              <p:cond delay="0"/>
+                            </p:stCondLst>
+                            <p:childTnLst>
+                              <p:par>
+                                <p:cTn id="25" presetID="1" presetClass="entr" presetSubtype="0" fill="hold" grpId="0" nodeType="clickEffect">
+                                  <p:stCondLst>
+                                    <p:cond delay="0"/>
+                                  </p:stCondLst>
+                                  <p:childTnLst>
+                                    <p:set>
+                                      <p:cBhvr>
+                                        <p:cTn id="26" dur="1" fill="hold">
+                                          <p:stCondLst>
+                                            <p:cond delay="0"/>
+                                          </p:stCondLst>
+                                        </p:cTn>
+                                        <p:tgtEl>
+                                          <p:spTgt spid="10"/>
+                                        </p:tgtEl>
+                                        <p:attrNameLst>
+                                          <p:attrName>style.visibility</p:attrName>
+                                        </p:attrNameLst>
+                                      </p:cBhvr>
+                                      <p:to>
+                                        <p:strVal val="visible"/>
+                                      </p:to>
+                                    </p:set>
+                                  </p:childTnLst>
+                                </p:cTn>
+                              </p:par>
+                            </p:childTnLst>
+                          </p:cTn>
+                        </p:par>
+                      </p:childTnLst>
+                    </p:cTn>
+                  </p:par>
+                  <p:par>
+                    <p:cTn id="27" fill="hold">
+                      <p:stCondLst>
+                        <p:cond delay="indefinite"/>
+                      </p:stCondLst>
+                      <p:childTnLst>
+                        <p:par>
+                          <p:cTn id="28" fill="hold">
+                            <p:stCondLst>
+                              <p:cond delay="0"/>
+                            </p:stCondLst>
+                            <p:childTnLst>
+                              <p:par>
+                                <p:cTn id="29" presetID="1" presetClass="entr" presetSubtype="0" fill="hold" grpId="0" nodeType="clickEffect">
+                                  <p:stCondLst>
+                                    <p:cond delay="0"/>
+                                  </p:stCondLst>
+                                  <p:childTnLst>
+                                    <p:set>
+                                      <p:cBhvr>
+                                        <p:cTn id="30" dur="1" fill="hold">
+                                          <p:stCondLst>
+                                            <p:cond delay="0"/>
+                                          </p:stCondLst>
+                                        </p:cTn>
+                                        <p:tgtEl>
+                                          <p:spTgt spid="18"/>
+                                        </p:tgtEl>
+                                        <p:attrNameLst>
+                                          <p:attrName>style.visibility</p:attrName>
+                                        </p:attrNameLst>
+                                      </p:cBhvr>
+                                      <p:to>
+                                        <p:strVal val="visible"/>
+                                      </p:to>
+                                    </p:set>
+                                  </p:childTnLst>
+                                </p:cTn>
+                              </p:par>
+                            </p:childTnLst>
+                          </p:cTn>
+                        </p:par>
+                      </p:childTnLst>
+                    </p:cTn>
+                  </p:par>
+                  <p:par>
+                    <p:cTn id="31" fill="hold">
+                      <p:stCondLst>
+                        <p:cond delay="indefinite"/>
+                      </p:stCondLst>
+                      <p:childTnLst>
+                        <p:par>
+                          <p:cTn id="32" fill="hold">
+                            <p:stCondLst>
+                              <p:cond delay="0"/>
+                            </p:stCondLst>
+                            <p:childTnLst>
+                              <p:par>
+                                <p:cTn id="33" presetID="1" presetClass="entr" presetSubtype="0" fill="hold" grpId="0" nodeType="clickEffect">
+                                  <p:stCondLst>
+                                    <p:cond delay="0"/>
+                                  </p:stCondLst>
+                                  <p:childTnLst>
+                                    <p:set>
+                                      <p:cBhvr>
+                                        <p:cTn id="34" dur="1" fill="hold">
+                                          <p:stCondLst>
+                                            <p:cond delay="0"/>
+                                          </p:stCondLst>
+                                        </p:cTn>
+                                        <p:tgtEl>
+                                          <p:spTgt spid="19"/>
+                                        </p:tgtEl>
+                                        <p:attrNameLst>
+                                          <p:attrName>style.visibility</p:attrName>
+                                        </p:attrNameLst>
+                                      </p:cBhvr>
+                                      <p:to>
+                                        <p:strVal val="visible"/>
+                                      </p:to>
+                                    </p:set>
+                                  </p:childTnLst>
+                                </p:cTn>
+                              </p:par>
+                            </p:childTnLst>
+                          </p:cTn>
+                        </p:par>
+                      </p:childTnLst>
+                    </p:cTn>
+                  </p:par>
+                  <p:par>
+                    <p:cTn id="35" fill="hold">
+                      <p:stCondLst>
+                        <p:cond delay="indefinite"/>
+                      </p:stCondLst>
+                      <p:childTnLst>
+                        <p:par>
+                          <p:cTn id="36" fill="hold">
+                            <p:stCondLst>
+                              <p:cond delay="0"/>
+                            </p:stCondLst>
+                            <p:childTnLst>
+                              <p:par>
+                                <p:cTn id="37" presetID="1" presetClass="entr" presetSubtype="0" fill="hold" nodeType="clickEffect">
+                                  <p:stCondLst>
+                                    <p:cond delay="0"/>
+                                  </p:stCondLst>
+                                  <p:childTnLst>
+                                    <p:set>
+                                      <p:cBhvr>
+                                        <p:cTn id="38" dur="1" fill="hold">
+                                          <p:stCondLst>
+                                            <p:cond delay="0"/>
+                                          </p:stCondLst>
+                                        </p:cTn>
+                                        <p:tgtEl>
+                                          <p:spTgt spid="23"/>
+                                        </p:tgtEl>
+                                        <p:attrNameLst>
+                                          <p:attrName>style.visibility</p:attrName>
+                                        </p:attrNameLst>
+                                      </p:cBhvr>
+                                      <p:to>
+                                        <p:strVal val="visible"/>
+                                      </p:to>
+                                    </p:set>
+                                  </p:childTnLst>
+                                </p:cTn>
+                              </p:par>
+                              <p:par>
+                                <p:cTn id="39" presetID="1" presetClass="entr" presetSubtype="0" fill="hold" grpId="0" nodeType="withEffect">
+                                  <p:stCondLst>
+                                    <p:cond delay="0"/>
+                                  </p:stCondLst>
+                                  <p:childTnLst>
+                                    <p:set>
+                                      <p:cBhvr>
+                                        <p:cTn id="40" dur="1" fill="hold">
+                                          <p:stCondLst>
+                                            <p:cond delay="0"/>
+                                          </p:stCondLst>
+                                        </p:cTn>
+                                        <p:tgtEl>
+                                          <p:spTgt spid="22"/>
+                                        </p:tgtEl>
+                                        <p:attrNameLst>
+                                          <p:attrName>style.visibility</p:attrName>
+                                        </p:attrNameLst>
+                                      </p:cBhvr>
+                                      <p:to>
+                                        <p:strVal val="visible"/>
+                                      </p:to>
+                                    </p:set>
+                                  </p:childTnLst>
+                                </p:cTn>
+                              </p:par>
+                            </p:childTnLst>
+                          </p:cTn>
+                        </p:par>
+                      </p:childTnLst>
+                    </p:cTn>
+                  </p:par>
+                </p:childTnLst>
+              </p:cTn>
+              <p:prevCondLst>
+                <p:cond evt="onPrev" delay="0">
+                  <p:tgtEl>
+                    <p:sldTgt/>
+                  </p:tgtEl>
+                </p:cond>
+              </p:prevCondLst>
+              <p:nextCondLst>
+                <p:cond evt="onNext" delay="0">
+                  <p:tgtEl>
+                    <p:sldTgt/>
+                  </p:tgtEl>
+                </p:cond>
+              </p:nextCondLst>
+            </p:seq>
+          </p:childTnLst>
+        </p:cTn>
+      </p:par>
+    </p:tnLst>
+    <p:bldLst>
+      <p:bldP spid="5" grpId="0"/>
+      <p:bldP spid="6" grpId="0"/>
+      <p:bldP spid="7" grpId="0"/>
+      <p:bldP spid="8" grpId="0"/>
+      <p:bldP spid="9" grpId="0"/>
+      <p:bldP spid="10" grpId="0"/>
+      <p:bldP spid="18" grpId="0"/>
+      <p:bldP spid="19" grpId="0"/>
+      <p:bldP spid="22" grpId="0"/>
+    </p:bldLst>
+  </p:timing>
 </p:sld>
 </file>
 
@@ -6093,7 +8717,27 @@
           <a:bodyPr/>
           <a:lstStyle/>
           <a:p>
-            <a:endParaRPr lang="en-GB"/>
+            <a:r>
+              <a:rPr lang="en-GB" dirty="0" err="1"/>
+              <a:t>Operatorer</a:t>
+            </a:r>
+            <a:r>
+              <a:rPr lang="en-GB" dirty="0"/>
+              <a:t> </a:t>
+            </a:r>
+            <a:r>
+              <a:rPr lang="en-GB" dirty="0" err="1"/>
+              <a:t>og</a:t>
+            </a:r>
+            <a:r>
+              <a:rPr lang="en-GB" dirty="0"/>
+              <a:t> </a:t>
+            </a:r>
+            <a:r>
+              <a:rPr lang="en-GB" dirty="0" err="1"/>
+              <a:t>præcedens</a:t>
+            </a:r>
+            <a:endParaRPr lang="en-GB" dirty="0"/>
           </a:p>
         </p:txBody>
       </p:sp>
@@ -6113,15 +8757,360 @@
             <p:ph idx="1"/>
           </p:nvPr>
         </p:nvSpPr>
-        <p:spPr/>
-        <p:txBody>
-          <a:bodyPr/>
+        <p:spPr>
+          <a:xfrm>
+            <a:off x="838200" y="2448341"/>
+            <a:ext cx="2686001" cy="3373392"/>
+          </a:xfrm>
+        </p:spPr>
+        <p:txBody>
+          <a:bodyPr>
+            <a:normAutofit/>
+          </a:bodyPr>
           <a:lstStyle/>
           <a:p>
-            <a:endParaRPr lang="en-GB"/>
-          </a:p>
-        </p:txBody>
-      </p:sp>
+            <a:pPr marL="0" indent="0">
+              <a:lnSpc>
+                <a:spcPct val="100000"/>
+              </a:lnSpc>
+              <a:buNone/>
+            </a:pPr>
+            <a:r>
+              <a:rPr lang="en-GB" sz="1400" dirty="0">
+                <a:latin typeface="DejaVu Sans Book" panose="020B0603030804020204" pitchFamily="34" charset="0"/>
+                <a:ea typeface="DejaVu Sans Book" panose="020B0603030804020204" pitchFamily="34" charset="0"/>
+                <a:cs typeface="DejaVu Sans Book" panose="020B0603030804020204" pitchFamily="34" charset="0"/>
+              </a:rPr>
+              <a:t>3 + 4</a:t>
+            </a:r>
+          </a:p>
+          <a:p>
+            <a:pPr marL="0" indent="0">
+              <a:lnSpc>
+                <a:spcPct val="100000"/>
+              </a:lnSpc>
+              <a:buNone/>
+            </a:pPr>
+            <a:r>
+              <a:rPr lang="en-GB" sz="1400" dirty="0">
+                <a:latin typeface="DejaVu Sans Book" panose="020B0603030804020204" pitchFamily="34" charset="0"/>
+                <a:ea typeface="DejaVu Sans Book" panose="020B0603030804020204" pitchFamily="34" charset="0"/>
+                <a:cs typeface="DejaVu Sans Book" panose="020B0603030804020204" pitchFamily="34" charset="0"/>
+              </a:rPr>
+              <a:t>3.0 + 4.0</a:t>
+            </a:r>
+          </a:p>
+          <a:p>
+            <a:pPr marL="0" indent="0">
+              <a:lnSpc>
+                <a:spcPct val="100000"/>
+              </a:lnSpc>
+              <a:buNone/>
+            </a:pPr>
+            <a:r>
+              <a:rPr lang="en-GB" sz="1400" u="sng" dirty="0">
+                <a:latin typeface="DejaVu Sans Book" panose="020B0603030804020204" pitchFamily="34" charset="0"/>
+                <a:ea typeface="DejaVu Sans Book" panose="020B0603030804020204" pitchFamily="34" charset="0"/>
+                <a:cs typeface="DejaVu Sans Book" panose="020B0603030804020204" pitchFamily="34" charset="0"/>
+              </a:rPr>
+              <a:t>3 + 4.0</a:t>
+            </a:r>
+          </a:p>
+          <a:p>
+            <a:pPr marL="0" indent="0">
+              <a:lnSpc>
+                <a:spcPct val="100000"/>
+              </a:lnSpc>
+              <a:buNone/>
+            </a:pPr>
+            <a:r>
+              <a:rPr lang="en-GB" sz="1400" dirty="0">
+                <a:latin typeface="DejaVu Sans Book" panose="020B0603030804020204" pitchFamily="34" charset="0"/>
+                <a:ea typeface="DejaVu Sans Book" panose="020B0603030804020204" pitchFamily="34" charset="0"/>
+                <a:cs typeface="DejaVu Sans Book" panose="020B0603030804020204" pitchFamily="34" charset="0"/>
+              </a:rPr>
+              <a:t>5 / 2</a:t>
+            </a:r>
+          </a:p>
+          <a:p>
+            <a:pPr marL="0" indent="0">
+              <a:lnSpc>
+                <a:spcPct val="100000"/>
+              </a:lnSpc>
+              <a:buNone/>
+            </a:pPr>
+            <a:r>
+              <a:rPr lang="en-GB" sz="1400" dirty="0">
+                <a:latin typeface="DejaVu Sans Book" panose="020B0603030804020204" pitchFamily="34" charset="0"/>
+                <a:ea typeface="DejaVu Sans Book" panose="020B0603030804020204" pitchFamily="34" charset="0"/>
+                <a:cs typeface="DejaVu Sans Book" panose="020B0603030804020204" pitchFamily="34" charset="0"/>
+              </a:rPr>
+              <a:t>5 % 2</a:t>
+            </a:r>
+          </a:p>
+          <a:p>
+            <a:pPr marL="0" indent="0">
+              <a:lnSpc>
+                <a:spcPct val="100000"/>
+              </a:lnSpc>
+              <a:buNone/>
+            </a:pPr>
+            <a:r>
+              <a:rPr lang="en-GB" sz="1400" dirty="0">
+                <a:latin typeface="DejaVu Sans Book" panose="020B0603030804020204" pitchFamily="34" charset="0"/>
+                <a:ea typeface="DejaVu Sans Book" panose="020B0603030804020204" pitchFamily="34" charset="0"/>
+                <a:cs typeface="DejaVu Sans Book" panose="020B0603030804020204" pitchFamily="34" charset="0"/>
+              </a:rPr>
+              <a:t>2 * (5 / 2) + 5 % 2</a:t>
+            </a:r>
+          </a:p>
+          <a:p>
+            <a:pPr marL="0" indent="0">
+              <a:lnSpc>
+                <a:spcPct val="100000"/>
+              </a:lnSpc>
+              <a:buNone/>
+            </a:pPr>
+            <a:r>
+              <a:rPr lang="en-GB" sz="1400" dirty="0">
+                <a:latin typeface="DejaVu Sans Book" panose="020B0603030804020204" pitchFamily="34" charset="0"/>
+                <a:ea typeface="DejaVu Sans Book" panose="020B0603030804020204" pitchFamily="34" charset="0"/>
+                <a:cs typeface="DejaVu Sans Book" panose="020B0603030804020204" pitchFamily="34" charset="0"/>
+              </a:rPr>
+              <a:t>2.0 ** 3.0</a:t>
+            </a:r>
+          </a:p>
+          <a:p>
+            <a:pPr marL="0" indent="0">
+              <a:lnSpc>
+                <a:spcPct val="100000"/>
+              </a:lnSpc>
+              <a:buNone/>
+            </a:pPr>
+            <a:r>
+              <a:rPr lang="en-GB" sz="1400" dirty="0" err="1">
+                <a:latin typeface="DejaVu Sans Book" panose="020B0603030804020204" pitchFamily="34" charset="0"/>
+                <a:ea typeface="DejaVu Sans Book" panose="020B0603030804020204" pitchFamily="34" charset="0"/>
+                <a:cs typeface="DejaVu Sans Book" panose="020B0603030804020204" pitchFamily="34" charset="0"/>
+              </a:rPr>
+              <a:t>pown</a:t>
+            </a:r>
+            <a:r>
+              <a:rPr lang="en-GB" sz="1400" dirty="0">
+                <a:latin typeface="DejaVu Sans Book" panose="020B0603030804020204" pitchFamily="34" charset="0"/>
+                <a:ea typeface="DejaVu Sans Book" panose="020B0603030804020204" pitchFamily="34" charset="0"/>
+                <a:cs typeface="DejaVu Sans Book" panose="020B0603030804020204" pitchFamily="34" charset="0"/>
+              </a:rPr>
+              <a:t> 2 3</a:t>
+            </a:r>
+          </a:p>
+          <a:p>
+            <a:pPr marL="0" indent="0">
+              <a:lnSpc>
+                <a:spcPct val="100000"/>
+              </a:lnSpc>
+              <a:buNone/>
+            </a:pPr>
+            <a:r>
+              <a:rPr lang="en-GB" sz="1400" dirty="0">
+                <a:latin typeface="DejaVu Sans Book" panose="020B0603030804020204" pitchFamily="34" charset="0"/>
+                <a:ea typeface="DejaVu Sans Book" panose="020B0603030804020204" pitchFamily="34" charset="0"/>
+                <a:cs typeface="DejaVu Sans Book" panose="020B0603030804020204" pitchFamily="34" charset="0"/>
+              </a:rPr>
+              <a:t>"</a:t>
+            </a:r>
+            <a:r>
+              <a:rPr lang="en-GB" sz="1400" dirty="0" err="1">
+                <a:latin typeface="DejaVu Sans Book" panose="020B0603030804020204" pitchFamily="34" charset="0"/>
+                <a:ea typeface="DejaVu Sans Book" panose="020B0603030804020204" pitchFamily="34" charset="0"/>
+                <a:cs typeface="DejaVu Sans Book" panose="020B0603030804020204" pitchFamily="34" charset="0"/>
+              </a:rPr>
+              <a:t>hej</a:t>
+            </a:r>
+            <a:r>
+              <a:rPr lang="en-GB" sz="1400" dirty="0">
+                <a:latin typeface="DejaVu Sans Book" panose="020B0603030804020204" pitchFamily="34" charset="0"/>
+                <a:ea typeface="DejaVu Sans Book" panose="020B0603030804020204" pitchFamily="34" charset="0"/>
+                <a:cs typeface="DejaVu Sans Book" panose="020B0603030804020204" pitchFamily="34" charset="0"/>
+              </a:rPr>
+              <a:t> " + "med " + "dig"</a:t>
+            </a:r>
+          </a:p>
+        </p:txBody>
+      </p:sp>
+      <p:cxnSp>
+        <p:nvCxnSpPr>
+          <p:cNvPr id="10" name="Straight Connector 9">
+            <a:extLst>
+              <a:ext uri="{FF2B5EF4-FFF2-40B4-BE49-F238E27FC236}">
+                <a16:creationId xmlns:a16="http://schemas.microsoft.com/office/drawing/2014/main" id="{FA39AE1F-3021-7444-98E0-02C182A52905}"/>
+              </a:ext>
+            </a:extLst>
+          </p:cNvPr>
+          <p:cNvCxnSpPr>
+            <a:cxnSpLocks/>
+          </p:cNvCxnSpPr>
+          <p:nvPr/>
+        </p:nvCxnSpPr>
+        <p:spPr>
+          <a:xfrm>
+            <a:off x="838200" y="1850267"/>
+            <a:ext cx="0" cy="4128437"/>
+          </a:xfrm>
+          <a:prstGeom prst="line">
+            <a:avLst/>
+          </a:prstGeom>
+        </p:spPr>
+        <p:style>
+          <a:lnRef idx="1">
+            <a:schemeClr val="accent1"/>
+          </a:lnRef>
+          <a:fillRef idx="0">
+            <a:schemeClr val="accent1"/>
+          </a:fillRef>
+          <a:effectRef idx="0">
+            <a:schemeClr val="accent1"/>
+          </a:effectRef>
+          <a:fontRef idx="minor">
+            <a:schemeClr val="tx1"/>
+          </a:fontRef>
+        </p:style>
+      </p:cxnSp>
+      <p:sp>
+        <p:nvSpPr>
+          <p:cNvPr id="33" name="TextBox 32">
+            <a:extLst>
+              <a:ext uri="{FF2B5EF4-FFF2-40B4-BE49-F238E27FC236}">
+                <a16:creationId xmlns:a16="http://schemas.microsoft.com/office/drawing/2014/main" id="{002F40A4-37E0-9C4C-AEE4-8FC15F7563D3}"/>
+              </a:ext>
+            </a:extLst>
+          </p:cNvPr>
+          <p:cNvSpPr txBox="1"/>
+          <p:nvPr/>
+        </p:nvSpPr>
+        <p:spPr>
+          <a:xfrm>
+            <a:off x="838200" y="1937208"/>
+            <a:ext cx="2062488" cy="369332"/>
+          </a:xfrm>
+          <a:prstGeom prst="rect">
+            <a:avLst/>
+          </a:prstGeom>
+          <a:noFill/>
+        </p:spPr>
+        <p:txBody>
+          <a:bodyPr wrap="none" rtlCol="0">
+            <a:spAutoFit/>
+          </a:bodyPr>
+          <a:lstStyle/>
+          <a:p>
+            <a:r>
+              <a:rPr lang="en-GB" dirty="0" err="1"/>
+              <a:t>Operatorer</a:t>
+            </a:r>
+            <a:r>
+              <a:rPr lang="en-GB" dirty="0"/>
+              <a:t> </a:t>
+            </a:r>
+            <a:r>
+              <a:rPr lang="en-GB" dirty="0" err="1"/>
+              <a:t>og</a:t>
+            </a:r>
+            <a:r>
+              <a:rPr lang="en-GB" dirty="0"/>
+              <a:t> </a:t>
+            </a:r>
+            <a:r>
+              <a:rPr lang="en-GB" dirty="0" err="1"/>
+              <a:t>typer</a:t>
+            </a:r>
+            <a:endParaRPr lang="en-GB" dirty="0"/>
+          </a:p>
+        </p:txBody>
+      </p:sp>
+      <p:cxnSp>
+        <p:nvCxnSpPr>
+          <p:cNvPr id="37" name="Straight Connector 36">
+            <a:extLst>
+              <a:ext uri="{FF2B5EF4-FFF2-40B4-BE49-F238E27FC236}">
+                <a16:creationId xmlns:a16="http://schemas.microsoft.com/office/drawing/2014/main" id="{28C8E072-4794-D645-B8D8-83DD3B1FC177}"/>
+              </a:ext>
+            </a:extLst>
+          </p:cNvPr>
+          <p:cNvCxnSpPr>
+            <a:cxnSpLocks/>
+          </p:cNvCxnSpPr>
+          <p:nvPr/>
+        </p:nvCxnSpPr>
+        <p:spPr>
+          <a:xfrm>
+            <a:off x="838200" y="2364376"/>
+            <a:ext cx="2276959" cy="0"/>
+          </a:xfrm>
+          <a:prstGeom prst="line">
+            <a:avLst/>
+          </a:prstGeom>
+        </p:spPr>
+        <p:style>
+          <a:lnRef idx="1">
+            <a:schemeClr val="accent1"/>
+          </a:lnRef>
+          <a:fillRef idx="0">
+            <a:schemeClr val="accent1"/>
+          </a:fillRef>
+          <a:effectRef idx="0">
+            <a:schemeClr val="accent1"/>
+          </a:effectRef>
+          <a:fontRef idx="minor">
+            <a:schemeClr val="tx1"/>
+          </a:fontRef>
+        </p:style>
+      </p:cxnSp>
+      <p:cxnSp>
+        <p:nvCxnSpPr>
+          <p:cNvPr id="46" name="Straight Connector 45">
+            <a:extLst>
+              <a:ext uri="{FF2B5EF4-FFF2-40B4-BE49-F238E27FC236}">
+                <a16:creationId xmlns:a16="http://schemas.microsoft.com/office/drawing/2014/main" id="{94EE0CD5-CC49-E94A-9C5F-4DEEAF649FFF}"/>
+              </a:ext>
+            </a:extLst>
+          </p:cNvPr>
+          <p:cNvCxnSpPr>
+            <a:cxnSpLocks/>
+          </p:cNvCxnSpPr>
+          <p:nvPr/>
+        </p:nvCxnSpPr>
+        <p:spPr>
+          <a:xfrm flipV="1">
+            <a:off x="929898" y="3239146"/>
+            <a:ext cx="697424" cy="92991"/>
+          </a:xfrm>
+          <a:prstGeom prst="line">
+            <a:avLst/>
+          </a:prstGeom>
+          <a:ln w="38100">
+            <a:solidFill>
+              <a:srgbClr val="C00000">
+                <a:alpha val="50000"/>
+              </a:srgbClr>
+            </a:solidFill>
+          </a:ln>
+        </p:spPr>
+        <p:style>
+          <a:lnRef idx="1">
+            <a:schemeClr val="accent1"/>
+          </a:lnRef>
+          <a:fillRef idx="0">
+            <a:schemeClr val="accent1"/>
+          </a:fillRef>
+          <a:effectRef idx="0">
+            <a:schemeClr val="accent1"/>
+          </a:effectRef>
+          <a:fontRef idx="minor">
+            <a:schemeClr val="tx1"/>
+          </a:fontRef>
+        </p:style>
+      </p:cxnSp>
     </p:spTree>
     <p:extLst>
       <p:ext uri="{BB962C8B-B14F-4D97-AF65-F5344CB8AC3E}">
@@ -6132,6 +9121,2515 @@
   <p:clrMapOvr>
     <a:masterClrMapping/>
   </p:clrMapOvr>
+  <p:timing>
+    <p:tnLst>
+      <p:par>
+        <p:cTn id="1" dur="indefinite" restart="never" nodeType="tmRoot">
+          <p:childTnLst>
+            <p:seq concurrent="1" nextAc="seek">
+              <p:cTn id="2" dur="indefinite" nodeType="mainSeq">
+                <p:childTnLst>
+                  <p:par>
+                    <p:cTn id="3" fill="hold">
+                      <p:stCondLst>
+                        <p:cond delay="indefinite"/>
+                      </p:stCondLst>
+                      <p:childTnLst>
+                        <p:par>
+                          <p:cTn id="4" fill="hold">
+                            <p:stCondLst>
+                              <p:cond delay="0"/>
+                            </p:stCondLst>
+                            <p:childTnLst>
+                              <p:par>
+                                <p:cTn id="5" presetID="1" presetClass="entr" presetSubtype="0" fill="hold" nodeType="clickEffect">
+                                  <p:stCondLst>
+                                    <p:cond delay="0"/>
+                                  </p:stCondLst>
+                                  <p:childTnLst>
+                                    <p:set>
+                                      <p:cBhvr>
+                                        <p:cTn id="6" dur="1" fill="hold">
+                                          <p:stCondLst>
+                                            <p:cond delay="0"/>
+                                          </p:stCondLst>
+                                        </p:cTn>
+                                        <p:tgtEl>
+                                          <p:spTgt spid="46"/>
+                                        </p:tgtEl>
+                                        <p:attrNameLst>
+                                          <p:attrName>style.visibility</p:attrName>
+                                        </p:attrNameLst>
+                                      </p:cBhvr>
+                                      <p:to>
+                                        <p:strVal val="visible"/>
+                                      </p:to>
+                                    </p:set>
+                                  </p:childTnLst>
+                                </p:cTn>
+                              </p:par>
+                            </p:childTnLst>
+                          </p:cTn>
+                        </p:par>
+                      </p:childTnLst>
+                    </p:cTn>
+                  </p:par>
+                </p:childTnLst>
+              </p:cTn>
+              <p:prevCondLst>
+                <p:cond evt="onPrev" delay="0">
+                  <p:tgtEl>
+                    <p:sldTgt/>
+                  </p:tgtEl>
+                </p:cond>
+              </p:prevCondLst>
+              <p:nextCondLst>
+                <p:cond evt="onNext" delay="0">
+                  <p:tgtEl>
+                    <p:sldTgt/>
+                  </p:tgtEl>
+                </p:cond>
+              </p:nextCondLst>
+            </p:seq>
+          </p:childTnLst>
+        </p:cTn>
+      </p:par>
+    </p:tnLst>
+  </p:timing>
+</p:sld>
+</file>
+
+<file path=ppt/slides/slide8.xml><?xml version="1.0" encoding="utf-8"?>
+<p:sld xmlns:a="http://schemas.openxmlformats.org/drawingml/2006/main" xmlns:r="http://schemas.openxmlformats.org/officeDocument/2006/relationships" xmlns:p="http://schemas.openxmlformats.org/presentationml/2006/main">
+  <p:cSld>
+    <p:spTree>
+      <p:nvGrpSpPr>
+        <p:cNvPr id="1" name=""/>
+        <p:cNvGrpSpPr/>
+        <p:nvPr/>
+      </p:nvGrpSpPr>
+      <p:grpSpPr>
+        <a:xfrm>
+          <a:off x="0" y="0"/>
+          <a:ext cx="0" cy="0"/>
+          <a:chOff x="0" y="0"/>
+          <a:chExt cx="0" cy="0"/>
+        </a:xfrm>
+      </p:grpSpPr>
+      <p:sp>
+        <p:nvSpPr>
+          <p:cNvPr id="2" name="Title 1">
+            <a:extLst>
+              <a:ext uri="{FF2B5EF4-FFF2-40B4-BE49-F238E27FC236}">
+                <a16:creationId xmlns:a16="http://schemas.microsoft.com/office/drawing/2014/main" id="{7ACF8DE1-EA4E-4342-B99B-F65420FE7DD6}"/>
+              </a:ext>
+            </a:extLst>
+          </p:cNvPr>
+          <p:cNvSpPr>
+            <a:spLocks noGrp="1"/>
+          </p:cNvSpPr>
+          <p:nvPr>
+            <p:ph type="title"/>
+          </p:nvPr>
+        </p:nvSpPr>
+        <p:spPr>
+          <a:xfrm>
+            <a:off x="838200" y="365125"/>
+            <a:ext cx="10515600" cy="1325563"/>
+          </a:xfrm>
+        </p:spPr>
+        <p:txBody>
+          <a:bodyPr/>
+          <a:lstStyle/>
+          <a:p>
+            <a:r>
+              <a:rPr lang="da-DK"/>
+              <a:t>Præcedens og association</a:t>
+            </a:r>
+          </a:p>
+        </p:txBody>
+      </p:sp>
+      <p:pic>
+        <p:nvPicPr>
+          <p:cNvPr id="4" name="Content Placeholder 3">
+            <a:extLst>
+              <a:ext uri="{FF2B5EF4-FFF2-40B4-BE49-F238E27FC236}">
+                <a16:creationId xmlns:a16="http://schemas.microsoft.com/office/drawing/2014/main" id="{91EFF094-9E1F-374D-BD65-555FA92B259C}"/>
+              </a:ext>
+            </a:extLst>
+          </p:cNvPr>
+          <p:cNvPicPr>
+            <a:picLocks noChangeAspect="1"/>
+          </p:cNvPicPr>
+          <p:nvPr/>
+        </p:nvPicPr>
+        <p:blipFill>
+          <a:blip r:embed="rId2">
+            <a:extLst>
+              <a:ext uri="{28A0092B-C50C-407E-A947-70E740481C1C}">
+                <a14:useLocalDpi xmlns:a14="http://schemas.microsoft.com/office/drawing/2010/main" val="0"/>
+              </a:ext>
+            </a:extLst>
+          </a:blip>
+          <a:stretch>
+            <a:fillRect/>
+          </a:stretch>
+        </p:blipFill>
+        <p:spPr>
+          <a:xfrm>
+            <a:off x="1797802" y="1441343"/>
+            <a:ext cx="8060857" cy="5164338"/>
+          </a:xfrm>
+          <a:prstGeom prst="rect">
+            <a:avLst/>
+          </a:prstGeom>
+        </p:spPr>
+      </p:pic>
+    </p:spTree>
+    <p:extLst>
+      <p:ext uri="{BB962C8B-B14F-4D97-AF65-F5344CB8AC3E}">
+        <p14:creationId xmlns:p14="http://schemas.microsoft.com/office/powerpoint/2010/main" val="4271887507"/>
+      </p:ext>
+    </p:extLst>
+  </p:cSld>
+  <p:clrMapOvr>
+    <a:masterClrMapping/>
+  </p:clrMapOvr>
+</p:sld>
+</file>
+
+<file path=ppt/slides/slide9.xml><?xml version="1.0" encoding="utf-8"?>
+<p:sld xmlns:a="http://schemas.openxmlformats.org/drawingml/2006/main" xmlns:r="http://schemas.openxmlformats.org/officeDocument/2006/relationships" xmlns:p="http://schemas.openxmlformats.org/presentationml/2006/main">
+  <p:cSld>
+    <p:spTree>
+      <p:nvGrpSpPr>
+        <p:cNvPr id="1" name=""/>
+        <p:cNvGrpSpPr/>
+        <p:nvPr/>
+      </p:nvGrpSpPr>
+      <p:grpSpPr>
+        <a:xfrm>
+          <a:off x="0" y="0"/>
+          <a:ext cx="0" cy="0"/>
+          <a:chOff x="0" y="0"/>
+          <a:chExt cx="0" cy="0"/>
+        </a:xfrm>
+      </p:grpSpPr>
+      <p:sp>
+        <p:nvSpPr>
+          <p:cNvPr id="2" name="Title 1">
+            <a:extLst>
+              <a:ext uri="{FF2B5EF4-FFF2-40B4-BE49-F238E27FC236}">
+                <a16:creationId xmlns:a16="http://schemas.microsoft.com/office/drawing/2014/main" id="{7D951FD5-6FCD-E042-A892-142E147469EA}"/>
+              </a:ext>
+            </a:extLst>
+          </p:cNvPr>
+          <p:cNvSpPr>
+            <a:spLocks noGrp="1"/>
+          </p:cNvSpPr>
+          <p:nvPr>
+            <p:ph type="title"/>
+          </p:nvPr>
+        </p:nvSpPr>
+        <p:spPr/>
+        <p:txBody>
+          <a:bodyPr/>
+          <a:lstStyle/>
+          <a:p>
+            <a:r>
+              <a:rPr lang="en-GB" dirty="0" err="1"/>
+              <a:t>Operatorer</a:t>
+            </a:r>
+            <a:r>
+              <a:rPr lang="en-GB" dirty="0"/>
+              <a:t> </a:t>
+            </a:r>
+            <a:r>
+              <a:rPr lang="en-GB" dirty="0" err="1"/>
+              <a:t>og</a:t>
+            </a:r>
+            <a:r>
+              <a:rPr lang="en-GB" dirty="0"/>
+              <a:t> </a:t>
+            </a:r>
+            <a:r>
+              <a:rPr lang="en-GB" dirty="0" err="1"/>
+              <a:t>præcedens</a:t>
+            </a:r>
+            <a:endParaRPr lang="en-GB" dirty="0"/>
+          </a:p>
+        </p:txBody>
+      </p:sp>
+      <p:sp>
+        <p:nvSpPr>
+          <p:cNvPr id="3" name="Content Placeholder 2">
+            <a:extLst>
+              <a:ext uri="{FF2B5EF4-FFF2-40B4-BE49-F238E27FC236}">
+                <a16:creationId xmlns:a16="http://schemas.microsoft.com/office/drawing/2014/main" id="{01F1339C-CD04-ED4E-A829-7F36C1E0AB5C}"/>
+              </a:ext>
+            </a:extLst>
+          </p:cNvPr>
+          <p:cNvSpPr>
+            <a:spLocks noGrp="1"/>
+          </p:cNvSpPr>
+          <p:nvPr>
+            <p:ph idx="1"/>
+          </p:nvPr>
+        </p:nvSpPr>
+        <p:spPr>
+          <a:xfrm>
+            <a:off x="838200" y="2448341"/>
+            <a:ext cx="2686001" cy="3373392"/>
+          </a:xfrm>
+        </p:spPr>
+        <p:txBody>
+          <a:bodyPr>
+            <a:normAutofit/>
+          </a:bodyPr>
+          <a:lstStyle/>
+          <a:p>
+            <a:pPr marL="0" indent="0">
+              <a:lnSpc>
+                <a:spcPct val="100000"/>
+              </a:lnSpc>
+              <a:buNone/>
+            </a:pPr>
+            <a:r>
+              <a:rPr lang="en-GB" sz="1400" dirty="0">
+                <a:latin typeface="DejaVu Sans Book" panose="020B0603030804020204" pitchFamily="34" charset="0"/>
+                <a:ea typeface="DejaVu Sans Book" panose="020B0603030804020204" pitchFamily="34" charset="0"/>
+                <a:cs typeface="DejaVu Sans Book" panose="020B0603030804020204" pitchFamily="34" charset="0"/>
+              </a:rPr>
+              <a:t>3 + 4</a:t>
+            </a:r>
+          </a:p>
+          <a:p>
+            <a:pPr marL="0" indent="0">
+              <a:lnSpc>
+                <a:spcPct val="100000"/>
+              </a:lnSpc>
+              <a:buNone/>
+            </a:pPr>
+            <a:r>
+              <a:rPr lang="en-GB" sz="1400" dirty="0">
+                <a:latin typeface="DejaVu Sans Book" panose="020B0603030804020204" pitchFamily="34" charset="0"/>
+                <a:ea typeface="DejaVu Sans Book" panose="020B0603030804020204" pitchFamily="34" charset="0"/>
+                <a:cs typeface="DejaVu Sans Book" panose="020B0603030804020204" pitchFamily="34" charset="0"/>
+              </a:rPr>
+              <a:t>3.0 + 4.0</a:t>
+            </a:r>
+          </a:p>
+          <a:p>
+            <a:pPr marL="0" indent="0">
+              <a:lnSpc>
+                <a:spcPct val="100000"/>
+              </a:lnSpc>
+              <a:buNone/>
+            </a:pPr>
+            <a:r>
+              <a:rPr lang="en-GB" sz="1400" u="sng" dirty="0">
+                <a:latin typeface="DejaVu Sans Book" panose="020B0603030804020204" pitchFamily="34" charset="0"/>
+                <a:ea typeface="DejaVu Sans Book" panose="020B0603030804020204" pitchFamily="34" charset="0"/>
+                <a:cs typeface="DejaVu Sans Book" panose="020B0603030804020204" pitchFamily="34" charset="0"/>
+              </a:rPr>
+              <a:t>3 + 4.0</a:t>
+            </a:r>
+          </a:p>
+          <a:p>
+            <a:pPr marL="0" indent="0">
+              <a:lnSpc>
+                <a:spcPct val="100000"/>
+              </a:lnSpc>
+              <a:buNone/>
+            </a:pPr>
+            <a:r>
+              <a:rPr lang="en-GB" sz="1400" dirty="0">
+                <a:latin typeface="DejaVu Sans Book" panose="020B0603030804020204" pitchFamily="34" charset="0"/>
+                <a:ea typeface="DejaVu Sans Book" panose="020B0603030804020204" pitchFamily="34" charset="0"/>
+                <a:cs typeface="DejaVu Sans Book" panose="020B0603030804020204" pitchFamily="34" charset="0"/>
+              </a:rPr>
+              <a:t>5 / 2</a:t>
+            </a:r>
+          </a:p>
+          <a:p>
+            <a:pPr marL="0" indent="0">
+              <a:lnSpc>
+                <a:spcPct val="100000"/>
+              </a:lnSpc>
+              <a:buNone/>
+            </a:pPr>
+            <a:r>
+              <a:rPr lang="en-GB" sz="1400" dirty="0">
+                <a:latin typeface="DejaVu Sans Book" panose="020B0603030804020204" pitchFamily="34" charset="0"/>
+                <a:ea typeface="DejaVu Sans Book" panose="020B0603030804020204" pitchFamily="34" charset="0"/>
+                <a:cs typeface="DejaVu Sans Book" panose="020B0603030804020204" pitchFamily="34" charset="0"/>
+              </a:rPr>
+              <a:t>5 % 2</a:t>
+            </a:r>
+          </a:p>
+          <a:p>
+            <a:pPr marL="0" indent="0">
+              <a:lnSpc>
+                <a:spcPct val="100000"/>
+              </a:lnSpc>
+              <a:buNone/>
+            </a:pPr>
+            <a:r>
+              <a:rPr lang="en-GB" sz="1400" dirty="0">
+                <a:latin typeface="DejaVu Sans Book" panose="020B0603030804020204" pitchFamily="34" charset="0"/>
+                <a:ea typeface="DejaVu Sans Book" panose="020B0603030804020204" pitchFamily="34" charset="0"/>
+                <a:cs typeface="DejaVu Sans Book" panose="020B0603030804020204" pitchFamily="34" charset="0"/>
+              </a:rPr>
+              <a:t>2 * (5 / 2) + 5 % 2</a:t>
+            </a:r>
+          </a:p>
+          <a:p>
+            <a:pPr marL="0" indent="0">
+              <a:lnSpc>
+                <a:spcPct val="100000"/>
+              </a:lnSpc>
+              <a:buNone/>
+            </a:pPr>
+            <a:r>
+              <a:rPr lang="en-GB" sz="1400" dirty="0">
+                <a:latin typeface="DejaVu Sans Book" panose="020B0603030804020204" pitchFamily="34" charset="0"/>
+                <a:ea typeface="DejaVu Sans Book" panose="020B0603030804020204" pitchFamily="34" charset="0"/>
+                <a:cs typeface="DejaVu Sans Book" panose="020B0603030804020204" pitchFamily="34" charset="0"/>
+              </a:rPr>
+              <a:t>2.0 ** 3.0</a:t>
+            </a:r>
+          </a:p>
+          <a:p>
+            <a:pPr marL="0" indent="0">
+              <a:lnSpc>
+                <a:spcPct val="100000"/>
+              </a:lnSpc>
+              <a:buNone/>
+            </a:pPr>
+            <a:r>
+              <a:rPr lang="en-GB" sz="1400" dirty="0" err="1">
+                <a:latin typeface="DejaVu Sans Book" panose="020B0603030804020204" pitchFamily="34" charset="0"/>
+                <a:ea typeface="DejaVu Sans Book" panose="020B0603030804020204" pitchFamily="34" charset="0"/>
+                <a:cs typeface="DejaVu Sans Book" panose="020B0603030804020204" pitchFamily="34" charset="0"/>
+              </a:rPr>
+              <a:t>pown</a:t>
+            </a:r>
+            <a:r>
+              <a:rPr lang="en-GB" sz="1400" dirty="0">
+                <a:latin typeface="DejaVu Sans Book" panose="020B0603030804020204" pitchFamily="34" charset="0"/>
+                <a:ea typeface="DejaVu Sans Book" panose="020B0603030804020204" pitchFamily="34" charset="0"/>
+                <a:cs typeface="DejaVu Sans Book" panose="020B0603030804020204" pitchFamily="34" charset="0"/>
+              </a:rPr>
+              <a:t> 2 3</a:t>
+            </a:r>
+          </a:p>
+          <a:p>
+            <a:pPr marL="0" indent="0">
+              <a:lnSpc>
+                <a:spcPct val="100000"/>
+              </a:lnSpc>
+              <a:buNone/>
+            </a:pPr>
+            <a:r>
+              <a:rPr lang="en-GB" sz="1400" dirty="0">
+                <a:latin typeface="DejaVu Sans Book" panose="020B0603030804020204" pitchFamily="34" charset="0"/>
+                <a:ea typeface="DejaVu Sans Book" panose="020B0603030804020204" pitchFamily="34" charset="0"/>
+                <a:cs typeface="DejaVu Sans Book" panose="020B0603030804020204" pitchFamily="34" charset="0"/>
+              </a:rPr>
+              <a:t>"</a:t>
+            </a:r>
+            <a:r>
+              <a:rPr lang="en-GB" sz="1400" dirty="0" err="1">
+                <a:latin typeface="DejaVu Sans Book" panose="020B0603030804020204" pitchFamily="34" charset="0"/>
+                <a:ea typeface="DejaVu Sans Book" panose="020B0603030804020204" pitchFamily="34" charset="0"/>
+                <a:cs typeface="DejaVu Sans Book" panose="020B0603030804020204" pitchFamily="34" charset="0"/>
+              </a:rPr>
+              <a:t>hej</a:t>
+            </a:r>
+            <a:r>
+              <a:rPr lang="en-GB" sz="1400" dirty="0">
+                <a:latin typeface="DejaVu Sans Book" panose="020B0603030804020204" pitchFamily="34" charset="0"/>
+                <a:ea typeface="DejaVu Sans Book" panose="020B0603030804020204" pitchFamily="34" charset="0"/>
+                <a:cs typeface="DejaVu Sans Book" panose="020B0603030804020204" pitchFamily="34" charset="0"/>
+              </a:rPr>
+              <a:t> " + "med " + "dig"</a:t>
+            </a:r>
+          </a:p>
+        </p:txBody>
+      </p:sp>
+      <p:sp>
+        <p:nvSpPr>
+          <p:cNvPr id="4" name="Content Placeholder 2">
+            <a:extLst>
+              <a:ext uri="{FF2B5EF4-FFF2-40B4-BE49-F238E27FC236}">
+                <a16:creationId xmlns:a16="http://schemas.microsoft.com/office/drawing/2014/main" id="{84CE778E-7175-DD4C-9379-77596FC3CA32}"/>
+              </a:ext>
+            </a:extLst>
+          </p:cNvPr>
+          <p:cNvSpPr txBox="1">
+            <a:spLocks/>
+          </p:cNvSpPr>
+          <p:nvPr/>
+        </p:nvSpPr>
+        <p:spPr>
+          <a:xfrm>
+            <a:off x="3592286" y="2448341"/>
+            <a:ext cx="1964964" cy="3373392"/>
+          </a:xfrm>
+          <a:prstGeom prst="rect">
+            <a:avLst/>
+          </a:prstGeom>
+        </p:spPr>
+        <p:txBody>
+          <a:bodyPr vert="horz" lIns="91440" tIns="45720" rIns="91440" bIns="45720" rtlCol="0">
+            <a:normAutofit/>
+          </a:bodyPr>
+          <a:lstStyle>
+            <a:lvl1pPr marL="228600" indent="-228600" algn="l" defTabSz="914400" rtl="0" eaLnBrk="1" latinLnBrk="0" hangingPunct="1">
+              <a:lnSpc>
+                <a:spcPct val="90000"/>
+              </a:lnSpc>
+              <a:spcBef>
+                <a:spcPts val="1000"/>
+              </a:spcBef>
+              <a:buFont typeface="Arial" panose="020B0604020202020204" pitchFamily="34" charset="0"/>
+              <a:buChar char="•"/>
+              <a:defRPr sz="2800" kern="1200">
+                <a:solidFill>
+                  <a:schemeClr val="tx1"/>
+                </a:solidFill>
+                <a:latin typeface="+mn-lt"/>
+                <a:ea typeface="+mn-ea"/>
+                <a:cs typeface="+mn-cs"/>
+              </a:defRPr>
+            </a:lvl1pPr>
+            <a:lvl2pPr marL="685800" indent="-228600" algn="l" defTabSz="914400" rtl="0" eaLnBrk="1" latinLnBrk="0" hangingPunct="1">
+              <a:lnSpc>
+                <a:spcPct val="90000"/>
+              </a:lnSpc>
+              <a:spcBef>
+                <a:spcPts val="500"/>
+              </a:spcBef>
+              <a:buFont typeface="Arial" panose="020B0604020202020204" pitchFamily="34" charset="0"/>
+              <a:buChar char="•"/>
+              <a:defRPr sz="2400" kern="1200">
+                <a:solidFill>
+                  <a:schemeClr val="tx1"/>
+                </a:solidFill>
+                <a:latin typeface="+mn-lt"/>
+                <a:ea typeface="+mn-ea"/>
+                <a:cs typeface="+mn-cs"/>
+              </a:defRPr>
+            </a:lvl2pPr>
+            <a:lvl3pPr marL="1143000" indent="-228600" algn="l" defTabSz="914400" rtl="0" eaLnBrk="1" latinLnBrk="0" hangingPunct="1">
+              <a:lnSpc>
+                <a:spcPct val="90000"/>
+              </a:lnSpc>
+              <a:spcBef>
+                <a:spcPts val="500"/>
+              </a:spcBef>
+              <a:buFont typeface="Arial" panose="020B0604020202020204" pitchFamily="34" charset="0"/>
+              <a:buChar char="•"/>
+              <a:defRPr sz="2000" kern="1200">
+                <a:solidFill>
+                  <a:schemeClr val="tx1"/>
+                </a:solidFill>
+                <a:latin typeface="+mn-lt"/>
+                <a:ea typeface="+mn-ea"/>
+                <a:cs typeface="+mn-cs"/>
+              </a:defRPr>
+            </a:lvl3pPr>
+            <a:lvl4pPr marL="1600200" indent="-228600" algn="l" defTabSz="914400" rtl="0" eaLnBrk="1" latinLnBrk="0" hangingPunct="1">
+              <a:lnSpc>
+                <a:spcPct val="90000"/>
+              </a:lnSpc>
+              <a:spcBef>
+                <a:spcPts val="500"/>
+              </a:spcBef>
+              <a:buFont typeface="Arial" panose="020B0604020202020204" pitchFamily="34" charset="0"/>
+              <a:buChar char="•"/>
+              <a:defRPr sz="1800" kern="1200">
+                <a:solidFill>
+                  <a:schemeClr val="tx1"/>
+                </a:solidFill>
+                <a:latin typeface="+mn-lt"/>
+                <a:ea typeface="+mn-ea"/>
+                <a:cs typeface="+mn-cs"/>
+              </a:defRPr>
+            </a:lvl4pPr>
+            <a:lvl5pPr marL="2057400" indent="-228600" algn="l" defTabSz="914400" rtl="0" eaLnBrk="1" latinLnBrk="0" hangingPunct="1">
+              <a:lnSpc>
+                <a:spcPct val="90000"/>
+              </a:lnSpc>
+              <a:spcBef>
+                <a:spcPts val="500"/>
+              </a:spcBef>
+              <a:buFont typeface="Arial" panose="020B0604020202020204" pitchFamily="34" charset="0"/>
+              <a:buChar char="•"/>
+              <a:defRPr sz="1800" kern="1200">
+                <a:solidFill>
+                  <a:schemeClr val="tx1"/>
+                </a:solidFill>
+                <a:latin typeface="+mn-lt"/>
+                <a:ea typeface="+mn-ea"/>
+                <a:cs typeface="+mn-cs"/>
+              </a:defRPr>
+            </a:lvl5pPr>
+            <a:lvl6pPr marL="2514600" indent="-228600" algn="l" defTabSz="914400" rtl="0" eaLnBrk="1" latinLnBrk="0" hangingPunct="1">
+              <a:lnSpc>
+                <a:spcPct val="90000"/>
+              </a:lnSpc>
+              <a:spcBef>
+                <a:spcPts val="500"/>
+              </a:spcBef>
+              <a:buFont typeface="Arial" panose="020B0604020202020204" pitchFamily="34" charset="0"/>
+              <a:buChar char="•"/>
+              <a:defRPr sz="1800" kern="1200">
+                <a:solidFill>
+                  <a:schemeClr val="tx1"/>
+                </a:solidFill>
+                <a:latin typeface="+mn-lt"/>
+                <a:ea typeface="+mn-ea"/>
+                <a:cs typeface="+mn-cs"/>
+              </a:defRPr>
+            </a:lvl6pPr>
+            <a:lvl7pPr marL="2971800" indent="-228600" algn="l" defTabSz="914400" rtl="0" eaLnBrk="1" latinLnBrk="0" hangingPunct="1">
+              <a:lnSpc>
+                <a:spcPct val="90000"/>
+              </a:lnSpc>
+              <a:spcBef>
+                <a:spcPts val="500"/>
+              </a:spcBef>
+              <a:buFont typeface="Arial" panose="020B0604020202020204" pitchFamily="34" charset="0"/>
+              <a:buChar char="•"/>
+              <a:defRPr sz="1800" kern="1200">
+                <a:solidFill>
+                  <a:schemeClr val="tx1"/>
+                </a:solidFill>
+                <a:latin typeface="+mn-lt"/>
+                <a:ea typeface="+mn-ea"/>
+                <a:cs typeface="+mn-cs"/>
+              </a:defRPr>
+            </a:lvl7pPr>
+            <a:lvl8pPr marL="3429000" indent="-228600" algn="l" defTabSz="914400" rtl="0" eaLnBrk="1" latinLnBrk="0" hangingPunct="1">
+              <a:lnSpc>
+                <a:spcPct val="90000"/>
+              </a:lnSpc>
+              <a:spcBef>
+                <a:spcPts val="500"/>
+              </a:spcBef>
+              <a:buFont typeface="Arial" panose="020B0604020202020204" pitchFamily="34" charset="0"/>
+              <a:buChar char="•"/>
+              <a:defRPr sz="1800" kern="1200">
+                <a:solidFill>
+                  <a:schemeClr val="tx1"/>
+                </a:solidFill>
+                <a:latin typeface="+mn-lt"/>
+                <a:ea typeface="+mn-ea"/>
+                <a:cs typeface="+mn-cs"/>
+              </a:defRPr>
+            </a:lvl8pPr>
+            <a:lvl9pPr marL="3886200" indent="-228600" algn="l" defTabSz="914400" rtl="0" eaLnBrk="1" latinLnBrk="0" hangingPunct="1">
+              <a:lnSpc>
+                <a:spcPct val="90000"/>
+              </a:lnSpc>
+              <a:spcBef>
+                <a:spcPts val="500"/>
+              </a:spcBef>
+              <a:buFont typeface="Arial" panose="020B0604020202020204" pitchFamily="34" charset="0"/>
+              <a:buChar char="•"/>
+              <a:defRPr sz="1800" kern="1200">
+                <a:solidFill>
+                  <a:schemeClr val="tx1"/>
+                </a:solidFill>
+                <a:latin typeface="+mn-lt"/>
+                <a:ea typeface="+mn-ea"/>
+                <a:cs typeface="+mn-cs"/>
+              </a:defRPr>
+            </a:lvl9pPr>
+          </a:lstStyle>
+          <a:p>
+            <a:pPr marL="0" indent="0">
+              <a:lnSpc>
+                <a:spcPct val="100000"/>
+              </a:lnSpc>
+              <a:buNone/>
+            </a:pPr>
+            <a:r>
+              <a:rPr lang="en-GB" sz="1400" dirty="0" err="1">
+                <a:latin typeface="DejaVu Sans Book" panose="020B0603030804020204" pitchFamily="34" charset="0"/>
+                <a:ea typeface="DejaVu Sans Book" panose="020B0603030804020204" pitchFamily="34" charset="0"/>
+                <a:cs typeface="DejaVu Sans Book" panose="020B0603030804020204" pitchFamily="34" charset="0"/>
+              </a:rPr>
+              <a:t>exp</a:t>
+            </a:r>
+            <a:r>
+              <a:rPr lang="en-GB" sz="1400" dirty="0">
+                <a:latin typeface="DejaVu Sans Book" panose="020B0603030804020204" pitchFamily="34" charset="0"/>
+                <a:ea typeface="DejaVu Sans Book" panose="020B0603030804020204" pitchFamily="34" charset="0"/>
+                <a:cs typeface="DejaVu Sans Book" panose="020B0603030804020204" pitchFamily="34" charset="0"/>
+              </a:rPr>
+              <a:t> 0.0</a:t>
+            </a:r>
+          </a:p>
+          <a:p>
+            <a:pPr marL="0" indent="0">
+              <a:lnSpc>
+                <a:spcPct val="100000"/>
+              </a:lnSpc>
+              <a:buNone/>
+            </a:pPr>
+            <a:r>
+              <a:rPr lang="en-GB" sz="1400" dirty="0" err="1">
+                <a:latin typeface="DejaVu Sans Book" panose="020B0603030804020204" pitchFamily="34" charset="0"/>
+                <a:ea typeface="DejaVu Sans Book" panose="020B0603030804020204" pitchFamily="34" charset="0"/>
+                <a:cs typeface="DejaVu Sans Book" panose="020B0603030804020204" pitchFamily="34" charset="0"/>
+              </a:rPr>
+              <a:t>exp</a:t>
+            </a:r>
+            <a:r>
+              <a:rPr lang="en-GB" sz="1400" dirty="0">
+                <a:latin typeface="DejaVu Sans Book" panose="020B0603030804020204" pitchFamily="34" charset="0"/>
+                <a:ea typeface="DejaVu Sans Book" panose="020B0603030804020204" pitchFamily="34" charset="0"/>
+                <a:cs typeface="DejaVu Sans Book" panose="020B0603030804020204" pitchFamily="34" charset="0"/>
+              </a:rPr>
+              <a:t> 1.0</a:t>
+            </a:r>
+          </a:p>
+          <a:p>
+            <a:pPr marL="0" indent="0">
+              <a:lnSpc>
+                <a:spcPct val="100000"/>
+              </a:lnSpc>
+              <a:buNone/>
+            </a:pPr>
+            <a:r>
+              <a:rPr lang="en-GB" sz="1400" dirty="0" err="1">
+                <a:latin typeface="DejaVu Sans Book" panose="020B0603030804020204" pitchFamily="34" charset="0"/>
+                <a:ea typeface="DejaVu Sans Book" panose="020B0603030804020204" pitchFamily="34" charset="0"/>
+                <a:cs typeface="DejaVu Sans Book" panose="020B0603030804020204" pitchFamily="34" charset="0"/>
+              </a:rPr>
+              <a:t>exp</a:t>
+            </a:r>
+            <a:r>
+              <a:rPr lang="en-GB" sz="1400" dirty="0">
+                <a:latin typeface="DejaVu Sans Book" panose="020B0603030804020204" pitchFamily="34" charset="0"/>
+                <a:ea typeface="DejaVu Sans Book" panose="020B0603030804020204" pitchFamily="34" charset="0"/>
+                <a:cs typeface="DejaVu Sans Book" panose="020B0603030804020204" pitchFamily="34" charset="0"/>
+              </a:rPr>
+              <a:t> 0.0 + 1.0</a:t>
+            </a:r>
+          </a:p>
+          <a:p>
+            <a:pPr marL="0" indent="0">
+              <a:lnSpc>
+                <a:spcPct val="100000"/>
+              </a:lnSpc>
+              <a:buNone/>
+            </a:pPr>
+            <a:r>
+              <a:rPr lang="en-GB" sz="1400" u="sng" dirty="0">
+                <a:latin typeface="DejaVu Sans Book" panose="020B0603030804020204" pitchFamily="34" charset="0"/>
+                <a:ea typeface="DejaVu Sans Book" panose="020B0603030804020204" pitchFamily="34" charset="0"/>
+                <a:cs typeface="DejaVu Sans Book" panose="020B0603030804020204" pitchFamily="34" charset="0"/>
+              </a:rPr>
+              <a:t>2.0 ** 3.0 ** 4.0</a:t>
+            </a:r>
+          </a:p>
+          <a:p>
+            <a:pPr marL="0" indent="0">
+              <a:lnSpc>
+                <a:spcPct val="100000"/>
+              </a:lnSpc>
+              <a:buNone/>
+            </a:pPr>
+            <a:r>
+              <a:rPr lang="en-GB" sz="1400" u="sng" dirty="0">
+                <a:latin typeface="DejaVu Sans Book" panose="020B0603030804020204" pitchFamily="34" charset="0"/>
+                <a:ea typeface="DejaVu Sans Book" panose="020B0603030804020204" pitchFamily="34" charset="0"/>
+                <a:cs typeface="DejaVu Sans Book" panose="020B0603030804020204" pitchFamily="34" charset="0"/>
+              </a:rPr>
+              <a:t>2.0 / 3.0 / 4.0</a:t>
+            </a:r>
+          </a:p>
+        </p:txBody>
+      </p:sp>
+      <p:sp>
+        <p:nvSpPr>
+          <p:cNvPr id="5" name="Content Placeholder 2">
+            <a:extLst>
+              <a:ext uri="{FF2B5EF4-FFF2-40B4-BE49-F238E27FC236}">
+                <a16:creationId xmlns:a16="http://schemas.microsoft.com/office/drawing/2014/main" id="{74FB4E8C-854A-1A44-B8DC-7EBB5C6FCF31}"/>
+              </a:ext>
+            </a:extLst>
+          </p:cNvPr>
+          <p:cNvSpPr txBox="1">
+            <a:spLocks/>
+          </p:cNvSpPr>
+          <p:nvPr/>
+        </p:nvSpPr>
+        <p:spPr>
+          <a:xfrm>
+            <a:off x="5612673" y="2448341"/>
+            <a:ext cx="2740913" cy="3373392"/>
+          </a:xfrm>
+          <a:prstGeom prst="rect">
+            <a:avLst/>
+          </a:prstGeom>
+        </p:spPr>
+        <p:txBody>
+          <a:bodyPr vert="horz" lIns="91440" tIns="45720" rIns="91440" bIns="45720" rtlCol="0">
+            <a:normAutofit/>
+          </a:bodyPr>
+          <a:lstStyle>
+            <a:lvl1pPr marL="228600" indent="-228600" algn="l" defTabSz="914400" rtl="0" eaLnBrk="1" latinLnBrk="0" hangingPunct="1">
+              <a:lnSpc>
+                <a:spcPct val="90000"/>
+              </a:lnSpc>
+              <a:spcBef>
+                <a:spcPts val="1000"/>
+              </a:spcBef>
+              <a:buFont typeface="Arial" panose="020B0604020202020204" pitchFamily="34" charset="0"/>
+              <a:buChar char="•"/>
+              <a:defRPr sz="2800" kern="1200">
+                <a:solidFill>
+                  <a:schemeClr val="tx1"/>
+                </a:solidFill>
+                <a:latin typeface="+mn-lt"/>
+                <a:ea typeface="+mn-ea"/>
+                <a:cs typeface="+mn-cs"/>
+              </a:defRPr>
+            </a:lvl1pPr>
+            <a:lvl2pPr marL="685800" indent="-228600" algn="l" defTabSz="914400" rtl="0" eaLnBrk="1" latinLnBrk="0" hangingPunct="1">
+              <a:lnSpc>
+                <a:spcPct val="90000"/>
+              </a:lnSpc>
+              <a:spcBef>
+                <a:spcPts val="500"/>
+              </a:spcBef>
+              <a:buFont typeface="Arial" panose="020B0604020202020204" pitchFamily="34" charset="0"/>
+              <a:buChar char="•"/>
+              <a:defRPr sz="2400" kern="1200">
+                <a:solidFill>
+                  <a:schemeClr val="tx1"/>
+                </a:solidFill>
+                <a:latin typeface="+mn-lt"/>
+                <a:ea typeface="+mn-ea"/>
+                <a:cs typeface="+mn-cs"/>
+              </a:defRPr>
+            </a:lvl2pPr>
+            <a:lvl3pPr marL="1143000" indent="-228600" algn="l" defTabSz="914400" rtl="0" eaLnBrk="1" latinLnBrk="0" hangingPunct="1">
+              <a:lnSpc>
+                <a:spcPct val="90000"/>
+              </a:lnSpc>
+              <a:spcBef>
+                <a:spcPts val="500"/>
+              </a:spcBef>
+              <a:buFont typeface="Arial" panose="020B0604020202020204" pitchFamily="34" charset="0"/>
+              <a:buChar char="•"/>
+              <a:defRPr sz="2000" kern="1200">
+                <a:solidFill>
+                  <a:schemeClr val="tx1"/>
+                </a:solidFill>
+                <a:latin typeface="+mn-lt"/>
+                <a:ea typeface="+mn-ea"/>
+                <a:cs typeface="+mn-cs"/>
+              </a:defRPr>
+            </a:lvl3pPr>
+            <a:lvl4pPr marL="1600200" indent="-228600" algn="l" defTabSz="914400" rtl="0" eaLnBrk="1" latinLnBrk="0" hangingPunct="1">
+              <a:lnSpc>
+                <a:spcPct val="90000"/>
+              </a:lnSpc>
+              <a:spcBef>
+                <a:spcPts val="500"/>
+              </a:spcBef>
+              <a:buFont typeface="Arial" panose="020B0604020202020204" pitchFamily="34" charset="0"/>
+              <a:buChar char="•"/>
+              <a:defRPr sz="1800" kern="1200">
+                <a:solidFill>
+                  <a:schemeClr val="tx1"/>
+                </a:solidFill>
+                <a:latin typeface="+mn-lt"/>
+                <a:ea typeface="+mn-ea"/>
+                <a:cs typeface="+mn-cs"/>
+              </a:defRPr>
+            </a:lvl4pPr>
+            <a:lvl5pPr marL="2057400" indent="-228600" algn="l" defTabSz="914400" rtl="0" eaLnBrk="1" latinLnBrk="0" hangingPunct="1">
+              <a:lnSpc>
+                <a:spcPct val="90000"/>
+              </a:lnSpc>
+              <a:spcBef>
+                <a:spcPts val="500"/>
+              </a:spcBef>
+              <a:buFont typeface="Arial" panose="020B0604020202020204" pitchFamily="34" charset="0"/>
+              <a:buChar char="•"/>
+              <a:defRPr sz="1800" kern="1200">
+                <a:solidFill>
+                  <a:schemeClr val="tx1"/>
+                </a:solidFill>
+                <a:latin typeface="+mn-lt"/>
+                <a:ea typeface="+mn-ea"/>
+                <a:cs typeface="+mn-cs"/>
+              </a:defRPr>
+            </a:lvl5pPr>
+            <a:lvl6pPr marL="2514600" indent="-228600" algn="l" defTabSz="914400" rtl="0" eaLnBrk="1" latinLnBrk="0" hangingPunct="1">
+              <a:lnSpc>
+                <a:spcPct val="90000"/>
+              </a:lnSpc>
+              <a:spcBef>
+                <a:spcPts val="500"/>
+              </a:spcBef>
+              <a:buFont typeface="Arial" panose="020B0604020202020204" pitchFamily="34" charset="0"/>
+              <a:buChar char="•"/>
+              <a:defRPr sz="1800" kern="1200">
+                <a:solidFill>
+                  <a:schemeClr val="tx1"/>
+                </a:solidFill>
+                <a:latin typeface="+mn-lt"/>
+                <a:ea typeface="+mn-ea"/>
+                <a:cs typeface="+mn-cs"/>
+              </a:defRPr>
+            </a:lvl6pPr>
+            <a:lvl7pPr marL="2971800" indent="-228600" algn="l" defTabSz="914400" rtl="0" eaLnBrk="1" latinLnBrk="0" hangingPunct="1">
+              <a:lnSpc>
+                <a:spcPct val="90000"/>
+              </a:lnSpc>
+              <a:spcBef>
+                <a:spcPts val="500"/>
+              </a:spcBef>
+              <a:buFont typeface="Arial" panose="020B0604020202020204" pitchFamily="34" charset="0"/>
+              <a:buChar char="•"/>
+              <a:defRPr sz="1800" kern="1200">
+                <a:solidFill>
+                  <a:schemeClr val="tx1"/>
+                </a:solidFill>
+                <a:latin typeface="+mn-lt"/>
+                <a:ea typeface="+mn-ea"/>
+                <a:cs typeface="+mn-cs"/>
+              </a:defRPr>
+            </a:lvl7pPr>
+            <a:lvl8pPr marL="3429000" indent="-228600" algn="l" defTabSz="914400" rtl="0" eaLnBrk="1" latinLnBrk="0" hangingPunct="1">
+              <a:lnSpc>
+                <a:spcPct val="90000"/>
+              </a:lnSpc>
+              <a:spcBef>
+                <a:spcPts val="500"/>
+              </a:spcBef>
+              <a:buFont typeface="Arial" panose="020B0604020202020204" pitchFamily="34" charset="0"/>
+              <a:buChar char="•"/>
+              <a:defRPr sz="1800" kern="1200">
+                <a:solidFill>
+                  <a:schemeClr val="tx1"/>
+                </a:solidFill>
+                <a:latin typeface="+mn-lt"/>
+                <a:ea typeface="+mn-ea"/>
+                <a:cs typeface="+mn-cs"/>
+              </a:defRPr>
+            </a:lvl8pPr>
+            <a:lvl9pPr marL="3886200" indent="-228600" algn="l" defTabSz="914400" rtl="0" eaLnBrk="1" latinLnBrk="0" hangingPunct="1">
+              <a:lnSpc>
+                <a:spcPct val="90000"/>
+              </a:lnSpc>
+              <a:spcBef>
+                <a:spcPts val="500"/>
+              </a:spcBef>
+              <a:buFont typeface="Arial" panose="020B0604020202020204" pitchFamily="34" charset="0"/>
+              <a:buChar char="•"/>
+              <a:defRPr sz="1800" kern="1200">
+                <a:solidFill>
+                  <a:schemeClr val="tx1"/>
+                </a:solidFill>
+                <a:latin typeface="+mn-lt"/>
+                <a:ea typeface="+mn-ea"/>
+                <a:cs typeface="+mn-cs"/>
+              </a:defRPr>
+            </a:lvl9pPr>
+          </a:lstStyle>
+          <a:p>
+            <a:pPr marL="0" indent="0">
+              <a:lnSpc>
+                <a:spcPct val="100000"/>
+              </a:lnSpc>
+              <a:buNone/>
+            </a:pPr>
+            <a:r>
+              <a:rPr lang="en-GB" sz="1400" dirty="0">
+                <a:latin typeface="DejaVu Sans Book" panose="020B0603030804020204" pitchFamily="34" charset="0"/>
+                <a:ea typeface="DejaVu Sans Book" panose="020B0603030804020204" pitchFamily="34" charset="0"/>
+                <a:cs typeface="DejaVu Sans Book" panose="020B0603030804020204" pitchFamily="34" charset="0"/>
+              </a:rPr>
+              <a:t>float 3</a:t>
+            </a:r>
+          </a:p>
+          <a:p>
+            <a:pPr marL="0" indent="0">
+              <a:lnSpc>
+                <a:spcPct val="100000"/>
+              </a:lnSpc>
+              <a:buNone/>
+            </a:pPr>
+            <a:r>
+              <a:rPr lang="en-GB" sz="1400" dirty="0" err="1">
+                <a:latin typeface="DejaVu Sans Book" panose="020B0603030804020204" pitchFamily="34" charset="0"/>
+                <a:ea typeface="DejaVu Sans Book" panose="020B0603030804020204" pitchFamily="34" charset="0"/>
+                <a:cs typeface="DejaVu Sans Book" panose="020B0603030804020204" pitchFamily="34" charset="0"/>
+              </a:rPr>
+              <a:t>int</a:t>
+            </a:r>
+            <a:r>
+              <a:rPr lang="en-GB" sz="1400" dirty="0">
+                <a:latin typeface="DejaVu Sans Book" panose="020B0603030804020204" pitchFamily="34" charset="0"/>
+                <a:ea typeface="DejaVu Sans Book" panose="020B0603030804020204" pitchFamily="34" charset="0"/>
+                <a:cs typeface="DejaVu Sans Book" panose="020B0603030804020204" pitchFamily="34" charset="0"/>
+              </a:rPr>
+              <a:t> 3.2</a:t>
+            </a:r>
+          </a:p>
+          <a:p>
+            <a:pPr marL="0" indent="0">
+              <a:lnSpc>
+                <a:spcPct val="100000"/>
+              </a:lnSpc>
+              <a:buNone/>
+            </a:pPr>
+            <a:r>
+              <a:rPr lang="en-GB" sz="1400" dirty="0" err="1">
+                <a:latin typeface="DejaVu Sans Book" panose="020B0603030804020204" pitchFamily="34" charset="0"/>
+                <a:ea typeface="DejaVu Sans Book" panose="020B0603030804020204" pitchFamily="34" charset="0"/>
+                <a:cs typeface="DejaVu Sans Book" panose="020B0603030804020204" pitchFamily="34" charset="0"/>
+              </a:rPr>
+              <a:t>int</a:t>
+            </a:r>
+            <a:r>
+              <a:rPr lang="en-GB" sz="1400" dirty="0">
+                <a:latin typeface="DejaVu Sans Book" panose="020B0603030804020204" pitchFamily="34" charset="0"/>
+                <a:ea typeface="DejaVu Sans Book" panose="020B0603030804020204" pitchFamily="34" charset="0"/>
+                <a:cs typeface="DejaVu Sans Book" panose="020B0603030804020204" pitchFamily="34" charset="0"/>
+              </a:rPr>
+              <a:t> 3.6</a:t>
+            </a:r>
+          </a:p>
+          <a:p>
+            <a:pPr marL="0" indent="0">
+              <a:lnSpc>
+                <a:spcPct val="100000"/>
+              </a:lnSpc>
+              <a:buNone/>
+            </a:pPr>
+            <a:r>
+              <a:rPr lang="en-GB" sz="1400" u="sng" dirty="0" err="1">
+                <a:latin typeface="DejaVu Sans Book" panose="020B0603030804020204" pitchFamily="34" charset="0"/>
+                <a:ea typeface="DejaVu Sans Book" panose="020B0603030804020204" pitchFamily="34" charset="0"/>
+                <a:cs typeface="DejaVu Sans Book" panose="020B0603030804020204" pitchFamily="34" charset="0"/>
+              </a:rPr>
+              <a:t>int</a:t>
+            </a:r>
+            <a:r>
+              <a:rPr lang="en-GB" sz="1400" u="sng" dirty="0">
+                <a:latin typeface="DejaVu Sans Book" panose="020B0603030804020204" pitchFamily="34" charset="0"/>
+                <a:ea typeface="DejaVu Sans Book" panose="020B0603030804020204" pitchFamily="34" charset="0"/>
+                <a:cs typeface="DejaVu Sans Book" panose="020B0603030804020204" pitchFamily="34" charset="0"/>
+              </a:rPr>
+              <a:t> (3.2 + 0.5)</a:t>
+            </a:r>
+          </a:p>
+          <a:p>
+            <a:pPr marL="0" indent="0">
+              <a:lnSpc>
+                <a:spcPct val="100000"/>
+              </a:lnSpc>
+              <a:buNone/>
+            </a:pPr>
+            <a:r>
+              <a:rPr lang="en-GB" sz="1400" u="sng" dirty="0" err="1">
+                <a:latin typeface="DejaVu Sans Book" panose="020B0603030804020204" pitchFamily="34" charset="0"/>
+                <a:ea typeface="DejaVu Sans Book" panose="020B0603030804020204" pitchFamily="34" charset="0"/>
+                <a:cs typeface="DejaVu Sans Book" panose="020B0603030804020204" pitchFamily="34" charset="0"/>
+              </a:rPr>
+              <a:t>int</a:t>
+            </a:r>
+            <a:r>
+              <a:rPr lang="en-GB" sz="1400" u="sng" dirty="0">
+                <a:latin typeface="DejaVu Sans Book" panose="020B0603030804020204" pitchFamily="34" charset="0"/>
+                <a:ea typeface="DejaVu Sans Book" panose="020B0603030804020204" pitchFamily="34" charset="0"/>
+                <a:cs typeface="DejaVu Sans Book" panose="020B0603030804020204" pitchFamily="34" charset="0"/>
+              </a:rPr>
+              <a:t> (3.6 + 0.5)</a:t>
+            </a:r>
+          </a:p>
+          <a:p>
+            <a:pPr marL="0" indent="0">
+              <a:lnSpc>
+                <a:spcPct val="100000"/>
+              </a:lnSpc>
+              <a:buNone/>
+            </a:pPr>
+            <a:r>
+              <a:rPr lang="en-GB" sz="1400" dirty="0" err="1">
+                <a:latin typeface="DejaVu Sans Book" panose="020B0603030804020204" pitchFamily="34" charset="0"/>
+                <a:ea typeface="DejaVu Sans Book" panose="020B0603030804020204" pitchFamily="34" charset="0"/>
+                <a:cs typeface="DejaVu Sans Book" panose="020B0603030804020204" pitchFamily="34" charset="0"/>
+              </a:rPr>
+              <a:t>int</a:t>
+            </a:r>
+            <a:r>
+              <a:rPr lang="en-GB" sz="1400" dirty="0">
+                <a:latin typeface="DejaVu Sans Book" panose="020B0603030804020204" pitchFamily="34" charset="0"/>
+                <a:ea typeface="DejaVu Sans Book" panose="020B0603030804020204" pitchFamily="34" charset="0"/>
+                <a:cs typeface="DejaVu Sans Book" panose="020B0603030804020204" pitchFamily="34" charset="0"/>
+              </a:rPr>
+              <a:t> 'a'</a:t>
+            </a:r>
+          </a:p>
+          <a:p>
+            <a:pPr marL="0" indent="0">
+              <a:lnSpc>
+                <a:spcPct val="100000"/>
+              </a:lnSpc>
+              <a:buNone/>
+            </a:pPr>
+            <a:r>
+              <a:rPr lang="en-GB" sz="1400" dirty="0" err="1">
+                <a:latin typeface="DejaVu Sans Book" panose="020B0603030804020204" pitchFamily="34" charset="0"/>
+                <a:ea typeface="DejaVu Sans Book" panose="020B0603030804020204" pitchFamily="34" charset="0"/>
+                <a:cs typeface="DejaVu Sans Book" panose="020B0603030804020204" pitchFamily="34" charset="0"/>
+              </a:rPr>
+              <a:t>int</a:t>
+            </a:r>
+            <a:r>
+              <a:rPr lang="en-GB" sz="1400" dirty="0">
+                <a:latin typeface="DejaVu Sans Book" panose="020B0603030804020204" pitchFamily="34" charset="0"/>
+                <a:ea typeface="DejaVu Sans Book" panose="020B0603030804020204" pitchFamily="34" charset="0"/>
+                <a:cs typeface="DejaVu Sans Book" panose="020B0603030804020204" pitchFamily="34" charset="0"/>
+              </a:rPr>
+              <a:t> 'A'</a:t>
+            </a:r>
+          </a:p>
+          <a:p>
+            <a:pPr marL="0" indent="0">
+              <a:lnSpc>
+                <a:spcPct val="100000"/>
+              </a:lnSpc>
+              <a:buNone/>
+            </a:pPr>
+            <a:r>
+              <a:rPr lang="en-GB" sz="1400" dirty="0">
+                <a:latin typeface="DejaVu Sans Book" panose="020B0603030804020204" pitchFamily="34" charset="0"/>
+                <a:ea typeface="DejaVu Sans Book" panose="020B0603030804020204" pitchFamily="34" charset="0"/>
+                <a:cs typeface="DejaVu Sans Book" panose="020B0603030804020204" pitchFamily="34" charset="0"/>
+              </a:rPr>
+              <a:t>char 65</a:t>
+            </a:r>
+          </a:p>
+          <a:p>
+            <a:pPr marL="0" indent="0">
+              <a:lnSpc>
+                <a:spcPct val="100000"/>
+              </a:lnSpc>
+              <a:buNone/>
+            </a:pPr>
+            <a:r>
+              <a:rPr lang="en-GB" sz="1400" dirty="0">
+                <a:latin typeface="DejaVu Sans Book" panose="020B0603030804020204" pitchFamily="34" charset="0"/>
+                <a:ea typeface="DejaVu Sans Book" panose="020B0603030804020204" pitchFamily="34" charset="0"/>
+                <a:cs typeface="DejaVu Sans Book" panose="020B0603030804020204" pitchFamily="34" charset="0"/>
+              </a:rPr>
+              <a:t>char (</a:t>
+            </a:r>
+            <a:r>
+              <a:rPr lang="en-GB" sz="1400" dirty="0" err="1">
+                <a:latin typeface="DejaVu Sans Book" panose="020B0603030804020204" pitchFamily="34" charset="0"/>
+                <a:ea typeface="DejaVu Sans Book" panose="020B0603030804020204" pitchFamily="34" charset="0"/>
+                <a:cs typeface="DejaVu Sans Book" panose="020B0603030804020204" pitchFamily="34" charset="0"/>
+              </a:rPr>
+              <a:t>int</a:t>
+            </a:r>
+            <a:r>
+              <a:rPr lang="en-GB" sz="1400" dirty="0">
+                <a:latin typeface="DejaVu Sans Book" panose="020B0603030804020204" pitchFamily="34" charset="0"/>
+                <a:ea typeface="DejaVu Sans Book" panose="020B0603030804020204" pitchFamily="34" charset="0"/>
+                <a:cs typeface="DejaVu Sans Book" panose="020B0603030804020204" pitchFamily="34" charset="0"/>
+              </a:rPr>
+              <a:t> 'c' - </a:t>
+            </a:r>
+            <a:r>
+              <a:rPr lang="en-GB" sz="1400" dirty="0" err="1">
+                <a:latin typeface="DejaVu Sans Book" panose="020B0603030804020204" pitchFamily="34" charset="0"/>
+                <a:ea typeface="DejaVu Sans Book" panose="020B0603030804020204" pitchFamily="34" charset="0"/>
+                <a:cs typeface="DejaVu Sans Book" panose="020B0603030804020204" pitchFamily="34" charset="0"/>
+              </a:rPr>
+              <a:t>int</a:t>
+            </a:r>
+            <a:r>
+              <a:rPr lang="en-GB" sz="1400" dirty="0">
+                <a:latin typeface="DejaVu Sans Book" panose="020B0603030804020204" pitchFamily="34" charset="0"/>
+                <a:ea typeface="DejaVu Sans Book" panose="020B0603030804020204" pitchFamily="34" charset="0"/>
+                <a:cs typeface="DejaVu Sans Book" panose="020B0603030804020204" pitchFamily="34" charset="0"/>
+              </a:rPr>
+              <a:t> 'a' + </a:t>
+            </a:r>
+            <a:r>
+              <a:rPr lang="en-GB" sz="1400" dirty="0" err="1">
+                <a:latin typeface="DejaVu Sans Book" panose="020B0603030804020204" pitchFamily="34" charset="0"/>
+                <a:ea typeface="DejaVu Sans Book" panose="020B0603030804020204" pitchFamily="34" charset="0"/>
+                <a:cs typeface="DejaVu Sans Book" panose="020B0603030804020204" pitchFamily="34" charset="0"/>
+              </a:rPr>
+              <a:t>int</a:t>
+            </a:r>
+            <a:r>
+              <a:rPr lang="en-GB" sz="1400" dirty="0">
+                <a:latin typeface="DejaVu Sans Book" panose="020B0603030804020204" pitchFamily="34" charset="0"/>
+                <a:ea typeface="DejaVu Sans Book" panose="020B0603030804020204" pitchFamily="34" charset="0"/>
+                <a:cs typeface="DejaVu Sans Book" panose="020B0603030804020204" pitchFamily="34" charset="0"/>
+              </a:rPr>
+              <a:t> 'A')</a:t>
+            </a:r>
+          </a:p>
+        </p:txBody>
+      </p:sp>
+      <p:sp>
+        <p:nvSpPr>
+          <p:cNvPr id="6" name="Content Placeholder 2">
+            <a:extLst>
+              <a:ext uri="{FF2B5EF4-FFF2-40B4-BE49-F238E27FC236}">
+                <a16:creationId xmlns:a16="http://schemas.microsoft.com/office/drawing/2014/main" id="{BEAFB9E9-7E5C-E84B-84B5-3F813D7396C1}"/>
+              </a:ext>
+            </a:extLst>
+          </p:cNvPr>
+          <p:cNvSpPr txBox="1">
+            <a:spLocks/>
+          </p:cNvSpPr>
+          <p:nvPr/>
+        </p:nvSpPr>
+        <p:spPr>
+          <a:xfrm>
+            <a:off x="8483237" y="2448341"/>
+            <a:ext cx="2870563" cy="3373392"/>
+          </a:xfrm>
+          <a:prstGeom prst="rect">
+            <a:avLst/>
+          </a:prstGeom>
+        </p:spPr>
+        <p:txBody>
+          <a:bodyPr vert="horz" lIns="91440" tIns="45720" rIns="91440" bIns="45720" rtlCol="0">
+            <a:normAutofit/>
+          </a:bodyPr>
+          <a:lstStyle>
+            <a:lvl1pPr marL="228600" indent="-228600" algn="l" defTabSz="914400" rtl="0" eaLnBrk="1" latinLnBrk="0" hangingPunct="1">
+              <a:lnSpc>
+                <a:spcPct val="90000"/>
+              </a:lnSpc>
+              <a:spcBef>
+                <a:spcPts val="1000"/>
+              </a:spcBef>
+              <a:buFont typeface="Arial" panose="020B0604020202020204" pitchFamily="34" charset="0"/>
+              <a:buChar char="•"/>
+              <a:defRPr sz="2800" kern="1200">
+                <a:solidFill>
+                  <a:schemeClr val="tx1"/>
+                </a:solidFill>
+                <a:latin typeface="+mn-lt"/>
+                <a:ea typeface="+mn-ea"/>
+                <a:cs typeface="+mn-cs"/>
+              </a:defRPr>
+            </a:lvl1pPr>
+            <a:lvl2pPr marL="685800" indent="-228600" algn="l" defTabSz="914400" rtl="0" eaLnBrk="1" latinLnBrk="0" hangingPunct="1">
+              <a:lnSpc>
+                <a:spcPct val="90000"/>
+              </a:lnSpc>
+              <a:spcBef>
+                <a:spcPts val="500"/>
+              </a:spcBef>
+              <a:buFont typeface="Arial" panose="020B0604020202020204" pitchFamily="34" charset="0"/>
+              <a:buChar char="•"/>
+              <a:defRPr sz="2400" kern="1200">
+                <a:solidFill>
+                  <a:schemeClr val="tx1"/>
+                </a:solidFill>
+                <a:latin typeface="+mn-lt"/>
+                <a:ea typeface="+mn-ea"/>
+                <a:cs typeface="+mn-cs"/>
+              </a:defRPr>
+            </a:lvl2pPr>
+            <a:lvl3pPr marL="1143000" indent="-228600" algn="l" defTabSz="914400" rtl="0" eaLnBrk="1" latinLnBrk="0" hangingPunct="1">
+              <a:lnSpc>
+                <a:spcPct val="90000"/>
+              </a:lnSpc>
+              <a:spcBef>
+                <a:spcPts val="500"/>
+              </a:spcBef>
+              <a:buFont typeface="Arial" panose="020B0604020202020204" pitchFamily="34" charset="0"/>
+              <a:buChar char="•"/>
+              <a:defRPr sz="2000" kern="1200">
+                <a:solidFill>
+                  <a:schemeClr val="tx1"/>
+                </a:solidFill>
+                <a:latin typeface="+mn-lt"/>
+                <a:ea typeface="+mn-ea"/>
+                <a:cs typeface="+mn-cs"/>
+              </a:defRPr>
+            </a:lvl3pPr>
+            <a:lvl4pPr marL="1600200" indent="-228600" algn="l" defTabSz="914400" rtl="0" eaLnBrk="1" latinLnBrk="0" hangingPunct="1">
+              <a:lnSpc>
+                <a:spcPct val="90000"/>
+              </a:lnSpc>
+              <a:spcBef>
+                <a:spcPts val="500"/>
+              </a:spcBef>
+              <a:buFont typeface="Arial" panose="020B0604020202020204" pitchFamily="34" charset="0"/>
+              <a:buChar char="•"/>
+              <a:defRPr sz="1800" kern="1200">
+                <a:solidFill>
+                  <a:schemeClr val="tx1"/>
+                </a:solidFill>
+                <a:latin typeface="+mn-lt"/>
+                <a:ea typeface="+mn-ea"/>
+                <a:cs typeface="+mn-cs"/>
+              </a:defRPr>
+            </a:lvl4pPr>
+            <a:lvl5pPr marL="2057400" indent="-228600" algn="l" defTabSz="914400" rtl="0" eaLnBrk="1" latinLnBrk="0" hangingPunct="1">
+              <a:lnSpc>
+                <a:spcPct val="90000"/>
+              </a:lnSpc>
+              <a:spcBef>
+                <a:spcPts val="500"/>
+              </a:spcBef>
+              <a:buFont typeface="Arial" panose="020B0604020202020204" pitchFamily="34" charset="0"/>
+              <a:buChar char="•"/>
+              <a:defRPr sz="1800" kern="1200">
+                <a:solidFill>
+                  <a:schemeClr val="tx1"/>
+                </a:solidFill>
+                <a:latin typeface="+mn-lt"/>
+                <a:ea typeface="+mn-ea"/>
+                <a:cs typeface="+mn-cs"/>
+              </a:defRPr>
+            </a:lvl5pPr>
+            <a:lvl6pPr marL="2514600" indent="-228600" algn="l" defTabSz="914400" rtl="0" eaLnBrk="1" latinLnBrk="0" hangingPunct="1">
+              <a:lnSpc>
+                <a:spcPct val="90000"/>
+              </a:lnSpc>
+              <a:spcBef>
+                <a:spcPts val="500"/>
+              </a:spcBef>
+              <a:buFont typeface="Arial" panose="020B0604020202020204" pitchFamily="34" charset="0"/>
+              <a:buChar char="•"/>
+              <a:defRPr sz="1800" kern="1200">
+                <a:solidFill>
+                  <a:schemeClr val="tx1"/>
+                </a:solidFill>
+                <a:latin typeface="+mn-lt"/>
+                <a:ea typeface="+mn-ea"/>
+                <a:cs typeface="+mn-cs"/>
+              </a:defRPr>
+            </a:lvl6pPr>
+            <a:lvl7pPr marL="2971800" indent="-228600" algn="l" defTabSz="914400" rtl="0" eaLnBrk="1" latinLnBrk="0" hangingPunct="1">
+              <a:lnSpc>
+                <a:spcPct val="90000"/>
+              </a:lnSpc>
+              <a:spcBef>
+                <a:spcPts val="500"/>
+              </a:spcBef>
+              <a:buFont typeface="Arial" panose="020B0604020202020204" pitchFamily="34" charset="0"/>
+              <a:buChar char="•"/>
+              <a:defRPr sz="1800" kern="1200">
+                <a:solidFill>
+                  <a:schemeClr val="tx1"/>
+                </a:solidFill>
+                <a:latin typeface="+mn-lt"/>
+                <a:ea typeface="+mn-ea"/>
+                <a:cs typeface="+mn-cs"/>
+              </a:defRPr>
+            </a:lvl7pPr>
+            <a:lvl8pPr marL="3429000" indent="-228600" algn="l" defTabSz="914400" rtl="0" eaLnBrk="1" latinLnBrk="0" hangingPunct="1">
+              <a:lnSpc>
+                <a:spcPct val="90000"/>
+              </a:lnSpc>
+              <a:spcBef>
+                <a:spcPts val="500"/>
+              </a:spcBef>
+              <a:buFont typeface="Arial" panose="020B0604020202020204" pitchFamily="34" charset="0"/>
+              <a:buChar char="•"/>
+              <a:defRPr sz="1800" kern="1200">
+                <a:solidFill>
+                  <a:schemeClr val="tx1"/>
+                </a:solidFill>
+                <a:latin typeface="+mn-lt"/>
+                <a:ea typeface="+mn-ea"/>
+                <a:cs typeface="+mn-cs"/>
+              </a:defRPr>
+            </a:lvl8pPr>
+            <a:lvl9pPr marL="3886200" indent="-228600" algn="l" defTabSz="914400" rtl="0" eaLnBrk="1" latinLnBrk="0" hangingPunct="1">
+              <a:lnSpc>
+                <a:spcPct val="90000"/>
+              </a:lnSpc>
+              <a:spcBef>
+                <a:spcPts val="500"/>
+              </a:spcBef>
+              <a:buFont typeface="Arial" panose="020B0604020202020204" pitchFamily="34" charset="0"/>
+              <a:buChar char="•"/>
+              <a:defRPr sz="1800" kern="1200">
+                <a:solidFill>
+                  <a:schemeClr val="tx1"/>
+                </a:solidFill>
+                <a:latin typeface="+mn-lt"/>
+                <a:ea typeface="+mn-ea"/>
+                <a:cs typeface="+mn-cs"/>
+              </a:defRPr>
+            </a:lvl9pPr>
+          </a:lstStyle>
+          <a:p>
+            <a:pPr marL="0" indent="0">
+              <a:lnSpc>
+                <a:spcPct val="100000"/>
+              </a:lnSpc>
+              <a:buNone/>
+            </a:pPr>
+            <a:r>
+              <a:rPr lang="en-GB" sz="1400" dirty="0">
+                <a:latin typeface="DejaVu Sans Book" panose="020B0603030804020204" pitchFamily="34" charset="0"/>
+                <a:ea typeface="DejaVu Sans Book" panose="020B0603030804020204" pitchFamily="34" charset="0"/>
+                <a:cs typeface="DejaVu Sans Book" panose="020B0603030804020204" pitchFamily="34" charset="0"/>
+              </a:rPr>
+              <a:t>2 - 3</a:t>
+            </a:r>
+          </a:p>
+          <a:p>
+            <a:pPr marL="0" indent="0">
+              <a:lnSpc>
+                <a:spcPct val="100000"/>
+              </a:lnSpc>
+              <a:buNone/>
+            </a:pPr>
+            <a:r>
+              <a:rPr lang="en-GB" sz="1400" dirty="0">
+                <a:latin typeface="DejaVu Sans Book" panose="020B0603030804020204" pitchFamily="34" charset="0"/>
+                <a:ea typeface="DejaVu Sans Book" panose="020B0603030804020204" pitchFamily="34" charset="0"/>
+                <a:cs typeface="DejaVu Sans Book" panose="020B0603030804020204" pitchFamily="34" charset="0"/>
+              </a:rPr>
+              <a:t>-3</a:t>
+            </a:r>
+          </a:p>
+          <a:p>
+            <a:pPr marL="0" indent="0">
+              <a:lnSpc>
+                <a:spcPct val="100000"/>
+              </a:lnSpc>
+              <a:buNone/>
+            </a:pPr>
+            <a:r>
+              <a:rPr lang="en-GB" sz="1400" dirty="0">
+                <a:latin typeface="DejaVu Sans Book" panose="020B0603030804020204" pitchFamily="34" charset="0"/>
+                <a:ea typeface="DejaVu Sans Book" panose="020B0603030804020204" pitchFamily="34" charset="0"/>
+                <a:cs typeface="DejaVu Sans Book" panose="020B0603030804020204" pitchFamily="34" charset="0"/>
+              </a:rPr>
+              <a:t>char (</a:t>
+            </a:r>
+            <a:r>
+              <a:rPr lang="en-GB" sz="1400" dirty="0" err="1">
+                <a:latin typeface="DejaVu Sans Book" panose="020B0603030804020204" pitchFamily="34" charset="0"/>
+                <a:ea typeface="DejaVu Sans Book" panose="020B0603030804020204" pitchFamily="34" charset="0"/>
+                <a:cs typeface="DejaVu Sans Book" panose="020B0603030804020204" pitchFamily="34" charset="0"/>
+              </a:rPr>
+              <a:t>int</a:t>
+            </a:r>
+            <a:r>
+              <a:rPr lang="en-GB" sz="1400" dirty="0">
+                <a:latin typeface="DejaVu Sans Book" panose="020B0603030804020204" pitchFamily="34" charset="0"/>
+                <a:ea typeface="DejaVu Sans Book" panose="020B0603030804020204" pitchFamily="34" charset="0"/>
+                <a:cs typeface="DejaVu Sans Book" panose="020B0603030804020204" pitchFamily="34" charset="0"/>
+              </a:rPr>
+              <a:t> 'c' + -</a:t>
+            </a:r>
+            <a:r>
+              <a:rPr lang="en-GB" sz="1400" dirty="0" err="1">
+                <a:latin typeface="DejaVu Sans Book" panose="020B0603030804020204" pitchFamily="34" charset="0"/>
+                <a:ea typeface="DejaVu Sans Book" panose="020B0603030804020204" pitchFamily="34" charset="0"/>
+                <a:cs typeface="DejaVu Sans Book" panose="020B0603030804020204" pitchFamily="34" charset="0"/>
+              </a:rPr>
+              <a:t>int</a:t>
+            </a:r>
+            <a:r>
+              <a:rPr lang="en-GB" sz="1400" dirty="0">
+                <a:latin typeface="DejaVu Sans Book" panose="020B0603030804020204" pitchFamily="34" charset="0"/>
+                <a:ea typeface="DejaVu Sans Book" panose="020B0603030804020204" pitchFamily="34" charset="0"/>
+                <a:cs typeface="DejaVu Sans Book" panose="020B0603030804020204" pitchFamily="34" charset="0"/>
+              </a:rPr>
+              <a:t> 'a' + </a:t>
+            </a:r>
+            <a:r>
+              <a:rPr lang="en-GB" sz="1400" dirty="0" err="1">
+                <a:latin typeface="DejaVu Sans Book" panose="020B0603030804020204" pitchFamily="34" charset="0"/>
+                <a:ea typeface="DejaVu Sans Book" panose="020B0603030804020204" pitchFamily="34" charset="0"/>
+                <a:cs typeface="DejaVu Sans Book" panose="020B0603030804020204" pitchFamily="34" charset="0"/>
+              </a:rPr>
+              <a:t>int</a:t>
+            </a:r>
+            <a:r>
+              <a:rPr lang="en-GB" sz="1400" dirty="0">
+                <a:latin typeface="DejaVu Sans Book" panose="020B0603030804020204" pitchFamily="34" charset="0"/>
+                <a:ea typeface="DejaVu Sans Book" panose="020B0603030804020204" pitchFamily="34" charset="0"/>
+                <a:cs typeface="DejaVu Sans Book" panose="020B0603030804020204" pitchFamily="34" charset="0"/>
+              </a:rPr>
+              <a:t> 'A’)</a:t>
+            </a:r>
+          </a:p>
+          <a:p>
+            <a:pPr marL="0" indent="0">
+              <a:lnSpc>
+                <a:spcPct val="100000"/>
+              </a:lnSpc>
+              <a:buNone/>
+            </a:pPr>
+            <a:r>
+              <a:rPr lang="en-GB" sz="1400" u="sng" dirty="0">
+                <a:latin typeface="DejaVu Sans Book" panose="020B0603030804020204" pitchFamily="34" charset="0"/>
+                <a:ea typeface="DejaVu Sans Book" panose="020B0603030804020204" pitchFamily="34" charset="0"/>
+                <a:cs typeface="DejaVu Sans Book" panose="020B0603030804020204" pitchFamily="34" charset="0"/>
+              </a:rPr>
+              <a:t>char (</a:t>
+            </a:r>
+            <a:r>
+              <a:rPr lang="en-GB" sz="1400" u="sng" dirty="0" err="1">
+                <a:latin typeface="DejaVu Sans Book" panose="020B0603030804020204" pitchFamily="34" charset="0"/>
+                <a:ea typeface="DejaVu Sans Book" panose="020B0603030804020204" pitchFamily="34" charset="0"/>
+                <a:cs typeface="DejaVu Sans Book" panose="020B0603030804020204" pitchFamily="34" charset="0"/>
+              </a:rPr>
+              <a:t>int</a:t>
+            </a:r>
+            <a:r>
+              <a:rPr lang="en-GB" sz="1400" u="sng" dirty="0">
+                <a:latin typeface="DejaVu Sans Book" panose="020B0603030804020204" pitchFamily="34" charset="0"/>
+                <a:ea typeface="DejaVu Sans Book" panose="020B0603030804020204" pitchFamily="34" charset="0"/>
+                <a:cs typeface="DejaVu Sans Book" panose="020B0603030804020204" pitchFamily="34" charset="0"/>
+              </a:rPr>
+              <a:t> 'c’ -</a:t>
+            </a:r>
+            <a:r>
+              <a:rPr lang="en-GB" sz="1400" u="sng" dirty="0" err="1">
+                <a:latin typeface="DejaVu Sans Book" panose="020B0603030804020204" pitchFamily="34" charset="0"/>
+                <a:ea typeface="DejaVu Sans Book" panose="020B0603030804020204" pitchFamily="34" charset="0"/>
+                <a:cs typeface="DejaVu Sans Book" panose="020B0603030804020204" pitchFamily="34" charset="0"/>
+              </a:rPr>
+              <a:t>int</a:t>
+            </a:r>
+            <a:r>
+              <a:rPr lang="en-GB" sz="1400" u="sng" dirty="0">
+                <a:latin typeface="DejaVu Sans Book" panose="020B0603030804020204" pitchFamily="34" charset="0"/>
+                <a:ea typeface="DejaVu Sans Book" panose="020B0603030804020204" pitchFamily="34" charset="0"/>
+                <a:cs typeface="DejaVu Sans Book" panose="020B0603030804020204" pitchFamily="34" charset="0"/>
+              </a:rPr>
+              <a:t> 'a' + </a:t>
+            </a:r>
+            <a:r>
+              <a:rPr lang="en-GB" sz="1400" u="sng" dirty="0" err="1">
+                <a:latin typeface="DejaVu Sans Book" panose="020B0603030804020204" pitchFamily="34" charset="0"/>
+                <a:ea typeface="DejaVu Sans Book" panose="020B0603030804020204" pitchFamily="34" charset="0"/>
+                <a:cs typeface="DejaVu Sans Book" panose="020B0603030804020204" pitchFamily="34" charset="0"/>
+              </a:rPr>
+              <a:t>int</a:t>
+            </a:r>
+            <a:r>
+              <a:rPr lang="en-GB" sz="1400" u="sng" dirty="0">
+                <a:latin typeface="DejaVu Sans Book" panose="020B0603030804020204" pitchFamily="34" charset="0"/>
+                <a:ea typeface="DejaVu Sans Book" panose="020B0603030804020204" pitchFamily="34" charset="0"/>
+                <a:cs typeface="DejaVu Sans Book" panose="020B0603030804020204" pitchFamily="34" charset="0"/>
+              </a:rPr>
+              <a:t> 'A')</a:t>
+            </a:r>
+          </a:p>
+          <a:p>
+            <a:pPr marL="0" indent="0">
+              <a:lnSpc>
+                <a:spcPct val="100000"/>
+              </a:lnSpc>
+              <a:buNone/>
+            </a:pPr>
+            <a:endParaRPr lang="en-GB" sz="1400" dirty="0">
+              <a:latin typeface="DejaVu Sans Book" panose="020B0603030804020204" pitchFamily="34" charset="0"/>
+              <a:ea typeface="DejaVu Sans Book" panose="020B0603030804020204" pitchFamily="34" charset="0"/>
+              <a:cs typeface="DejaVu Sans Book" panose="020B0603030804020204" pitchFamily="34" charset="0"/>
+            </a:endParaRPr>
+          </a:p>
+        </p:txBody>
+      </p:sp>
+      <p:cxnSp>
+        <p:nvCxnSpPr>
+          <p:cNvPr id="7" name="Straight Connector 6">
+            <a:extLst>
+              <a:ext uri="{FF2B5EF4-FFF2-40B4-BE49-F238E27FC236}">
+                <a16:creationId xmlns:a16="http://schemas.microsoft.com/office/drawing/2014/main" id="{5A09C2F5-8773-5C40-80FB-890ED2D7CEF5}"/>
+              </a:ext>
+            </a:extLst>
+          </p:cNvPr>
+          <p:cNvCxnSpPr>
+            <a:cxnSpLocks/>
+          </p:cNvCxnSpPr>
+          <p:nvPr/>
+        </p:nvCxnSpPr>
+        <p:spPr>
+          <a:xfrm>
+            <a:off x="3592285" y="1850267"/>
+            <a:ext cx="0" cy="4128437"/>
+          </a:xfrm>
+          <a:prstGeom prst="line">
+            <a:avLst/>
+          </a:prstGeom>
+        </p:spPr>
+        <p:style>
+          <a:lnRef idx="1">
+            <a:schemeClr val="accent1"/>
+          </a:lnRef>
+          <a:fillRef idx="0">
+            <a:schemeClr val="accent1"/>
+          </a:fillRef>
+          <a:effectRef idx="0">
+            <a:schemeClr val="accent1"/>
+          </a:effectRef>
+          <a:fontRef idx="minor">
+            <a:schemeClr val="tx1"/>
+          </a:fontRef>
+        </p:style>
+      </p:cxnSp>
+      <p:cxnSp>
+        <p:nvCxnSpPr>
+          <p:cNvPr id="8" name="Straight Connector 7">
+            <a:extLst>
+              <a:ext uri="{FF2B5EF4-FFF2-40B4-BE49-F238E27FC236}">
+                <a16:creationId xmlns:a16="http://schemas.microsoft.com/office/drawing/2014/main" id="{C9DB7069-2F82-9A4C-9851-E87494EB8821}"/>
+              </a:ext>
+            </a:extLst>
+          </p:cNvPr>
+          <p:cNvCxnSpPr>
+            <a:cxnSpLocks/>
+          </p:cNvCxnSpPr>
+          <p:nvPr/>
+        </p:nvCxnSpPr>
+        <p:spPr>
+          <a:xfrm>
+            <a:off x="5612673" y="1850267"/>
+            <a:ext cx="0" cy="4128437"/>
+          </a:xfrm>
+          <a:prstGeom prst="line">
+            <a:avLst/>
+          </a:prstGeom>
+        </p:spPr>
+        <p:style>
+          <a:lnRef idx="1">
+            <a:schemeClr val="accent1"/>
+          </a:lnRef>
+          <a:fillRef idx="0">
+            <a:schemeClr val="accent1"/>
+          </a:fillRef>
+          <a:effectRef idx="0">
+            <a:schemeClr val="accent1"/>
+          </a:effectRef>
+          <a:fontRef idx="minor">
+            <a:schemeClr val="tx1"/>
+          </a:fontRef>
+        </p:style>
+      </p:cxnSp>
+      <p:cxnSp>
+        <p:nvCxnSpPr>
+          <p:cNvPr id="9" name="Straight Connector 8">
+            <a:extLst>
+              <a:ext uri="{FF2B5EF4-FFF2-40B4-BE49-F238E27FC236}">
+                <a16:creationId xmlns:a16="http://schemas.microsoft.com/office/drawing/2014/main" id="{2C261977-CCDA-A449-983C-629F4D2C2170}"/>
+              </a:ext>
+            </a:extLst>
+          </p:cNvPr>
+          <p:cNvCxnSpPr>
+            <a:cxnSpLocks/>
+          </p:cNvCxnSpPr>
+          <p:nvPr/>
+        </p:nvCxnSpPr>
+        <p:spPr>
+          <a:xfrm>
+            <a:off x="8462454" y="1850267"/>
+            <a:ext cx="0" cy="4128437"/>
+          </a:xfrm>
+          <a:prstGeom prst="line">
+            <a:avLst/>
+          </a:prstGeom>
+        </p:spPr>
+        <p:style>
+          <a:lnRef idx="1">
+            <a:schemeClr val="accent1"/>
+          </a:lnRef>
+          <a:fillRef idx="0">
+            <a:schemeClr val="accent1"/>
+          </a:fillRef>
+          <a:effectRef idx="0">
+            <a:schemeClr val="accent1"/>
+          </a:effectRef>
+          <a:fontRef idx="minor">
+            <a:schemeClr val="tx1"/>
+          </a:fontRef>
+        </p:style>
+      </p:cxnSp>
+      <p:cxnSp>
+        <p:nvCxnSpPr>
+          <p:cNvPr id="10" name="Straight Connector 9">
+            <a:extLst>
+              <a:ext uri="{FF2B5EF4-FFF2-40B4-BE49-F238E27FC236}">
+                <a16:creationId xmlns:a16="http://schemas.microsoft.com/office/drawing/2014/main" id="{FA39AE1F-3021-7444-98E0-02C182A52905}"/>
+              </a:ext>
+            </a:extLst>
+          </p:cNvPr>
+          <p:cNvCxnSpPr>
+            <a:cxnSpLocks/>
+          </p:cNvCxnSpPr>
+          <p:nvPr/>
+        </p:nvCxnSpPr>
+        <p:spPr>
+          <a:xfrm>
+            <a:off x="838200" y="1850267"/>
+            <a:ext cx="0" cy="4128437"/>
+          </a:xfrm>
+          <a:prstGeom prst="line">
+            <a:avLst/>
+          </a:prstGeom>
+        </p:spPr>
+        <p:style>
+          <a:lnRef idx="1">
+            <a:schemeClr val="accent1"/>
+          </a:lnRef>
+          <a:fillRef idx="0">
+            <a:schemeClr val="accent1"/>
+          </a:fillRef>
+          <a:effectRef idx="0">
+            <a:schemeClr val="accent1"/>
+          </a:effectRef>
+          <a:fontRef idx="minor">
+            <a:schemeClr val="tx1"/>
+          </a:fontRef>
+        </p:style>
+      </p:cxnSp>
+      <p:sp>
+        <p:nvSpPr>
+          <p:cNvPr id="33" name="TextBox 32">
+            <a:extLst>
+              <a:ext uri="{FF2B5EF4-FFF2-40B4-BE49-F238E27FC236}">
+                <a16:creationId xmlns:a16="http://schemas.microsoft.com/office/drawing/2014/main" id="{002F40A4-37E0-9C4C-AEE4-8FC15F7563D3}"/>
+              </a:ext>
+            </a:extLst>
+          </p:cNvPr>
+          <p:cNvSpPr txBox="1"/>
+          <p:nvPr/>
+        </p:nvSpPr>
+        <p:spPr>
+          <a:xfrm>
+            <a:off x="838200" y="1937208"/>
+            <a:ext cx="2062488" cy="369332"/>
+          </a:xfrm>
+          <a:prstGeom prst="rect">
+            <a:avLst/>
+          </a:prstGeom>
+          <a:noFill/>
+        </p:spPr>
+        <p:txBody>
+          <a:bodyPr wrap="none" rtlCol="0">
+            <a:spAutoFit/>
+          </a:bodyPr>
+          <a:lstStyle/>
+          <a:p>
+            <a:r>
+              <a:rPr lang="en-GB" dirty="0" err="1"/>
+              <a:t>Operatorer</a:t>
+            </a:r>
+            <a:r>
+              <a:rPr lang="en-GB" dirty="0"/>
+              <a:t> </a:t>
+            </a:r>
+            <a:r>
+              <a:rPr lang="en-GB" dirty="0" err="1"/>
+              <a:t>og</a:t>
+            </a:r>
+            <a:r>
+              <a:rPr lang="en-GB" dirty="0"/>
+              <a:t> </a:t>
+            </a:r>
+            <a:r>
+              <a:rPr lang="en-GB" dirty="0" err="1"/>
+              <a:t>typer</a:t>
+            </a:r>
+            <a:endParaRPr lang="en-GB" dirty="0"/>
+          </a:p>
+        </p:txBody>
+      </p:sp>
+      <p:sp>
+        <p:nvSpPr>
+          <p:cNvPr id="34" name="TextBox 33">
+            <a:extLst>
+              <a:ext uri="{FF2B5EF4-FFF2-40B4-BE49-F238E27FC236}">
+                <a16:creationId xmlns:a16="http://schemas.microsoft.com/office/drawing/2014/main" id="{83DB5C78-6841-D340-967E-93DC23631568}"/>
+              </a:ext>
+            </a:extLst>
+          </p:cNvPr>
+          <p:cNvSpPr txBox="1"/>
+          <p:nvPr/>
+        </p:nvSpPr>
+        <p:spPr>
+          <a:xfrm>
+            <a:off x="3592295" y="1691204"/>
+            <a:ext cx="1964956" cy="646331"/>
+          </a:xfrm>
+          <a:prstGeom prst="rect">
+            <a:avLst/>
+          </a:prstGeom>
+          <a:noFill/>
+        </p:spPr>
+        <p:txBody>
+          <a:bodyPr wrap="square" rtlCol="0">
+            <a:spAutoFit/>
+          </a:bodyPr>
+          <a:lstStyle/>
+          <a:p>
+            <a:r>
+              <a:rPr lang="en-GB" dirty="0" err="1"/>
+              <a:t>Præcendens</a:t>
+            </a:r>
+            <a:r>
+              <a:rPr lang="en-GB" dirty="0"/>
+              <a:t> </a:t>
+            </a:r>
+            <a:r>
+              <a:rPr lang="en-GB" dirty="0" err="1"/>
+              <a:t>og</a:t>
+            </a:r>
+            <a:r>
+              <a:rPr lang="en-GB" dirty="0"/>
+              <a:t> association</a:t>
+            </a:r>
+          </a:p>
+        </p:txBody>
+      </p:sp>
+      <p:sp>
+        <p:nvSpPr>
+          <p:cNvPr id="35" name="TextBox 34">
+            <a:extLst>
+              <a:ext uri="{FF2B5EF4-FFF2-40B4-BE49-F238E27FC236}">
+                <a16:creationId xmlns:a16="http://schemas.microsoft.com/office/drawing/2014/main" id="{C1EF2861-5EFD-6142-B0DE-FBA35F9A0DD4}"/>
+              </a:ext>
+            </a:extLst>
+          </p:cNvPr>
+          <p:cNvSpPr txBox="1"/>
+          <p:nvPr/>
+        </p:nvSpPr>
+        <p:spPr>
+          <a:xfrm>
+            <a:off x="5612673" y="1937208"/>
+            <a:ext cx="1282210" cy="369332"/>
+          </a:xfrm>
+          <a:prstGeom prst="rect">
+            <a:avLst/>
+          </a:prstGeom>
+          <a:noFill/>
+        </p:spPr>
+        <p:txBody>
+          <a:bodyPr wrap="none" rtlCol="0">
+            <a:spAutoFit/>
+          </a:bodyPr>
+          <a:lstStyle/>
+          <a:p>
+            <a:r>
+              <a:rPr lang="en-GB" dirty="0"/>
+              <a:t>Typecasting</a:t>
+            </a:r>
+          </a:p>
+        </p:txBody>
+      </p:sp>
+      <p:sp>
+        <p:nvSpPr>
+          <p:cNvPr id="36" name="TextBox 35">
+            <a:extLst>
+              <a:ext uri="{FF2B5EF4-FFF2-40B4-BE49-F238E27FC236}">
+                <a16:creationId xmlns:a16="http://schemas.microsoft.com/office/drawing/2014/main" id="{D3E7B5F3-323D-1949-A20A-27F668F94420}"/>
+              </a:ext>
+            </a:extLst>
+          </p:cNvPr>
+          <p:cNvSpPr txBox="1"/>
+          <p:nvPr/>
+        </p:nvSpPr>
+        <p:spPr>
+          <a:xfrm>
+            <a:off x="8462454" y="1937208"/>
+            <a:ext cx="1889556" cy="369332"/>
+          </a:xfrm>
+          <a:prstGeom prst="rect">
+            <a:avLst/>
+          </a:prstGeom>
+          <a:noFill/>
+        </p:spPr>
+        <p:txBody>
+          <a:bodyPr wrap="none" rtlCol="0">
+            <a:spAutoFit/>
+          </a:bodyPr>
+          <a:lstStyle/>
+          <a:p>
+            <a:r>
+              <a:rPr lang="en-GB" dirty="0" err="1"/>
+              <a:t>Unære</a:t>
+            </a:r>
+            <a:r>
+              <a:rPr lang="en-GB" dirty="0"/>
+              <a:t> </a:t>
+            </a:r>
+            <a:r>
+              <a:rPr lang="en-GB" dirty="0" err="1"/>
+              <a:t>operatorer</a:t>
+            </a:r>
+            <a:endParaRPr lang="en-GB" dirty="0"/>
+          </a:p>
+        </p:txBody>
+      </p:sp>
+      <p:cxnSp>
+        <p:nvCxnSpPr>
+          <p:cNvPr id="37" name="Straight Connector 36">
+            <a:extLst>
+              <a:ext uri="{FF2B5EF4-FFF2-40B4-BE49-F238E27FC236}">
+                <a16:creationId xmlns:a16="http://schemas.microsoft.com/office/drawing/2014/main" id="{28C8E072-4794-D645-B8D8-83DD3B1FC177}"/>
+              </a:ext>
+            </a:extLst>
+          </p:cNvPr>
+          <p:cNvCxnSpPr>
+            <a:cxnSpLocks/>
+          </p:cNvCxnSpPr>
+          <p:nvPr/>
+        </p:nvCxnSpPr>
+        <p:spPr>
+          <a:xfrm>
+            <a:off x="838200" y="2364376"/>
+            <a:ext cx="10515600" cy="0"/>
+          </a:xfrm>
+          <a:prstGeom prst="line">
+            <a:avLst/>
+          </a:prstGeom>
+        </p:spPr>
+        <p:style>
+          <a:lnRef idx="1">
+            <a:schemeClr val="accent1"/>
+          </a:lnRef>
+          <a:fillRef idx="0">
+            <a:schemeClr val="accent1"/>
+          </a:fillRef>
+          <a:effectRef idx="0">
+            <a:schemeClr val="accent1"/>
+          </a:effectRef>
+          <a:fontRef idx="minor">
+            <a:schemeClr val="tx1"/>
+          </a:fontRef>
+        </p:style>
+      </p:cxnSp>
+      <p:cxnSp>
+        <p:nvCxnSpPr>
+          <p:cNvPr id="46" name="Straight Connector 45">
+            <a:extLst>
+              <a:ext uri="{FF2B5EF4-FFF2-40B4-BE49-F238E27FC236}">
+                <a16:creationId xmlns:a16="http://schemas.microsoft.com/office/drawing/2014/main" id="{94EE0CD5-CC49-E94A-9C5F-4DEEAF649FFF}"/>
+              </a:ext>
+            </a:extLst>
+          </p:cNvPr>
+          <p:cNvCxnSpPr>
+            <a:cxnSpLocks/>
+          </p:cNvCxnSpPr>
+          <p:nvPr/>
+        </p:nvCxnSpPr>
+        <p:spPr>
+          <a:xfrm flipV="1">
+            <a:off x="929898" y="3239146"/>
+            <a:ext cx="697424" cy="92991"/>
+          </a:xfrm>
+          <a:prstGeom prst="line">
+            <a:avLst/>
+          </a:prstGeom>
+          <a:ln w="38100">
+            <a:solidFill>
+              <a:srgbClr val="C00000">
+                <a:alpha val="50000"/>
+              </a:srgbClr>
+            </a:solidFill>
+          </a:ln>
+        </p:spPr>
+        <p:style>
+          <a:lnRef idx="1">
+            <a:schemeClr val="accent1"/>
+          </a:lnRef>
+          <a:fillRef idx="0">
+            <a:schemeClr val="accent1"/>
+          </a:fillRef>
+          <a:effectRef idx="0">
+            <a:schemeClr val="accent1"/>
+          </a:effectRef>
+          <a:fontRef idx="minor">
+            <a:schemeClr val="tx1"/>
+          </a:fontRef>
+        </p:style>
+      </p:cxnSp>
+      <p:sp>
+        <p:nvSpPr>
+          <p:cNvPr id="53" name="TextBox 52">
+            <a:extLst>
+              <a:ext uri="{FF2B5EF4-FFF2-40B4-BE49-F238E27FC236}">
+                <a16:creationId xmlns:a16="http://schemas.microsoft.com/office/drawing/2014/main" id="{4D77C9C0-F5E2-174B-80BB-11D7FD01541C}"/>
+              </a:ext>
+            </a:extLst>
+          </p:cNvPr>
+          <p:cNvSpPr txBox="1"/>
+          <p:nvPr/>
+        </p:nvSpPr>
+        <p:spPr>
+          <a:xfrm>
+            <a:off x="4102675" y="3416958"/>
+            <a:ext cx="1172116" cy="369332"/>
+          </a:xfrm>
+          <a:prstGeom prst="rect">
+            <a:avLst/>
+          </a:prstGeom>
+          <a:noFill/>
+        </p:spPr>
+        <p:txBody>
+          <a:bodyPr wrap="none" rtlCol="0">
+            <a:spAutoFit/>
+          </a:bodyPr>
+          <a:lstStyle/>
+          <a:p>
+            <a:r>
+              <a:rPr lang="en-GB" dirty="0">
+                <a:solidFill>
+                  <a:schemeClr val="accent6"/>
+                </a:solidFill>
+              </a:rPr>
+              <a:t>(                )</a:t>
+            </a:r>
+          </a:p>
+        </p:txBody>
+      </p:sp>
+      <p:sp>
+        <p:nvSpPr>
+          <p:cNvPr id="54" name="TextBox 53">
+            <a:extLst>
+              <a:ext uri="{FF2B5EF4-FFF2-40B4-BE49-F238E27FC236}">
+                <a16:creationId xmlns:a16="http://schemas.microsoft.com/office/drawing/2014/main" id="{9E5F309B-19EA-AF4E-BA15-12FEC4FD9C25}"/>
+              </a:ext>
+            </a:extLst>
+          </p:cNvPr>
+          <p:cNvSpPr txBox="1"/>
+          <p:nvPr/>
+        </p:nvSpPr>
+        <p:spPr>
+          <a:xfrm>
+            <a:off x="3524209" y="3774617"/>
+            <a:ext cx="1066318" cy="369332"/>
+          </a:xfrm>
+          <a:prstGeom prst="rect">
+            <a:avLst/>
+          </a:prstGeom>
+          <a:noFill/>
+        </p:spPr>
+        <p:txBody>
+          <a:bodyPr wrap="none" rtlCol="0">
+            <a:spAutoFit/>
+          </a:bodyPr>
+          <a:lstStyle/>
+          <a:p>
+            <a:r>
+              <a:rPr lang="en-GB" dirty="0">
+                <a:solidFill>
+                  <a:schemeClr val="accent6"/>
+                </a:solidFill>
+              </a:rPr>
+              <a:t>(              )</a:t>
+            </a:r>
+          </a:p>
+        </p:txBody>
+      </p:sp>
+      <p:cxnSp>
+        <p:nvCxnSpPr>
+          <p:cNvPr id="55" name="Straight Connector 54">
+            <a:extLst>
+              <a:ext uri="{FF2B5EF4-FFF2-40B4-BE49-F238E27FC236}">
+                <a16:creationId xmlns:a16="http://schemas.microsoft.com/office/drawing/2014/main" id="{99E83C82-A64E-2143-9DA9-2ACA3C031970}"/>
+              </a:ext>
+            </a:extLst>
+          </p:cNvPr>
+          <p:cNvCxnSpPr>
+            <a:cxnSpLocks/>
+          </p:cNvCxnSpPr>
+          <p:nvPr/>
+        </p:nvCxnSpPr>
+        <p:spPr>
+          <a:xfrm flipV="1">
+            <a:off x="8522656" y="3580108"/>
+            <a:ext cx="2558632" cy="114508"/>
+          </a:xfrm>
+          <a:prstGeom prst="line">
+            <a:avLst/>
+          </a:prstGeom>
+          <a:ln w="38100">
+            <a:solidFill>
+              <a:srgbClr val="C00000">
+                <a:alpha val="50000"/>
+              </a:srgbClr>
+            </a:solidFill>
+          </a:ln>
+        </p:spPr>
+        <p:style>
+          <a:lnRef idx="1">
+            <a:schemeClr val="accent1"/>
+          </a:lnRef>
+          <a:fillRef idx="0">
+            <a:schemeClr val="accent1"/>
+          </a:fillRef>
+          <a:effectRef idx="0">
+            <a:schemeClr val="accent1"/>
+          </a:effectRef>
+          <a:fontRef idx="minor">
+            <a:schemeClr val="tx1"/>
+          </a:fontRef>
+        </p:style>
+      </p:cxnSp>
+      <p:sp>
+        <p:nvSpPr>
+          <p:cNvPr id="57" name="TextBox 56">
+            <a:extLst>
+              <a:ext uri="{FF2B5EF4-FFF2-40B4-BE49-F238E27FC236}">
+                <a16:creationId xmlns:a16="http://schemas.microsoft.com/office/drawing/2014/main" id="{FCE57C74-0DC0-D341-96E9-DCD928EB1B6C}"/>
+              </a:ext>
+            </a:extLst>
+          </p:cNvPr>
+          <p:cNvSpPr txBox="1"/>
+          <p:nvPr/>
+        </p:nvSpPr>
+        <p:spPr>
+          <a:xfrm>
+            <a:off x="7038609" y="3416958"/>
+            <a:ext cx="470000" cy="369332"/>
+          </a:xfrm>
+          <a:prstGeom prst="rect">
+            <a:avLst/>
+          </a:prstGeom>
+          <a:noFill/>
+        </p:spPr>
+        <p:txBody>
+          <a:bodyPr wrap="none" rtlCol="0">
+            <a:spAutoFit/>
+          </a:bodyPr>
+          <a:lstStyle/>
+          <a:p>
+            <a:r>
+              <a:rPr lang="en-GB" dirty="0">
+                <a:solidFill>
+                  <a:schemeClr val="accent6"/>
+                </a:solidFill>
+              </a:rPr>
+              <a:t>= 3</a:t>
+            </a:r>
+          </a:p>
+        </p:txBody>
+      </p:sp>
+      <p:sp>
+        <p:nvSpPr>
+          <p:cNvPr id="58" name="TextBox 57">
+            <a:extLst>
+              <a:ext uri="{FF2B5EF4-FFF2-40B4-BE49-F238E27FC236}">
+                <a16:creationId xmlns:a16="http://schemas.microsoft.com/office/drawing/2014/main" id="{F4DB46FE-4F4F-5147-97A2-8D04019D1D9D}"/>
+              </a:ext>
+            </a:extLst>
+          </p:cNvPr>
+          <p:cNvSpPr txBox="1"/>
+          <p:nvPr/>
+        </p:nvSpPr>
+        <p:spPr>
+          <a:xfrm>
+            <a:off x="7022247" y="3774617"/>
+            <a:ext cx="470000" cy="369332"/>
+          </a:xfrm>
+          <a:prstGeom prst="rect">
+            <a:avLst/>
+          </a:prstGeom>
+          <a:noFill/>
+        </p:spPr>
+        <p:txBody>
+          <a:bodyPr wrap="none" rtlCol="0">
+            <a:spAutoFit/>
+          </a:bodyPr>
+          <a:lstStyle/>
+          <a:p>
+            <a:r>
+              <a:rPr lang="en-GB" dirty="0">
+                <a:solidFill>
+                  <a:schemeClr val="accent6"/>
+                </a:solidFill>
+              </a:rPr>
+              <a:t>= 4</a:t>
+            </a:r>
+          </a:p>
+        </p:txBody>
+      </p:sp>
+    </p:spTree>
+    <p:extLst>
+      <p:ext uri="{BB962C8B-B14F-4D97-AF65-F5344CB8AC3E}">
+        <p14:creationId xmlns:p14="http://schemas.microsoft.com/office/powerpoint/2010/main" val="3372367009"/>
+      </p:ext>
+    </p:extLst>
+  </p:cSld>
+  <p:clrMapOvr>
+    <a:masterClrMapping/>
+  </p:clrMapOvr>
+  <p:timing>
+    <p:tnLst>
+      <p:par>
+        <p:cTn id="1" dur="indefinite" restart="never" nodeType="tmRoot">
+          <p:childTnLst>
+            <p:seq concurrent="1" nextAc="seek">
+              <p:cTn id="2" dur="indefinite" nodeType="mainSeq">
+                <p:childTnLst>
+                  <p:par>
+                    <p:cTn id="3" fill="hold">
+                      <p:stCondLst>
+                        <p:cond delay="indefinite"/>
+                      </p:stCondLst>
+                      <p:childTnLst>
+                        <p:par>
+                          <p:cTn id="4" fill="hold">
+                            <p:stCondLst>
+                              <p:cond delay="0"/>
+                            </p:stCondLst>
+                            <p:childTnLst>
+                              <p:par>
+                                <p:cTn id="5" presetID="1" presetClass="entr" presetSubtype="0" fill="hold" grpId="0" nodeType="clickEffect">
+                                  <p:stCondLst>
+                                    <p:cond delay="0"/>
+                                  </p:stCondLst>
+                                  <p:childTnLst>
+                                    <p:set>
+                                      <p:cBhvr>
+                                        <p:cTn id="6" dur="1" fill="hold">
+                                          <p:stCondLst>
+                                            <p:cond delay="0"/>
+                                          </p:stCondLst>
+                                        </p:cTn>
+                                        <p:tgtEl>
+                                          <p:spTgt spid="53"/>
+                                        </p:tgtEl>
+                                        <p:attrNameLst>
+                                          <p:attrName>style.visibility</p:attrName>
+                                        </p:attrNameLst>
+                                      </p:cBhvr>
+                                      <p:to>
+                                        <p:strVal val="visible"/>
+                                      </p:to>
+                                    </p:set>
+                                  </p:childTnLst>
+                                </p:cTn>
+                              </p:par>
+                            </p:childTnLst>
+                          </p:cTn>
+                        </p:par>
+                      </p:childTnLst>
+                    </p:cTn>
+                  </p:par>
+                  <p:par>
+                    <p:cTn id="7" fill="hold">
+                      <p:stCondLst>
+                        <p:cond delay="indefinite"/>
+                      </p:stCondLst>
+                      <p:childTnLst>
+                        <p:par>
+                          <p:cTn id="8" fill="hold">
+                            <p:stCondLst>
+                              <p:cond delay="0"/>
+                            </p:stCondLst>
+                            <p:childTnLst>
+                              <p:par>
+                                <p:cTn id="9" presetID="1" presetClass="entr" presetSubtype="0" fill="hold" grpId="0" nodeType="clickEffect">
+                                  <p:stCondLst>
+                                    <p:cond delay="0"/>
+                                  </p:stCondLst>
+                                  <p:childTnLst>
+                                    <p:set>
+                                      <p:cBhvr>
+                                        <p:cTn id="10" dur="1" fill="hold">
+                                          <p:stCondLst>
+                                            <p:cond delay="0"/>
+                                          </p:stCondLst>
+                                        </p:cTn>
+                                        <p:tgtEl>
+                                          <p:spTgt spid="54"/>
+                                        </p:tgtEl>
+                                        <p:attrNameLst>
+                                          <p:attrName>style.visibility</p:attrName>
+                                        </p:attrNameLst>
+                                      </p:cBhvr>
+                                      <p:to>
+                                        <p:strVal val="visible"/>
+                                      </p:to>
+                                    </p:set>
+                                  </p:childTnLst>
+                                </p:cTn>
+                              </p:par>
+                            </p:childTnLst>
+                          </p:cTn>
+                        </p:par>
+                      </p:childTnLst>
+                    </p:cTn>
+                  </p:par>
+                  <p:par>
+                    <p:cTn id="11" fill="hold">
+                      <p:stCondLst>
+                        <p:cond delay="indefinite"/>
+                      </p:stCondLst>
+                      <p:childTnLst>
+                        <p:par>
+                          <p:cTn id="12" fill="hold">
+                            <p:stCondLst>
+                              <p:cond delay="0"/>
+                            </p:stCondLst>
+                            <p:childTnLst>
+                              <p:par>
+                                <p:cTn id="13" presetID="1" presetClass="entr" presetSubtype="0" fill="hold" grpId="0" nodeType="clickEffect">
+                                  <p:stCondLst>
+                                    <p:cond delay="0"/>
+                                  </p:stCondLst>
+                                  <p:childTnLst>
+                                    <p:set>
+                                      <p:cBhvr>
+                                        <p:cTn id="14" dur="1" fill="hold">
+                                          <p:stCondLst>
+                                            <p:cond delay="0"/>
+                                          </p:stCondLst>
+                                        </p:cTn>
+                                        <p:tgtEl>
+                                          <p:spTgt spid="5"/>
+                                        </p:tgtEl>
+                                        <p:attrNameLst>
+                                          <p:attrName>style.visibility</p:attrName>
+                                        </p:attrNameLst>
+                                      </p:cBhvr>
+                                      <p:to>
+                                        <p:strVal val="visible"/>
+                                      </p:to>
+                                    </p:set>
+                                  </p:childTnLst>
+                                </p:cTn>
+                              </p:par>
+                            </p:childTnLst>
+                          </p:cTn>
+                        </p:par>
+                      </p:childTnLst>
+                    </p:cTn>
+                  </p:par>
+                  <p:par>
+                    <p:cTn id="15" fill="hold">
+                      <p:stCondLst>
+                        <p:cond delay="indefinite"/>
+                      </p:stCondLst>
+                      <p:childTnLst>
+                        <p:par>
+                          <p:cTn id="16" fill="hold">
+                            <p:stCondLst>
+                              <p:cond delay="0"/>
+                            </p:stCondLst>
+                            <p:childTnLst>
+                              <p:par>
+                                <p:cTn id="17" presetID="1" presetClass="entr" presetSubtype="0" fill="hold" grpId="0" nodeType="clickEffect">
+                                  <p:stCondLst>
+                                    <p:cond delay="0"/>
+                                  </p:stCondLst>
+                                  <p:childTnLst>
+                                    <p:set>
+                                      <p:cBhvr>
+                                        <p:cTn id="18" dur="1" fill="hold">
+                                          <p:stCondLst>
+                                            <p:cond delay="0"/>
+                                          </p:stCondLst>
+                                        </p:cTn>
+                                        <p:tgtEl>
+                                          <p:spTgt spid="57"/>
+                                        </p:tgtEl>
+                                        <p:attrNameLst>
+                                          <p:attrName>style.visibility</p:attrName>
+                                        </p:attrNameLst>
+                                      </p:cBhvr>
+                                      <p:to>
+                                        <p:strVal val="visible"/>
+                                      </p:to>
+                                    </p:set>
+                                  </p:childTnLst>
+                                </p:cTn>
+                              </p:par>
+                            </p:childTnLst>
+                          </p:cTn>
+                        </p:par>
+                      </p:childTnLst>
+                    </p:cTn>
+                  </p:par>
+                  <p:par>
+                    <p:cTn id="19" fill="hold">
+                      <p:stCondLst>
+                        <p:cond delay="indefinite"/>
+                      </p:stCondLst>
+                      <p:childTnLst>
+                        <p:par>
+                          <p:cTn id="20" fill="hold">
+                            <p:stCondLst>
+                              <p:cond delay="0"/>
+                            </p:stCondLst>
+                            <p:childTnLst>
+                              <p:par>
+                                <p:cTn id="21" presetID="1" presetClass="entr" presetSubtype="0" fill="hold" grpId="0" nodeType="clickEffect">
+                                  <p:stCondLst>
+                                    <p:cond delay="0"/>
+                                  </p:stCondLst>
+                                  <p:childTnLst>
+                                    <p:set>
+                                      <p:cBhvr>
+                                        <p:cTn id="22" dur="1" fill="hold">
+                                          <p:stCondLst>
+                                            <p:cond delay="0"/>
+                                          </p:stCondLst>
+                                        </p:cTn>
+                                        <p:tgtEl>
+                                          <p:spTgt spid="58"/>
+                                        </p:tgtEl>
+                                        <p:attrNameLst>
+                                          <p:attrName>style.visibility</p:attrName>
+                                        </p:attrNameLst>
+                                      </p:cBhvr>
+                                      <p:to>
+                                        <p:strVal val="visible"/>
+                                      </p:to>
+                                    </p:set>
+                                  </p:childTnLst>
+                                </p:cTn>
+                              </p:par>
+                            </p:childTnLst>
+                          </p:cTn>
+                        </p:par>
+                      </p:childTnLst>
+                    </p:cTn>
+                  </p:par>
+                  <p:par>
+                    <p:cTn id="23" fill="hold">
+                      <p:stCondLst>
+                        <p:cond delay="indefinite"/>
+                      </p:stCondLst>
+                      <p:childTnLst>
+                        <p:par>
+                          <p:cTn id="24" fill="hold">
+                            <p:stCondLst>
+                              <p:cond delay="0"/>
+                            </p:stCondLst>
+                            <p:childTnLst>
+                              <p:par>
+                                <p:cTn id="25" presetID="1" presetClass="entr" presetSubtype="0" fill="hold" grpId="0" nodeType="clickEffect">
+                                  <p:stCondLst>
+                                    <p:cond delay="0"/>
+                                  </p:stCondLst>
+                                  <p:childTnLst>
+                                    <p:set>
+                                      <p:cBhvr>
+                                        <p:cTn id="26" dur="1" fill="hold">
+                                          <p:stCondLst>
+                                            <p:cond delay="0"/>
+                                          </p:stCondLst>
+                                        </p:cTn>
+                                        <p:tgtEl>
+                                          <p:spTgt spid="6"/>
+                                        </p:tgtEl>
+                                        <p:attrNameLst>
+                                          <p:attrName>style.visibility</p:attrName>
+                                        </p:attrNameLst>
+                                      </p:cBhvr>
+                                      <p:to>
+                                        <p:strVal val="visible"/>
+                                      </p:to>
+                                    </p:set>
+                                  </p:childTnLst>
+                                </p:cTn>
+                              </p:par>
+                            </p:childTnLst>
+                          </p:cTn>
+                        </p:par>
+                      </p:childTnLst>
+                    </p:cTn>
+                  </p:par>
+                  <p:par>
+                    <p:cTn id="27" fill="hold">
+                      <p:stCondLst>
+                        <p:cond delay="indefinite"/>
+                      </p:stCondLst>
+                      <p:childTnLst>
+                        <p:par>
+                          <p:cTn id="28" fill="hold">
+                            <p:stCondLst>
+                              <p:cond delay="0"/>
+                            </p:stCondLst>
+                            <p:childTnLst>
+                              <p:par>
+                                <p:cTn id="29" presetID="1" presetClass="entr" presetSubtype="0" fill="hold" nodeType="clickEffect">
+                                  <p:stCondLst>
+                                    <p:cond delay="0"/>
+                                  </p:stCondLst>
+                                  <p:childTnLst>
+                                    <p:set>
+                                      <p:cBhvr>
+                                        <p:cTn id="30" dur="1" fill="hold">
+                                          <p:stCondLst>
+                                            <p:cond delay="0"/>
+                                          </p:stCondLst>
+                                        </p:cTn>
+                                        <p:tgtEl>
+                                          <p:spTgt spid="55"/>
+                                        </p:tgtEl>
+                                        <p:attrNameLst>
+                                          <p:attrName>style.visibility</p:attrName>
+                                        </p:attrNameLst>
+                                      </p:cBhvr>
+                                      <p:to>
+                                        <p:strVal val="visible"/>
+                                      </p:to>
+                                    </p:set>
+                                  </p:childTnLst>
+                                </p:cTn>
+                              </p:par>
+                            </p:childTnLst>
+                          </p:cTn>
+                        </p:par>
+                      </p:childTnLst>
+                    </p:cTn>
+                  </p:par>
+                </p:childTnLst>
+              </p:cTn>
+              <p:prevCondLst>
+                <p:cond evt="onPrev" delay="0">
+                  <p:tgtEl>
+                    <p:sldTgt/>
+                  </p:tgtEl>
+                </p:cond>
+              </p:prevCondLst>
+              <p:nextCondLst>
+                <p:cond evt="onNext" delay="0">
+                  <p:tgtEl>
+                    <p:sldTgt/>
+                  </p:tgtEl>
+                </p:cond>
+              </p:nextCondLst>
+            </p:seq>
+          </p:childTnLst>
+        </p:cTn>
+      </p:par>
+    </p:tnLst>
+    <p:bldLst>
+      <p:bldP spid="5" grpId="0"/>
+      <p:bldP spid="6" grpId="0"/>
+      <p:bldP spid="53" grpId="0"/>
+      <p:bldP spid="54" grpId="0"/>
+      <p:bldP spid="57" grpId="0"/>
+      <p:bldP spid="58" grpId="0"/>
+    </p:bldLst>
+  </p:timing>
 </p:sld>
 </file>
 

--- a/lectures/2.3Fsharp/lecture.pptx
+++ b/lectures/2.3Fsharp/lecture.pptx
@@ -5,7 +5,7 @@
     <p:sldMasterId id="2147483648" r:id="rId1"/>
   </p:sldMasterIdLst>
   <p:notesMasterIdLst>
-    <p:notesMasterId r:id="rId12"/>
+    <p:notesMasterId r:id="rId9"/>
   </p:notesMasterIdLst>
   <p:sldIdLst>
     <p:sldId id="256" r:id="rId2"/>
@@ -15,9 +15,6 @@
     <p:sldId id="282" r:id="rId6"/>
     <p:sldId id="259" r:id="rId7"/>
     <p:sldId id="284" r:id="rId8"/>
-    <p:sldId id="290" r:id="rId9"/>
-    <p:sldId id="291" r:id="rId10"/>
-    <p:sldId id="289" r:id="rId11"/>
   </p:sldIdLst>
   <p:sldSz cx="12192000" cy="6858000"/>
   <p:notesSz cx="6858000" cy="9144000"/>
@@ -206,7 +203,7 @@
           <a:p>
             <a:fld id="{248031C6-E4B0-0444-A4A8-9CCE96EC2C9C}" type="datetimeFigureOut">
               <a:rPr lang="en-GB" smtClean="0"/>
-              <a:t>12/09/2018</a:t>
+              <a:t>14/09/2018</a:t>
             </a:fld>
             <a:endParaRPr lang="en-GB"/>
           </a:p>
@@ -1066,90 +1063,6 @@
 </p:notes>
 </file>
 
-<file path=ppt/notesSlides/notesSlide6.xml><?xml version="1.0" encoding="utf-8"?>
-<p:notes xmlns:a="http://schemas.openxmlformats.org/drawingml/2006/main" xmlns:r="http://schemas.openxmlformats.org/officeDocument/2006/relationships" xmlns:p="http://schemas.openxmlformats.org/presentationml/2006/main">
-  <p:cSld>
-    <p:spTree>
-      <p:nvGrpSpPr>
-        <p:cNvPr id="1" name=""/>
-        <p:cNvGrpSpPr/>
-        <p:nvPr/>
-      </p:nvGrpSpPr>
-      <p:grpSpPr>
-        <a:xfrm>
-          <a:off x="0" y="0"/>
-          <a:ext cx="0" cy="0"/>
-          <a:chOff x="0" y="0"/>
-          <a:chExt cx="0" cy="0"/>
-        </a:xfrm>
-      </p:grpSpPr>
-      <p:sp>
-        <p:nvSpPr>
-          <p:cNvPr id="2" name="Slide Image Placeholder 1"/>
-          <p:cNvSpPr>
-            <a:spLocks noGrp="1" noRot="1" noChangeAspect="1"/>
-          </p:cNvSpPr>
-          <p:nvPr>
-            <p:ph type="sldImg"/>
-          </p:nvPr>
-        </p:nvSpPr>
-        <p:spPr/>
-      </p:sp>
-      <p:sp>
-        <p:nvSpPr>
-          <p:cNvPr id="3" name="Notes Placeholder 2"/>
-          <p:cNvSpPr>
-            <a:spLocks noGrp="1"/>
-          </p:cNvSpPr>
-          <p:nvPr>
-            <p:ph type="body" idx="1"/>
-          </p:nvPr>
-        </p:nvSpPr>
-        <p:spPr/>
-        <p:txBody>
-          <a:bodyPr/>
-          <a:lstStyle/>
-          <a:p>
-            <a:endParaRPr lang="en-GB" dirty="0"/>
-          </a:p>
-        </p:txBody>
-      </p:sp>
-      <p:sp>
-        <p:nvSpPr>
-          <p:cNvPr id="4" name="Slide Number Placeholder 3"/>
-          <p:cNvSpPr>
-            <a:spLocks noGrp="1"/>
-          </p:cNvSpPr>
-          <p:nvPr>
-            <p:ph type="sldNum" sz="quarter" idx="5"/>
-          </p:nvPr>
-        </p:nvSpPr>
-        <p:spPr/>
-        <p:txBody>
-          <a:bodyPr/>
-          <a:lstStyle/>
-          <a:p>
-            <a:fld id="{186431B5-AB57-3E4A-80D5-B6800CF8539B}" type="slidenum">
-              <a:rPr lang="en-GB" smtClean="0"/>
-              <a:t>9</a:t>
-            </a:fld>
-            <a:endParaRPr lang="en-GB"/>
-          </a:p>
-        </p:txBody>
-      </p:sp>
-    </p:spTree>
-    <p:extLst>
-      <p:ext uri="{BB962C8B-B14F-4D97-AF65-F5344CB8AC3E}">
-        <p14:creationId xmlns:p14="http://schemas.microsoft.com/office/powerpoint/2010/main" val="3882565584"/>
-      </p:ext>
-    </p:extLst>
-  </p:cSld>
-  <p:clrMapOvr>
-    <a:masterClrMapping/>
-  </p:clrMapOvr>
-</p:notes>
-</file>
-
 <file path=ppt/slideLayouts/slideLayout1.xml><?xml version="1.0" encoding="utf-8"?>
 <p:sldLayout xmlns:a="http://schemas.openxmlformats.org/drawingml/2006/main" xmlns:r="http://schemas.openxmlformats.org/officeDocument/2006/relationships" xmlns:p="http://schemas.openxmlformats.org/presentationml/2006/main" type="title" preserve="1">
   <p:cSld name="Title Slide">
@@ -1299,7 +1212,7 @@
           <a:p>
             <a:fld id="{66665395-52C5-5E4B-BB20-CD4E0BBC9899}" type="datetimeFigureOut">
               <a:rPr lang="en-GB" smtClean="0"/>
-              <a:t>12/09/2018</a:t>
+              <a:t>14/09/2018</a:t>
             </a:fld>
             <a:endParaRPr lang="en-GB"/>
           </a:p>
@@ -1499,7 +1412,7 @@
           <a:p>
             <a:fld id="{66665395-52C5-5E4B-BB20-CD4E0BBC9899}" type="datetimeFigureOut">
               <a:rPr lang="en-GB" smtClean="0"/>
-              <a:t>12/09/2018</a:t>
+              <a:t>14/09/2018</a:t>
             </a:fld>
             <a:endParaRPr lang="en-GB"/>
           </a:p>
@@ -1709,7 +1622,7 @@
           <a:p>
             <a:fld id="{66665395-52C5-5E4B-BB20-CD4E0BBC9899}" type="datetimeFigureOut">
               <a:rPr lang="en-GB" smtClean="0"/>
-              <a:t>12/09/2018</a:t>
+              <a:t>14/09/2018</a:t>
             </a:fld>
             <a:endParaRPr lang="en-GB"/>
           </a:p>
@@ -1909,7 +1822,7 @@
           <a:p>
             <a:fld id="{66665395-52C5-5E4B-BB20-CD4E0BBC9899}" type="datetimeFigureOut">
               <a:rPr lang="en-GB" smtClean="0"/>
-              <a:t>12/09/2018</a:t>
+              <a:t>14/09/2018</a:t>
             </a:fld>
             <a:endParaRPr lang="en-GB"/>
           </a:p>
@@ -2185,7 +2098,7 @@
           <a:p>
             <a:fld id="{66665395-52C5-5E4B-BB20-CD4E0BBC9899}" type="datetimeFigureOut">
               <a:rPr lang="en-GB" smtClean="0"/>
-              <a:t>12/09/2018</a:t>
+              <a:t>14/09/2018</a:t>
             </a:fld>
             <a:endParaRPr lang="en-GB"/>
           </a:p>
@@ -2453,7 +2366,7 @@
           <a:p>
             <a:fld id="{66665395-52C5-5E4B-BB20-CD4E0BBC9899}" type="datetimeFigureOut">
               <a:rPr lang="en-GB" smtClean="0"/>
-              <a:t>12/09/2018</a:t>
+              <a:t>14/09/2018</a:t>
             </a:fld>
             <a:endParaRPr lang="en-GB"/>
           </a:p>
@@ -2868,7 +2781,7 @@
           <a:p>
             <a:fld id="{66665395-52C5-5E4B-BB20-CD4E0BBC9899}" type="datetimeFigureOut">
               <a:rPr lang="en-GB" smtClean="0"/>
-              <a:t>12/09/2018</a:t>
+              <a:t>14/09/2018</a:t>
             </a:fld>
             <a:endParaRPr lang="en-GB"/>
           </a:p>
@@ -3010,7 +2923,7 @@
           <a:p>
             <a:fld id="{66665395-52C5-5E4B-BB20-CD4E0BBC9899}" type="datetimeFigureOut">
               <a:rPr lang="en-GB" smtClean="0"/>
-              <a:t>12/09/2018</a:t>
+              <a:t>14/09/2018</a:t>
             </a:fld>
             <a:endParaRPr lang="en-GB"/>
           </a:p>
@@ -3123,7 +3036,7 @@
           <a:p>
             <a:fld id="{66665395-52C5-5E4B-BB20-CD4E0BBC9899}" type="datetimeFigureOut">
               <a:rPr lang="en-GB" smtClean="0"/>
-              <a:t>12/09/2018</a:t>
+              <a:t>14/09/2018</a:t>
             </a:fld>
             <a:endParaRPr lang="en-GB"/>
           </a:p>
@@ -3436,7 +3349,7 @@
           <a:p>
             <a:fld id="{66665395-52C5-5E4B-BB20-CD4E0BBC9899}" type="datetimeFigureOut">
               <a:rPr lang="en-GB" smtClean="0"/>
-              <a:t>12/09/2018</a:t>
+              <a:t>14/09/2018</a:t>
             </a:fld>
             <a:endParaRPr lang="en-GB"/>
           </a:p>
@@ -3725,7 +3638,7 @@
           <a:p>
             <a:fld id="{66665395-52C5-5E4B-BB20-CD4E0BBC9899}" type="datetimeFigureOut">
               <a:rPr lang="en-GB" smtClean="0"/>
-              <a:t>12/09/2018</a:t>
+              <a:t>14/09/2018</a:t>
             </a:fld>
             <a:endParaRPr lang="en-GB"/>
           </a:p>
@@ -3968,7 +3881,7 @@
           <a:p>
             <a:fld id="{66665395-52C5-5E4B-BB20-CD4E0BBC9899}" type="datetimeFigureOut">
               <a:rPr lang="en-GB" smtClean="0"/>
-              <a:t>12/09/2018</a:t>
+              <a:t>14/09/2018</a:t>
             </a:fld>
             <a:endParaRPr lang="en-GB"/>
           </a:p>
@@ -4454,9 +4367,17 @@
 </p:sld>
 </file>
 
-<file path=ppt/slides/slide10.xml><?xml version="1.0" encoding="utf-8"?>
+<file path=ppt/slides/slide2.xml><?xml version="1.0" encoding="utf-8"?>
 <p:sld xmlns:a="http://schemas.openxmlformats.org/drawingml/2006/main" xmlns:r="http://schemas.openxmlformats.org/officeDocument/2006/relationships" xmlns:p="http://schemas.openxmlformats.org/presentationml/2006/main">
   <p:cSld>
+    <p:bg>
+      <p:bgPr>
+        <a:solidFill>
+          <a:schemeClr val="bg1"/>
+        </a:solidFill>
+        <a:effectLst/>
+      </p:bgPr>
+    </p:bg>
     <p:spTree>
       <p:nvGrpSpPr>
         <p:cNvPr id="1" name=""/>
@@ -4476,7 +4397,7 @@
           <p:cNvPr id="2" name="Title 1">
             <a:extLst>
               <a:ext uri="{FF2B5EF4-FFF2-40B4-BE49-F238E27FC236}">
-                <a16:creationId xmlns:a16="http://schemas.microsoft.com/office/drawing/2014/main" id="{A6163BC1-C946-404A-841A-E7901DF9BF26}"/>
+                <a16:creationId xmlns:a16="http://schemas.microsoft.com/office/drawing/2014/main" id="{6B7B5506-8EDB-D847-8FE9-3643EB4D4F62}"/>
               </a:ext>
             </a:extLst>
           </p:cNvPr>
@@ -4489,56 +4410,114 @@
         </p:nvSpPr>
         <p:spPr>
           <a:xfrm>
-            <a:off x="838199" y="365125"/>
-            <a:ext cx="10894017" cy="1325563"/>
+            <a:off x="648929" y="629266"/>
+            <a:ext cx="5127031" cy="905743"/>
           </a:xfrm>
         </p:spPr>
         <p:txBody>
-          <a:bodyPr/>
-          <a:lstStyle/>
-          <a:p>
-            <a:r>
-              <a:rPr lang="en-GB" dirty="0"/>
-              <a:t>String </a:t>
-            </a:r>
-            <a:r>
-              <a:rPr lang="en-GB" dirty="0" err="1"/>
-              <a:t>slicing,boolske</a:t>
-            </a:r>
-            <a:r>
-              <a:rPr lang="en-GB" dirty="0"/>
-              <a:t> </a:t>
-            </a:r>
-            <a:r>
-              <a:rPr lang="en-GB" dirty="0" err="1"/>
-              <a:t>værdier</a:t>
-            </a:r>
-            <a:r>
-              <a:rPr lang="en-GB" dirty="0"/>
-              <a:t> </a:t>
-            </a:r>
-            <a:r>
-              <a:rPr lang="en-GB" dirty="0" err="1"/>
-              <a:t>og</a:t>
-            </a:r>
-            <a:r>
-              <a:rPr lang="en-GB" dirty="0"/>
-              <a:t> </a:t>
-            </a:r>
-            <a:r>
-              <a:rPr lang="en-GB" dirty="0" err="1"/>
-              <a:t>operatorer</a:t>
-            </a:r>
-            <a:endParaRPr lang="en-GB" dirty="0"/>
-          </a:p>
-        </p:txBody>
-      </p:sp>
-      <p:sp>
-        <p:nvSpPr>
-          <p:cNvPr id="4" name="Content Placeholder 2">
-            <a:extLst>
-              <a:ext uri="{FF2B5EF4-FFF2-40B4-BE49-F238E27FC236}">
-                <a16:creationId xmlns:a16="http://schemas.microsoft.com/office/drawing/2014/main" id="{3ED22099-B289-8744-AFEC-BC82A4A8BDBA}"/>
+          <a:bodyPr>
+            <a:normAutofit/>
+          </a:bodyPr>
+          <a:lstStyle/>
+          <a:p>
+            <a:r>
+              <a:rPr lang="da-DK" dirty="0"/>
+              <a:t>Nøglekoncepter</a:t>
+            </a:r>
+          </a:p>
+        </p:txBody>
+      </p:sp>
+      <p:sp>
+        <p:nvSpPr>
+          <p:cNvPr id="3" name="Content Placeholder 2">
+            <a:extLst>
+              <a:ext uri="{FF2B5EF4-FFF2-40B4-BE49-F238E27FC236}">
+                <a16:creationId xmlns:a16="http://schemas.microsoft.com/office/drawing/2014/main" id="{9C13CA59-EE31-B244-B01E-FDD597FFCEDA}"/>
+              </a:ext>
+            </a:extLst>
+          </p:cNvPr>
+          <p:cNvSpPr>
+            <a:spLocks noGrp="1"/>
+          </p:cNvSpPr>
+          <p:nvPr>
+            <p:ph idx="1"/>
+          </p:nvPr>
+        </p:nvSpPr>
+        <p:spPr>
+          <a:xfrm>
+            <a:off x="648931" y="2026299"/>
+            <a:ext cx="5127029" cy="1809582"/>
+          </a:xfrm>
+        </p:spPr>
+        <p:txBody>
+          <a:bodyPr>
+            <a:normAutofit/>
+          </a:bodyPr>
+          <a:lstStyle/>
+          <a:p>
+            <a:r>
+              <a:rPr lang="da-DK" sz="2000" dirty="0"/>
+              <a:t>Fra ligninger til kode</a:t>
+            </a:r>
+          </a:p>
+          <a:p>
+            <a:r>
+              <a:rPr lang="da-DK" sz="2000" dirty="0"/>
+              <a:t>F# (interaktiv og oversætter-tilstand)</a:t>
+            </a:r>
+          </a:p>
+          <a:p>
+            <a:r>
+              <a:rPr lang="da-DK" sz="2000" dirty="0"/>
+              <a:t>F# bindinger, værdier, kommunikation</a:t>
+            </a:r>
+          </a:p>
+        </p:txBody>
+      </p:sp>
+      <p:cxnSp>
+        <p:nvCxnSpPr>
+          <p:cNvPr id="8" name="Straight Connector 7">
+            <a:extLst>
+              <a:ext uri="{FF2B5EF4-FFF2-40B4-BE49-F238E27FC236}">
+                <a16:creationId xmlns:a16="http://schemas.microsoft.com/office/drawing/2014/main" id="{C2060383-286E-E84D-B7A6-3D64823B2436}"/>
+              </a:ext>
+            </a:extLst>
+          </p:cNvPr>
+          <p:cNvCxnSpPr>
+            <a:cxnSpLocks/>
+          </p:cNvCxnSpPr>
+          <p:nvPr/>
+        </p:nvCxnSpPr>
+        <p:spPr>
+          <a:xfrm>
+            <a:off x="5465617" y="1673555"/>
+            <a:ext cx="0" cy="2023780"/>
+          </a:xfrm>
+          <a:prstGeom prst="line">
+            <a:avLst/>
+          </a:prstGeom>
+        </p:spPr>
+        <p:style>
+          <a:lnRef idx="1">
+            <a:schemeClr val="accent1"/>
+          </a:lnRef>
+          <a:fillRef idx="0">
+            <a:schemeClr val="accent1"/>
+          </a:fillRef>
+          <a:effectRef idx="0">
+            <a:schemeClr val="accent1"/>
+          </a:effectRef>
+          <a:fontRef idx="minor">
+            <a:schemeClr val="tx1"/>
+          </a:fontRef>
+        </p:style>
+      </p:cxnSp>
+      <p:sp>
+        <p:nvSpPr>
+          <p:cNvPr id="9" name="Content Placeholder 2">
+            <a:extLst>
+              <a:ext uri="{FF2B5EF4-FFF2-40B4-BE49-F238E27FC236}">
+                <a16:creationId xmlns:a16="http://schemas.microsoft.com/office/drawing/2014/main" id="{EDD97D87-9B06-6948-A4E2-4B8370B54A71}"/>
               </a:ext>
             </a:extLst>
           </p:cNvPr>
@@ -4549,8 +4528,8 @@
         </p:nvSpPr>
         <p:spPr>
           <a:xfrm>
-            <a:off x="838200" y="2448340"/>
-            <a:ext cx="5035658" cy="2263145"/>
+            <a:off x="6326293" y="2033708"/>
+            <a:ext cx="5127029" cy="1402220"/>
           </a:xfrm>
           <a:prstGeom prst="rect">
             <a:avLst/>
@@ -4725,2525 +4704,6 @@
             </a:lvl9pPr>
           </a:lstStyle>
           <a:p>
-            <a:pPr marL="0" indent="0">
-              <a:lnSpc>
-                <a:spcPct val="100000"/>
-              </a:lnSpc>
-              <a:buNone/>
-            </a:pPr>
-            <a:r>
-              <a:rPr lang="en-GB" sz="1400" u="sng" dirty="0">
-                <a:latin typeface="DejaVu Sans Book" panose="020B0603030804020204" pitchFamily="34" charset="0"/>
-                <a:ea typeface="DejaVu Sans Book" panose="020B0603030804020204" pitchFamily="34" charset="0"/>
-                <a:cs typeface="DejaVu Sans Book" panose="020B0603030804020204" pitchFamily="34" charset="0"/>
-              </a:rPr>
-              <a:t>"</a:t>
-            </a:r>
-            <a:r>
-              <a:rPr lang="en-GB" sz="1400" u="sng" dirty="0" err="1">
-                <a:latin typeface="DejaVu Sans Book" panose="020B0603030804020204" pitchFamily="34" charset="0"/>
-                <a:ea typeface="DejaVu Sans Book" panose="020B0603030804020204" pitchFamily="34" charset="0"/>
-                <a:cs typeface="DejaVu Sans Book" panose="020B0603030804020204" pitchFamily="34" charset="0"/>
-              </a:rPr>
-              <a:t>abcdefghijkl</a:t>
-            </a:r>
-            <a:r>
-              <a:rPr lang="en-GB" sz="1400" u="sng" dirty="0">
-                <a:latin typeface="DejaVu Sans Book" panose="020B0603030804020204" pitchFamily="34" charset="0"/>
-                <a:ea typeface="DejaVu Sans Book" panose="020B0603030804020204" pitchFamily="34" charset="0"/>
-                <a:cs typeface="DejaVu Sans Book" panose="020B0603030804020204" pitchFamily="34" charset="0"/>
-              </a:rPr>
-              <a:t>".[1]</a:t>
-            </a:r>
-          </a:p>
-          <a:p>
-            <a:pPr marL="0" indent="0">
-              <a:lnSpc>
-                <a:spcPct val="100000"/>
-              </a:lnSpc>
-              <a:buNone/>
-            </a:pPr>
-            <a:r>
-              <a:rPr lang="en-GB" sz="1400" u="sng" dirty="0">
-                <a:latin typeface="DejaVu Sans Book" panose="020B0603030804020204" pitchFamily="34" charset="0"/>
-                <a:ea typeface="DejaVu Sans Book" panose="020B0603030804020204" pitchFamily="34" charset="0"/>
-                <a:cs typeface="DejaVu Sans Book" panose="020B0603030804020204" pitchFamily="34" charset="0"/>
-              </a:rPr>
-              <a:t>"</a:t>
-            </a:r>
-            <a:r>
-              <a:rPr lang="en-GB" sz="1400" u="sng" dirty="0" err="1">
-                <a:latin typeface="DejaVu Sans Book" panose="020B0603030804020204" pitchFamily="34" charset="0"/>
-                <a:ea typeface="DejaVu Sans Book" panose="020B0603030804020204" pitchFamily="34" charset="0"/>
-                <a:cs typeface="DejaVu Sans Book" panose="020B0603030804020204" pitchFamily="34" charset="0"/>
-              </a:rPr>
-              <a:t>abcdefghijkl</a:t>
-            </a:r>
-            <a:r>
-              <a:rPr lang="en-GB" sz="1400" u="sng" dirty="0">
-                <a:latin typeface="DejaVu Sans Book" panose="020B0603030804020204" pitchFamily="34" charset="0"/>
-                <a:ea typeface="DejaVu Sans Book" panose="020B0603030804020204" pitchFamily="34" charset="0"/>
-                <a:cs typeface="DejaVu Sans Book" panose="020B0603030804020204" pitchFamily="34" charset="0"/>
-              </a:rPr>
-              <a:t>".[1..4]</a:t>
-            </a:r>
-          </a:p>
-          <a:p>
-            <a:pPr marL="0" indent="0">
-              <a:lnSpc>
-                <a:spcPct val="100000"/>
-              </a:lnSpc>
-              <a:buNone/>
-            </a:pPr>
-            <a:r>
-              <a:rPr lang="en-GB" sz="1400" u="sng" dirty="0">
-                <a:latin typeface="DejaVu Sans Book" panose="020B0603030804020204" pitchFamily="34" charset="0"/>
-                <a:ea typeface="DejaVu Sans Book" panose="020B0603030804020204" pitchFamily="34" charset="0"/>
-                <a:cs typeface="DejaVu Sans Book" panose="020B0603030804020204" pitchFamily="34" charset="0"/>
-              </a:rPr>
-              <a:t>"</a:t>
-            </a:r>
-            <a:r>
-              <a:rPr lang="en-GB" sz="1400" u="sng" dirty="0" err="1">
-                <a:latin typeface="DejaVu Sans Book" panose="020B0603030804020204" pitchFamily="34" charset="0"/>
-                <a:ea typeface="DejaVu Sans Book" panose="020B0603030804020204" pitchFamily="34" charset="0"/>
-                <a:cs typeface="DejaVu Sans Book" panose="020B0603030804020204" pitchFamily="34" charset="0"/>
-              </a:rPr>
-              <a:t>abcdefghijkl</a:t>
-            </a:r>
-            <a:r>
-              <a:rPr lang="en-GB" sz="1400" u="sng" dirty="0">
-                <a:latin typeface="DejaVu Sans Book" panose="020B0603030804020204" pitchFamily="34" charset="0"/>
-                <a:ea typeface="DejaVu Sans Book" panose="020B0603030804020204" pitchFamily="34" charset="0"/>
-                <a:cs typeface="DejaVu Sans Book" panose="020B0603030804020204" pitchFamily="34" charset="0"/>
-              </a:rPr>
-              <a:t>".[..4]</a:t>
-            </a:r>
-          </a:p>
-          <a:p>
-            <a:pPr marL="0" indent="0">
-              <a:lnSpc>
-                <a:spcPct val="100000"/>
-              </a:lnSpc>
-              <a:buNone/>
-            </a:pPr>
-            <a:r>
-              <a:rPr lang="en-GB" sz="1400" u="sng" dirty="0">
-                <a:latin typeface="DejaVu Sans Book" panose="020B0603030804020204" pitchFamily="34" charset="0"/>
-                <a:ea typeface="DejaVu Sans Book" panose="020B0603030804020204" pitchFamily="34" charset="0"/>
-                <a:cs typeface="DejaVu Sans Book" panose="020B0603030804020204" pitchFamily="34" charset="0"/>
-              </a:rPr>
-              <a:t>"</a:t>
-            </a:r>
-            <a:r>
-              <a:rPr lang="en-GB" sz="1400" u="sng" dirty="0" err="1">
-                <a:latin typeface="DejaVu Sans Book" panose="020B0603030804020204" pitchFamily="34" charset="0"/>
-                <a:ea typeface="DejaVu Sans Book" panose="020B0603030804020204" pitchFamily="34" charset="0"/>
-                <a:cs typeface="DejaVu Sans Book" panose="020B0603030804020204" pitchFamily="34" charset="0"/>
-              </a:rPr>
-              <a:t>abcdefghijkl</a:t>
-            </a:r>
-            <a:r>
-              <a:rPr lang="en-GB" sz="1400" u="sng" dirty="0">
-                <a:latin typeface="DejaVu Sans Book" panose="020B0603030804020204" pitchFamily="34" charset="0"/>
-                <a:ea typeface="DejaVu Sans Book" panose="020B0603030804020204" pitchFamily="34" charset="0"/>
-                <a:cs typeface="DejaVu Sans Book" panose="020B0603030804020204" pitchFamily="34" charset="0"/>
-              </a:rPr>
-              <a:t>".[4..]</a:t>
-            </a:r>
-          </a:p>
-          <a:p>
-            <a:pPr marL="0" indent="0">
-              <a:lnSpc>
-                <a:spcPct val="100000"/>
-              </a:lnSpc>
-              <a:buNone/>
-            </a:pPr>
-            <a:r>
-              <a:rPr lang="en-GB" sz="1400" u="sng" dirty="0">
-                <a:latin typeface="DejaVu Sans Book" panose="020B0603030804020204" pitchFamily="34" charset="0"/>
-                <a:ea typeface="DejaVu Sans Book" panose="020B0603030804020204" pitchFamily="34" charset="0"/>
-                <a:cs typeface="DejaVu Sans Book" panose="020B0603030804020204" pitchFamily="34" charset="0"/>
-              </a:rPr>
-              <a:t>"</a:t>
-            </a:r>
-            <a:r>
-              <a:rPr lang="en-GB" sz="1400" u="sng" dirty="0" err="1">
-                <a:latin typeface="DejaVu Sans Book" panose="020B0603030804020204" pitchFamily="34" charset="0"/>
-                <a:ea typeface="DejaVu Sans Book" panose="020B0603030804020204" pitchFamily="34" charset="0"/>
-                <a:cs typeface="DejaVu Sans Book" panose="020B0603030804020204" pitchFamily="34" charset="0"/>
-              </a:rPr>
-              <a:t>abcdefghijkl</a:t>
-            </a:r>
-            <a:r>
-              <a:rPr lang="en-GB" sz="1400" u="sng" dirty="0">
-                <a:latin typeface="DejaVu Sans Book" panose="020B0603030804020204" pitchFamily="34" charset="0"/>
-                <a:ea typeface="DejaVu Sans Book" panose="020B0603030804020204" pitchFamily="34" charset="0"/>
-                <a:cs typeface="DejaVu Sans Book" panose="020B0603030804020204" pitchFamily="34" charset="0"/>
-              </a:rPr>
-              <a:t>".Length</a:t>
-            </a:r>
-          </a:p>
-          <a:p>
-            <a:pPr marL="0" indent="0">
-              <a:lnSpc>
-                <a:spcPct val="100000"/>
-              </a:lnSpc>
-              <a:buNone/>
-            </a:pPr>
-            <a:r>
-              <a:rPr lang="en-GB" sz="1400" u="sng" dirty="0">
-                <a:latin typeface="DejaVu Sans Book" panose="020B0603030804020204" pitchFamily="34" charset="0"/>
-                <a:ea typeface="DejaVu Sans Book" panose="020B0603030804020204" pitchFamily="34" charset="0"/>
-                <a:cs typeface="DejaVu Sans Book" panose="020B0603030804020204" pitchFamily="34" charset="0"/>
-              </a:rPr>
-              <a:t>"</a:t>
-            </a:r>
-            <a:r>
-              <a:rPr lang="en-GB" sz="1400" u="sng" dirty="0" err="1">
-                <a:latin typeface="DejaVu Sans Book" panose="020B0603030804020204" pitchFamily="34" charset="0"/>
-                <a:ea typeface="DejaVu Sans Book" panose="020B0603030804020204" pitchFamily="34" charset="0"/>
-                <a:cs typeface="DejaVu Sans Book" panose="020B0603030804020204" pitchFamily="34" charset="0"/>
-              </a:rPr>
-              <a:t>abcdefghijkl</a:t>
-            </a:r>
-            <a:r>
-              <a:rPr lang="en-GB" sz="1400" u="sng" dirty="0">
-                <a:latin typeface="DejaVu Sans Book" panose="020B0603030804020204" pitchFamily="34" charset="0"/>
-                <a:ea typeface="DejaVu Sans Book" panose="020B0603030804020204" pitchFamily="34" charset="0"/>
-                <a:cs typeface="DejaVu Sans Book" panose="020B0603030804020204" pitchFamily="34" charset="0"/>
-              </a:rPr>
-              <a:t>".[0..11]</a:t>
-            </a:r>
-          </a:p>
-        </p:txBody>
-      </p:sp>
-      <p:sp>
-        <p:nvSpPr>
-          <p:cNvPr id="5" name="TextBox 4">
-            <a:extLst>
-              <a:ext uri="{FF2B5EF4-FFF2-40B4-BE49-F238E27FC236}">
-                <a16:creationId xmlns:a16="http://schemas.microsoft.com/office/drawing/2014/main" id="{70A7D154-B20E-F944-8F38-85810BBE11C4}"/>
-              </a:ext>
-            </a:extLst>
-          </p:cNvPr>
-          <p:cNvSpPr txBox="1"/>
-          <p:nvPr/>
-        </p:nvSpPr>
-        <p:spPr>
-          <a:xfrm>
-            <a:off x="2869673" y="2463401"/>
-            <a:ext cx="622286" cy="307777"/>
-          </a:xfrm>
-          <a:prstGeom prst="rect">
-            <a:avLst/>
-          </a:prstGeom>
-          <a:noFill/>
-        </p:spPr>
-        <p:txBody>
-          <a:bodyPr wrap="none" rtlCol="0">
-            <a:spAutoFit/>
-          </a:bodyPr>
-          <a:lstStyle/>
-          <a:p>
-            <a:r>
-              <a:rPr lang="en-GB" sz="1400" dirty="0">
-                <a:solidFill>
-                  <a:schemeClr val="accent6"/>
-                </a:solidFill>
-                <a:latin typeface="DejaVu Sans Book" panose="020B0603030804020204" pitchFamily="34" charset="0"/>
-                <a:ea typeface="DejaVu Sans Book" panose="020B0603030804020204" pitchFamily="34" charset="0"/>
-                <a:cs typeface="DejaVu Sans Book" panose="020B0603030804020204" pitchFamily="34" charset="0"/>
-              </a:rPr>
-              <a:t>= ‘b’</a:t>
-            </a:r>
-          </a:p>
-        </p:txBody>
-      </p:sp>
-      <p:sp>
-        <p:nvSpPr>
-          <p:cNvPr id="6" name="TextBox 5">
-            <a:extLst>
-              <a:ext uri="{FF2B5EF4-FFF2-40B4-BE49-F238E27FC236}">
-                <a16:creationId xmlns:a16="http://schemas.microsoft.com/office/drawing/2014/main" id="{46B24CC0-06A6-AB4D-9BA8-06AE0260AB42}"/>
-              </a:ext>
-            </a:extLst>
-          </p:cNvPr>
-          <p:cNvSpPr txBox="1"/>
-          <p:nvPr/>
-        </p:nvSpPr>
-        <p:spPr>
-          <a:xfrm>
-            <a:off x="2885062" y="2802174"/>
-            <a:ext cx="997389" cy="307777"/>
-          </a:xfrm>
-          <a:prstGeom prst="rect">
-            <a:avLst/>
-          </a:prstGeom>
-          <a:noFill/>
-        </p:spPr>
-        <p:txBody>
-          <a:bodyPr wrap="none" rtlCol="0">
-            <a:spAutoFit/>
-          </a:bodyPr>
-          <a:lstStyle/>
-          <a:p>
-            <a:r>
-              <a:rPr lang="en-GB" sz="1400" dirty="0">
-                <a:solidFill>
-                  <a:schemeClr val="accent6"/>
-                </a:solidFill>
-                <a:latin typeface="DejaVu Sans Book" panose="020B0603030804020204" pitchFamily="34" charset="0"/>
-                <a:ea typeface="DejaVu Sans Book" panose="020B0603030804020204" pitchFamily="34" charset="0"/>
-                <a:cs typeface="DejaVu Sans Book" panose="020B0603030804020204" pitchFamily="34" charset="0"/>
-              </a:rPr>
-              <a:t>= </a:t>
-            </a:r>
-            <a:r>
-              <a:rPr lang="da-DK" sz="1400" dirty="0">
-                <a:solidFill>
-                  <a:schemeClr val="accent6"/>
-                </a:solidFill>
-                <a:latin typeface="DejaVu Sans Book" panose="020B0603030804020204" pitchFamily="34" charset="0"/>
-                <a:ea typeface="DejaVu Sans Book" panose="020B0603030804020204" pitchFamily="34" charset="0"/>
-                <a:cs typeface="DejaVu Sans Book" panose="020B0603030804020204" pitchFamily="34" charset="0"/>
-              </a:rPr>
-              <a:t>"</a:t>
-            </a:r>
-            <a:r>
-              <a:rPr lang="da-DK" sz="1400" dirty="0" err="1">
-                <a:solidFill>
-                  <a:schemeClr val="accent6"/>
-                </a:solidFill>
-                <a:latin typeface="DejaVu Sans Book" panose="020B0603030804020204" pitchFamily="34" charset="0"/>
-                <a:ea typeface="DejaVu Sans Book" panose="020B0603030804020204" pitchFamily="34" charset="0"/>
-                <a:cs typeface="DejaVu Sans Book" panose="020B0603030804020204" pitchFamily="34" charset="0"/>
-              </a:rPr>
-              <a:t>bcde</a:t>
-            </a:r>
-            <a:r>
-              <a:rPr lang="da-DK" sz="1400" dirty="0">
-                <a:solidFill>
-                  <a:schemeClr val="accent6"/>
-                </a:solidFill>
-                <a:latin typeface="DejaVu Sans Book" panose="020B0603030804020204" pitchFamily="34" charset="0"/>
-                <a:ea typeface="DejaVu Sans Book" panose="020B0603030804020204" pitchFamily="34" charset="0"/>
-                <a:cs typeface="DejaVu Sans Book" panose="020B0603030804020204" pitchFamily="34" charset="0"/>
-              </a:rPr>
-              <a:t>"</a:t>
-            </a:r>
-            <a:endParaRPr lang="da-DK" sz="1400" dirty="0">
-              <a:latin typeface="DejaVu Sans Book" panose="020B0603030804020204" pitchFamily="34" charset="0"/>
-              <a:ea typeface="DejaVu Sans Book" panose="020B0603030804020204" pitchFamily="34" charset="0"/>
-              <a:cs typeface="DejaVu Sans Book" panose="020B0603030804020204" pitchFamily="34" charset="0"/>
-            </a:endParaRPr>
-          </a:p>
-        </p:txBody>
-      </p:sp>
-      <p:sp>
-        <p:nvSpPr>
-          <p:cNvPr id="7" name="TextBox 6">
-            <a:extLst>
-              <a:ext uri="{FF2B5EF4-FFF2-40B4-BE49-F238E27FC236}">
-                <a16:creationId xmlns:a16="http://schemas.microsoft.com/office/drawing/2014/main" id="{9E8D4D4A-512D-9542-BE39-0CDCD0221B4F}"/>
-              </a:ext>
-            </a:extLst>
-          </p:cNvPr>
-          <p:cNvSpPr txBox="1"/>
-          <p:nvPr/>
-        </p:nvSpPr>
-        <p:spPr>
-          <a:xfrm>
-            <a:off x="2885062" y="3140510"/>
-            <a:ext cx="1107996" cy="307777"/>
-          </a:xfrm>
-          <a:prstGeom prst="rect">
-            <a:avLst/>
-          </a:prstGeom>
-          <a:noFill/>
-        </p:spPr>
-        <p:txBody>
-          <a:bodyPr wrap="none" rtlCol="0">
-            <a:spAutoFit/>
-          </a:bodyPr>
-          <a:lstStyle/>
-          <a:p>
-            <a:r>
-              <a:rPr lang="en-GB" sz="1400" dirty="0">
-                <a:solidFill>
-                  <a:schemeClr val="accent6"/>
-                </a:solidFill>
-                <a:latin typeface="DejaVu Sans Book" panose="020B0603030804020204" pitchFamily="34" charset="0"/>
-                <a:ea typeface="DejaVu Sans Book" panose="020B0603030804020204" pitchFamily="34" charset="0"/>
-                <a:cs typeface="DejaVu Sans Book" panose="020B0603030804020204" pitchFamily="34" charset="0"/>
-              </a:rPr>
-              <a:t>= </a:t>
-            </a:r>
-            <a:r>
-              <a:rPr lang="da-DK" sz="1400" dirty="0">
-                <a:solidFill>
-                  <a:schemeClr val="accent6"/>
-                </a:solidFill>
-                <a:latin typeface="DejaVu Sans Book" panose="020B0603030804020204" pitchFamily="34" charset="0"/>
-                <a:ea typeface="DejaVu Sans Book" panose="020B0603030804020204" pitchFamily="34" charset="0"/>
-                <a:cs typeface="DejaVu Sans Book" panose="020B0603030804020204" pitchFamily="34" charset="0"/>
-              </a:rPr>
-              <a:t>"</a:t>
-            </a:r>
-            <a:r>
-              <a:rPr lang="da-DK" sz="1400" dirty="0" err="1">
-                <a:solidFill>
-                  <a:schemeClr val="accent6"/>
-                </a:solidFill>
-                <a:latin typeface="DejaVu Sans Book" panose="020B0603030804020204" pitchFamily="34" charset="0"/>
-                <a:ea typeface="DejaVu Sans Book" panose="020B0603030804020204" pitchFamily="34" charset="0"/>
-                <a:cs typeface="DejaVu Sans Book" panose="020B0603030804020204" pitchFamily="34" charset="0"/>
-              </a:rPr>
-              <a:t>abcde</a:t>
-            </a:r>
-            <a:r>
-              <a:rPr lang="da-DK" sz="1400" dirty="0">
-                <a:solidFill>
-                  <a:schemeClr val="accent6"/>
-                </a:solidFill>
-                <a:latin typeface="DejaVu Sans Book" panose="020B0603030804020204" pitchFamily="34" charset="0"/>
-                <a:ea typeface="DejaVu Sans Book" panose="020B0603030804020204" pitchFamily="34" charset="0"/>
-                <a:cs typeface="DejaVu Sans Book" panose="020B0603030804020204" pitchFamily="34" charset="0"/>
-              </a:rPr>
-              <a:t>"</a:t>
-            </a:r>
-          </a:p>
-        </p:txBody>
-      </p:sp>
-      <p:sp>
-        <p:nvSpPr>
-          <p:cNvPr id="8" name="TextBox 7">
-            <a:extLst>
-              <a:ext uri="{FF2B5EF4-FFF2-40B4-BE49-F238E27FC236}">
-                <a16:creationId xmlns:a16="http://schemas.microsoft.com/office/drawing/2014/main" id="{F94F2E34-AEA1-994D-A5F8-4B718BC3A03F}"/>
-              </a:ext>
-            </a:extLst>
-          </p:cNvPr>
-          <p:cNvSpPr txBox="1"/>
-          <p:nvPr/>
-        </p:nvSpPr>
-        <p:spPr>
-          <a:xfrm>
-            <a:off x="2885062" y="3494344"/>
-            <a:ext cx="1213794" cy="307777"/>
-          </a:xfrm>
-          <a:prstGeom prst="rect">
-            <a:avLst/>
-          </a:prstGeom>
-          <a:noFill/>
-        </p:spPr>
-        <p:txBody>
-          <a:bodyPr wrap="none" rtlCol="0">
-            <a:spAutoFit/>
-          </a:bodyPr>
-          <a:lstStyle/>
-          <a:p>
-            <a:r>
-              <a:rPr lang="en-GB" sz="1400" dirty="0">
-                <a:solidFill>
-                  <a:schemeClr val="accent6"/>
-                </a:solidFill>
-                <a:latin typeface="DejaVu Sans Book" panose="020B0603030804020204" pitchFamily="34" charset="0"/>
-                <a:ea typeface="DejaVu Sans Book" panose="020B0603030804020204" pitchFamily="34" charset="0"/>
-                <a:cs typeface="DejaVu Sans Book" panose="020B0603030804020204" pitchFamily="34" charset="0"/>
-              </a:rPr>
-              <a:t>= </a:t>
-            </a:r>
-            <a:r>
-              <a:rPr lang="da-DK" sz="1400" dirty="0">
-                <a:solidFill>
-                  <a:schemeClr val="accent6"/>
-                </a:solidFill>
-                <a:latin typeface="DejaVu Sans Book" panose="020B0603030804020204" pitchFamily="34" charset="0"/>
-                <a:ea typeface="DejaVu Sans Book" panose="020B0603030804020204" pitchFamily="34" charset="0"/>
-                <a:cs typeface="DejaVu Sans Book" panose="020B0603030804020204" pitchFamily="34" charset="0"/>
-              </a:rPr>
-              <a:t>"</a:t>
-            </a:r>
-            <a:r>
-              <a:rPr lang="da-DK" sz="1400" dirty="0" err="1">
-                <a:solidFill>
-                  <a:schemeClr val="accent6"/>
-                </a:solidFill>
-                <a:latin typeface="DejaVu Sans Book" panose="020B0603030804020204" pitchFamily="34" charset="0"/>
-                <a:ea typeface="DejaVu Sans Book" panose="020B0603030804020204" pitchFamily="34" charset="0"/>
-                <a:cs typeface="DejaVu Sans Book" panose="020B0603030804020204" pitchFamily="34" charset="0"/>
-              </a:rPr>
-              <a:t>efghijkl</a:t>
-            </a:r>
-            <a:r>
-              <a:rPr lang="da-DK" sz="1400" dirty="0">
-                <a:solidFill>
-                  <a:schemeClr val="accent6"/>
-                </a:solidFill>
-                <a:latin typeface="DejaVu Sans Book" panose="020B0603030804020204" pitchFamily="34" charset="0"/>
-                <a:ea typeface="DejaVu Sans Book" panose="020B0603030804020204" pitchFamily="34" charset="0"/>
-                <a:cs typeface="DejaVu Sans Book" panose="020B0603030804020204" pitchFamily="34" charset="0"/>
-              </a:rPr>
-              <a:t>"</a:t>
-            </a:r>
-          </a:p>
-        </p:txBody>
-      </p:sp>
-      <p:sp>
-        <p:nvSpPr>
-          <p:cNvPr id="9" name="TextBox 8">
-            <a:extLst>
-              <a:ext uri="{FF2B5EF4-FFF2-40B4-BE49-F238E27FC236}">
-                <a16:creationId xmlns:a16="http://schemas.microsoft.com/office/drawing/2014/main" id="{4E2E672D-9B66-4C40-81CA-90ADA0C718E5}"/>
-              </a:ext>
-            </a:extLst>
-          </p:cNvPr>
-          <p:cNvSpPr txBox="1"/>
-          <p:nvPr/>
-        </p:nvSpPr>
-        <p:spPr>
-          <a:xfrm>
-            <a:off x="2885062" y="3821913"/>
-            <a:ext cx="620683" cy="307777"/>
-          </a:xfrm>
-          <a:prstGeom prst="rect">
-            <a:avLst/>
-          </a:prstGeom>
-          <a:noFill/>
-        </p:spPr>
-        <p:txBody>
-          <a:bodyPr wrap="none" rtlCol="0">
-            <a:spAutoFit/>
-          </a:bodyPr>
-          <a:lstStyle/>
-          <a:p>
-            <a:r>
-              <a:rPr lang="en-GB" sz="1400" dirty="0">
-                <a:solidFill>
-                  <a:schemeClr val="accent6"/>
-                </a:solidFill>
-                <a:latin typeface="DejaVu Sans Book" panose="020B0603030804020204" pitchFamily="34" charset="0"/>
-                <a:ea typeface="DejaVu Sans Book" panose="020B0603030804020204" pitchFamily="34" charset="0"/>
-                <a:cs typeface="DejaVu Sans Book" panose="020B0603030804020204" pitchFamily="34" charset="0"/>
-              </a:rPr>
-              <a:t>= 12</a:t>
-            </a:r>
-          </a:p>
-        </p:txBody>
-      </p:sp>
-      <p:sp>
-        <p:nvSpPr>
-          <p:cNvPr id="10" name="TextBox 9">
-            <a:extLst>
-              <a:ext uri="{FF2B5EF4-FFF2-40B4-BE49-F238E27FC236}">
-                <a16:creationId xmlns:a16="http://schemas.microsoft.com/office/drawing/2014/main" id="{8E9AEB84-41DD-0541-9E2B-5C1D3F87D7AF}"/>
-              </a:ext>
-            </a:extLst>
-          </p:cNvPr>
-          <p:cNvSpPr txBox="1"/>
-          <p:nvPr/>
-        </p:nvSpPr>
-        <p:spPr>
-          <a:xfrm>
-            <a:off x="2885062" y="4144751"/>
-            <a:ext cx="1651414" cy="307777"/>
-          </a:xfrm>
-          <a:prstGeom prst="rect">
-            <a:avLst/>
-          </a:prstGeom>
-          <a:noFill/>
-        </p:spPr>
-        <p:txBody>
-          <a:bodyPr wrap="none" rtlCol="0">
-            <a:spAutoFit/>
-          </a:bodyPr>
-          <a:lstStyle/>
-          <a:p>
-            <a:r>
-              <a:rPr lang="en-GB" sz="1400" dirty="0">
-                <a:solidFill>
-                  <a:schemeClr val="accent6"/>
-                </a:solidFill>
-                <a:latin typeface="DejaVu Sans Book" panose="020B0603030804020204" pitchFamily="34" charset="0"/>
-                <a:ea typeface="DejaVu Sans Book" panose="020B0603030804020204" pitchFamily="34" charset="0"/>
-                <a:cs typeface="DejaVu Sans Book" panose="020B0603030804020204" pitchFamily="34" charset="0"/>
-              </a:rPr>
-              <a:t>= </a:t>
-            </a:r>
-            <a:r>
-              <a:rPr lang="da-DK" sz="1400" dirty="0">
-                <a:solidFill>
-                  <a:schemeClr val="accent6"/>
-                </a:solidFill>
-                <a:latin typeface="DejaVu Sans Book" panose="020B0603030804020204" pitchFamily="34" charset="0"/>
-                <a:ea typeface="DejaVu Sans Book" panose="020B0603030804020204" pitchFamily="34" charset="0"/>
-                <a:cs typeface="DejaVu Sans Book" panose="020B0603030804020204" pitchFamily="34" charset="0"/>
-              </a:rPr>
-              <a:t>"</a:t>
-            </a:r>
-            <a:r>
-              <a:rPr lang="da-DK" sz="1400" dirty="0" err="1">
-                <a:solidFill>
-                  <a:schemeClr val="accent6"/>
-                </a:solidFill>
-                <a:latin typeface="DejaVu Sans Book" panose="020B0603030804020204" pitchFamily="34" charset="0"/>
-                <a:ea typeface="DejaVu Sans Book" panose="020B0603030804020204" pitchFamily="34" charset="0"/>
-                <a:cs typeface="DejaVu Sans Book" panose="020B0603030804020204" pitchFamily="34" charset="0"/>
-              </a:rPr>
-              <a:t>abcdefghijkl</a:t>
-            </a:r>
-            <a:r>
-              <a:rPr lang="da-DK" sz="1400" dirty="0">
-                <a:solidFill>
-                  <a:schemeClr val="accent6"/>
-                </a:solidFill>
-                <a:latin typeface="DejaVu Sans Book" panose="020B0603030804020204" pitchFamily="34" charset="0"/>
-                <a:ea typeface="DejaVu Sans Book" panose="020B0603030804020204" pitchFamily="34" charset="0"/>
-                <a:cs typeface="DejaVu Sans Book" panose="020B0603030804020204" pitchFamily="34" charset="0"/>
-              </a:rPr>
-              <a:t>"</a:t>
-            </a:r>
-          </a:p>
-        </p:txBody>
-      </p:sp>
-      <p:cxnSp>
-        <p:nvCxnSpPr>
-          <p:cNvPr id="11" name="Straight Connector 10">
-            <a:extLst>
-              <a:ext uri="{FF2B5EF4-FFF2-40B4-BE49-F238E27FC236}">
-                <a16:creationId xmlns:a16="http://schemas.microsoft.com/office/drawing/2014/main" id="{43A35C5C-6344-6E43-8A27-C7973D85C453}"/>
-              </a:ext>
-            </a:extLst>
-          </p:cNvPr>
-          <p:cNvCxnSpPr>
-            <a:cxnSpLocks/>
-          </p:cNvCxnSpPr>
-          <p:nvPr/>
-        </p:nvCxnSpPr>
-        <p:spPr>
-          <a:xfrm>
-            <a:off x="5157614" y="1850267"/>
-            <a:ext cx="0" cy="4128437"/>
-          </a:xfrm>
-          <a:prstGeom prst="line">
-            <a:avLst/>
-          </a:prstGeom>
-        </p:spPr>
-        <p:style>
-          <a:lnRef idx="1">
-            <a:schemeClr val="accent1"/>
-          </a:lnRef>
-          <a:fillRef idx="0">
-            <a:schemeClr val="accent1"/>
-          </a:fillRef>
-          <a:effectRef idx="0">
-            <a:schemeClr val="accent1"/>
-          </a:effectRef>
-          <a:fontRef idx="minor">
-            <a:schemeClr val="tx1"/>
-          </a:fontRef>
-        </p:style>
-      </p:cxnSp>
-      <p:cxnSp>
-        <p:nvCxnSpPr>
-          <p:cNvPr id="12" name="Straight Connector 11">
-            <a:extLst>
-              <a:ext uri="{FF2B5EF4-FFF2-40B4-BE49-F238E27FC236}">
-                <a16:creationId xmlns:a16="http://schemas.microsoft.com/office/drawing/2014/main" id="{6E1D33A4-76E2-D446-BCF7-493D38BDAC2A}"/>
-              </a:ext>
-            </a:extLst>
-          </p:cNvPr>
-          <p:cNvCxnSpPr>
-            <a:cxnSpLocks/>
-          </p:cNvCxnSpPr>
-          <p:nvPr/>
-        </p:nvCxnSpPr>
-        <p:spPr>
-          <a:xfrm>
-            <a:off x="7178002" y="1850267"/>
-            <a:ext cx="0" cy="4128437"/>
-          </a:xfrm>
-          <a:prstGeom prst="line">
-            <a:avLst/>
-          </a:prstGeom>
-        </p:spPr>
-        <p:style>
-          <a:lnRef idx="1">
-            <a:schemeClr val="accent1"/>
-          </a:lnRef>
-          <a:fillRef idx="0">
-            <a:schemeClr val="accent1"/>
-          </a:fillRef>
-          <a:effectRef idx="0">
-            <a:schemeClr val="accent1"/>
-          </a:effectRef>
-          <a:fontRef idx="minor">
-            <a:schemeClr val="tx1"/>
-          </a:fontRef>
-        </p:style>
-      </p:cxnSp>
-      <p:cxnSp>
-        <p:nvCxnSpPr>
-          <p:cNvPr id="13" name="Straight Connector 12">
-            <a:extLst>
-              <a:ext uri="{FF2B5EF4-FFF2-40B4-BE49-F238E27FC236}">
-                <a16:creationId xmlns:a16="http://schemas.microsoft.com/office/drawing/2014/main" id="{A6BCB359-E1FE-8644-8A87-5185D54A1DFC}"/>
-              </a:ext>
-            </a:extLst>
-          </p:cNvPr>
-          <p:cNvCxnSpPr>
-            <a:cxnSpLocks/>
-          </p:cNvCxnSpPr>
-          <p:nvPr/>
-        </p:nvCxnSpPr>
-        <p:spPr>
-          <a:xfrm>
-            <a:off x="838200" y="1850267"/>
-            <a:ext cx="0" cy="4128437"/>
-          </a:xfrm>
-          <a:prstGeom prst="line">
-            <a:avLst/>
-          </a:prstGeom>
-        </p:spPr>
-        <p:style>
-          <a:lnRef idx="1">
-            <a:schemeClr val="accent1"/>
-          </a:lnRef>
-          <a:fillRef idx="0">
-            <a:schemeClr val="accent1"/>
-          </a:fillRef>
-          <a:effectRef idx="0">
-            <a:schemeClr val="accent1"/>
-          </a:effectRef>
-          <a:fontRef idx="minor">
-            <a:schemeClr val="tx1"/>
-          </a:fontRef>
-        </p:style>
-      </p:cxnSp>
-      <p:sp>
-        <p:nvSpPr>
-          <p:cNvPr id="14" name="TextBox 13">
-            <a:extLst>
-              <a:ext uri="{FF2B5EF4-FFF2-40B4-BE49-F238E27FC236}">
-                <a16:creationId xmlns:a16="http://schemas.microsoft.com/office/drawing/2014/main" id="{CA0AD8F8-6AC5-F246-B713-7DC57433057B}"/>
-              </a:ext>
-            </a:extLst>
-          </p:cNvPr>
-          <p:cNvSpPr txBox="1"/>
-          <p:nvPr/>
-        </p:nvSpPr>
-        <p:spPr>
-          <a:xfrm>
-            <a:off x="838200" y="1937208"/>
-            <a:ext cx="777777" cy="369332"/>
-          </a:xfrm>
-          <a:prstGeom prst="rect">
-            <a:avLst/>
-          </a:prstGeom>
-          <a:noFill/>
-        </p:spPr>
-        <p:txBody>
-          <a:bodyPr wrap="none" rtlCol="0">
-            <a:spAutoFit/>
-          </a:bodyPr>
-          <a:lstStyle/>
-          <a:p>
-            <a:r>
-              <a:rPr lang="en-GB" dirty="0"/>
-              <a:t>Slicing</a:t>
-            </a:r>
-          </a:p>
-        </p:txBody>
-      </p:sp>
-      <p:sp>
-        <p:nvSpPr>
-          <p:cNvPr id="15" name="TextBox 14">
-            <a:extLst>
-              <a:ext uri="{FF2B5EF4-FFF2-40B4-BE49-F238E27FC236}">
-                <a16:creationId xmlns:a16="http://schemas.microsoft.com/office/drawing/2014/main" id="{8356B932-90E4-6C44-AD0B-6FB04415C606}"/>
-              </a:ext>
-            </a:extLst>
-          </p:cNvPr>
-          <p:cNvSpPr txBox="1"/>
-          <p:nvPr/>
-        </p:nvSpPr>
-        <p:spPr>
-          <a:xfrm>
-            <a:off x="5157623" y="1691205"/>
-            <a:ext cx="1920859" cy="646331"/>
-          </a:xfrm>
-          <a:prstGeom prst="rect">
-            <a:avLst/>
-          </a:prstGeom>
-          <a:noFill/>
-        </p:spPr>
-        <p:txBody>
-          <a:bodyPr wrap="square" rtlCol="0">
-            <a:spAutoFit/>
-          </a:bodyPr>
-          <a:lstStyle/>
-          <a:p>
-            <a:r>
-              <a:rPr lang="en-GB" dirty="0" err="1"/>
-              <a:t>Boolske</a:t>
-            </a:r>
-            <a:r>
-              <a:rPr lang="en-GB" dirty="0"/>
-              <a:t> </a:t>
-            </a:r>
-            <a:r>
-              <a:rPr lang="en-GB" dirty="0" err="1"/>
-              <a:t>værdier</a:t>
-            </a:r>
-            <a:r>
-              <a:rPr lang="en-GB" dirty="0"/>
-              <a:t> </a:t>
-            </a:r>
-            <a:r>
-              <a:rPr lang="en-GB" dirty="0" err="1"/>
-              <a:t>og</a:t>
-            </a:r>
-            <a:r>
-              <a:rPr lang="en-GB" dirty="0"/>
-              <a:t> </a:t>
-            </a:r>
-            <a:r>
-              <a:rPr lang="en-GB" dirty="0" err="1"/>
-              <a:t>operatorer</a:t>
-            </a:r>
-            <a:endParaRPr lang="en-GB" dirty="0"/>
-          </a:p>
-        </p:txBody>
-      </p:sp>
-      <p:sp>
-        <p:nvSpPr>
-          <p:cNvPr id="16" name="TextBox 15">
-            <a:extLst>
-              <a:ext uri="{FF2B5EF4-FFF2-40B4-BE49-F238E27FC236}">
-                <a16:creationId xmlns:a16="http://schemas.microsoft.com/office/drawing/2014/main" id="{36C8B54D-CEC3-1245-A005-C594C8FC7D7D}"/>
-              </a:ext>
-            </a:extLst>
-          </p:cNvPr>
-          <p:cNvSpPr txBox="1"/>
-          <p:nvPr/>
-        </p:nvSpPr>
-        <p:spPr>
-          <a:xfrm>
-            <a:off x="7178002" y="1937208"/>
-            <a:ext cx="1821011" cy="369332"/>
-          </a:xfrm>
-          <a:prstGeom prst="rect">
-            <a:avLst/>
-          </a:prstGeom>
-          <a:noFill/>
-        </p:spPr>
-        <p:txBody>
-          <a:bodyPr wrap="none" rtlCol="0">
-            <a:spAutoFit/>
-          </a:bodyPr>
-          <a:lstStyle/>
-          <a:p>
-            <a:r>
-              <a:rPr lang="en-GB" dirty="0" err="1"/>
-              <a:t>Sammenligninger</a:t>
-            </a:r>
-            <a:endParaRPr lang="en-GB" dirty="0"/>
-          </a:p>
-        </p:txBody>
-      </p:sp>
-      <p:cxnSp>
-        <p:nvCxnSpPr>
-          <p:cNvPr id="17" name="Straight Connector 16">
-            <a:extLst>
-              <a:ext uri="{FF2B5EF4-FFF2-40B4-BE49-F238E27FC236}">
-                <a16:creationId xmlns:a16="http://schemas.microsoft.com/office/drawing/2014/main" id="{AEDB743F-031F-3046-8837-DC14E6C7782F}"/>
-              </a:ext>
-            </a:extLst>
-          </p:cNvPr>
-          <p:cNvCxnSpPr>
-            <a:cxnSpLocks/>
-          </p:cNvCxnSpPr>
-          <p:nvPr/>
-        </p:nvCxnSpPr>
-        <p:spPr>
-          <a:xfrm>
-            <a:off x="838200" y="2364376"/>
-            <a:ext cx="10515600" cy="0"/>
-          </a:xfrm>
-          <a:prstGeom prst="line">
-            <a:avLst/>
-          </a:prstGeom>
-        </p:spPr>
-        <p:style>
-          <a:lnRef idx="1">
-            <a:schemeClr val="accent1"/>
-          </a:lnRef>
-          <a:fillRef idx="0">
-            <a:schemeClr val="accent1"/>
-          </a:fillRef>
-          <a:effectRef idx="0">
-            <a:schemeClr val="accent1"/>
-          </a:effectRef>
-          <a:fontRef idx="minor">
-            <a:schemeClr val="tx1"/>
-          </a:fontRef>
-        </p:style>
-      </p:cxnSp>
-      <p:sp>
-        <p:nvSpPr>
-          <p:cNvPr id="18" name="Content Placeholder 2">
-            <a:extLst>
-              <a:ext uri="{FF2B5EF4-FFF2-40B4-BE49-F238E27FC236}">
-                <a16:creationId xmlns:a16="http://schemas.microsoft.com/office/drawing/2014/main" id="{D8D60602-7CDD-0B4A-8E36-293CE7E1ACE0}"/>
-              </a:ext>
-            </a:extLst>
-          </p:cNvPr>
-          <p:cNvSpPr txBox="1">
-            <a:spLocks/>
-          </p:cNvSpPr>
-          <p:nvPr/>
-        </p:nvSpPr>
-        <p:spPr>
-          <a:xfrm>
-            <a:off x="5113518" y="2455815"/>
-            <a:ext cx="1964964" cy="3373392"/>
-          </a:xfrm>
-          <a:prstGeom prst="rect">
-            <a:avLst/>
-          </a:prstGeom>
-        </p:spPr>
-        <p:txBody>
-          <a:bodyPr vert="horz" lIns="91440" tIns="45720" rIns="91440" bIns="45720" rtlCol="0">
-            <a:normAutofit/>
-          </a:bodyPr>
-          <a:lstStyle>
-            <a:lvl1pPr marL="228600" indent="-228600" algn="l" defTabSz="914400" rtl="0" eaLnBrk="1" latinLnBrk="0" hangingPunct="1">
-              <a:lnSpc>
-                <a:spcPct val="90000"/>
-              </a:lnSpc>
-              <a:spcBef>
-                <a:spcPts val="1000"/>
-              </a:spcBef>
-              <a:buFont typeface="Arial" panose="020B0604020202020204" pitchFamily="34" charset="0"/>
-              <a:buChar char="•"/>
-              <a:defRPr sz="2800" kern="1200">
-                <a:solidFill>
-                  <a:schemeClr val="tx1"/>
-                </a:solidFill>
-                <a:latin typeface="+mn-lt"/>
-                <a:ea typeface="+mn-ea"/>
-                <a:cs typeface="+mn-cs"/>
-              </a:defRPr>
-            </a:lvl1pPr>
-            <a:lvl2pPr marL="685800" indent="-228600" algn="l" defTabSz="914400" rtl="0" eaLnBrk="1" latinLnBrk="0" hangingPunct="1">
-              <a:lnSpc>
-                <a:spcPct val="90000"/>
-              </a:lnSpc>
-              <a:spcBef>
-                <a:spcPts val="500"/>
-              </a:spcBef>
-              <a:buFont typeface="Arial" panose="020B0604020202020204" pitchFamily="34" charset="0"/>
-              <a:buChar char="•"/>
-              <a:defRPr sz="2400" kern="1200">
-                <a:solidFill>
-                  <a:schemeClr val="tx1"/>
-                </a:solidFill>
-                <a:latin typeface="+mn-lt"/>
-                <a:ea typeface="+mn-ea"/>
-                <a:cs typeface="+mn-cs"/>
-              </a:defRPr>
-            </a:lvl2pPr>
-            <a:lvl3pPr marL="1143000" indent="-228600" algn="l" defTabSz="914400" rtl="0" eaLnBrk="1" latinLnBrk="0" hangingPunct="1">
-              <a:lnSpc>
-                <a:spcPct val="90000"/>
-              </a:lnSpc>
-              <a:spcBef>
-                <a:spcPts val="500"/>
-              </a:spcBef>
-              <a:buFont typeface="Arial" panose="020B0604020202020204" pitchFamily="34" charset="0"/>
-              <a:buChar char="•"/>
-              <a:defRPr sz="2000" kern="1200">
-                <a:solidFill>
-                  <a:schemeClr val="tx1"/>
-                </a:solidFill>
-                <a:latin typeface="+mn-lt"/>
-                <a:ea typeface="+mn-ea"/>
-                <a:cs typeface="+mn-cs"/>
-              </a:defRPr>
-            </a:lvl3pPr>
-            <a:lvl4pPr marL="1600200" indent="-228600" algn="l" defTabSz="914400" rtl="0" eaLnBrk="1" latinLnBrk="0" hangingPunct="1">
-              <a:lnSpc>
-                <a:spcPct val="90000"/>
-              </a:lnSpc>
-              <a:spcBef>
-                <a:spcPts val="500"/>
-              </a:spcBef>
-              <a:buFont typeface="Arial" panose="020B0604020202020204" pitchFamily="34" charset="0"/>
-              <a:buChar char="•"/>
-              <a:defRPr sz="1800" kern="1200">
-                <a:solidFill>
-                  <a:schemeClr val="tx1"/>
-                </a:solidFill>
-                <a:latin typeface="+mn-lt"/>
-                <a:ea typeface="+mn-ea"/>
-                <a:cs typeface="+mn-cs"/>
-              </a:defRPr>
-            </a:lvl4pPr>
-            <a:lvl5pPr marL="2057400" indent="-228600" algn="l" defTabSz="914400" rtl="0" eaLnBrk="1" latinLnBrk="0" hangingPunct="1">
-              <a:lnSpc>
-                <a:spcPct val="90000"/>
-              </a:lnSpc>
-              <a:spcBef>
-                <a:spcPts val="500"/>
-              </a:spcBef>
-              <a:buFont typeface="Arial" panose="020B0604020202020204" pitchFamily="34" charset="0"/>
-              <a:buChar char="•"/>
-              <a:defRPr sz="1800" kern="1200">
-                <a:solidFill>
-                  <a:schemeClr val="tx1"/>
-                </a:solidFill>
-                <a:latin typeface="+mn-lt"/>
-                <a:ea typeface="+mn-ea"/>
-                <a:cs typeface="+mn-cs"/>
-              </a:defRPr>
-            </a:lvl5pPr>
-            <a:lvl6pPr marL="2514600" indent="-228600" algn="l" defTabSz="914400" rtl="0" eaLnBrk="1" latinLnBrk="0" hangingPunct="1">
-              <a:lnSpc>
-                <a:spcPct val="90000"/>
-              </a:lnSpc>
-              <a:spcBef>
-                <a:spcPts val="500"/>
-              </a:spcBef>
-              <a:buFont typeface="Arial" panose="020B0604020202020204" pitchFamily="34" charset="0"/>
-              <a:buChar char="•"/>
-              <a:defRPr sz="1800" kern="1200">
-                <a:solidFill>
-                  <a:schemeClr val="tx1"/>
-                </a:solidFill>
-                <a:latin typeface="+mn-lt"/>
-                <a:ea typeface="+mn-ea"/>
-                <a:cs typeface="+mn-cs"/>
-              </a:defRPr>
-            </a:lvl6pPr>
-            <a:lvl7pPr marL="2971800" indent="-228600" algn="l" defTabSz="914400" rtl="0" eaLnBrk="1" latinLnBrk="0" hangingPunct="1">
-              <a:lnSpc>
-                <a:spcPct val="90000"/>
-              </a:lnSpc>
-              <a:spcBef>
-                <a:spcPts val="500"/>
-              </a:spcBef>
-              <a:buFont typeface="Arial" panose="020B0604020202020204" pitchFamily="34" charset="0"/>
-              <a:buChar char="•"/>
-              <a:defRPr sz="1800" kern="1200">
-                <a:solidFill>
-                  <a:schemeClr val="tx1"/>
-                </a:solidFill>
-                <a:latin typeface="+mn-lt"/>
-                <a:ea typeface="+mn-ea"/>
-                <a:cs typeface="+mn-cs"/>
-              </a:defRPr>
-            </a:lvl7pPr>
-            <a:lvl8pPr marL="3429000" indent="-228600" algn="l" defTabSz="914400" rtl="0" eaLnBrk="1" latinLnBrk="0" hangingPunct="1">
-              <a:lnSpc>
-                <a:spcPct val="90000"/>
-              </a:lnSpc>
-              <a:spcBef>
-                <a:spcPts val="500"/>
-              </a:spcBef>
-              <a:buFont typeface="Arial" panose="020B0604020202020204" pitchFamily="34" charset="0"/>
-              <a:buChar char="•"/>
-              <a:defRPr sz="1800" kern="1200">
-                <a:solidFill>
-                  <a:schemeClr val="tx1"/>
-                </a:solidFill>
-                <a:latin typeface="+mn-lt"/>
-                <a:ea typeface="+mn-ea"/>
-                <a:cs typeface="+mn-cs"/>
-              </a:defRPr>
-            </a:lvl8pPr>
-            <a:lvl9pPr marL="3886200" indent="-228600" algn="l" defTabSz="914400" rtl="0" eaLnBrk="1" latinLnBrk="0" hangingPunct="1">
-              <a:lnSpc>
-                <a:spcPct val="90000"/>
-              </a:lnSpc>
-              <a:spcBef>
-                <a:spcPts val="500"/>
-              </a:spcBef>
-              <a:buFont typeface="Arial" panose="020B0604020202020204" pitchFamily="34" charset="0"/>
-              <a:buChar char="•"/>
-              <a:defRPr sz="1800" kern="1200">
-                <a:solidFill>
-                  <a:schemeClr val="tx1"/>
-                </a:solidFill>
-                <a:latin typeface="+mn-lt"/>
-                <a:ea typeface="+mn-ea"/>
-                <a:cs typeface="+mn-cs"/>
-              </a:defRPr>
-            </a:lvl9pPr>
-          </a:lstStyle>
-          <a:p>
-            <a:pPr marL="0" indent="0">
-              <a:lnSpc>
-                <a:spcPct val="100000"/>
-              </a:lnSpc>
-              <a:buNone/>
-            </a:pPr>
-            <a:r>
-              <a:rPr lang="en-GB" sz="1400" dirty="0">
-                <a:latin typeface="DejaVu Sans Book" panose="020B0603030804020204" pitchFamily="34" charset="0"/>
-                <a:ea typeface="DejaVu Sans Book" panose="020B0603030804020204" pitchFamily="34" charset="0"/>
-                <a:cs typeface="DejaVu Sans Book" panose="020B0603030804020204" pitchFamily="34" charset="0"/>
-              </a:rPr>
-              <a:t>true = 1</a:t>
-            </a:r>
-          </a:p>
-          <a:p>
-            <a:pPr marL="0" indent="0">
-              <a:lnSpc>
-                <a:spcPct val="100000"/>
-              </a:lnSpc>
-              <a:buNone/>
-            </a:pPr>
-            <a:r>
-              <a:rPr lang="en-GB" sz="1400" dirty="0">
-                <a:latin typeface="DejaVu Sans Book" panose="020B0603030804020204" pitchFamily="34" charset="0"/>
-                <a:ea typeface="DejaVu Sans Book" panose="020B0603030804020204" pitchFamily="34" charset="0"/>
-                <a:cs typeface="DejaVu Sans Book" panose="020B0603030804020204" pitchFamily="34" charset="0"/>
-              </a:rPr>
-              <a:t>false = 0</a:t>
-            </a:r>
-          </a:p>
-          <a:p>
-            <a:pPr marL="0" indent="0">
-              <a:lnSpc>
-                <a:spcPct val="100000"/>
-              </a:lnSpc>
-              <a:buNone/>
-            </a:pPr>
-            <a:r>
-              <a:rPr lang="en-GB" sz="1400" dirty="0">
-                <a:latin typeface="DejaVu Sans Book" panose="020B0603030804020204" pitchFamily="34" charset="0"/>
-                <a:ea typeface="DejaVu Sans Book" panose="020B0603030804020204" pitchFamily="34" charset="0"/>
-                <a:cs typeface="DejaVu Sans Book" panose="020B0603030804020204" pitchFamily="34" charset="0"/>
-              </a:rPr>
-              <a:t>a &amp;&amp; b</a:t>
-            </a:r>
-          </a:p>
-          <a:p>
-            <a:pPr marL="0" indent="0">
-              <a:lnSpc>
-                <a:spcPct val="100000"/>
-              </a:lnSpc>
-              <a:buNone/>
-            </a:pPr>
-            <a:r>
-              <a:rPr lang="en-GB" sz="1400" dirty="0">
-                <a:latin typeface="DejaVu Sans Book" panose="020B0603030804020204" pitchFamily="34" charset="0"/>
-                <a:ea typeface="DejaVu Sans Book" panose="020B0603030804020204" pitchFamily="34" charset="0"/>
-                <a:cs typeface="DejaVu Sans Book" panose="020B0603030804020204" pitchFamily="34" charset="0"/>
-              </a:rPr>
-              <a:t>a || b</a:t>
-            </a:r>
-          </a:p>
-          <a:p>
-            <a:pPr marL="0" indent="0">
-              <a:lnSpc>
-                <a:spcPct val="100000"/>
-              </a:lnSpc>
-              <a:buNone/>
-            </a:pPr>
-            <a:r>
-              <a:rPr lang="en-GB" sz="1400" dirty="0">
-                <a:latin typeface="DejaVu Sans Book" panose="020B0603030804020204" pitchFamily="34" charset="0"/>
-                <a:ea typeface="DejaVu Sans Book" panose="020B0603030804020204" pitchFamily="34" charset="0"/>
-                <a:cs typeface="DejaVu Sans Book" panose="020B0603030804020204" pitchFamily="34" charset="0"/>
-              </a:rPr>
-              <a:t>not a</a:t>
-            </a:r>
-            <a:endParaRPr lang="en-GB" sz="1400" u="sng" dirty="0">
-              <a:latin typeface="DejaVu Sans Book" panose="020B0603030804020204" pitchFamily="34" charset="0"/>
-              <a:ea typeface="DejaVu Sans Book" panose="020B0603030804020204" pitchFamily="34" charset="0"/>
-              <a:cs typeface="DejaVu Sans Book" panose="020B0603030804020204" pitchFamily="34" charset="0"/>
-            </a:endParaRPr>
-          </a:p>
-        </p:txBody>
-      </p:sp>
-      <p:sp>
-        <p:nvSpPr>
-          <p:cNvPr id="19" name="Content Placeholder 2">
-            <a:extLst>
-              <a:ext uri="{FF2B5EF4-FFF2-40B4-BE49-F238E27FC236}">
-                <a16:creationId xmlns:a16="http://schemas.microsoft.com/office/drawing/2014/main" id="{5262AE0A-9828-7445-AA6C-476F973328F1}"/>
-              </a:ext>
-            </a:extLst>
-          </p:cNvPr>
-          <p:cNvSpPr txBox="1">
-            <a:spLocks/>
-          </p:cNvSpPr>
-          <p:nvPr/>
-        </p:nvSpPr>
-        <p:spPr>
-          <a:xfrm>
-            <a:off x="7183609" y="2448340"/>
-            <a:ext cx="1964964" cy="3373392"/>
-          </a:xfrm>
-          <a:prstGeom prst="rect">
-            <a:avLst/>
-          </a:prstGeom>
-        </p:spPr>
-        <p:txBody>
-          <a:bodyPr vert="horz" lIns="91440" tIns="45720" rIns="91440" bIns="45720" rtlCol="0">
-            <a:normAutofit/>
-          </a:bodyPr>
-          <a:lstStyle>
-            <a:lvl1pPr marL="228600" indent="-228600" algn="l" defTabSz="914400" rtl="0" eaLnBrk="1" latinLnBrk="0" hangingPunct="1">
-              <a:lnSpc>
-                <a:spcPct val="90000"/>
-              </a:lnSpc>
-              <a:spcBef>
-                <a:spcPts val="1000"/>
-              </a:spcBef>
-              <a:buFont typeface="Arial" panose="020B0604020202020204" pitchFamily="34" charset="0"/>
-              <a:buChar char="•"/>
-              <a:defRPr sz="2800" kern="1200">
-                <a:solidFill>
-                  <a:schemeClr val="tx1"/>
-                </a:solidFill>
-                <a:latin typeface="+mn-lt"/>
-                <a:ea typeface="+mn-ea"/>
-                <a:cs typeface="+mn-cs"/>
-              </a:defRPr>
-            </a:lvl1pPr>
-            <a:lvl2pPr marL="685800" indent="-228600" algn="l" defTabSz="914400" rtl="0" eaLnBrk="1" latinLnBrk="0" hangingPunct="1">
-              <a:lnSpc>
-                <a:spcPct val="90000"/>
-              </a:lnSpc>
-              <a:spcBef>
-                <a:spcPts val="500"/>
-              </a:spcBef>
-              <a:buFont typeface="Arial" panose="020B0604020202020204" pitchFamily="34" charset="0"/>
-              <a:buChar char="•"/>
-              <a:defRPr sz="2400" kern="1200">
-                <a:solidFill>
-                  <a:schemeClr val="tx1"/>
-                </a:solidFill>
-                <a:latin typeface="+mn-lt"/>
-                <a:ea typeface="+mn-ea"/>
-                <a:cs typeface="+mn-cs"/>
-              </a:defRPr>
-            </a:lvl2pPr>
-            <a:lvl3pPr marL="1143000" indent="-228600" algn="l" defTabSz="914400" rtl="0" eaLnBrk="1" latinLnBrk="0" hangingPunct="1">
-              <a:lnSpc>
-                <a:spcPct val="90000"/>
-              </a:lnSpc>
-              <a:spcBef>
-                <a:spcPts val="500"/>
-              </a:spcBef>
-              <a:buFont typeface="Arial" panose="020B0604020202020204" pitchFamily="34" charset="0"/>
-              <a:buChar char="•"/>
-              <a:defRPr sz="2000" kern="1200">
-                <a:solidFill>
-                  <a:schemeClr val="tx1"/>
-                </a:solidFill>
-                <a:latin typeface="+mn-lt"/>
-                <a:ea typeface="+mn-ea"/>
-                <a:cs typeface="+mn-cs"/>
-              </a:defRPr>
-            </a:lvl3pPr>
-            <a:lvl4pPr marL="1600200" indent="-228600" algn="l" defTabSz="914400" rtl="0" eaLnBrk="1" latinLnBrk="0" hangingPunct="1">
-              <a:lnSpc>
-                <a:spcPct val="90000"/>
-              </a:lnSpc>
-              <a:spcBef>
-                <a:spcPts val="500"/>
-              </a:spcBef>
-              <a:buFont typeface="Arial" panose="020B0604020202020204" pitchFamily="34" charset="0"/>
-              <a:buChar char="•"/>
-              <a:defRPr sz="1800" kern="1200">
-                <a:solidFill>
-                  <a:schemeClr val="tx1"/>
-                </a:solidFill>
-                <a:latin typeface="+mn-lt"/>
-                <a:ea typeface="+mn-ea"/>
-                <a:cs typeface="+mn-cs"/>
-              </a:defRPr>
-            </a:lvl4pPr>
-            <a:lvl5pPr marL="2057400" indent="-228600" algn="l" defTabSz="914400" rtl="0" eaLnBrk="1" latinLnBrk="0" hangingPunct="1">
-              <a:lnSpc>
-                <a:spcPct val="90000"/>
-              </a:lnSpc>
-              <a:spcBef>
-                <a:spcPts val="500"/>
-              </a:spcBef>
-              <a:buFont typeface="Arial" panose="020B0604020202020204" pitchFamily="34" charset="0"/>
-              <a:buChar char="•"/>
-              <a:defRPr sz="1800" kern="1200">
-                <a:solidFill>
-                  <a:schemeClr val="tx1"/>
-                </a:solidFill>
-                <a:latin typeface="+mn-lt"/>
-                <a:ea typeface="+mn-ea"/>
-                <a:cs typeface="+mn-cs"/>
-              </a:defRPr>
-            </a:lvl5pPr>
-            <a:lvl6pPr marL="2514600" indent="-228600" algn="l" defTabSz="914400" rtl="0" eaLnBrk="1" latinLnBrk="0" hangingPunct="1">
-              <a:lnSpc>
-                <a:spcPct val="90000"/>
-              </a:lnSpc>
-              <a:spcBef>
-                <a:spcPts val="500"/>
-              </a:spcBef>
-              <a:buFont typeface="Arial" panose="020B0604020202020204" pitchFamily="34" charset="0"/>
-              <a:buChar char="•"/>
-              <a:defRPr sz="1800" kern="1200">
-                <a:solidFill>
-                  <a:schemeClr val="tx1"/>
-                </a:solidFill>
-                <a:latin typeface="+mn-lt"/>
-                <a:ea typeface="+mn-ea"/>
-                <a:cs typeface="+mn-cs"/>
-              </a:defRPr>
-            </a:lvl6pPr>
-            <a:lvl7pPr marL="2971800" indent="-228600" algn="l" defTabSz="914400" rtl="0" eaLnBrk="1" latinLnBrk="0" hangingPunct="1">
-              <a:lnSpc>
-                <a:spcPct val="90000"/>
-              </a:lnSpc>
-              <a:spcBef>
-                <a:spcPts val="500"/>
-              </a:spcBef>
-              <a:buFont typeface="Arial" panose="020B0604020202020204" pitchFamily="34" charset="0"/>
-              <a:buChar char="•"/>
-              <a:defRPr sz="1800" kern="1200">
-                <a:solidFill>
-                  <a:schemeClr val="tx1"/>
-                </a:solidFill>
-                <a:latin typeface="+mn-lt"/>
-                <a:ea typeface="+mn-ea"/>
-                <a:cs typeface="+mn-cs"/>
-              </a:defRPr>
-            </a:lvl7pPr>
-            <a:lvl8pPr marL="3429000" indent="-228600" algn="l" defTabSz="914400" rtl="0" eaLnBrk="1" latinLnBrk="0" hangingPunct="1">
-              <a:lnSpc>
-                <a:spcPct val="90000"/>
-              </a:lnSpc>
-              <a:spcBef>
-                <a:spcPts val="500"/>
-              </a:spcBef>
-              <a:buFont typeface="Arial" panose="020B0604020202020204" pitchFamily="34" charset="0"/>
-              <a:buChar char="•"/>
-              <a:defRPr sz="1800" kern="1200">
-                <a:solidFill>
-                  <a:schemeClr val="tx1"/>
-                </a:solidFill>
-                <a:latin typeface="+mn-lt"/>
-                <a:ea typeface="+mn-ea"/>
-                <a:cs typeface="+mn-cs"/>
-              </a:defRPr>
-            </a:lvl8pPr>
-            <a:lvl9pPr marL="3886200" indent="-228600" algn="l" defTabSz="914400" rtl="0" eaLnBrk="1" latinLnBrk="0" hangingPunct="1">
-              <a:lnSpc>
-                <a:spcPct val="90000"/>
-              </a:lnSpc>
-              <a:spcBef>
-                <a:spcPts val="500"/>
-              </a:spcBef>
-              <a:buFont typeface="Arial" panose="020B0604020202020204" pitchFamily="34" charset="0"/>
-              <a:buChar char="•"/>
-              <a:defRPr sz="1800" kern="1200">
-                <a:solidFill>
-                  <a:schemeClr val="tx1"/>
-                </a:solidFill>
-                <a:latin typeface="+mn-lt"/>
-                <a:ea typeface="+mn-ea"/>
-                <a:cs typeface="+mn-cs"/>
-              </a:defRPr>
-            </a:lvl9pPr>
-          </a:lstStyle>
-          <a:p>
-            <a:pPr marL="0" indent="0">
-              <a:lnSpc>
-                <a:spcPct val="100000"/>
-              </a:lnSpc>
-              <a:buNone/>
-            </a:pPr>
-            <a:r>
-              <a:rPr lang="en-GB" sz="1400" dirty="0">
-                <a:latin typeface="DejaVu Sans Book" panose="020B0603030804020204" pitchFamily="34" charset="0"/>
-                <a:ea typeface="DejaVu Sans Book" panose="020B0603030804020204" pitchFamily="34" charset="0"/>
-                <a:cs typeface="DejaVu Sans Book" panose="020B0603030804020204" pitchFamily="34" charset="0"/>
-              </a:rPr>
-              <a:t>3 &lt; 4</a:t>
-            </a:r>
-          </a:p>
-          <a:p>
-            <a:pPr marL="0" indent="0">
-              <a:lnSpc>
-                <a:spcPct val="100000"/>
-              </a:lnSpc>
-              <a:buNone/>
-            </a:pPr>
-            <a:r>
-              <a:rPr lang="en-GB" sz="1400" dirty="0">
-                <a:latin typeface="DejaVu Sans Book" panose="020B0603030804020204" pitchFamily="34" charset="0"/>
-                <a:ea typeface="DejaVu Sans Book" panose="020B0603030804020204" pitchFamily="34" charset="0"/>
-                <a:cs typeface="DejaVu Sans Book" panose="020B0603030804020204" pitchFamily="34" charset="0"/>
-              </a:rPr>
-              <a:t>3 &gt; 4</a:t>
-            </a:r>
-          </a:p>
-          <a:p>
-            <a:pPr marL="0" indent="0">
-              <a:lnSpc>
-                <a:spcPct val="100000"/>
-              </a:lnSpc>
-              <a:buNone/>
-            </a:pPr>
-            <a:r>
-              <a:rPr lang="en-GB" sz="1400" dirty="0">
-                <a:latin typeface="DejaVu Sans Book" panose="020B0603030804020204" pitchFamily="34" charset="0"/>
-                <a:ea typeface="DejaVu Sans Book" panose="020B0603030804020204" pitchFamily="34" charset="0"/>
-                <a:cs typeface="DejaVu Sans Book" panose="020B0603030804020204" pitchFamily="34" charset="0"/>
-              </a:rPr>
-              <a:t>3 &lt;&gt; 4</a:t>
-            </a:r>
-          </a:p>
-          <a:p>
-            <a:pPr marL="0" indent="0">
-              <a:lnSpc>
-                <a:spcPct val="100000"/>
-              </a:lnSpc>
-              <a:buNone/>
-            </a:pPr>
-            <a:r>
-              <a:rPr lang="en-GB" sz="1400" dirty="0">
-                <a:latin typeface="DejaVu Sans Book" panose="020B0603030804020204" pitchFamily="34" charset="0"/>
-                <a:ea typeface="DejaVu Sans Book" panose="020B0603030804020204" pitchFamily="34" charset="0"/>
-                <a:cs typeface="DejaVu Sans Book" panose="020B0603030804020204" pitchFamily="34" charset="0"/>
-              </a:rPr>
-              <a:t>3 = 4</a:t>
-            </a:r>
-          </a:p>
-          <a:p>
-            <a:pPr marL="0" indent="0">
-              <a:lnSpc>
-                <a:spcPct val="100000"/>
-              </a:lnSpc>
-              <a:buNone/>
-            </a:pPr>
-            <a:r>
-              <a:rPr lang="en-GB" sz="1400" dirty="0">
-                <a:latin typeface="DejaVu Sans Book" panose="020B0603030804020204" pitchFamily="34" charset="0"/>
-                <a:ea typeface="DejaVu Sans Book" panose="020B0603030804020204" pitchFamily="34" charset="0"/>
-                <a:cs typeface="DejaVu Sans Book" panose="020B0603030804020204" pitchFamily="34" charset="0"/>
-              </a:rPr>
-              <a:t>not 3 = 4</a:t>
-            </a:r>
-          </a:p>
-          <a:p>
-            <a:pPr marL="0" indent="0">
-              <a:lnSpc>
-                <a:spcPct val="100000"/>
-              </a:lnSpc>
-              <a:buNone/>
-            </a:pPr>
-            <a:endParaRPr lang="en-GB" sz="1400" dirty="0">
-              <a:latin typeface="DejaVu Sans Book" panose="020B0603030804020204" pitchFamily="34" charset="0"/>
-              <a:ea typeface="DejaVu Sans Book" panose="020B0603030804020204" pitchFamily="34" charset="0"/>
-              <a:cs typeface="DejaVu Sans Book" panose="020B0603030804020204" pitchFamily="34" charset="0"/>
-            </a:endParaRPr>
-          </a:p>
-        </p:txBody>
-      </p:sp>
-      <p:sp>
-        <p:nvSpPr>
-          <p:cNvPr id="22" name="Content Placeholder 2">
-            <a:extLst>
-              <a:ext uri="{FF2B5EF4-FFF2-40B4-BE49-F238E27FC236}">
-                <a16:creationId xmlns:a16="http://schemas.microsoft.com/office/drawing/2014/main" id="{8F054922-E7CB-894D-88AD-1A1F97C05EF0}"/>
-              </a:ext>
-            </a:extLst>
-          </p:cNvPr>
-          <p:cNvSpPr txBox="1">
-            <a:spLocks/>
-          </p:cNvSpPr>
-          <p:nvPr/>
-        </p:nvSpPr>
-        <p:spPr>
-          <a:xfrm>
-            <a:off x="7183609" y="4142511"/>
-            <a:ext cx="1964964" cy="322838"/>
-          </a:xfrm>
-          <a:prstGeom prst="rect">
-            <a:avLst/>
-          </a:prstGeom>
-        </p:spPr>
-        <p:txBody>
-          <a:bodyPr vert="horz" lIns="91440" tIns="45720" rIns="91440" bIns="45720" rtlCol="0">
-            <a:normAutofit fontScale="92500" lnSpcReduction="20000"/>
-          </a:bodyPr>
-          <a:lstStyle>
-            <a:lvl1pPr marL="228600" indent="-228600" algn="l" defTabSz="914400" rtl="0" eaLnBrk="1" latinLnBrk="0" hangingPunct="1">
-              <a:lnSpc>
-                <a:spcPct val="90000"/>
-              </a:lnSpc>
-              <a:spcBef>
-                <a:spcPts val="1000"/>
-              </a:spcBef>
-              <a:buFont typeface="Arial" panose="020B0604020202020204" pitchFamily="34" charset="0"/>
-              <a:buChar char="•"/>
-              <a:defRPr sz="2800" kern="1200">
-                <a:solidFill>
-                  <a:schemeClr val="tx1"/>
-                </a:solidFill>
-                <a:latin typeface="+mn-lt"/>
-                <a:ea typeface="+mn-ea"/>
-                <a:cs typeface="+mn-cs"/>
-              </a:defRPr>
-            </a:lvl1pPr>
-            <a:lvl2pPr marL="685800" indent="-228600" algn="l" defTabSz="914400" rtl="0" eaLnBrk="1" latinLnBrk="0" hangingPunct="1">
-              <a:lnSpc>
-                <a:spcPct val="90000"/>
-              </a:lnSpc>
-              <a:spcBef>
-                <a:spcPts val="500"/>
-              </a:spcBef>
-              <a:buFont typeface="Arial" panose="020B0604020202020204" pitchFamily="34" charset="0"/>
-              <a:buChar char="•"/>
-              <a:defRPr sz="2400" kern="1200">
-                <a:solidFill>
-                  <a:schemeClr val="tx1"/>
-                </a:solidFill>
-                <a:latin typeface="+mn-lt"/>
-                <a:ea typeface="+mn-ea"/>
-                <a:cs typeface="+mn-cs"/>
-              </a:defRPr>
-            </a:lvl2pPr>
-            <a:lvl3pPr marL="1143000" indent="-228600" algn="l" defTabSz="914400" rtl="0" eaLnBrk="1" latinLnBrk="0" hangingPunct="1">
-              <a:lnSpc>
-                <a:spcPct val="90000"/>
-              </a:lnSpc>
-              <a:spcBef>
-                <a:spcPts val="500"/>
-              </a:spcBef>
-              <a:buFont typeface="Arial" panose="020B0604020202020204" pitchFamily="34" charset="0"/>
-              <a:buChar char="•"/>
-              <a:defRPr sz="2000" kern="1200">
-                <a:solidFill>
-                  <a:schemeClr val="tx1"/>
-                </a:solidFill>
-                <a:latin typeface="+mn-lt"/>
-                <a:ea typeface="+mn-ea"/>
-                <a:cs typeface="+mn-cs"/>
-              </a:defRPr>
-            </a:lvl3pPr>
-            <a:lvl4pPr marL="1600200" indent="-228600" algn="l" defTabSz="914400" rtl="0" eaLnBrk="1" latinLnBrk="0" hangingPunct="1">
-              <a:lnSpc>
-                <a:spcPct val="90000"/>
-              </a:lnSpc>
-              <a:spcBef>
-                <a:spcPts val="500"/>
-              </a:spcBef>
-              <a:buFont typeface="Arial" panose="020B0604020202020204" pitchFamily="34" charset="0"/>
-              <a:buChar char="•"/>
-              <a:defRPr sz="1800" kern="1200">
-                <a:solidFill>
-                  <a:schemeClr val="tx1"/>
-                </a:solidFill>
-                <a:latin typeface="+mn-lt"/>
-                <a:ea typeface="+mn-ea"/>
-                <a:cs typeface="+mn-cs"/>
-              </a:defRPr>
-            </a:lvl4pPr>
-            <a:lvl5pPr marL="2057400" indent="-228600" algn="l" defTabSz="914400" rtl="0" eaLnBrk="1" latinLnBrk="0" hangingPunct="1">
-              <a:lnSpc>
-                <a:spcPct val="90000"/>
-              </a:lnSpc>
-              <a:spcBef>
-                <a:spcPts val="500"/>
-              </a:spcBef>
-              <a:buFont typeface="Arial" panose="020B0604020202020204" pitchFamily="34" charset="0"/>
-              <a:buChar char="•"/>
-              <a:defRPr sz="1800" kern="1200">
-                <a:solidFill>
-                  <a:schemeClr val="tx1"/>
-                </a:solidFill>
-                <a:latin typeface="+mn-lt"/>
-                <a:ea typeface="+mn-ea"/>
-                <a:cs typeface="+mn-cs"/>
-              </a:defRPr>
-            </a:lvl5pPr>
-            <a:lvl6pPr marL="2514600" indent="-228600" algn="l" defTabSz="914400" rtl="0" eaLnBrk="1" latinLnBrk="0" hangingPunct="1">
-              <a:lnSpc>
-                <a:spcPct val="90000"/>
-              </a:lnSpc>
-              <a:spcBef>
-                <a:spcPts val="500"/>
-              </a:spcBef>
-              <a:buFont typeface="Arial" panose="020B0604020202020204" pitchFamily="34" charset="0"/>
-              <a:buChar char="•"/>
-              <a:defRPr sz="1800" kern="1200">
-                <a:solidFill>
-                  <a:schemeClr val="tx1"/>
-                </a:solidFill>
-                <a:latin typeface="+mn-lt"/>
-                <a:ea typeface="+mn-ea"/>
-                <a:cs typeface="+mn-cs"/>
-              </a:defRPr>
-            </a:lvl6pPr>
-            <a:lvl7pPr marL="2971800" indent="-228600" algn="l" defTabSz="914400" rtl="0" eaLnBrk="1" latinLnBrk="0" hangingPunct="1">
-              <a:lnSpc>
-                <a:spcPct val="90000"/>
-              </a:lnSpc>
-              <a:spcBef>
-                <a:spcPts val="500"/>
-              </a:spcBef>
-              <a:buFont typeface="Arial" panose="020B0604020202020204" pitchFamily="34" charset="0"/>
-              <a:buChar char="•"/>
-              <a:defRPr sz="1800" kern="1200">
-                <a:solidFill>
-                  <a:schemeClr val="tx1"/>
-                </a:solidFill>
-                <a:latin typeface="+mn-lt"/>
-                <a:ea typeface="+mn-ea"/>
-                <a:cs typeface="+mn-cs"/>
-              </a:defRPr>
-            </a:lvl7pPr>
-            <a:lvl8pPr marL="3429000" indent="-228600" algn="l" defTabSz="914400" rtl="0" eaLnBrk="1" latinLnBrk="0" hangingPunct="1">
-              <a:lnSpc>
-                <a:spcPct val="90000"/>
-              </a:lnSpc>
-              <a:spcBef>
-                <a:spcPts val="500"/>
-              </a:spcBef>
-              <a:buFont typeface="Arial" panose="020B0604020202020204" pitchFamily="34" charset="0"/>
-              <a:buChar char="•"/>
-              <a:defRPr sz="1800" kern="1200">
-                <a:solidFill>
-                  <a:schemeClr val="tx1"/>
-                </a:solidFill>
-                <a:latin typeface="+mn-lt"/>
-                <a:ea typeface="+mn-ea"/>
-                <a:cs typeface="+mn-cs"/>
-              </a:defRPr>
-            </a:lvl8pPr>
-            <a:lvl9pPr marL="3886200" indent="-228600" algn="l" defTabSz="914400" rtl="0" eaLnBrk="1" latinLnBrk="0" hangingPunct="1">
-              <a:lnSpc>
-                <a:spcPct val="90000"/>
-              </a:lnSpc>
-              <a:spcBef>
-                <a:spcPts val="500"/>
-              </a:spcBef>
-              <a:buFont typeface="Arial" panose="020B0604020202020204" pitchFamily="34" charset="0"/>
-              <a:buChar char="•"/>
-              <a:defRPr sz="1800" kern="1200">
-                <a:solidFill>
-                  <a:schemeClr val="tx1"/>
-                </a:solidFill>
-                <a:latin typeface="+mn-lt"/>
-                <a:ea typeface="+mn-ea"/>
-                <a:cs typeface="+mn-cs"/>
-              </a:defRPr>
-            </a:lvl9pPr>
-          </a:lstStyle>
-          <a:p>
-            <a:pPr marL="0" indent="0">
-              <a:lnSpc>
-                <a:spcPct val="100000"/>
-              </a:lnSpc>
-              <a:buNone/>
-            </a:pPr>
-            <a:r>
-              <a:rPr lang="en-GB" sz="1800" dirty="0">
-                <a:solidFill>
-                  <a:schemeClr val="accent6"/>
-                </a:solidFill>
-              </a:rPr>
-              <a:t>not (3 = 4)</a:t>
-            </a:r>
-          </a:p>
-          <a:p>
-            <a:pPr marL="0" indent="0">
-              <a:lnSpc>
-                <a:spcPct val="100000"/>
-              </a:lnSpc>
-              <a:buNone/>
-            </a:pPr>
-            <a:endParaRPr lang="en-GB" sz="1400" dirty="0">
-              <a:latin typeface="DejaVu Sans Book" panose="020B0603030804020204" pitchFamily="34" charset="0"/>
-              <a:ea typeface="DejaVu Sans Book" panose="020B0603030804020204" pitchFamily="34" charset="0"/>
-              <a:cs typeface="DejaVu Sans Book" panose="020B0603030804020204" pitchFamily="34" charset="0"/>
-            </a:endParaRPr>
-          </a:p>
-        </p:txBody>
-      </p:sp>
-      <p:cxnSp>
-        <p:nvCxnSpPr>
-          <p:cNvPr id="23" name="Straight Connector 22">
-            <a:extLst>
-              <a:ext uri="{FF2B5EF4-FFF2-40B4-BE49-F238E27FC236}">
-                <a16:creationId xmlns:a16="http://schemas.microsoft.com/office/drawing/2014/main" id="{7E4750FC-EEDA-A145-A093-96CE3CA96B89}"/>
-              </a:ext>
-            </a:extLst>
-          </p:cNvPr>
-          <p:cNvCxnSpPr>
-            <a:cxnSpLocks/>
-          </p:cNvCxnSpPr>
-          <p:nvPr/>
-        </p:nvCxnSpPr>
-        <p:spPr>
-          <a:xfrm flipV="1">
-            <a:off x="7237708" y="3921071"/>
-            <a:ext cx="945397" cy="92991"/>
-          </a:xfrm>
-          <a:prstGeom prst="line">
-            <a:avLst/>
-          </a:prstGeom>
-          <a:ln w="38100">
-            <a:solidFill>
-              <a:srgbClr val="C00000">
-                <a:alpha val="50000"/>
-              </a:srgbClr>
-            </a:solidFill>
-          </a:ln>
-        </p:spPr>
-        <p:style>
-          <a:lnRef idx="1">
-            <a:schemeClr val="accent1"/>
-          </a:lnRef>
-          <a:fillRef idx="0">
-            <a:schemeClr val="accent1"/>
-          </a:fillRef>
-          <a:effectRef idx="0">
-            <a:schemeClr val="accent1"/>
-          </a:effectRef>
-          <a:fontRef idx="minor">
-            <a:schemeClr val="tx1"/>
-          </a:fontRef>
-        </p:style>
-      </p:cxnSp>
-    </p:spTree>
-    <p:extLst>
-      <p:ext uri="{BB962C8B-B14F-4D97-AF65-F5344CB8AC3E}">
-        <p14:creationId xmlns:p14="http://schemas.microsoft.com/office/powerpoint/2010/main" val="338430536"/>
-      </p:ext>
-    </p:extLst>
-  </p:cSld>
-  <p:clrMapOvr>
-    <a:masterClrMapping/>
-  </p:clrMapOvr>
-  <p:timing>
-    <p:tnLst>
-      <p:par>
-        <p:cTn id="1" dur="indefinite" restart="never" nodeType="tmRoot">
-          <p:childTnLst>
-            <p:seq concurrent="1" nextAc="seek">
-              <p:cTn id="2" dur="indefinite" nodeType="mainSeq">
-                <p:childTnLst>
-                  <p:par>
-                    <p:cTn id="3" fill="hold">
-                      <p:stCondLst>
-                        <p:cond delay="indefinite"/>
-                      </p:stCondLst>
-                      <p:childTnLst>
-                        <p:par>
-                          <p:cTn id="4" fill="hold">
-                            <p:stCondLst>
-                              <p:cond delay="0"/>
-                            </p:stCondLst>
-                            <p:childTnLst>
-                              <p:par>
-                                <p:cTn id="5" presetID="1" presetClass="entr" presetSubtype="0" fill="hold" grpId="0" nodeType="clickEffect">
-                                  <p:stCondLst>
-                                    <p:cond delay="0"/>
-                                  </p:stCondLst>
-                                  <p:childTnLst>
-                                    <p:set>
-                                      <p:cBhvr>
-                                        <p:cTn id="6" dur="1" fill="hold">
-                                          <p:stCondLst>
-                                            <p:cond delay="0"/>
-                                          </p:stCondLst>
-                                        </p:cTn>
-                                        <p:tgtEl>
-                                          <p:spTgt spid="5"/>
-                                        </p:tgtEl>
-                                        <p:attrNameLst>
-                                          <p:attrName>style.visibility</p:attrName>
-                                        </p:attrNameLst>
-                                      </p:cBhvr>
-                                      <p:to>
-                                        <p:strVal val="visible"/>
-                                      </p:to>
-                                    </p:set>
-                                  </p:childTnLst>
-                                </p:cTn>
-                              </p:par>
-                            </p:childTnLst>
-                          </p:cTn>
-                        </p:par>
-                      </p:childTnLst>
-                    </p:cTn>
-                  </p:par>
-                  <p:par>
-                    <p:cTn id="7" fill="hold">
-                      <p:stCondLst>
-                        <p:cond delay="indefinite"/>
-                      </p:stCondLst>
-                      <p:childTnLst>
-                        <p:par>
-                          <p:cTn id="8" fill="hold">
-                            <p:stCondLst>
-                              <p:cond delay="0"/>
-                            </p:stCondLst>
-                            <p:childTnLst>
-                              <p:par>
-                                <p:cTn id="9" presetID="1" presetClass="entr" presetSubtype="0" fill="hold" grpId="0" nodeType="clickEffect">
-                                  <p:stCondLst>
-                                    <p:cond delay="0"/>
-                                  </p:stCondLst>
-                                  <p:childTnLst>
-                                    <p:set>
-                                      <p:cBhvr>
-                                        <p:cTn id="10" dur="1" fill="hold">
-                                          <p:stCondLst>
-                                            <p:cond delay="0"/>
-                                          </p:stCondLst>
-                                        </p:cTn>
-                                        <p:tgtEl>
-                                          <p:spTgt spid="6"/>
-                                        </p:tgtEl>
-                                        <p:attrNameLst>
-                                          <p:attrName>style.visibility</p:attrName>
-                                        </p:attrNameLst>
-                                      </p:cBhvr>
-                                      <p:to>
-                                        <p:strVal val="visible"/>
-                                      </p:to>
-                                    </p:set>
-                                  </p:childTnLst>
-                                </p:cTn>
-                              </p:par>
-                            </p:childTnLst>
-                          </p:cTn>
-                        </p:par>
-                      </p:childTnLst>
-                    </p:cTn>
-                  </p:par>
-                  <p:par>
-                    <p:cTn id="11" fill="hold">
-                      <p:stCondLst>
-                        <p:cond delay="indefinite"/>
-                      </p:stCondLst>
-                      <p:childTnLst>
-                        <p:par>
-                          <p:cTn id="12" fill="hold">
-                            <p:stCondLst>
-                              <p:cond delay="0"/>
-                            </p:stCondLst>
-                            <p:childTnLst>
-                              <p:par>
-                                <p:cTn id="13" presetID="1" presetClass="entr" presetSubtype="0" fill="hold" grpId="0" nodeType="clickEffect">
-                                  <p:stCondLst>
-                                    <p:cond delay="0"/>
-                                  </p:stCondLst>
-                                  <p:childTnLst>
-                                    <p:set>
-                                      <p:cBhvr>
-                                        <p:cTn id="14" dur="1" fill="hold">
-                                          <p:stCondLst>
-                                            <p:cond delay="0"/>
-                                          </p:stCondLst>
-                                        </p:cTn>
-                                        <p:tgtEl>
-                                          <p:spTgt spid="7"/>
-                                        </p:tgtEl>
-                                        <p:attrNameLst>
-                                          <p:attrName>style.visibility</p:attrName>
-                                        </p:attrNameLst>
-                                      </p:cBhvr>
-                                      <p:to>
-                                        <p:strVal val="visible"/>
-                                      </p:to>
-                                    </p:set>
-                                  </p:childTnLst>
-                                </p:cTn>
-                              </p:par>
-                            </p:childTnLst>
-                          </p:cTn>
-                        </p:par>
-                      </p:childTnLst>
-                    </p:cTn>
-                  </p:par>
-                  <p:par>
-                    <p:cTn id="15" fill="hold">
-                      <p:stCondLst>
-                        <p:cond delay="indefinite"/>
-                      </p:stCondLst>
-                      <p:childTnLst>
-                        <p:par>
-                          <p:cTn id="16" fill="hold">
-                            <p:stCondLst>
-                              <p:cond delay="0"/>
-                            </p:stCondLst>
-                            <p:childTnLst>
-                              <p:par>
-                                <p:cTn id="17" presetID="1" presetClass="entr" presetSubtype="0" fill="hold" grpId="0" nodeType="clickEffect">
-                                  <p:stCondLst>
-                                    <p:cond delay="0"/>
-                                  </p:stCondLst>
-                                  <p:childTnLst>
-                                    <p:set>
-                                      <p:cBhvr>
-                                        <p:cTn id="18" dur="1" fill="hold">
-                                          <p:stCondLst>
-                                            <p:cond delay="0"/>
-                                          </p:stCondLst>
-                                        </p:cTn>
-                                        <p:tgtEl>
-                                          <p:spTgt spid="8"/>
-                                        </p:tgtEl>
-                                        <p:attrNameLst>
-                                          <p:attrName>style.visibility</p:attrName>
-                                        </p:attrNameLst>
-                                      </p:cBhvr>
-                                      <p:to>
-                                        <p:strVal val="visible"/>
-                                      </p:to>
-                                    </p:set>
-                                  </p:childTnLst>
-                                </p:cTn>
-                              </p:par>
-                            </p:childTnLst>
-                          </p:cTn>
-                        </p:par>
-                      </p:childTnLst>
-                    </p:cTn>
-                  </p:par>
-                  <p:par>
-                    <p:cTn id="19" fill="hold">
-                      <p:stCondLst>
-                        <p:cond delay="indefinite"/>
-                      </p:stCondLst>
-                      <p:childTnLst>
-                        <p:par>
-                          <p:cTn id="20" fill="hold">
-                            <p:stCondLst>
-                              <p:cond delay="0"/>
-                            </p:stCondLst>
-                            <p:childTnLst>
-                              <p:par>
-                                <p:cTn id="21" presetID="1" presetClass="entr" presetSubtype="0" fill="hold" grpId="0" nodeType="clickEffect">
-                                  <p:stCondLst>
-                                    <p:cond delay="0"/>
-                                  </p:stCondLst>
-                                  <p:childTnLst>
-                                    <p:set>
-                                      <p:cBhvr>
-                                        <p:cTn id="22" dur="1" fill="hold">
-                                          <p:stCondLst>
-                                            <p:cond delay="0"/>
-                                          </p:stCondLst>
-                                        </p:cTn>
-                                        <p:tgtEl>
-                                          <p:spTgt spid="9"/>
-                                        </p:tgtEl>
-                                        <p:attrNameLst>
-                                          <p:attrName>style.visibility</p:attrName>
-                                        </p:attrNameLst>
-                                      </p:cBhvr>
-                                      <p:to>
-                                        <p:strVal val="visible"/>
-                                      </p:to>
-                                    </p:set>
-                                  </p:childTnLst>
-                                </p:cTn>
-                              </p:par>
-                            </p:childTnLst>
-                          </p:cTn>
-                        </p:par>
-                      </p:childTnLst>
-                    </p:cTn>
-                  </p:par>
-                  <p:par>
-                    <p:cTn id="23" fill="hold">
-                      <p:stCondLst>
-                        <p:cond delay="indefinite"/>
-                      </p:stCondLst>
-                      <p:childTnLst>
-                        <p:par>
-                          <p:cTn id="24" fill="hold">
-                            <p:stCondLst>
-                              <p:cond delay="0"/>
-                            </p:stCondLst>
-                            <p:childTnLst>
-                              <p:par>
-                                <p:cTn id="25" presetID="1" presetClass="entr" presetSubtype="0" fill="hold" grpId="0" nodeType="clickEffect">
-                                  <p:stCondLst>
-                                    <p:cond delay="0"/>
-                                  </p:stCondLst>
-                                  <p:childTnLst>
-                                    <p:set>
-                                      <p:cBhvr>
-                                        <p:cTn id="26" dur="1" fill="hold">
-                                          <p:stCondLst>
-                                            <p:cond delay="0"/>
-                                          </p:stCondLst>
-                                        </p:cTn>
-                                        <p:tgtEl>
-                                          <p:spTgt spid="10"/>
-                                        </p:tgtEl>
-                                        <p:attrNameLst>
-                                          <p:attrName>style.visibility</p:attrName>
-                                        </p:attrNameLst>
-                                      </p:cBhvr>
-                                      <p:to>
-                                        <p:strVal val="visible"/>
-                                      </p:to>
-                                    </p:set>
-                                  </p:childTnLst>
-                                </p:cTn>
-                              </p:par>
-                            </p:childTnLst>
-                          </p:cTn>
-                        </p:par>
-                      </p:childTnLst>
-                    </p:cTn>
-                  </p:par>
-                  <p:par>
-                    <p:cTn id="27" fill="hold">
-                      <p:stCondLst>
-                        <p:cond delay="indefinite"/>
-                      </p:stCondLst>
-                      <p:childTnLst>
-                        <p:par>
-                          <p:cTn id="28" fill="hold">
-                            <p:stCondLst>
-                              <p:cond delay="0"/>
-                            </p:stCondLst>
-                            <p:childTnLst>
-                              <p:par>
-                                <p:cTn id="29" presetID="1" presetClass="entr" presetSubtype="0" fill="hold" grpId="0" nodeType="clickEffect">
-                                  <p:stCondLst>
-                                    <p:cond delay="0"/>
-                                  </p:stCondLst>
-                                  <p:childTnLst>
-                                    <p:set>
-                                      <p:cBhvr>
-                                        <p:cTn id="30" dur="1" fill="hold">
-                                          <p:stCondLst>
-                                            <p:cond delay="0"/>
-                                          </p:stCondLst>
-                                        </p:cTn>
-                                        <p:tgtEl>
-                                          <p:spTgt spid="18"/>
-                                        </p:tgtEl>
-                                        <p:attrNameLst>
-                                          <p:attrName>style.visibility</p:attrName>
-                                        </p:attrNameLst>
-                                      </p:cBhvr>
-                                      <p:to>
-                                        <p:strVal val="visible"/>
-                                      </p:to>
-                                    </p:set>
-                                  </p:childTnLst>
-                                </p:cTn>
-                              </p:par>
-                            </p:childTnLst>
-                          </p:cTn>
-                        </p:par>
-                      </p:childTnLst>
-                    </p:cTn>
-                  </p:par>
-                  <p:par>
-                    <p:cTn id="31" fill="hold">
-                      <p:stCondLst>
-                        <p:cond delay="indefinite"/>
-                      </p:stCondLst>
-                      <p:childTnLst>
-                        <p:par>
-                          <p:cTn id="32" fill="hold">
-                            <p:stCondLst>
-                              <p:cond delay="0"/>
-                            </p:stCondLst>
-                            <p:childTnLst>
-                              <p:par>
-                                <p:cTn id="33" presetID="1" presetClass="entr" presetSubtype="0" fill="hold" grpId="0" nodeType="clickEffect">
-                                  <p:stCondLst>
-                                    <p:cond delay="0"/>
-                                  </p:stCondLst>
-                                  <p:childTnLst>
-                                    <p:set>
-                                      <p:cBhvr>
-                                        <p:cTn id="34" dur="1" fill="hold">
-                                          <p:stCondLst>
-                                            <p:cond delay="0"/>
-                                          </p:stCondLst>
-                                        </p:cTn>
-                                        <p:tgtEl>
-                                          <p:spTgt spid="19"/>
-                                        </p:tgtEl>
-                                        <p:attrNameLst>
-                                          <p:attrName>style.visibility</p:attrName>
-                                        </p:attrNameLst>
-                                      </p:cBhvr>
-                                      <p:to>
-                                        <p:strVal val="visible"/>
-                                      </p:to>
-                                    </p:set>
-                                  </p:childTnLst>
-                                </p:cTn>
-                              </p:par>
-                            </p:childTnLst>
-                          </p:cTn>
-                        </p:par>
-                      </p:childTnLst>
-                    </p:cTn>
-                  </p:par>
-                  <p:par>
-                    <p:cTn id="35" fill="hold">
-                      <p:stCondLst>
-                        <p:cond delay="indefinite"/>
-                      </p:stCondLst>
-                      <p:childTnLst>
-                        <p:par>
-                          <p:cTn id="36" fill="hold">
-                            <p:stCondLst>
-                              <p:cond delay="0"/>
-                            </p:stCondLst>
-                            <p:childTnLst>
-                              <p:par>
-                                <p:cTn id="37" presetID="1" presetClass="entr" presetSubtype="0" fill="hold" nodeType="clickEffect">
-                                  <p:stCondLst>
-                                    <p:cond delay="0"/>
-                                  </p:stCondLst>
-                                  <p:childTnLst>
-                                    <p:set>
-                                      <p:cBhvr>
-                                        <p:cTn id="38" dur="1" fill="hold">
-                                          <p:stCondLst>
-                                            <p:cond delay="0"/>
-                                          </p:stCondLst>
-                                        </p:cTn>
-                                        <p:tgtEl>
-                                          <p:spTgt spid="23"/>
-                                        </p:tgtEl>
-                                        <p:attrNameLst>
-                                          <p:attrName>style.visibility</p:attrName>
-                                        </p:attrNameLst>
-                                      </p:cBhvr>
-                                      <p:to>
-                                        <p:strVal val="visible"/>
-                                      </p:to>
-                                    </p:set>
-                                  </p:childTnLst>
-                                </p:cTn>
-                              </p:par>
-                              <p:par>
-                                <p:cTn id="39" presetID="1" presetClass="entr" presetSubtype="0" fill="hold" grpId="0" nodeType="withEffect">
-                                  <p:stCondLst>
-                                    <p:cond delay="0"/>
-                                  </p:stCondLst>
-                                  <p:childTnLst>
-                                    <p:set>
-                                      <p:cBhvr>
-                                        <p:cTn id="40" dur="1" fill="hold">
-                                          <p:stCondLst>
-                                            <p:cond delay="0"/>
-                                          </p:stCondLst>
-                                        </p:cTn>
-                                        <p:tgtEl>
-                                          <p:spTgt spid="22"/>
-                                        </p:tgtEl>
-                                        <p:attrNameLst>
-                                          <p:attrName>style.visibility</p:attrName>
-                                        </p:attrNameLst>
-                                      </p:cBhvr>
-                                      <p:to>
-                                        <p:strVal val="visible"/>
-                                      </p:to>
-                                    </p:set>
-                                  </p:childTnLst>
-                                </p:cTn>
-                              </p:par>
-                            </p:childTnLst>
-                          </p:cTn>
-                        </p:par>
-                      </p:childTnLst>
-                    </p:cTn>
-                  </p:par>
-                </p:childTnLst>
-              </p:cTn>
-              <p:prevCondLst>
-                <p:cond evt="onPrev" delay="0">
-                  <p:tgtEl>
-                    <p:sldTgt/>
-                  </p:tgtEl>
-                </p:cond>
-              </p:prevCondLst>
-              <p:nextCondLst>
-                <p:cond evt="onNext" delay="0">
-                  <p:tgtEl>
-                    <p:sldTgt/>
-                  </p:tgtEl>
-                </p:cond>
-              </p:nextCondLst>
-            </p:seq>
-          </p:childTnLst>
-        </p:cTn>
-      </p:par>
-    </p:tnLst>
-    <p:bldLst>
-      <p:bldP spid="5" grpId="0"/>
-      <p:bldP spid="6" grpId="0"/>
-      <p:bldP spid="7" grpId="0"/>
-      <p:bldP spid="8" grpId="0"/>
-      <p:bldP spid="9" grpId="0"/>
-      <p:bldP spid="10" grpId="0"/>
-      <p:bldP spid="18" grpId="0"/>
-      <p:bldP spid="19" grpId="0"/>
-      <p:bldP spid="22" grpId="0"/>
-    </p:bldLst>
-  </p:timing>
-</p:sld>
-</file>
-
-<file path=ppt/slides/slide2.xml><?xml version="1.0" encoding="utf-8"?>
-<p:sld xmlns:a="http://schemas.openxmlformats.org/drawingml/2006/main" xmlns:r="http://schemas.openxmlformats.org/officeDocument/2006/relationships" xmlns:p="http://schemas.openxmlformats.org/presentationml/2006/main">
-  <p:cSld>
-    <p:bg>
-      <p:bgPr>
-        <a:solidFill>
-          <a:schemeClr val="bg1"/>
-        </a:solidFill>
-        <a:effectLst/>
-      </p:bgPr>
-    </p:bg>
-    <p:spTree>
-      <p:nvGrpSpPr>
-        <p:cNvPr id="1" name=""/>
-        <p:cNvGrpSpPr/>
-        <p:nvPr/>
-      </p:nvGrpSpPr>
-      <p:grpSpPr>
-        <a:xfrm>
-          <a:off x="0" y="0"/>
-          <a:ext cx="0" cy="0"/>
-          <a:chOff x="0" y="0"/>
-          <a:chExt cx="0" cy="0"/>
-        </a:xfrm>
-      </p:grpSpPr>
-      <p:sp>
-        <p:nvSpPr>
-          <p:cNvPr id="2" name="Title 1">
-            <a:extLst>
-              <a:ext uri="{FF2B5EF4-FFF2-40B4-BE49-F238E27FC236}">
-                <a16:creationId xmlns:a16="http://schemas.microsoft.com/office/drawing/2014/main" id="{6B7B5506-8EDB-D847-8FE9-3643EB4D4F62}"/>
-              </a:ext>
-            </a:extLst>
-          </p:cNvPr>
-          <p:cNvSpPr>
-            <a:spLocks noGrp="1"/>
-          </p:cNvSpPr>
-          <p:nvPr>
-            <p:ph type="title"/>
-          </p:nvPr>
-        </p:nvSpPr>
-        <p:spPr>
-          <a:xfrm>
-            <a:off x="648929" y="629266"/>
-            <a:ext cx="5127031" cy="905743"/>
-          </a:xfrm>
-        </p:spPr>
-        <p:txBody>
-          <a:bodyPr>
-            <a:normAutofit/>
-          </a:bodyPr>
-          <a:lstStyle/>
-          <a:p>
-            <a:r>
-              <a:rPr lang="da-DK" dirty="0"/>
-              <a:t>Nøglekoncepter</a:t>
-            </a:r>
-          </a:p>
-        </p:txBody>
-      </p:sp>
-      <p:sp>
-        <p:nvSpPr>
-          <p:cNvPr id="3" name="Content Placeholder 2">
-            <a:extLst>
-              <a:ext uri="{FF2B5EF4-FFF2-40B4-BE49-F238E27FC236}">
-                <a16:creationId xmlns:a16="http://schemas.microsoft.com/office/drawing/2014/main" id="{9C13CA59-EE31-B244-B01E-FDD597FFCEDA}"/>
-              </a:ext>
-            </a:extLst>
-          </p:cNvPr>
-          <p:cNvSpPr>
-            <a:spLocks noGrp="1"/>
-          </p:cNvSpPr>
-          <p:nvPr>
-            <p:ph idx="1"/>
-          </p:nvPr>
-        </p:nvSpPr>
-        <p:spPr>
-          <a:xfrm>
-            <a:off x="648931" y="2026299"/>
-            <a:ext cx="5127029" cy="1809582"/>
-          </a:xfrm>
-        </p:spPr>
-        <p:txBody>
-          <a:bodyPr>
-            <a:normAutofit/>
-          </a:bodyPr>
-          <a:lstStyle/>
-          <a:p>
-            <a:r>
-              <a:rPr lang="da-DK" sz="2000" dirty="0"/>
-              <a:t>Fra ligninger til kode</a:t>
-            </a:r>
-          </a:p>
-          <a:p>
-            <a:r>
-              <a:rPr lang="da-DK" sz="2000" dirty="0"/>
-              <a:t>F# (interaktiv og oversætter-tilstand)</a:t>
-            </a:r>
-          </a:p>
-          <a:p>
-            <a:r>
-              <a:rPr lang="da-DK" sz="2000" dirty="0"/>
-              <a:t>F# bindinger, værdier, kommunikation</a:t>
-            </a:r>
-          </a:p>
-        </p:txBody>
-      </p:sp>
-      <p:cxnSp>
-        <p:nvCxnSpPr>
-          <p:cNvPr id="8" name="Straight Connector 7">
-            <a:extLst>
-              <a:ext uri="{FF2B5EF4-FFF2-40B4-BE49-F238E27FC236}">
-                <a16:creationId xmlns:a16="http://schemas.microsoft.com/office/drawing/2014/main" id="{C2060383-286E-E84D-B7A6-3D64823B2436}"/>
-              </a:ext>
-            </a:extLst>
-          </p:cNvPr>
-          <p:cNvCxnSpPr>
-            <a:cxnSpLocks/>
-          </p:cNvCxnSpPr>
-          <p:nvPr/>
-        </p:nvCxnSpPr>
-        <p:spPr>
-          <a:xfrm>
-            <a:off x="5465617" y="1673555"/>
-            <a:ext cx="0" cy="2023780"/>
-          </a:xfrm>
-          <a:prstGeom prst="line">
-            <a:avLst/>
-          </a:prstGeom>
-        </p:spPr>
-        <p:style>
-          <a:lnRef idx="1">
-            <a:schemeClr val="accent1"/>
-          </a:lnRef>
-          <a:fillRef idx="0">
-            <a:schemeClr val="accent1"/>
-          </a:fillRef>
-          <a:effectRef idx="0">
-            <a:schemeClr val="accent1"/>
-          </a:effectRef>
-          <a:fontRef idx="minor">
-            <a:schemeClr val="tx1"/>
-          </a:fontRef>
-        </p:style>
-      </p:cxnSp>
-      <p:sp>
-        <p:nvSpPr>
-          <p:cNvPr id="9" name="Content Placeholder 2">
-            <a:extLst>
-              <a:ext uri="{FF2B5EF4-FFF2-40B4-BE49-F238E27FC236}">
-                <a16:creationId xmlns:a16="http://schemas.microsoft.com/office/drawing/2014/main" id="{EDD97D87-9B06-6948-A4E2-4B8370B54A71}"/>
-              </a:ext>
-            </a:extLst>
-          </p:cNvPr>
-          <p:cNvSpPr txBox="1">
-            <a:spLocks/>
-          </p:cNvSpPr>
-          <p:nvPr/>
-        </p:nvSpPr>
-        <p:spPr>
-          <a:xfrm>
-            <a:off x="6326293" y="2033708"/>
-            <a:ext cx="5127029" cy="1402220"/>
-          </a:xfrm>
-          <a:prstGeom prst="rect">
-            <a:avLst/>
-          </a:prstGeom>
-        </p:spPr>
-        <p:txBody>
-          <a:bodyPr vert="horz" lIns="91440" tIns="45720" rIns="91440" bIns="45720" rtlCol="0">
-            <a:normAutofit/>
-          </a:bodyPr>
-          <a:lstStyle>
-            <a:lvl1pPr marL="228600" indent="-228600" algn="l" defTabSz="914400" rtl="0" eaLnBrk="1" latinLnBrk="0" hangingPunct="1">
-              <a:lnSpc>
-                <a:spcPct val="90000"/>
-              </a:lnSpc>
-              <a:spcBef>
-                <a:spcPts val="1000"/>
-              </a:spcBef>
-              <a:buFont typeface="Arial" panose="020B0604020202020204" pitchFamily="34" charset="0"/>
-              <a:buChar char="•"/>
-              <a:defRPr sz="2800" kern="1200">
-                <a:solidFill>
-                  <a:schemeClr val="tx1"/>
-                </a:solidFill>
-                <a:latin typeface="+mn-lt"/>
-                <a:ea typeface="+mn-ea"/>
-                <a:cs typeface="+mn-cs"/>
-              </a:defRPr>
-            </a:lvl1pPr>
-            <a:lvl2pPr marL="685800" indent="-228600" algn="l" defTabSz="914400" rtl="0" eaLnBrk="1" latinLnBrk="0" hangingPunct="1">
-              <a:lnSpc>
-                <a:spcPct val="90000"/>
-              </a:lnSpc>
-              <a:spcBef>
-                <a:spcPts val="500"/>
-              </a:spcBef>
-              <a:buFont typeface="Arial" panose="020B0604020202020204" pitchFamily="34" charset="0"/>
-              <a:buChar char="•"/>
-              <a:defRPr sz="2400" kern="1200">
-                <a:solidFill>
-                  <a:schemeClr val="tx1"/>
-                </a:solidFill>
-                <a:latin typeface="+mn-lt"/>
-                <a:ea typeface="+mn-ea"/>
-                <a:cs typeface="+mn-cs"/>
-              </a:defRPr>
-            </a:lvl2pPr>
-            <a:lvl3pPr marL="1143000" indent="-228600" algn="l" defTabSz="914400" rtl="0" eaLnBrk="1" latinLnBrk="0" hangingPunct="1">
-              <a:lnSpc>
-                <a:spcPct val="90000"/>
-              </a:lnSpc>
-              <a:spcBef>
-                <a:spcPts val="500"/>
-              </a:spcBef>
-              <a:buFont typeface="Arial" panose="020B0604020202020204" pitchFamily="34" charset="0"/>
-              <a:buChar char="•"/>
-              <a:defRPr sz="2000" kern="1200">
-                <a:solidFill>
-                  <a:schemeClr val="tx1"/>
-                </a:solidFill>
-                <a:latin typeface="+mn-lt"/>
-                <a:ea typeface="+mn-ea"/>
-                <a:cs typeface="+mn-cs"/>
-              </a:defRPr>
-            </a:lvl3pPr>
-            <a:lvl4pPr marL="1600200" indent="-228600" algn="l" defTabSz="914400" rtl="0" eaLnBrk="1" latinLnBrk="0" hangingPunct="1">
-              <a:lnSpc>
-                <a:spcPct val="90000"/>
-              </a:lnSpc>
-              <a:spcBef>
-                <a:spcPts val="500"/>
-              </a:spcBef>
-              <a:buFont typeface="Arial" panose="020B0604020202020204" pitchFamily="34" charset="0"/>
-              <a:buChar char="•"/>
-              <a:defRPr sz="1800" kern="1200">
-                <a:solidFill>
-                  <a:schemeClr val="tx1"/>
-                </a:solidFill>
-                <a:latin typeface="+mn-lt"/>
-                <a:ea typeface="+mn-ea"/>
-                <a:cs typeface="+mn-cs"/>
-              </a:defRPr>
-            </a:lvl4pPr>
-            <a:lvl5pPr marL="2057400" indent="-228600" algn="l" defTabSz="914400" rtl="0" eaLnBrk="1" latinLnBrk="0" hangingPunct="1">
-              <a:lnSpc>
-                <a:spcPct val="90000"/>
-              </a:lnSpc>
-              <a:spcBef>
-                <a:spcPts val="500"/>
-              </a:spcBef>
-              <a:buFont typeface="Arial" panose="020B0604020202020204" pitchFamily="34" charset="0"/>
-              <a:buChar char="•"/>
-              <a:defRPr sz="1800" kern="1200">
-                <a:solidFill>
-                  <a:schemeClr val="tx1"/>
-                </a:solidFill>
-                <a:latin typeface="+mn-lt"/>
-                <a:ea typeface="+mn-ea"/>
-                <a:cs typeface="+mn-cs"/>
-              </a:defRPr>
-            </a:lvl5pPr>
-            <a:lvl6pPr marL="2514600" indent="-228600" algn="l" defTabSz="914400" rtl="0" eaLnBrk="1" latinLnBrk="0" hangingPunct="1">
-              <a:lnSpc>
-                <a:spcPct val="90000"/>
-              </a:lnSpc>
-              <a:spcBef>
-                <a:spcPts val="500"/>
-              </a:spcBef>
-              <a:buFont typeface="Arial" panose="020B0604020202020204" pitchFamily="34" charset="0"/>
-              <a:buChar char="•"/>
-              <a:defRPr sz="1800" kern="1200">
-                <a:solidFill>
-                  <a:schemeClr val="tx1"/>
-                </a:solidFill>
-                <a:latin typeface="+mn-lt"/>
-                <a:ea typeface="+mn-ea"/>
-                <a:cs typeface="+mn-cs"/>
-              </a:defRPr>
-            </a:lvl6pPr>
-            <a:lvl7pPr marL="2971800" indent="-228600" algn="l" defTabSz="914400" rtl="0" eaLnBrk="1" latinLnBrk="0" hangingPunct="1">
-              <a:lnSpc>
-                <a:spcPct val="90000"/>
-              </a:lnSpc>
-              <a:spcBef>
-                <a:spcPts val="500"/>
-              </a:spcBef>
-              <a:buFont typeface="Arial" panose="020B0604020202020204" pitchFamily="34" charset="0"/>
-              <a:buChar char="•"/>
-              <a:defRPr sz="1800" kern="1200">
-                <a:solidFill>
-                  <a:schemeClr val="tx1"/>
-                </a:solidFill>
-                <a:latin typeface="+mn-lt"/>
-                <a:ea typeface="+mn-ea"/>
-                <a:cs typeface="+mn-cs"/>
-              </a:defRPr>
-            </a:lvl7pPr>
-            <a:lvl8pPr marL="3429000" indent="-228600" algn="l" defTabSz="914400" rtl="0" eaLnBrk="1" latinLnBrk="0" hangingPunct="1">
-              <a:lnSpc>
-                <a:spcPct val="90000"/>
-              </a:lnSpc>
-              <a:spcBef>
-                <a:spcPts val="500"/>
-              </a:spcBef>
-              <a:buFont typeface="Arial" panose="020B0604020202020204" pitchFamily="34" charset="0"/>
-              <a:buChar char="•"/>
-              <a:defRPr sz="1800" kern="1200">
-                <a:solidFill>
-                  <a:schemeClr val="tx1"/>
-                </a:solidFill>
-                <a:latin typeface="+mn-lt"/>
-                <a:ea typeface="+mn-ea"/>
-                <a:cs typeface="+mn-cs"/>
-              </a:defRPr>
-            </a:lvl8pPr>
-            <a:lvl9pPr marL="3886200" indent="-228600" algn="l" defTabSz="914400" rtl="0" eaLnBrk="1" latinLnBrk="0" hangingPunct="1">
-              <a:lnSpc>
-                <a:spcPct val="90000"/>
-              </a:lnSpc>
-              <a:spcBef>
-                <a:spcPts val="500"/>
-              </a:spcBef>
-              <a:buFont typeface="Arial" panose="020B0604020202020204" pitchFamily="34" charset="0"/>
-              <a:buChar char="•"/>
-              <a:defRPr sz="1800" kern="1200">
-                <a:solidFill>
-                  <a:schemeClr val="tx1"/>
-                </a:solidFill>
-                <a:latin typeface="+mn-lt"/>
-                <a:ea typeface="+mn-ea"/>
-                <a:cs typeface="+mn-cs"/>
-              </a:defRPr>
-            </a:lvl9pPr>
-          </a:lstStyle>
-          <a:p>
             <a:r>
               <a:rPr lang="da-DK" sz="2000" dirty="0"/>
               <a:t>Fortolker vs. oversætter</a:t>
@@ -7711,7 +5171,7 @@
 </file>
 
 <file path=ppt/slides/slide4.xml><?xml version="1.0" encoding="utf-8"?>
-<p:sld xmlns:a="http://schemas.openxmlformats.org/drawingml/2006/main" xmlns:r="http://schemas.openxmlformats.org/officeDocument/2006/relationships" xmlns:p="http://schemas.openxmlformats.org/presentationml/2006/main">
+<p:sld xmlns:a="http://schemas.openxmlformats.org/drawingml/2006/main" xmlns:r="http://schemas.openxmlformats.org/officeDocument/2006/relationships" xmlns:p="http://schemas.openxmlformats.org/presentationml/2006/main" show="0">
   <p:cSld>
     <p:spTree>
       <p:nvGrpSpPr>
@@ -9195,2440 +6655,6 @@
         </p:cTn>
       </p:par>
     </p:tnLst>
-  </p:timing>
-</p:sld>
-</file>
-
-<file path=ppt/slides/slide8.xml><?xml version="1.0" encoding="utf-8"?>
-<p:sld xmlns:a="http://schemas.openxmlformats.org/drawingml/2006/main" xmlns:r="http://schemas.openxmlformats.org/officeDocument/2006/relationships" xmlns:p="http://schemas.openxmlformats.org/presentationml/2006/main">
-  <p:cSld>
-    <p:spTree>
-      <p:nvGrpSpPr>
-        <p:cNvPr id="1" name=""/>
-        <p:cNvGrpSpPr/>
-        <p:nvPr/>
-      </p:nvGrpSpPr>
-      <p:grpSpPr>
-        <a:xfrm>
-          <a:off x="0" y="0"/>
-          <a:ext cx="0" cy="0"/>
-          <a:chOff x="0" y="0"/>
-          <a:chExt cx="0" cy="0"/>
-        </a:xfrm>
-      </p:grpSpPr>
-      <p:sp>
-        <p:nvSpPr>
-          <p:cNvPr id="2" name="Title 1">
-            <a:extLst>
-              <a:ext uri="{FF2B5EF4-FFF2-40B4-BE49-F238E27FC236}">
-                <a16:creationId xmlns:a16="http://schemas.microsoft.com/office/drawing/2014/main" id="{7ACF8DE1-EA4E-4342-B99B-F65420FE7DD6}"/>
-              </a:ext>
-            </a:extLst>
-          </p:cNvPr>
-          <p:cNvSpPr>
-            <a:spLocks noGrp="1"/>
-          </p:cNvSpPr>
-          <p:nvPr>
-            <p:ph type="title"/>
-          </p:nvPr>
-        </p:nvSpPr>
-        <p:spPr>
-          <a:xfrm>
-            <a:off x="838200" y="365125"/>
-            <a:ext cx="10515600" cy="1325563"/>
-          </a:xfrm>
-        </p:spPr>
-        <p:txBody>
-          <a:bodyPr/>
-          <a:lstStyle/>
-          <a:p>
-            <a:r>
-              <a:rPr lang="da-DK"/>
-              <a:t>Præcedens og association</a:t>
-            </a:r>
-          </a:p>
-        </p:txBody>
-      </p:sp>
-      <p:pic>
-        <p:nvPicPr>
-          <p:cNvPr id="4" name="Content Placeholder 3">
-            <a:extLst>
-              <a:ext uri="{FF2B5EF4-FFF2-40B4-BE49-F238E27FC236}">
-                <a16:creationId xmlns:a16="http://schemas.microsoft.com/office/drawing/2014/main" id="{91EFF094-9E1F-374D-BD65-555FA92B259C}"/>
-              </a:ext>
-            </a:extLst>
-          </p:cNvPr>
-          <p:cNvPicPr>
-            <a:picLocks noChangeAspect="1"/>
-          </p:cNvPicPr>
-          <p:nvPr/>
-        </p:nvPicPr>
-        <p:blipFill>
-          <a:blip r:embed="rId2">
-            <a:extLst>
-              <a:ext uri="{28A0092B-C50C-407E-A947-70E740481C1C}">
-                <a14:useLocalDpi xmlns:a14="http://schemas.microsoft.com/office/drawing/2010/main" val="0"/>
-              </a:ext>
-            </a:extLst>
-          </a:blip>
-          <a:stretch>
-            <a:fillRect/>
-          </a:stretch>
-        </p:blipFill>
-        <p:spPr>
-          <a:xfrm>
-            <a:off x="1797802" y="1441343"/>
-            <a:ext cx="8060857" cy="5164338"/>
-          </a:xfrm>
-          <a:prstGeom prst="rect">
-            <a:avLst/>
-          </a:prstGeom>
-        </p:spPr>
-      </p:pic>
-    </p:spTree>
-    <p:extLst>
-      <p:ext uri="{BB962C8B-B14F-4D97-AF65-F5344CB8AC3E}">
-        <p14:creationId xmlns:p14="http://schemas.microsoft.com/office/powerpoint/2010/main" val="4271887507"/>
-      </p:ext>
-    </p:extLst>
-  </p:cSld>
-  <p:clrMapOvr>
-    <a:masterClrMapping/>
-  </p:clrMapOvr>
-</p:sld>
-</file>
-
-<file path=ppt/slides/slide9.xml><?xml version="1.0" encoding="utf-8"?>
-<p:sld xmlns:a="http://schemas.openxmlformats.org/drawingml/2006/main" xmlns:r="http://schemas.openxmlformats.org/officeDocument/2006/relationships" xmlns:p="http://schemas.openxmlformats.org/presentationml/2006/main">
-  <p:cSld>
-    <p:spTree>
-      <p:nvGrpSpPr>
-        <p:cNvPr id="1" name=""/>
-        <p:cNvGrpSpPr/>
-        <p:nvPr/>
-      </p:nvGrpSpPr>
-      <p:grpSpPr>
-        <a:xfrm>
-          <a:off x="0" y="0"/>
-          <a:ext cx="0" cy="0"/>
-          <a:chOff x="0" y="0"/>
-          <a:chExt cx="0" cy="0"/>
-        </a:xfrm>
-      </p:grpSpPr>
-      <p:sp>
-        <p:nvSpPr>
-          <p:cNvPr id="2" name="Title 1">
-            <a:extLst>
-              <a:ext uri="{FF2B5EF4-FFF2-40B4-BE49-F238E27FC236}">
-                <a16:creationId xmlns:a16="http://schemas.microsoft.com/office/drawing/2014/main" id="{7D951FD5-6FCD-E042-A892-142E147469EA}"/>
-              </a:ext>
-            </a:extLst>
-          </p:cNvPr>
-          <p:cNvSpPr>
-            <a:spLocks noGrp="1"/>
-          </p:cNvSpPr>
-          <p:nvPr>
-            <p:ph type="title"/>
-          </p:nvPr>
-        </p:nvSpPr>
-        <p:spPr/>
-        <p:txBody>
-          <a:bodyPr/>
-          <a:lstStyle/>
-          <a:p>
-            <a:r>
-              <a:rPr lang="en-GB" dirty="0" err="1"/>
-              <a:t>Operatorer</a:t>
-            </a:r>
-            <a:r>
-              <a:rPr lang="en-GB" dirty="0"/>
-              <a:t> </a:t>
-            </a:r>
-            <a:r>
-              <a:rPr lang="en-GB" dirty="0" err="1"/>
-              <a:t>og</a:t>
-            </a:r>
-            <a:r>
-              <a:rPr lang="en-GB" dirty="0"/>
-              <a:t> </a:t>
-            </a:r>
-            <a:r>
-              <a:rPr lang="en-GB" dirty="0" err="1"/>
-              <a:t>præcedens</a:t>
-            </a:r>
-            <a:endParaRPr lang="en-GB" dirty="0"/>
-          </a:p>
-        </p:txBody>
-      </p:sp>
-      <p:sp>
-        <p:nvSpPr>
-          <p:cNvPr id="3" name="Content Placeholder 2">
-            <a:extLst>
-              <a:ext uri="{FF2B5EF4-FFF2-40B4-BE49-F238E27FC236}">
-                <a16:creationId xmlns:a16="http://schemas.microsoft.com/office/drawing/2014/main" id="{01F1339C-CD04-ED4E-A829-7F36C1E0AB5C}"/>
-              </a:ext>
-            </a:extLst>
-          </p:cNvPr>
-          <p:cNvSpPr>
-            <a:spLocks noGrp="1"/>
-          </p:cNvSpPr>
-          <p:nvPr>
-            <p:ph idx="1"/>
-          </p:nvPr>
-        </p:nvSpPr>
-        <p:spPr>
-          <a:xfrm>
-            <a:off x="838200" y="2448341"/>
-            <a:ext cx="2686001" cy="3373392"/>
-          </a:xfrm>
-        </p:spPr>
-        <p:txBody>
-          <a:bodyPr>
-            <a:normAutofit/>
-          </a:bodyPr>
-          <a:lstStyle/>
-          <a:p>
-            <a:pPr marL="0" indent="0">
-              <a:lnSpc>
-                <a:spcPct val="100000"/>
-              </a:lnSpc>
-              <a:buNone/>
-            </a:pPr>
-            <a:r>
-              <a:rPr lang="en-GB" sz="1400" dirty="0">
-                <a:latin typeface="DejaVu Sans Book" panose="020B0603030804020204" pitchFamily="34" charset="0"/>
-                <a:ea typeface="DejaVu Sans Book" panose="020B0603030804020204" pitchFamily="34" charset="0"/>
-                <a:cs typeface="DejaVu Sans Book" panose="020B0603030804020204" pitchFamily="34" charset="0"/>
-              </a:rPr>
-              <a:t>3 + 4</a:t>
-            </a:r>
-          </a:p>
-          <a:p>
-            <a:pPr marL="0" indent="0">
-              <a:lnSpc>
-                <a:spcPct val="100000"/>
-              </a:lnSpc>
-              <a:buNone/>
-            </a:pPr>
-            <a:r>
-              <a:rPr lang="en-GB" sz="1400" dirty="0">
-                <a:latin typeface="DejaVu Sans Book" panose="020B0603030804020204" pitchFamily="34" charset="0"/>
-                <a:ea typeface="DejaVu Sans Book" panose="020B0603030804020204" pitchFamily="34" charset="0"/>
-                <a:cs typeface="DejaVu Sans Book" panose="020B0603030804020204" pitchFamily="34" charset="0"/>
-              </a:rPr>
-              <a:t>3.0 + 4.0</a:t>
-            </a:r>
-          </a:p>
-          <a:p>
-            <a:pPr marL="0" indent="0">
-              <a:lnSpc>
-                <a:spcPct val="100000"/>
-              </a:lnSpc>
-              <a:buNone/>
-            </a:pPr>
-            <a:r>
-              <a:rPr lang="en-GB" sz="1400" u="sng" dirty="0">
-                <a:latin typeface="DejaVu Sans Book" panose="020B0603030804020204" pitchFamily="34" charset="0"/>
-                <a:ea typeface="DejaVu Sans Book" panose="020B0603030804020204" pitchFamily="34" charset="0"/>
-                <a:cs typeface="DejaVu Sans Book" panose="020B0603030804020204" pitchFamily="34" charset="0"/>
-              </a:rPr>
-              <a:t>3 + 4.0</a:t>
-            </a:r>
-          </a:p>
-          <a:p>
-            <a:pPr marL="0" indent="0">
-              <a:lnSpc>
-                <a:spcPct val="100000"/>
-              </a:lnSpc>
-              <a:buNone/>
-            </a:pPr>
-            <a:r>
-              <a:rPr lang="en-GB" sz="1400" dirty="0">
-                <a:latin typeface="DejaVu Sans Book" panose="020B0603030804020204" pitchFamily="34" charset="0"/>
-                <a:ea typeface="DejaVu Sans Book" panose="020B0603030804020204" pitchFamily="34" charset="0"/>
-                <a:cs typeface="DejaVu Sans Book" panose="020B0603030804020204" pitchFamily="34" charset="0"/>
-              </a:rPr>
-              <a:t>5 / 2</a:t>
-            </a:r>
-          </a:p>
-          <a:p>
-            <a:pPr marL="0" indent="0">
-              <a:lnSpc>
-                <a:spcPct val="100000"/>
-              </a:lnSpc>
-              <a:buNone/>
-            </a:pPr>
-            <a:r>
-              <a:rPr lang="en-GB" sz="1400" dirty="0">
-                <a:latin typeface="DejaVu Sans Book" panose="020B0603030804020204" pitchFamily="34" charset="0"/>
-                <a:ea typeface="DejaVu Sans Book" panose="020B0603030804020204" pitchFamily="34" charset="0"/>
-                <a:cs typeface="DejaVu Sans Book" panose="020B0603030804020204" pitchFamily="34" charset="0"/>
-              </a:rPr>
-              <a:t>5 % 2</a:t>
-            </a:r>
-          </a:p>
-          <a:p>
-            <a:pPr marL="0" indent="0">
-              <a:lnSpc>
-                <a:spcPct val="100000"/>
-              </a:lnSpc>
-              <a:buNone/>
-            </a:pPr>
-            <a:r>
-              <a:rPr lang="en-GB" sz="1400" dirty="0">
-                <a:latin typeface="DejaVu Sans Book" panose="020B0603030804020204" pitchFamily="34" charset="0"/>
-                <a:ea typeface="DejaVu Sans Book" panose="020B0603030804020204" pitchFamily="34" charset="0"/>
-                <a:cs typeface="DejaVu Sans Book" panose="020B0603030804020204" pitchFamily="34" charset="0"/>
-              </a:rPr>
-              <a:t>2 * (5 / 2) + 5 % 2</a:t>
-            </a:r>
-          </a:p>
-          <a:p>
-            <a:pPr marL="0" indent="0">
-              <a:lnSpc>
-                <a:spcPct val="100000"/>
-              </a:lnSpc>
-              <a:buNone/>
-            </a:pPr>
-            <a:r>
-              <a:rPr lang="en-GB" sz="1400" dirty="0">
-                <a:latin typeface="DejaVu Sans Book" panose="020B0603030804020204" pitchFamily="34" charset="0"/>
-                <a:ea typeface="DejaVu Sans Book" panose="020B0603030804020204" pitchFamily="34" charset="0"/>
-                <a:cs typeface="DejaVu Sans Book" panose="020B0603030804020204" pitchFamily="34" charset="0"/>
-              </a:rPr>
-              <a:t>2.0 ** 3.0</a:t>
-            </a:r>
-          </a:p>
-          <a:p>
-            <a:pPr marL="0" indent="0">
-              <a:lnSpc>
-                <a:spcPct val="100000"/>
-              </a:lnSpc>
-              <a:buNone/>
-            </a:pPr>
-            <a:r>
-              <a:rPr lang="en-GB" sz="1400" dirty="0" err="1">
-                <a:latin typeface="DejaVu Sans Book" panose="020B0603030804020204" pitchFamily="34" charset="0"/>
-                <a:ea typeface="DejaVu Sans Book" panose="020B0603030804020204" pitchFamily="34" charset="0"/>
-                <a:cs typeface="DejaVu Sans Book" panose="020B0603030804020204" pitchFamily="34" charset="0"/>
-              </a:rPr>
-              <a:t>pown</a:t>
-            </a:r>
-            <a:r>
-              <a:rPr lang="en-GB" sz="1400" dirty="0">
-                <a:latin typeface="DejaVu Sans Book" panose="020B0603030804020204" pitchFamily="34" charset="0"/>
-                <a:ea typeface="DejaVu Sans Book" panose="020B0603030804020204" pitchFamily="34" charset="0"/>
-                <a:cs typeface="DejaVu Sans Book" panose="020B0603030804020204" pitchFamily="34" charset="0"/>
-              </a:rPr>
-              <a:t> 2 3</a:t>
-            </a:r>
-          </a:p>
-          <a:p>
-            <a:pPr marL="0" indent="0">
-              <a:lnSpc>
-                <a:spcPct val="100000"/>
-              </a:lnSpc>
-              <a:buNone/>
-            </a:pPr>
-            <a:r>
-              <a:rPr lang="en-GB" sz="1400" dirty="0">
-                <a:latin typeface="DejaVu Sans Book" panose="020B0603030804020204" pitchFamily="34" charset="0"/>
-                <a:ea typeface="DejaVu Sans Book" panose="020B0603030804020204" pitchFamily="34" charset="0"/>
-                <a:cs typeface="DejaVu Sans Book" panose="020B0603030804020204" pitchFamily="34" charset="0"/>
-              </a:rPr>
-              <a:t>"</a:t>
-            </a:r>
-            <a:r>
-              <a:rPr lang="en-GB" sz="1400" dirty="0" err="1">
-                <a:latin typeface="DejaVu Sans Book" panose="020B0603030804020204" pitchFamily="34" charset="0"/>
-                <a:ea typeface="DejaVu Sans Book" panose="020B0603030804020204" pitchFamily="34" charset="0"/>
-                <a:cs typeface="DejaVu Sans Book" panose="020B0603030804020204" pitchFamily="34" charset="0"/>
-              </a:rPr>
-              <a:t>hej</a:t>
-            </a:r>
-            <a:r>
-              <a:rPr lang="en-GB" sz="1400" dirty="0">
-                <a:latin typeface="DejaVu Sans Book" panose="020B0603030804020204" pitchFamily="34" charset="0"/>
-                <a:ea typeface="DejaVu Sans Book" panose="020B0603030804020204" pitchFamily="34" charset="0"/>
-                <a:cs typeface="DejaVu Sans Book" panose="020B0603030804020204" pitchFamily="34" charset="0"/>
-              </a:rPr>
-              <a:t> " + "med " + "dig"</a:t>
-            </a:r>
-          </a:p>
-        </p:txBody>
-      </p:sp>
-      <p:sp>
-        <p:nvSpPr>
-          <p:cNvPr id="4" name="Content Placeholder 2">
-            <a:extLst>
-              <a:ext uri="{FF2B5EF4-FFF2-40B4-BE49-F238E27FC236}">
-                <a16:creationId xmlns:a16="http://schemas.microsoft.com/office/drawing/2014/main" id="{84CE778E-7175-DD4C-9379-77596FC3CA32}"/>
-              </a:ext>
-            </a:extLst>
-          </p:cNvPr>
-          <p:cNvSpPr txBox="1">
-            <a:spLocks/>
-          </p:cNvSpPr>
-          <p:nvPr/>
-        </p:nvSpPr>
-        <p:spPr>
-          <a:xfrm>
-            <a:off x="3592286" y="2448341"/>
-            <a:ext cx="1964964" cy="3373392"/>
-          </a:xfrm>
-          <a:prstGeom prst="rect">
-            <a:avLst/>
-          </a:prstGeom>
-        </p:spPr>
-        <p:txBody>
-          <a:bodyPr vert="horz" lIns="91440" tIns="45720" rIns="91440" bIns="45720" rtlCol="0">
-            <a:normAutofit/>
-          </a:bodyPr>
-          <a:lstStyle>
-            <a:lvl1pPr marL="228600" indent="-228600" algn="l" defTabSz="914400" rtl="0" eaLnBrk="1" latinLnBrk="0" hangingPunct="1">
-              <a:lnSpc>
-                <a:spcPct val="90000"/>
-              </a:lnSpc>
-              <a:spcBef>
-                <a:spcPts val="1000"/>
-              </a:spcBef>
-              <a:buFont typeface="Arial" panose="020B0604020202020204" pitchFamily="34" charset="0"/>
-              <a:buChar char="•"/>
-              <a:defRPr sz="2800" kern="1200">
-                <a:solidFill>
-                  <a:schemeClr val="tx1"/>
-                </a:solidFill>
-                <a:latin typeface="+mn-lt"/>
-                <a:ea typeface="+mn-ea"/>
-                <a:cs typeface="+mn-cs"/>
-              </a:defRPr>
-            </a:lvl1pPr>
-            <a:lvl2pPr marL="685800" indent="-228600" algn="l" defTabSz="914400" rtl="0" eaLnBrk="1" latinLnBrk="0" hangingPunct="1">
-              <a:lnSpc>
-                <a:spcPct val="90000"/>
-              </a:lnSpc>
-              <a:spcBef>
-                <a:spcPts val="500"/>
-              </a:spcBef>
-              <a:buFont typeface="Arial" panose="020B0604020202020204" pitchFamily="34" charset="0"/>
-              <a:buChar char="•"/>
-              <a:defRPr sz="2400" kern="1200">
-                <a:solidFill>
-                  <a:schemeClr val="tx1"/>
-                </a:solidFill>
-                <a:latin typeface="+mn-lt"/>
-                <a:ea typeface="+mn-ea"/>
-                <a:cs typeface="+mn-cs"/>
-              </a:defRPr>
-            </a:lvl2pPr>
-            <a:lvl3pPr marL="1143000" indent="-228600" algn="l" defTabSz="914400" rtl="0" eaLnBrk="1" latinLnBrk="0" hangingPunct="1">
-              <a:lnSpc>
-                <a:spcPct val="90000"/>
-              </a:lnSpc>
-              <a:spcBef>
-                <a:spcPts val="500"/>
-              </a:spcBef>
-              <a:buFont typeface="Arial" panose="020B0604020202020204" pitchFamily="34" charset="0"/>
-              <a:buChar char="•"/>
-              <a:defRPr sz="2000" kern="1200">
-                <a:solidFill>
-                  <a:schemeClr val="tx1"/>
-                </a:solidFill>
-                <a:latin typeface="+mn-lt"/>
-                <a:ea typeface="+mn-ea"/>
-                <a:cs typeface="+mn-cs"/>
-              </a:defRPr>
-            </a:lvl3pPr>
-            <a:lvl4pPr marL="1600200" indent="-228600" algn="l" defTabSz="914400" rtl="0" eaLnBrk="1" latinLnBrk="0" hangingPunct="1">
-              <a:lnSpc>
-                <a:spcPct val="90000"/>
-              </a:lnSpc>
-              <a:spcBef>
-                <a:spcPts val="500"/>
-              </a:spcBef>
-              <a:buFont typeface="Arial" panose="020B0604020202020204" pitchFamily="34" charset="0"/>
-              <a:buChar char="•"/>
-              <a:defRPr sz="1800" kern="1200">
-                <a:solidFill>
-                  <a:schemeClr val="tx1"/>
-                </a:solidFill>
-                <a:latin typeface="+mn-lt"/>
-                <a:ea typeface="+mn-ea"/>
-                <a:cs typeface="+mn-cs"/>
-              </a:defRPr>
-            </a:lvl4pPr>
-            <a:lvl5pPr marL="2057400" indent="-228600" algn="l" defTabSz="914400" rtl="0" eaLnBrk="1" latinLnBrk="0" hangingPunct="1">
-              <a:lnSpc>
-                <a:spcPct val="90000"/>
-              </a:lnSpc>
-              <a:spcBef>
-                <a:spcPts val="500"/>
-              </a:spcBef>
-              <a:buFont typeface="Arial" panose="020B0604020202020204" pitchFamily="34" charset="0"/>
-              <a:buChar char="•"/>
-              <a:defRPr sz="1800" kern="1200">
-                <a:solidFill>
-                  <a:schemeClr val="tx1"/>
-                </a:solidFill>
-                <a:latin typeface="+mn-lt"/>
-                <a:ea typeface="+mn-ea"/>
-                <a:cs typeface="+mn-cs"/>
-              </a:defRPr>
-            </a:lvl5pPr>
-            <a:lvl6pPr marL="2514600" indent="-228600" algn="l" defTabSz="914400" rtl="0" eaLnBrk="1" latinLnBrk="0" hangingPunct="1">
-              <a:lnSpc>
-                <a:spcPct val="90000"/>
-              </a:lnSpc>
-              <a:spcBef>
-                <a:spcPts val="500"/>
-              </a:spcBef>
-              <a:buFont typeface="Arial" panose="020B0604020202020204" pitchFamily="34" charset="0"/>
-              <a:buChar char="•"/>
-              <a:defRPr sz="1800" kern="1200">
-                <a:solidFill>
-                  <a:schemeClr val="tx1"/>
-                </a:solidFill>
-                <a:latin typeface="+mn-lt"/>
-                <a:ea typeface="+mn-ea"/>
-                <a:cs typeface="+mn-cs"/>
-              </a:defRPr>
-            </a:lvl6pPr>
-            <a:lvl7pPr marL="2971800" indent="-228600" algn="l" defTabSz="914400" rtl="0" eaLnBrk="1" latinLnBrk="0" hangingPunct="1">
-              <a:lnSpc>
-                <a:spcPct val="90000"/>
-              </a:lnSpc>
-              <a:spcBef>
-                <a:spcPts val="500"/>
-              </a:spcBef>
-              <a:buFont typeface="Arial" panose="020B0604020202020204" pitchFamily="34" charset="0"/>
-              <a:buChar char="•"/>
-              <a:defRPr sz="1800" kern="1200">
-                <a:solidFill>
-                  <a:schemeClr val="tx1"/>
-                </a:solidFill>
-                <a:latin typeface="+mn-lt"/>
-                <a:ea typeface="+mn-ea"/>
-                <a:cs typeface="+mn-cs"/>
-              </a:defRPr>
-            </a:lvl7pPr>
-            <a:lvl8pPr marL="3429000" indent="-228600" algn="l" defTabSz="914400" rtl="0" eaLnBrk="1" latinLnBrk="0" hangingPunct="1">
-              <a:lnSpc>
-                <a:spcPct val="90000"/>
-              </a:lnSpc>
-              <a:spcBef>
-                <a:spcPts val="500"/>
-              </a:spcBef>
-              <a:buFont typeface="Arial" panose="020B0604020202020204" pitchFamily="34" charset="0"/>
-              <a:buChar char="•"/>
-              <a:defRPr sz="1800" kern="1200">
-                <a:solidFill>
-                  <a:schemeClr val="tx1"/>
-                </a:solidFill>
-                <a:latin typeface="+mn-lt"/>
-                <a:ea typeface="+mn-ea"/>
-                <a:cs typeface="+mn-cs"/>
-              </a:defRPr>
-            </a:lvl8pPr>
-            <a:lvl9pPr marL="3886200" indent="-228600" algn="l" defTabSz="914400" rtl="0" eaLnBrk="1" latinLnBrk="0" hangingPunct="1">
-              <a:lnSpc>
-                <a:spcPct val="90000"/>
-              </a:lnSpc>
-              <a:spcBef>
-                <a:spcPts val="500"/>
-              </a:spcBef>
-              <a:buFont typeface="Arial" panose="020B0604020202020204" pitchFamily="34" charset="0"/>
-              <a:buChar char="•"/>
-              <a:defRPr sz="1800" kern="1200">
-                <a:solidFill>
-                  <a:schemeClr val="tx1"/>
-                </a:solidFill>
-                <a:latin typeface="+mn-lt"/>
-                <a:ea typeface="+mn-ea"/>
-                <a:cs typeface="+mn-cs"/>
-              </a:defRPr>
-            </a:lvl9pPr>
-          </a:lstStyle>
-          <a:p>
-            <a:pPr marL="0" indent="0">
-              <a:lnSpc>
-                <a:spcPct val="100000"/>
-              </a:lnSpc>
-              <a:buNone/>
-            </a:pPr>
-            <a:r>
-              <a:rPr lang="en-GB" sz="1400" dirty="0" err="1">
-                <a:latin typeface="DejaVu Sans Book" panose="020B0603030804020204" pitchFamily="34" charset="0"/>
-                <a:ea typeface="DejaVu Sans Book" panose="020B0603030804020204" pitchFamily="34" charset="0"/>
-                <a:cs typeface="DejaVu Sans Book" panose="020B0603030804020204" pitchFamily="34" charset="0"/>
-              </a:rPr>
-              <a:t>exp</a:t>
-            </a:r>
-            <a:r>
-              <a:rPr lang="en-GB" sz="1400" dirty="0">
-                <a:latin typeface="DejaVu Sans Book" panose="020B0603030804020204" pitchFamily="34" charset="0"/>
-                <a:ea typeface="DejaVu Sans Book" panose="020B0603030804020204" pitchFamily="34" charset="0"/>
-                <a:cs typeface="DejaVu Sans Book" panose="020B0603030804020204" pitchFamily="34" charset="0"/>
-              </a:rPr>
-              <a:t> 0.0</a:t>
-            </a:r>
-          </a:p>
-          <a:p>
-            <a:pPr marL="0" indent="0">
-              <a:lnSpc>
-                <a:spcPct val="100000"/>
-              </a:lnSpc>
-              <a:buNone/>
-            </a:pPr>
-            <a:r>
-              <a:rPr lang="en-GB" sz="1400" dirty="0" err="1">
-                <a:latin typeface="DejaVu Sans Book" panose="020B0603030804020204" pitchFamily="34" charset="0"/>
-                <a:ea typeface="DejaVu Sans Book" panose="020B0603030804020204" pitchFamily="34" charset="0"/>
-                <a:cs typeface="DejaVu Sans Book" panose="020B0603030804020204" pitchFamily="34" charset="0"/>
-              </a:rPr>
-              <a:t>exp</a:t>
-            </a:r>
-            <a:r>
-              <a:rPr lang="en-GB" sz="1400" dirty="0">
-                <a:latin typeface="DejaVu Sans Book" panose="020B0603030804020204" pitchFamily="34" charset="0"/>
-                <a:ea typeface="DejaVu Sans Book" panose="020B0603030804020204" pitchFamily="34" charset="0"/>
-                <a:cs typeface="DejaVu Sans Book" panose="020B0603030804020204" pitchFamily="34" charset="0"/>
-              </a:rPr>
-              <a:t> 1.0</a:t>
-            </a:r>
-          </a:p>
-          <a:p>
-            <a:pPr marL="0" indent="0">
-              <a:lnSpc>
-                <a:spcPct val="100000"/>
-              </a:lnSpc>
-              <a:buNone/>
-            </a:pPr>
-            <a:r>
-              <a:rPr lang="en-GB" sz="1400" dirty="0" err="1">
-                <a:latin typeface="DejaVu Sans Book" panose="020B0603030804020204" pitchFamily="34" charset="0"/>
-                <a:ea typeface="DejaVu Sans Book" panose="020B0603030804020204" pitchFamily="34" charset="0"/>
-                <a:cs typeface="DejaVu Sans Book" panose="020B0603030804020204" pitchFamily="34" charset="0"/>
-              </a:rPr>
-              <a:t>exp</a:t>
-            </a:r>
-            <a:r>
-              <a:rPr lang="en-GB" sz="1400" dirty="0">
-                <a:latin typeface="DejaVu Sans Book" panose="020B0603030804020204" pitchFamily="34" charset="0"/>
-                <a:ea typeface="DejaVu Sans Book" panose="020B0603030804020204" pitchFamily="34" charset="0"/>
-                <a:cs typeface="DejaVu Sans Book" panose="020B0603030804020204" pitchFamily="34" charset="0"/>
-              </a:rPr>
-              <a:t> 0.0 + 1.0</a:t>
-            </a:r>
-          </a:p>
-          <a:p>
-            <a:pPr marL="0" indent="0">
-              <a:lnSpc>
-                <a:spcPct val="100000"/>
-              </a:lnSpc>
-              <a:buNone/>
-            </a:pPr>
-            <a:r>
-              <a:rPr lang="en-GB" sz="1400" u="sng" dirty="0">
-                <a:latin typeface="DejaVu Sans Book" panose="020B0603030804020204" pitchFamily="34" charset="0"/>
-                <a:ea typeface="DejaVu Sans Book" panose="020B0603030804020204" pitchFamily="34" charset="0"/>
-                <a:cs typeface="DejaVu Sans Book" panose="020B0603030804020204" pitchFamily="34" charset="0"/>
-              </a:rPr>
-              <a:t>2.0 ** 3.0 ** 4.0</a:t>
-            </a:r>
-          </a:p>
-          <a:p>
-            <a:pPr marL="0" indent="0">
-              <a:lnSpc>
-                <a:spcPct val="100000"/>
-              </a:lnSpc>
-              <a:buNone/>
-            </a:pPr>
-            <a:r>
-              <a:rPr lang="en-GB" sz="1400" u="sng" dirty="0">
-                <a:latin typeface="DejaVu Sans Book" panose="020B0603030804020204" pitchFamily="34" charset="0"/>
-                <a:ea typeface="DejaVu Sans Book" panose="020B0603030804020204" pitchFamily="34" charset="0"/>
-                <a:cs typeface="DejaVu Sans Book" panose="020B0603030804020204" pitchFamily="34" charset="0"/>
-              </a:rPr>
-              <a:t>2.0 / 3.0 / 4.0</a:t>
-            </a:r>
-          </a:p>
-        </p:txBody>
-      </p:sp>
-      <p:sp>
-        <p:nvSpPr>
-          <p:cNvPr id="5" name="Content Placeholder 2">
-            <a:extLst>
-              <a:ext uri="{FF2B5EF4-FFF2-40B4-BE49-F238E27FC236}">
-                <a16:creationId xmlns:a16="http://schemas.microsoft.com/office/drawing/2014/main" id="{74FB4E8C-854A-1A44-B8DC-7EBB5C6FCF31}"/>
-              </a:ext>
-            </a:extLst>
-          </p:cNvPr>
-          <p:cNvSpPr txBox="1">
-            <a:spLocks/>
-          </p:cNvSpPr>
-          <p:nvPr/>
-        </p:nvSpPr>
-        <p:spPr>
-          <a:xfrm>
-            <a:off x="5612673" y="2448341"/>
-            <a:ext cx="2740913" cy="3373392"/>
-          </a:xfrm>
-          <a:prstGeom prst="rect">
-            <a:avLst/>
-          </a:prstGeom>
-        </p:spPr>
-        <p:txBody>
-          <a:bodyPr vert="horz" lIns="91440" tIns="45720" rIns="91440" bIns="45720" rtlCol="0">
-            <a:normAutofit/>
-          </a:bodyPr>
-          <a:lstStyle>
-            <a:lvl1pPr marL="228600" indent="-228600" algn="l" defTabSz="914400" rtl="0" eaLnBrk="1" latinLnBrk="0" hangingPunct="1">
-              <a:lnSpc>
-                <a:spcPct val="90000"/>
-              </a:lnSpc>
-              <a:spcBef>
-                <a:spcPts val="1000"/>
-              </a:spcBef>
-              <a:buFont typeface="Arial" panose="020B0604020202020204" pitchFamily="34" charset="0"/>
-              <a:buChar char="•"/>
-              <a:defRPr sz="2800" kern="1200">
-                <a:solidFill>
-                  <a:schemeClr val="tx1"/>
-                </a:solidFill>
-                <a:latin typeface="+mn-lt"/>
-                <a:ea typeface="+mn-ea"/>
-                <a:cs typeface="+mn-cs"/>
-              </a:defRPr>
-            </a:lvl1pPr>
-            <a:lvl2pPr marL="685800" indent="-228600" algn="l" defTabSz="914400" rtl="0" eaLnBrk="1" latinLnBrk="0" hangingPunct="1">
-              <a:lnSpc>
-                <a:spcPct val="90000"/>
-              </a:lnSpc>
-              <a:spcBef>
-                <a:spcPts val="500"/>
-              </a:spcBef>
-              <a:buFont typeface="Arial" panose="020B0604020202020204" pitchFamily="34" charset="0"/>
-              <a:buChar char="•"/>
-              <a:defRPr sz="2400" kern="1200">
-                <a:solidFill>
-                  <a:schemeClr val="tx1"/>
-                </a:solidFill>
-                <a:latin typeface="+mn-lt"/>
-                <a:ea typeface="+mn-ea"/>
-                <a:cs typeface="+mn-cs"/>
-              </a:defRPr>
-            </a:lvl2pPr>
-            <a:lvl3pPr marL="1143000" indent="-228600" algn="l" defTabSz="914400" rtl="0" eaLnBrk="1" latinLnBrk="0" hangingPunct="1">
-              <a:lnSpc>
-                <a:spcPct val="90000"/>
-              </a:lnSpc>
-              <a:spcBef>
-                <a:spcPts val="500"/>
-              </a:spcBef>
-              <a:buFont typeface="Arial" panose="020B0604020202020204" pitchFamily="34" charset="0"/>
-              <a:buChar char="•"/>
-              <a:defRPr sz="2000" kern="1200">
-                <a:solidFill>
-                  <a:schemeClr val="tx1"/>
-                </a:solidFill>
-                <a:latin typeface="+mn-lt"/>
-                <a:ea typeface="+mn-ea"/>
-                <a:cs typeface="+mn-cs"/>
-              </a:defRPr>
-            </a:lvl3pPr>
-            <a:lvl4pPr marL="1600200" indent="-228600" algn="l" defTabSz="914400" rtl="0" eaLnBrk="1" latinLnBrk="0" hangingPunct="1">
-              <a:lnSpc>
-                <a:spcPct val="90000"/>
-              </a:lnSpc>
-              <a:spcBef>
-                <a:spcPts val="500"/>
-              </a:spcBef>
-              <a:buFont typeface="Arial" panose="020B0604020202020204" pitchFamily="34" charset="0"/>
-              <a:buChar char="•"/>
-              <a:defRPr sz="1800" kern="1200">
-                <a:solidFill>
-                  <a:schemeClr val="tx1"/>
-                </a:solidFill>
-                <a:latin typeface="+mn-lt"/>
-                <a:ea typeface="+mn-ea"/>
-                <a:cs typeface="+mn-cs"/>
-              </a:defRPr>
-            </a:lvl4pPr>
-            <a:lvl5pPr marL="2057400" indent="-228600" algn="l" defTabSz="914400" rtl="0" eaLnBrk="1" latinLnBrk="0" hangingPunct="1">
-              <a:lnSpc>
-                <a:spcPct val="90000"/>
-              </a:lnSpc>
-              <a:spcBef>
-                <a:spcPts val="500"/>
-              </a:spcBef>
-              <a:buFont typeface="Arial" panose="020B0604020202020204" pitchFamily="34" charset="0"/>
-              <a:buChar char="•"/>
-              <a:defRPr sz="1800" kern="1200">
-                <a:solidFill>
-                  <a:schemeClr val="tx1"/>
-                </a:solidFill>
-                <a:latin typeface="+mn-lt"/>
-                <a:ea typeface="+mn-ea"/>
-                <a:cs typeface="+mn-cs"/>
-              </a:defRPr>
-            </a:lvl5pPr>
-            <a:lvl6pPr marL="2514600" indent="-228600" algn="l" defTabSz="914400" rtl="0" eaLnBrk="1" latinLnBrk="0" hangingPunct="1">
-              <a:lnSpc>
-                <a:spcPct val="90000"/>
-              </a:lnSpc>
-              <a:spcBef>
-                <a:spcPts val="500"/>
-              </a:spcBef>
-              <a:buFont typeface="Arial" panose="020B0604020202020204" pitchFamily="34" charset="0"/>
-              <a:buChar char="•"/>
-              <a:defRPr sz="1800" kern="1200">
-                <a:solidFill>
-                  <a:schemeClr val="tx1"/>
-                </a:solidFill>
-                <a:latin typeface="+mn-lt"/>
-                <a:ea typeface="+mn-ea"/>
-                <a:cs typeface="+mn-cs"/>
-              </a:defRPr>
-            </a:lvl6pPr>
-            <a:lvl7pPr marL="2971800" indent="-228600" algn="l" defTabSz="914400" rtl="0" eaLnBrk="1" latinLnBrk="0" hangingPunct="1">
-              <a:lnSpc>
-                <a:spcPct val="90000"/>
-              </a:lnSpc>
-              <a:spcBef>
-                <a:spcPts val="500"/>
-              </a:spcBef>
-              <a:buFont typeface="Arial" panose="020B0604020202020204" pitchFamily="34" charset="0"/>
-              <a:buChar char="•"/>
-              <a:defRPr sz="1800" kern="1200">
-                <a:solidFill>
-                  <a:schemeClr val="tx1"/>
-                </a:solidFill>
-                <a:latin typeface="+mn-lt"/>
-                <a:ea typeface="+mn-ea"/>
-                <a:cs typeface="+mn-cs"/>
-              </a:defRPr>
-            </a:lvl7pPr>
-            <a:lvl8pPr marL="3429000" indent="-228600" algn="l" defTabSz="914400" rtl="0" eaLnBrk="1" latinLnBrk="0" hangingPunct="1">
-              <a:lnSpc>
-                <a:spcPct val="90000"/>
-              </a:lnSpc>
-              <a:spcBef>
-                <a:spcPts val="500"/>
-              </a:spcBef>
-              <a:buFont typeface="Arial" panose="020B0604020202020204" pitchFamily="34" charset="0"/>
-              <a:buChar char="•"/>
-              <a:defRPr sz="1800" kern="1200">
-                <a:solidFill>
-                  <a:schemeClr val="tx1"/>
-                </a:solidFill>
-                <a:latin typeface="+mn-lt"/>
-                <a:ea typeface="+mn-ea"/>
-                <a:cs typeface="+mn-cs"/>
-              </a:defRPr>
-            </a:lvl8pPr>
-            <a:lvl9pPr marL="3886200" indent="-228600" algn="l" defTabSz="914400" rtl="0" eaLnBrk="1" latinLnBrk="0" hangingPunct="1">
-              <a:lnSpc>
-                <a:spcPct val="90000"/>
-              </a:lnSpc>
-              <a:spcBef>
-                <a:spcPts val="500"/>
-              </a:spcBef>
-              <a:buFont typeface="Arial" panose="020B0604020202020204" pitchFamily="34" charset="0"/>
-              <a:buChar char="•"/>
-              <a:defRPr sz="1800" kern="1200">
-                <a:solidFill>
-                  <a:schemeClr val="tx1"/>
-                </a:solidFill>
-                <a:latin typeface="+mn-lt"/>
-                <a:ea typeface="+mn-ea"/>
-                <a:cs typeface="+mn-cs"/>
-              </a:defRPr>
-            </a:lvl9pPr>
-          </a:lstStyle>
-          <a:p>
-            <a:pPr marL="0" indent="0">
-              <a:lnSpc>
-                <a:spcPct val="100000"/>
-              </a:lnSpc>
-              <a:buNone/>
-            </a:pPr>
-            <a:r>
-              <a:rPr lang="en-GB" sz="1400" dirty="0">
-                <a:latin typeface="DejaVu Sans Book" panose="020B0603030804020204" pitchFamily="34" charset="0"/>
-                <a:ea typeface="DejaVu Sans Book" panose="020B0603030804020204" pitchFamily="34" charset="0"/>
-                <a:cs typeface="DejaVu Sans Book" panose="020B0603030804020204" pitchFamily="34" charset="0"/>
-              </a:rPr>
-              <a:t>float 3</a:t>
-            </a:r>
-          </a:p>
-          <a:p>
-            <a:pPr marL="0" indent="0">
-              <a:lnSpc>
-                <a:spcPct val="100000"/>
-              </a:lnSpc>
-              <a:buNone/>
-            </a:pPr>
-            <a:r>
-              <a:rPr lang="en-GB" sz="1400" dirty="0" err="1">
-                <a:latin typeface="DejaVu Sans Book" panose="020B0603030804020204" pitchFamily="34" charset="0"/>
-                <a:ea typeface="DejaVu Sans Book" panose="020B0603030804020204" pitchFamily="34" charset="0"/>
-                <a:cs typeface="DejaVu Sans Book" panose="020B0603030804020204" pitchFamily="34" charset="0"/>
-              </a:rPr>
-              <a:t>int</a:t>
-            </a:r>
-            <a:r>
-              <a:rPr lang="en-GB" sz="1400" dirty="0">
-                <a:latin typeface="DejaVu Sans Book" panose="020B0603030804020204" pitchFamily="34" charset="0"/>
-                <a:ea typeface="DejaVu Sans Book" panose="020B0603030804020204" pitchFamily="34" charset="0"/>
-                <a:cs typeface="DejaVu Sans Book" panose="020B0603030804020204" pitchFamily="34" charset="0"/>
-              </a:rPr>
-              <a:t> 3.2</a:t>
-            </a:r>
-          </a:p>
-          <a:p>
-            <a:pPr marL="0" indent="0">
-              <a:lnSpc>
-                <a:spcPct val="100000"/>
-              </a:lnSpc>
-              <a:buNone/>
-            </a:pPr>
-            <a:r>
-              <a:rPr lang="en-GB" sz="1400" dirty="0" err="1">
-                <a:latin typeface="DejaVu Sans Book" panose="020B0603030804020204" pitchFamily="34" charset="0"/>
-                <a:ea typeface="DejaVu Sans Book" panose="020B0603030804020204" pitchFamily="34" charset="0"/>
-                <a:cs typeface="DejaVu Sans Book" panose="020B0603030804020204" pitchFamily="34" charset="0"/>
-              </a:rPr>
-              <a:t>int</a:t>
-            </a:r>
-            <a:r>
-              <a:rPr lang="en-GB" sz="1400" dirty="0">
-                <a:latin typeface="DejaVu Sans Book" panose="020B0603030804020204" pitchFamily="34" charset="0"/>
-                <a:ea typeface="DejaVu Sans Book" panose="020B0603030804020204" pitchFamily="34" charset="0"/>
-                <a:cs typeface="DejaVu Sans Book" panose="020B0603030804020204" pitchFamily="34" charset="0"/>
-              </a:rPr>
-              <a:t> 3.6</a:t>
-            </a:r>
-          </a:p>
-          <a:p>
-            <a:pPr marL="0" indent="0">
-              <a:lnSpc>
-                <a:spcPct val="100000"/>
-              </a:lnSpc>
-              <a:buNone/>
-            </a:pPr>
-            <a:r>
-              <a:rPr lang="en-GB" sz="1400" u="sng" dirty="0" err="1">
-                <a:latin typeface="DejaVu Sans Book" panose="020B0603030804020204" pitchFamily="34" charset="0"/>
-                <a:ea typeface="DejaVu Sans Book" panose="020B0603030804020204" pitchFamily="34" charset="0"/>
-                <a:cs typeface="DejaVu Sans Book" panose="020B0603030804020204" pitchFamily="34" charset="0"/>
-              </a:rPr>
-              <a:t>int</a:t>
-            </a:r>
-            <a:r>
-              <a:rPr lang="en-GB" sz="1400" u="sng" dirty="0">
-                <a:latin typeface="DejaVu Sans Book" panose="020B0603030804020204" pitchFamily="34" charset="0"/>
-                <a:ea typeface="DejaVu Sans Book" panose="020B0603030804020204" pitchFamily="34" charset="0"/>
-                <a:cs typeface="DejaVu Sans Book" panose="020B0603030804020204" pitchFamily="34" charset="0"/>
-              </a:rPr>
-              <a:t> (3.2 + 0.5)</a:t>
-            </a:r>
-          </a:p>
-          <a:p>
-            <a:pPr marL="0" indent="0">
-              <a:lnSpc>
-                <a:spcPct val="100000"/>
-              </a:lnSpc>
-              <a:buNone/>
-            </a:pPr>
-            <a:r>
-              <a:rPr lang="en-GB" sz="1400" u="sng" dirty="0" err="1">
-                <a:latin typeface="DejaVu Sans Book" panose="020B0603030804020204" pitchFamily="34" charset="0"/>
-                <a:ea typeface="DejaVu Sans Book" panose="020B0603030804020204" pitchFamily="34" charset="0"/>
-                <a:cs typeface="DejaVu Sans Book" panose="020B0603030804020204" pitchFamily="34" charset="0"/>
-              </a:rPr>
-              <a:t>int</a:t>
-            </a:r>
-            <a:r>
-              <a:rPr lang="en-GB" sz="1400" u="sng" dirty="0">
-                <a:latin typeface="DejaVu Sans Book" panose="020B0603030804020204" pitchFamily="34" charset="0"/>
-                <a:ea typeface="DejaVu Sans Book" panose="020B0603030804020204" pitchFamily="34" charset="0"/>
-                <a:cs typeface="DejaVu Sans Book" panose="020B0603030804020204" pitchFamily="34" charset="0"/>
-              </a:rPr>
-              <a:t> (3.6 + 0.5)</a:t>
-            </a:r>
-          </a:p>
-          <a:p>
-            <a:pPr marL="0" indent="0">
-              <a:lnSpc>
-                <a:spcPct val="100000"/>
-              </a:lnSpc>
-              <a:buNone/>
-            </a:pPr>
-            <a:r>
-              <a:rPr lang="en-GB" sz="1400" dirty="0" err="1">
-                <a:latin typeface="DejaVu Sans Book" panose="020B0603030804020204" pitchFamily="34" charset="0"/>
-                <a:ea typeface="DejaVu Sans Book" panose="020B0603030804020204" pitchFamily="34" charset="0"/>
-                <a:cs typeface="DejaVu Sans Book" panose="020B0603030804020204" pitchFamily="34" charset="0"/>
-              </a:rPr>
-              <a:t>int</a:t>
-            </a:r>
-            <a:r>
-              <a:rPr lang="en-GB" sz="1400" dirty="0">
-                <a:latin typeface="DejaVu Sans Book" panose="020B0603030804020204" pitchFamily="34" charset="0"/>
-                <a:ea typeface="DejaVu Sans Book" panose="020B0603030804020204" pitchFamily="34" charset="0"/>
-                <a:cs typeface="DejaVu Sans Book" panose="020B0603030804020204" pitchFamily="34" charset="0"/>
-              </a:rPr>
-              <a:t> 'a'</a:t>
-            </a:r>
-          </a:p>
-          <a:p>
-            <a:pPr marL="0" indent="0">
-              <a:lnSpc>
-                <a:spcPct val="100000"/>
-              </a:lnSpc>
-              <a:buNone/>
-            </a:pPr>
-            <a:r>
-              <a:rPr lang="en-GB" sz="1400" dirty="0" err="1">
-                <a:latin typeface="DejaVu Sans Book" panose="020B0603030804020204" pitchFamily="34" charset="0"/>
-                <a:ea typeface="DejaVu Sans Book" panose="020B0603030804020204" pitchFamily="34" charset="0"/>
-                <a:cs typeface="DejaVu Sans Book" panose="020B0603030804020204" pitchFamily="34" charset="0"/>
-              </a:rPr>
-              <a:t>int</a:t>
-            </a:r>
-            <a:r>
-              <a:rPr lang="en-GB" sz="1400" dirty="0">
-                <a:latin typeface="DejaVu Sans Book" panose="020B0603030804020204" pitchFamily="34" charset="0"/>
-                <a:ea typeface="DejaVu Sans Book" panose="020B0603030804020204" pitchFamily="34" charset="0"/>
-                <a:cs typeface="DejaVu Sans Book" panose="020B0603030804020204" pitchFamily="34" charset="0"/>
-              </a:rPr>
-              <a:t> 'A'</a:t>
-            </a:r>
-          </a:p>
-          <a:p>
-            <a:pPr marL="0" indent="0">
-              <a:lnSpc>
-                <a:spcPct val="100000"/>
-              </a:lnSpc>
-              <a:buNone/>
-            </a:pPr>
-            <a:r>
-              <a:rPr lang="en-GB" sz="1400" dirty="0">
-                <a:latin typeface="DejaVu Sans Book" panose="020B0603030804020204" pitchFamily="34" charset="0"/>
-                <a:ea typeface="DejaVu Sans Book" panose="020B0603030804020204" pitchFamily="34" charset="0"/>
-                <a:cs typeface="DejaVu Sans Book" panose="020B0603030804020204" pitchFamily="34" charset="0"/>
-              </a:rPr>
-              <a:t>char 65</a:t>
-            </a:r>
-          </a:p>
-          <a:p>
-            <a:pPr marL="0" indent="0">
-              <a:lnSpc>
-                <a:spcPct val="100000"/>
-              </a:lnSpc>
-              <a:buNone/>
-            </a:pPr>
-            <a:r>
-              <a:rPr lang="en-GB" sz="1400" dirty="0">
-                <a:latin typeface="DejaVu Sans Book" panose="020B0603030804020204" pitchFamily="34" charset="0"/>
-                <a:ea typeface="DejaVu Sans Book" panose="020B0603030804020204" pitchFamily="34" charset="0"/>
-                <a:cs typeface="DejaVu Sans Book" panose="020B0603030804020204" pitchFamily="34" charset="0"/>
-              </a:rPr>
-              <a:t>char (</a:t>
-            </a:r>
-            <a:r>
-              <a:rPr lang="en-GB" sz="1400" dirty="0" err="1">
-                <a:latin typeface="DejaVu Sans Book" panose="020B0603030804020204" pitchFamily="34" charset="0"/>
-                <a:ea typeface="DejaVu Sans Book" panose="020B0603030804020204" pitchFamily="34" charset="0"/>
-                <a:cs typeface="DejaVu Sans Book" panose="020B0603030804020204" pitchFamily="34" charset="0"/>
-              </a:rPr>
-              <a:t>int</a:t>
-            </a:r>
-            <a:r>
-              <a:rPr lang="en-GB" sz="1400" dirty="0">
-                <a:latin typeface="DejaVu Sans Book" panose="020B0603030804020204" pitchFamily="34" charset="0"/>
-                <a:ea typeface="DejaVu Sans Book" panose="020B0603030804020204" pitchFamily="34" charset="0"/>
-                <a:cs typeface="DejaVu Sans Book" panose="020B0603030804020204" pitchFamily="34" charset="0"/>
-              </a:rPr>
-              <a:t> 'c' - </a:t>
-            </a:r>
-            <a:r>
-              <a:rPr lang="en-GB" sz="1400" dirty="0" err="1">
-                <a:latin typeface="DejaVu Sans Book" panose="020B0603030804020204" pitchFamily="34" charset="0"/>
-                <a:ea typeface="DejaVu Sans Book" panose="020B0603030804020204" pitchFamily="34" charset="0"/>
-                <a:cs typeface="DejaVu Sans Book" panose="020B0603030804020204" pitchFamily="34" charset="0"/>
-              </a:rPr>
-              <a:t>int</a:t>
-            </a:r>
-            <a:r>
-              <a:rPr lang="en-GB" sz="1400" dirty="0">
-                <a:latin typeface="DejaVu Sans Book" panose="020B0603030804020204" pitchFamily="34" charset="0"/>
-                <a:ea typeface="DejaVu Sans Book" panose="020B0603030804020204" pitchFamily="34" charset="0"/>
-                <a:cs typeface="DejaVu Sans Book" panose="020B0603030804020204" pitchFamily="34" charset="0"/>
-              </a:rPr>
-              <a:t> 'a' + </a:t>
-            </a:r>
-            <a:r>
-              <a:rPr lang="en-GB" sz="1400" dirty="0" err="1">
-                <a:latin typeface="DejaVu Sans Book" panose="020B0603030804020204" pitchFamily="34" charset="0"/>
-                <a:ea typeface="DejaVu Sans Book" panose="020B0603030804020204" pitchFamily="34" charset="0"/>
-                <a:cs typeface="DejaVu Sans Book" panose="020B0603030804020204" pitchFamily="34" charset="0"/>
-              </a:rPr>
-              <a:t>int</a:t>
-            </a:r>
-            <a:r>
-              <a:rPr lang="en-GB" sz="1400" dirty="0">
-                <a:latin typeface="DejaVu Sans Book" panose="020B0603030804020204" pitchFamily="34" charset="0"/>
-                <a:ea typeface="DejaVu Sans Book" panose="020B0603030804020204" pitchFamily="34" charset="0"/>
-                <a:cs typeface="DejaVu Sans Book" panose="020B0603030804020204" pitchFamily="34" charset="0"/>
-              </a:rPr>
-              <a:t> 'A')</a:t>
-            </a:r>
-          </a:p>
-        </p:txBody>
-      </p:sp>
-      <p:sp>
-        <p:nvSpPr>
-          <p:cNvPr id="6" name="Content Placeholder 2">
-            <a:extLst>
-              <a:ext uri="{FF2B5EF4-FFF2-40B4-BE49-F238E27FC236}">
-                <a16:creationId xmlns:a16="http://schemas.microsoft.com/office/drawing/2014/main" id="{BEAFB9E9-7E5C-E84B-84B5-3F813D7396C1}"/>
-              </a:ext>
-            </a:extLst>
-          </p:cNvPr>
-          <p:cNvSpPr txBox="1">
-            <a:spLocks/>
-          </p:cNvSpPr>
-          <p:nvPr/>
-        </p:nvSpPr>
-        <p:spPr>
-          <a:xfrm>
-            <a:off x="8483237" y="2448341"/>
-            <a:ext cx="2870563" cy="3373392"/>
-          </a:xfrm>
-          <a:prstGeom prst="rect">
-            <a:avLst/>
-          </a:prstGeom>
-        </p:spPr>
-        <p:txBody>
-          <a:bodyPr vert="horz" lIns="91440" tIns="45720" rIns="91440" bIns="45720" rtlCol="0">
-            <a:normAutofit/>
-          </a:bodyPr>
-          <a:lstStyle>
-            <a:lvl1pPr marL="228600" indent="-228600" algn="l" defTabSz="914400" rtl="0" eaLnBrk="1" latinLnBrk="0" hangingPunct="1">
-              <a:lnSpc>
-                <a:spcPct val="90000"/>
-              </a:lnSpc>
-              <a:spcBef>
-                <a:spcPts val="1000"/>
-              </a:spcBef>
-              <a:buFont typeface="Arial" panose="020B0604020202020204" pitchFamily="34" charset="0"/>
-              <a:buChar char="•"/>
-              <a:defRPr sz="2800" kern="1200">
-                <a:solidFill>
-                  <a:schemeClr val="tx1"/>
-                </a:solidFill>
-                <a:latin typeface="+mn-lt"/>
-                <a:ea typeface="+mn-ea"/>
-                <a:cs typeface="+mn-cs"/>
-              </a:defRPr>
-            </a:lvl1pPr>
-            <a:lvl2pPr marL="685800" indent="-228600" algn="l" defTabSz="914400" rtl="0" eaLnBrk="1" latinLnBrk="0" hangingPunct="1">
-              <a:lnSpc>
-                <a:spcPct val="90000"/>
-              </a:lnSpc>
-              <a:spcBef>
-                <a:spcPts val="500"/>
-              </a:spcBef>
-              <a:buFont typeface="Arial" panose="020B0604020202020204" pitchFamily="34" charset="0"/>
-              <a:buChar char="•"/>
-              <a:defRPr sz="2400" kern="1200">
-                <a:solidFill>
-                  <a:schemeClr val="tx1"/>
-                </a:solidFill>
-                <a:latin typeface="+mn-lt"/>
-                <a:ea typeface="+mn-ea"/>
-                <a:cs typeface="+mn-cs"/>
-              </a:defRPr>
-            </a:lvl2pPr>
-            <a:lvl3pPr marL="1143000" indent="-228600" algn="l" defTabSz="914400" rtl="0" eaLnBrk="1" latinLnBrk="0" hangingPunct="1">
-              <a:lnSpc>
-                <a:spcPct val="90000"/>
-              </a:lnSpc>
-              <a:spcBef>
-                <a:spcPts val="500"/>
-              </a:spcBef>
-              <a:buFont typeface="Arial" panose="020B0604020202020204" pitchFamily="34" charset="0"/>
-              <a:buChar char="•"/>
-              <a:defRPr sz="2000" kern="1200">
-                <a:solidFill>
-                  <a:schemeClr val="tx1"/>
-                </a:solidFill>
-                <a:latin typeface="+mn-lt"/>
-                <a:ea typeface="+mn-ea"/>
-                <a:cs typeface="+mn-cs"/>
-              </a:defRPr>
-            </a:lvl3pPr>
-            <a:lvl4pPr marL="1600200" indent="-228600" algn="l" defTabSz="914400" rtl="0" eaLnBrk="1" latinLnBrk="0" hangingPunct="1">
-              <a:lnSpc>
-                <a:spcPct val="90000"/>
-              </a:lnSpc>
-              <a:spcBef>
-                <a:spcPts val="500"/>
-              </a:spcBef>
-              <a:buFont typeface="Arial" panose="020B0604020202020204" pitchFamily="34" charset="0"/>
-              <a:buChar char="•"/>
-              <a:defRPr sz="1800" kern="1200">
-                <a:solidFill>
-                  <a:schemeClr val="tx1"/>
-                </a:solidFill>
-                <a:latin typeface="+mn-lt"/>
-                <a:ea typeface="+mn-ea"/>
-                <a:cs typeface="+mn-cs"/>
-              </a:defRPr>
-            </a:lvl4pPr>
-            <a:lvl5pPr marL="2057400" indent="-228600" algn="l" defTabSz="914400" rtl="0" eaLnBrk="1" latinLnBrk="0" hangingPunct="1">
-              <a:lnSpc>
-                <a:spcPct val="90000"/>
-              </a:lnSpc>
-              <a:spcBef>
-                <a:spcPts val="500"/>
-              </a:spcBef>
-              <a:buFont typeface="Arial" panose="020B0604020202020204" pitchFamily="34" charset="0"/>
-              <a:buChar char="•"/>
-              <a:defRPr sz="1800" kern="1200">
-                <a:solidFill>
-                  <a:schemeClr val="tx1"/>
-                </a:solidFill>
-                <a:latin typeface="+mn-lt"/>
-                <a:ea typeface="+mn-ea"/>
-                <a:cs typeface="+mn-cs"/>
-              </a:defRPr>
-            </a:lvl5pPr>
-            <a:lvl6pPr marL="2514600" indent="-228600" algn="l" defTabSz="914400" rtl="0" eaLnBrk="1" latinLnBrk="0" hangingPunct="1">
-              <a:lnSpc>
-                <a:spcPct val="90000"/>
-              </a:lnSpc>
-              <a:spcBef>
-                <a:spcPts val="500"/>
-              </a:spcBef>
-              <a:buFont typeface="Arial" panose="020B0604020202020204" pitchFamily="34" charset="0"/>
-              <a:buChar char="•"/>
-              <a:defRPr sz="1800" kern="1200">
-                <a:solidFill>
-                  <a:schemeClr val="tx1"/>
-                </a:solidFill>
-                <a:latin typeface="+mn-lt"/>
-                <a:ea typeface="+mn-ea"/>
-                <a:cs typeface="+mn-cs"/>
-              </a:defRPr>
-            </a:lvl6pPr>
-            <a:lvl7pPr marL="2971800" indent="-228600" algn="l" defTabSz="914400" rtl="0" eaLnBrk="1" latinLnBrk="0" hangingPunct="1">
-              <a:lnSpc>
-                <a:spcPct val="90000"/>
-              </a:lnSpc>
-              <a:spcBef>
-                <a:spcPts val="500"/>
-              </a:spcBef>
-              <a:buFont typeface="Arial" panose="020B0604020202020204" pitchFamily="34" charset="0"/>
-              <a:buChar char="•"/>
-              <a:defRPr sz="1800" kern="1200">
-                <a:solidFill>
-                  <a:schemeClr val="tx1"/>
-                </a:solidFill>
-                <a:latin typeface="+mn-lt"/>
-                <a:ea typeface="+mn-ea"/>
-                <a:cs typeface="+mn-cs"/>
-              </a:defRPr>
-            </a:lvl7pPr>
-            <a:lvl8pPr marL="3429000" indent="-228600" algn="l" defTabSz="914400" rtl="0" eaLnBrk="1" latinLnBrk="0" hangingPunct="1">
-              <a:lnSpc>
-                <a:spcPct val="90000"/>
-              </a:lnSpc>
-              <a:spcBef>
-                <a:spcPts val="500"/>
-              </a:spcBef>
-              <a:buFont typeface="Arial" panose="020B0604020202020204" pitchFamily="34" charset="0"/>
-              <a:buChar char="•"/>
-              <a:defRPr sz="1800" kern="1200">
-                <a:solidFill>
-                  <a:schemeClr val="tx1"/>
-                </a:solidFill>
-                <a:latin typeface="+mn-lt"/>
-                <a:ea typeface="+mn-ea"/>
-                <a:cs typeface="+mn-cs"/>
-              </a:defRPr>
-            </a:lvl8pPr>
-            <a:lvl9pPr marL="3886200" indent="-228600" algn="l" defTabSz="914400" rtl="0" eaLnBrk="1" latinLnBrk="0" hangingPunct="1">
-              <a:lnSpc>
-                <a:spcPct val="90000"/>
-              </a:lnSpc>
-              <a:spcBef>
-                <a:spcPts val="500"/>
-              </a:spcBef>
-              <a:buFont typeface="Arial" panose="020B0604020202020204" pitchFamily="34" charset="0"/>
-              <a:buChar char="•"/>
-              <a:defRPr sz="1800" kern="1200">
-                <a:solidFill>
-                  <a:schemeClr val="tx1"/>
-                </a:solidFill>
-                <a:latin typeface="+mn-lt"/>
-                <a:ea typeface="+mn-ea"/>
-                <a:cs typeface="+mn-cs"/>
-              </a:defRPr>
-            </a:lvl9pPr>
-          </a:lstStyle>
-          <a:p>
-            <a:pPr marL="0" indent="0">
-              <a:lnSpc>
-                <a:spcPct val="100000"/>
-              </a:lnSpc>
-              <a:buNone/>
-            </a:pPr>
-            <a:r>
-              <a:rPr lang="en-GB" sz="1400" dirty="0">
-                <a:latin typeface="DejaVu Sans Book" panose="020B0603030804020204" pitchFamily="34" charset="0"/>
-                <a:ea typeface="DejaVu Sans Book" panose="020B0603030804020204" pitchFamily="34" charset="0"/>
-                <a:cs typeface="DejaVu Sans Book" panose="020B0603030804020204" pitchFamily="34" charset="0"/>
-              </a:rPr>
-              <a:t>2 - 3</a:t>
-            </a:r>
-          </a:p>
-          <a:p>
-            <a:pPr marL="0" indent="0">
-              <a:lnSpc>
-                <a:spcPct val="100000"/>
-              </a:lnSpc>
-              <a:buNone/>
-            </a:pPr>
-            <a:r>
-              <a:rPr lang="en-GB" sz="1400" dirty="0">
-                <a:latin typeface="DejaVu Sans Book" panose="020B0603030804020204" pitchFamily="34" charset="0"/>
-                <a:ea typeface="DejaVu Sans Book" panose="020B0603030804020204" pitchFamily="34" charset="0"/>
-                <a:cs typeface="DejaVu Sans Book" panose="020B0603030804020204" pitchFamily="34" charset="0"/>
-              </a:rPr>
-              <a:t>-3</a:t>
-            </a:r>
-          </a:p>
-          <a:p>
-            <a:pPr marL="0" indent="0">
-              <a:lnSpc>
-                <a:spcPct val="100000"/>
-              </a:lnSpc>
-              <a:buNone/>
-            </a:pPr>
-            <a:r>
-              <a:rPr lang="en-GB" sz="1400" dirty="0">
-                <a:latin typeface="DejaVu Sans Book" panose="020B0603030804020204" pitchFamily="34" charset="0"/>
-                <a:ea typeface="DejaVu Sans Book" panose="020B0603030804020204" pitchFamily="34" charset="0"/>
-                <a:cs typeface="DejaVu Sans Book" panose="020B0603030804020204" pitchFamily="34" charset="0"/>
-              </a:rPr>
-              <a:t>char (</a:t>
-            </a:r>
-            <a:r>
-              <a:rPr lang="en-GB" sz="1400" dirty="0" err="1">
-                <a:latin typeface="DejaVu Sans Book" panose="020B0603030804020204" pitchFamily="34" charset="0"/>
-                <a:ea typeface="DejaVu Sans Book" panose="020B0603030804020204" pitchFamily="34" charset="0"/>
-                <a:cs typeface="DejaVu Sans Book" panose="020B0603030804020204" pitchFamily="34" charset="0"/>
-              </a:rPr>
-              <a:t>int</a:t>
-            </a:r>
-            <a:r>
-              <a:rPr lang="en-GB" sz="1400" dirty="0">
-                <a:latin typeface="DejaVu Sans Book" panose="020B0603030804020204" pitchFamily="34" charset="0"/>
-                <a:ea typeface="DejaVu Sans Book" panose="020B0603030804020204" pitchFamily="34" charset="0"/>
-                <a:cs typeface="DejaVu Sans Book" panose="020B0603030804020204" pitchFamily="34" charset="0"/>
-              </a:rPr>
-              <a:t> 'c' + -</a:t>
-            </a:r>
-            <a:r>
-              <a:rPr lang="en-GB" sz="1400" dirty="0" err="1">
-                <a:latin typeface="DejaVu Sans Book" panose="020B0603030804020204" pitchFamily="34" charset="0"/>
-                <a:ea typeface="DejaVu Sans Book" panose="020B0603030804020204" pitchFamily="34" charset="0"/>
-                <a:cs typeface="DejaVu Sans Book" panose="020B0603030804020204" pitchFamily="34" charset="0"/>
-              </a:rPr>
-              <a:t>int</a:t>
-            </a:r>
-            <a:r>
-              <a:rPr lang="en-GB" sz="1400" dirty="0">
-                <a:latin typeface="DejaVu Sans Book" panose="020B0603030804020204" pitchFamily="34" charset="0"/>
-                <a:ea typeface="DejaVu Sans Book" panose="020B0603030804020204" pitchFamily="34" charset="0"/>
-                <a:cs typeface="DejaVu Sans Book" panose="020B0603030804020204" pitchFamily="34" charset="0"/>
-              </a:rPr>
-              <a:t> 'a' + </a:t>
-            </a:r>
-            <a:r>
-              <a:rPr lang="en-GB" sz="1400" dirty="0" err="1">
-                <a:latin typeface="DejaVu Sans Book" panose="020B0603030804020204" pitchFamily="34" charset="0"/>
-                <a:ea typeface="DejaVu Sans Book" panose="020B0603030804020204" pitchFamily="34" charset="0"/>
-                <a:cs typeface="DejaVu Sans Book" panose="020B0603030804020204" pitchFamily="34" charset="0"/>
-              </a:rPr>
-              <a:t>int</a:t>
-            </a:r>
-            <a:r>
-              <a:rPr lang="en-GB" sz="1400" dirty="0">
-                <a:latin typeface="DejaVu Sans Book" panose="020B0603030804020204" pitchFamily="34" charset="0"/>
-                <a:ea typeface="DejaVu Sans Book" panose="020B0603030804020204" pitchFamily="34" charset="0"/>
-                <a:cs typeface="DejaVu Sans Book" panose="020B0603030804020204" pitchFamily="34" charset="0"/>
-              </a:rPr>
-              <a:t> 'A’)</a:t>
-            </a:r>
-          </a:p>
-          <a:p>
-            <a:pPr marL="0" indent="0">
-              <a:lnSpc>
-                <a:spcPct val="100000"/>
-              </a:lnSpc>
-              <a:buNone/>
-            </a:pPr>
-            <a:r>
-              <a:rPr lang="en-GB" sz="1400" u="sng" dirty="0">
-                <a:latin typeface="DejaVu Sans Book" panose="020B0603030804020204" pitchFamily="34" charset="0"/>
-                <a:ea typeface="DejaVu Sans Book" panose="020B0603030804020204" pitchFamily="34" charset="0"/>
-                <a:cs typeface="DejaVu Sans Book" panose="020B0603030804020204" pitchFamily="34" charset="0"/>
-              </a:rPr>
-              <a:t>char (</a:t>
-            </a:r>
-            <a:r>
-              <a:rPr lang="en-GB" sz="1400" u="sng" dirty="0" err="1">
-                <a:latin typeface="DejaVu Sans Book" panose="020B0603030804020204" pitchFamily="34" charset="0"/>
-                <a:ea typeface="DejaVu Sans Book" panose="020B0603030804020204" pitchFamily="34" charset="0"/>
-                <a:cs typeface="DejaVu Sans Book" panose="020B0603030804020204" pitchFamily="34" charset="0"/>
-              </a:rPr>
-              <a:t>int</a:t>
-            </a:r>
-            <a:r>
-              <a:rPr lang="en-GB" sz="1400" u="sng" dirty="0">
-                <a:latin typeface="DejaVu Sans Book" panose="020B0603030804020204" pitchFamily="34" charset="0"/>
-                <a:ea typeface="DejaVu Sans Book" panose="020B0603030804020204" pitchFamily="34" charset="0"/>
-                <a:cs typeface="DejaVu Sans Book" panose="020B0603030804020204" pitchFamily="34" charset="0"/>
-              </a:rPr>
-              <a:t> 'c’ -</a:t>
-            </a:r>
-            <a:r>
-              <a:rPr lang="en-GB" sz="1400" u="sng" dirty="0" err="1">
-                <a:latin typeface="DejaVu Sans Book" panose="020B0603030804020204" pitchFamily="34" charset="0"/>
-                <a:ea typeface="DejaVu Sans Book" panose="020B0603030804020204" pitchFamily="34" charset="0"/>
-                <a:cs typeface="DejaVu Sans Book" panose="020B0603030804020204" pitchFamily="34" charset="0"/>
-              </a:rPr>
-              <a:t>int</a:t>
-            </a:r>
-            <a:r>
-              <a:rPr lang="en-GB" sz="1400" u="sng" dirty="0">
-                <a:latin typeface="DejaVu Sans Book" panose="020B0603030804020204" pitchFamily="34" charset="0"/>
-                <a:ea typeface="DejaVu Sans Book" panose="020B0603030804020204" pitchFamily="34" charset="0"/>
-                <a:cs typeface="DejaVu Sans Book" panose="020B0603030804020204" pitchFamily="34" charset="0"/>
-              </a:rPr>
-              <a:t> 'a' + </a:t>
-            </a:r>
-            <a:r>
-              <a:rPr lang="en-GB" sz="1400" u="sng" dirty="0" err="1">
-                <a:latin typeface="DejaVu Sans Book" panose="020B0603030804020204" pitchFamily="34" charset="0"/>
-                <a:ea typeface="DejaVu Sans Book" panose="020B0603030804020204" pitchFamily="34" charset="0"/>
-                <a:cs typeface="DejaVu Sans Book" panose="020B0603030804020204" pitchFamily="34" charset="0"/>
-              </a:rPr>
-              <a:t>int</a:t>
-            </a:r>
-            <a:r>
-              <a:rPr lang="en-GB" sz="1400" u="sng" dirty="0">
-                <a:latin typeface="DejaVu Sans Book" panose="020B0603030804020204" pitchFamily="34" charset="0"/>
-                <a:ea typeface="DejaVu Sans Book" panose="020B0603030804020204" pitchFamily="34" charset="0"/>
-                <a:cs typeface="DejaVu Sans Book" panose="020B0603030804020204" pitchFamily="34" charset="0"/>
-              </a:rPr>
-              <a:t> 'A')</a:t>
-            </a:r>
-          </a:p>
-          <a:p>
-            <a:pPr marL="0" indent="0">
-              <a:lnSpc>
-                <a:spcPct val="100000"/>
-              </a:lnSpc>
-              <a:buNone/>
-            </a:pPr>
-            <a:endParaRPr lang="en-GB" sz="1400" dirty="0">
-              <a:latin typeface="DejaVu Sans Book" panose="020B0603030804020204" pitchFamily="34" charset="0"/>
-              <a:ea typeface="DejaVu Sans Book" panose="020B0603030804020204" pitchFamily="34" charset="0"/>
-              <a:cs typeface="DejaVu Sans Book" panose="020B0603030804020204" pitchFamily="34" charset="0"/>
-            </a:endParaRPr>
-          </a:p>
-        </p:txBody>
-      </p:sp>
-      <p:cxnSp>
-        <p:nvCxnSpPr>
-          <p:cNvPr id="7" name="Straight Connector 6">
-            <a:extLst>
-              <a:ext uri="{FF2B5EF4-FFF2-40B4-BE49-F238E27FC236}">
-                <a16:creationId xmlns:a16="http://schemas.microsoft.com/office/drawing/2014/main" id="{5A09C2F5-8773-5C40-80FB-890ED2D7CEF5}"/>
-              </a:ext>
-            </a:extLst>
-          </p:cNvPr>
-          <p:cNvCxnSpPr>
-            <a:cxnSpLocks/>
-          </p:cNvCxnSpPr>
-          <p:nvPr/>
-        </p:nvCxnSpPr>
-        <p:spPr>
-          <a:xfrm>
-            <a:off x="3592285" y="1850267"/>
-            <a:ext cx="0" cy="4128437"/>
-          </a:xfrm>
-          <a:prstGeom prst="line">
-            <a:avLst/>
-          </a:prstGeom>
-        </p:spPr>
-        <p:style>
-          <a:lnRef idx="1">
-            <a:schemeClr val="accent1"/>
-          </a:lnRef>
-          <a:fillRef idx="0">
-            <a:schemeClr val="accent1"/>
-          </a:fillRef>
-          <a:effectRef idx="0">
-            <a:schemeClr val="accent1"/>
-          </a:effectRef>
-          <a:fontRef idx="minor">
-            <a:schemeClr val="tx1"/>
-          </a:fontRef>
-        </p:style>
-      </p:cxnSp>
-      <p:cxnSp>
-        <p:nvCxnSpPr>
-          <p:cNvPr id="8" name="Straight Connector 7">
-            <a:extLst>
-              <a:ext uri="{FF2B5EF4-FFF2-40B4-BE49-F238E27FC236}">
-                <a16:creationId xmlns:a16="http://schemas.microsoft.com/office/drawing/2014/main" id="{C9DB7069-2F82-9A4C-9851-E87494EB8821}"/>
-              </a:ext>
-            </a:extLst>
-          </p:cNvPr>
-          <p:cNvCxnSpPr>
-            <a:cxnSpLocks/>
-          </p:cNvCxnSpPr>
-          <p:nvPr/>
-        </p:nvCxnSpPr>
-        <p:spPr>
-          <a:xfrm>
-            <a:off x="5612673" y="1850267"/>
-            <a:ext cx="0" cy="4128437"/>
-          </a:xfrm>
-          <a:prstGeom prst="line">
-            <a:avLst/>
-          </a:prstGeom>
-        </p:spPr>
-        <p:style>
-          <a:lnRef idx="1">
-            <a:schemeClr val="accent1"/>
-          </a:lnRef>
-          <a:fillRef idx="0">
-            <a:schemeClr val="accent1"/>
-          </a:fillRef>
-          <a:effectRef idx="0">
-            <a:schemeClr val="accent1"/>
-          </a:effectRef>
-          <a:fontRef idx="minor">
-            <a:schemeClr val="tx1"/>
-          </a:fontRef>
-        </p:style>
-      </p:cxnSp>
-      <p:cxnSp>
-        <p:nvCxnSpPr>
-          <p:cNvPr id="9" name="Straight Connector 8">
-            <a:extLst>
-              <a:ext uri="{FF2B5EF4-FFF2-40B4-BE49-F238E27FC236}">
-                <a16:creationId xmlns:a16="http://schemas.microsoft.com/office/drawing/2014/main" id="{2C261977-CCDA-A449-983C-629F4D2C2170}"/>
-              </a:ext>
-            </a:extLst>
-          </p:cNvPr>
-          <p:cNvCxnSpPr>
-            <a:cxnSpLocks/>
-          </p:cNvCxnSpPr>
-          <p:nvPr/>
-        </p:nvCxnSpPr>
-        <p:spPr>
-          <a:xfrm>
-            <a:off x="8462454" y="1850267"/>
-            <a:ext cx="0" cy="4128437"/>
-          </a:xfrm>
-          <a:prstGeom prst="line">
-            <a:avLst/>
-          </a:prstGeom>
-        </p:spPr>
-        <p:style>
-          <a:lnRef idx="1">
-            <a:schemeClr val="accent1"/>
-          </a:lnRef>
-          <a:fillRef idx="0">
-            <a:schemeClr val="accent1"/>
-          </a:fillRef>
-          <a:effectRef idx="0">
-            <a:schemeClr val="accent1"/>
-          </a:effectRef>
-          <a:fontRef idx="minor">
-            <a:schemeClr val="tx1"/>
-          </a:fontRef>
-        </p:style>
-      </p:cxnSp>
-      <p:cxnSp>
-        <p:nvCxnSpPr>
-          <p:cNvPr id="10" name="Straight Connector 9">
-            <a:extLst>
-              <a:ext uri="{FF2B5EF4-FFF2-40B4-BE49-F238E27FC236}">
-                <a16:creationId xmlns:a16="http://schemas.microsoft.com/office/drawing/2014/main" id="{FA39AE1F-3021-7444-98E0-02C182A52905}"/>
-              </a:ext>
-            </a:extLst>
-          </p:cNvPr>
-          <p:cNvCxnSpPr>
-            <a:cxnSpLocks/>
-          </p:cNvCxnSpPr>
-          <p:nvPr/>
-        </p:nvCxnSpPr>
-        <p:spPr>
-          <a:xfrm>
-            <a:off x="838200" y="1850267"/>
-            <a:ext cx="0" cy="4128437"/>
-          </a:xfrm>
-          <a:prstGeom prst="line">
-            <a:avLst/>
-          </a:prstGeom>
-        </p:spPr>
-        <p:style>
-          <a:lnRef idx="1">
-            <a:schemeClr val="accent1"/>
-          </a:lnRef>
-          <a:fillRef idx="0">
-            <a:schemeClr val="accent1"/>
-          </a:fillRef>
-          <a:effectRef idx="0">
-            <a:schemeClr val="accent1"/>
-          </a:effectRef>
-          <a:fontRef idx="minor">
-            <a:schemeClr val="tx1"/>
-          </a:fontRef>
-        </p:style>
-      </p:cxnSp>
-      <p:sp>
-        <p:nvSpPr>
-          <p:cNvPr id="33" name="TextBox 32">
-            <a:extLst>
-              <a:ext uri="{FF2B5EF4-FFF2-40B4-BE49-F238E27FC236}">
-                <a16:creationId xmlns:a16="http://schemas.microsoft.com/office/drawing/2014/main" id="{002F40A4-37E0-9C4C-AEE4-8FC15F7563D3}"/>
-              </a:ext>
-            </a:extLst>
-          </p:cNvPr>
-          <p:cNvSpPr txBox="1"/>
-          <p:nvPr/>
-        </p:nvSpPr>
-        <p:spPr>
-          <a:xfrm>
-            <a:off x="838200" y="1937208"/>
-            <a:ext cx="2062488" cy="369332"/>
-          </a:xfrm>
-          <a:prstGeom prst="rect">
-            <a:avLst/>
-          </a:prstGeom>
-          <a:noFill/>
-        </p:spPr>
-        <p:txBody>
-          <a:bodyPr wrap="none" rtlCol="0">
-            <a:spAutoFit/>
-          </a:bodyPr>
-          <a:lstStyle/>
-          <a:p>
-            <a:r>
-              <a:rPr lang="en-GB" dirty="0" err="1"/>
-              <a:t>Operatorer</a:t>
-            </a:r>
-            <a:r>
-              <a:rPr lang="en-GB" dirty="0"/>
-              <a:t> </a:t>
-            </a:r>
-            <a:r>
-              <a:rPr lang="en-GB" dirty="0" err="1"/>
-              <a:t>og</a:t>
-            </a:r>
-            <a:r>
-              <a:rPr lang="en-GB" dirty="0"/>
-              <a:t> </a:t>
-            </a:r>
-            <a:r>
-              <a:rPr lang="en-GB" dirty="0" err="1"/>
-              <a:t>typer</a:t>
-            </a:r>
-            <a:endParaRPr lang="en-GB" dirty="0"/>
-          </a:p>
-        </p:txBody>
-      </p:sp>
-      <p:sp>
-        <p:nvSpPr>
-          <p:cNvPr id="34" name="TextBox 33">
-            <a:extLst>
-              <a:ext uri="{FF2B5EF4-FFF2-40B4-BE49-F238E27FC236}">
-                <a16:creationId xmlns:a16="http://schemas.microsoft.com/office/drawing/2014/main" id="{83DB5C78-6841-D340-967E-93DC23631568}"/>
-              </a:ext>
-            </a:extLst>
-          </p:cNvPr>
-          <p:cNvSpPr txBox="1"/>
-          <p:nvPr/>
-        </p:nvSpPr>
-        <p:spPr>
-          <a:xfrm>
-            <a:off x="3592295" y="1691204"/>
-            <a:ext cx="1964956" cy="646331"/>
-          </a:xfrm>
-          <a:prstGeom prst="rect">
-            <a:avLst/>
-          </a:prstGeom>
-          <a:noFill/>
-        </p:spPr>
-        <p:txBody>
-          <a:bodyPr wrap="square" rtlCol="0">
-            <a:spAutoFit/>
-          </a:bodyPr>
-          <a:lstStyle/>
-          <a:p>
-            <a:r>
-              <a:rPr lang="en-GB" dirty="0" err="1"/>
-              <a:t>Præcendens</a:t>
-            </a:r>
-            <a:r>
-              <a:rPr lang="en-GB" dirty="0"/>
-              <a:t> </a:t>
-            </a:r>
-            <a:r>
-              <a:rPr lang="en-GB" dirty="0" err="1"/>
-              <a:t>og</a:t>
-            </a:r>
-            <a:r>
-              <a:rPr lang="en-GB" dirty="0"/>
-              <a:t> association</a:t>
-            </a:r>
-          </a:p>
-        </p:txBody>
-      </p:sp>
-      <p:sp>
-        <p:nvSpPr>
-          <p:cNvPr id="35" name="TextBox 34">
-            <a:extLst>
-              <a:ext uri="{FF2B5EF4-FFF2-40B4-BE49-F238E27FC236}">
-                <a16:creationId xmlns:a16="http://schemas.microsoft.com/office/drawing/2014/main" id="{C1EF2861-5EFD-6142-B0DE-FBA35F9A0DD4}"/>
-              </a:ext>
-            </a:extLst>
-          </p:cNvPr>
-          <p:cNvSpPr txBox="1"/>
-          <p:nvPr/>
-        </p:nvSpPr>
-        <p:spPr>
-          <a:xfrm>
-            <a:off x="5612673" y="1937208"/>
-            <a:ext cx="1282210" cy="369332"/>
-          </a:xfrm>
-          <a:prstGeom prst="rect">
-            <a:avLst/>
-          </a:prstGeom>
-          <a:noFill/>
-        </p:spPr>
-        <p:txBody>
-          <a:bodyPr wrap="none" rtlCol="0">
-            <a:spAutoFit/>
-          </a:bodyPr>
-          <a:lstStyle/>
-          <a:p>
-            <a:r>
-              <a:rPr lang="en-GB" dirty="0"/>
-              <a:t>Typecasting</a:t>
-            </a:r>
-          </a:p>
-        </p:txBody>
-      </p:sp>
-      <p:sp>
-        <p:nvSpPr>
-          <p:cNvPr id="36" name="TextBox 35">
-            <a:extLst>
-              <a:ext uri="{FF2B5EF4-FFF2-40B4-BE49-F238E27FC236}">
-                <a16:creationId xmlns:a16="http://schemas.microsoft.com/office/drawing/2014/main" id="{D3E7B5F3-323D-1949-A20A-27F668F94420}"/>
-              </a:ext>
-            </a:extLst>
-          </p:cNvPr>
-          <p:cNvSpPr txBox="1"/>
-          <p:nvPr/>
-        </p:nvSpPr>
-        <p:spPr>
-          <a:xfrm>
-            <a:off x="8462454" y="1937208"/>
-            <a:ext cx="1889556" cy="369332"/>
-          </a:xfrm>
-          <a:prstGeom prst="rect">
-            <a:avLst/>
-          </a:prstGeom>
-          <a:noFill/>
-        </p:spPr>
-        <p:txBody>
-          <a:bodyPr wrap="none" rtlCol="0">
-            <a:spAutoFit/>
-          </a:bodyPr>
-          <a:lstStyle/>
-          <a:p>
-            <a:r>
-              <a:rPr lang="en-GB" dirty="0" err="1"/>
-              <a:t>Unære</a:t>
-            </a:r>
-            <a:r>
-              <a:rPr lang="en-GB" dirty="0"/>
-              <a:t> </a:t>
-            </a:r>
-            <a:r>
-              <a:rPr lang="en-GB" dirty="0" err="1"/>
-              <a:t>operatorer</a:t>
-            </a:r>
-            <a:endParaRPr lang="en-GB" dirty="0"/>
-          </a:p>
-        </p:txBody>
-      </p:sp>
-      <p:cxnSp>
-        <p:nvCxnSpPr>
-          <p:cNvPr id="37" name="Straight Connector 36">
-            <a:extLst>
-              <a:ext uri="{FF2B5EF4-FFF2-40B4-BE49-F238E27FC236}">
-                <a16:creationId xmlns:a16="http://schemas.microsoft.com/office/drawing/2014/main" id="{28C8E072-4794-D645-B8D8-83DD3B1FC177}"/>
-              </a:ext>
-            </a:extLst>
-          </p:cNvPr>
-          <p:cNvCxnSpPr>
-            <a:cxnSpLocks/>
-          </p:cNvCxnSpPr>
-          <p:nvPr/>
-        </p:nvCxnSpPr>
-        <p:spPr>
-          <a:xfrm>
-            <a:off x="838200" y="2364376"/>
-            <a:ext cx="10515600" cy="0"/>
-          </a:xfrm>
-          <a:prstGeom prst="line">
-            <a:avLst/>
-          </a:prstGeom>
-        </p:spPr>
-        <p:style>
-          <a:lnRef idx="1">
-            <a:schemeClr val="accent1"/>
-          </a:lnRef>
-          <a:fillRef idx="0">
-            <a:schemeClr val="accent1"/>
-          </a:fillRef>
-          <a:effectRef idx="0">
-            <a:schemeClr val="accent1"/>
-          </a:effectRef>
-          <a:fontRef idx="minor">
-            <a:schemeClr val="tx1"/>
-          </a:fontRef>
-        </p:style>
-      </p:cxnSp>
-      <p:cxnSp>
-        <p:nvCxnSpPr>
-          <p:cNvPr id="46" name="Straight Connector 45">
-            <a:extLst>
-              <a:ext uri="{FF2B5EF4-FFF2-40B4-BE49-F238E27FC236}">
-                <a16:creationId xmlns:a16="http://schemas.microsoft.com/office/drawing/2014/main" id="{94EE0CD5-CC49-E94A-9C5F-4DEEAF649FFF}"/>
-              </a:ext>
-            </a:extLst>
-          </p:cNvPr>
-          <p:cNvCxnSpPr>
-            <a:cxnSpLocks/>
-          </p:cNvCxnSpPr>
-          <p:nvPr/>
-        </p:nvCxnSpPr>
-        <p:spPr>
-          <a:xfrm flipV="1">
-            <a:off x="929898" y="3239146"/>
-            <a:ext cx="697424" cy="92991"/>
-          </a:xfrm>
-          <a:prstGeom prst="line">
-            <a:avLst/>
-          </a:prstGeom>
-          <a:ln w="38100">
-            <a:solidFill>
-              <a:srgbClr val="C00000">
-                <a:alpha val="50000"/>
-              </a:srgbClr>
-            </a:solidFill>
-          </a:ln>
-        </p:spPr>
-        <p:style>
-          <a:lnRef idx="1">
-            <a:schemeClr val="accent1"/>
-          </a:lnRef>
-          <a:fillRef idx="0">
-            <a:schemeClr val="accent1"/>
-          </a:fillRef>
-          <a:effectRef idx="0">
-            <a:schemeClr val="accent1"/>
-          </a:effectRef>
-          <a:fontRef idx="minor">
-            <a:schemeClr val="tx1"/>
-          </a:fontRef>
-        </p:style>
-      </p:cxnSp>
-      <p:sp>
-        <p:nvSpPr>
-          <p:cNvPr id="53" name="TextBox 52">
-            <a:extLst>
-              <a:ext uri="{FF2B5EF4-FFF2-40B4-BE49-F238E27FC236}">
-                <a16:creationId xmlns:a16="http://schemas.microsoft.com/office/drawing/2014/main" id="{4D77C9C0-F5E2-174B-80BB-11D7FD01541C}"/>
-              </a:ext>
-            </a:extLst>
-          </p:cNvPr>
-          <p:cNvSpPr txBox="1"/>
-          <p:nvPr/>
-        </p:nvSpPr>
-        <p:spPr>
-          <a:xfrm>
-            <a:off x="4102675" y="3416958"/>
-            <a:ext cx="1172116" cy="369332"/>
-          </a:xfrm>
-          <a:prstGeom prst="rect">
-            <a:avLst/>
-          </a:prstGeom>
-          <a:noFill/>
-        </p:spPr>
-        <p:txBody>
-          <a:bodyPr wrap="none" rtlCol="0">
-            <a:spAutoFit/>
-          </a:bodyPr>
-          <a:lstStyle/>
-          <a:p>
-            <a:r>
-              <a:rPr lang="en-GB" dirty="0">
-                <a:solidFill>
-                  <a:schemeClr val="accent6"/>
-                </a:solidFill>
-              </a:rPr>
-              <a:t>(                )</a:t>
-            </a:r>
-          </a:p>
-        </p:txBody>
-      </p:sp>
-      <p:sp>
-        <p:nvSpPr>
-          <p:cNvPr id="54" name="TextBox 53">
-            <a:extLst>
-              <a:ext uri="{FF2B5EF4-FFF2-40B4-BE49-F238E27FC236}">
-                <a16:creationId xmlns:a16="http://schemas.microsoft.com/office/drawing/2014/main" id="{9E5F309B-19EA-AF4E-BA15-12FEC4FD9C25}"/>
-              </a:ext>
-            </a:extLst>
-          </p:cNvPr>
-          <p:cNvSpPr txBox="1"/>
-          <p:nvPr/>
-        </p:nvSpPr>
-        <p:spPr>
-          <a:xfrm>
-            <a:off x="3524209" y="3774617"/>
-            <a:ext cx="1066318" cy="369332"/>
-          </a:xfrm>
-          <a:prstGeom prst="rect">
-            <a:avLst/>
-          </a:prstGeom>
-          <a:noFill/>
-        </p:spPr>
-        <p:txBody>
-          <a:bodyPr wrap="none" rtlCol="0">
-            <a:spAutoFit/>
-          </a:bodyPr>
-          <a:lstStyle/>
-          <a:p>
-            <a:r>
-              <a:rPr lang="en-GB" dirty="0">
-                <a:solidFill>
-                  <a:schemeClr val="accent6"/>
-                </a:solidFill>
-              </a:rPr>
-              <a:t>(              )</a:t>
-            </a:r>
-          </a:p>
-        </p:txBody>
-      </p:sp>
-      <p:cxnSp>
-        <p:nvCxnSpPr>
-          <p:cNvPr id="55" name="Straight Connector 54">
-            <a:extLst>
-              <a:ext uri="{FF2B5EF4-FFF2-40B4-BE49-F238E27FC236}">
-                <a16:creationId xmlns:a16="http://schemas.microsoft.com/office/drawing/2014/main" id="{99E83C82-A64E-2143-9DA9-2ACA3C031970}"/>
-              </a:ext>
-            </a:extLst>
-          </p:cNvPr>
-          <p:cNvCxnSpPr>
-            <a:cxnSpLocks/>
-          </p:cNvCxnSpPr>
-          <p:nvPr/>
-        </p:nvCxnSpPr>
-        <p:spPr>
-          <a:xfrm flipV="1">
-            <a:off x="8522656" y="3580108"/>
-            <a:ext cx="2558632" cy="114508"/>
-          </a:xfrm>
-          <a:prstGeom prst="line">
-            <a:avLst/>
-          </a:prstGeom>
-          <a:ln w="38100">
-            <a:solidFill>
-              <a:srgbClr val="C00000">
-                <a:alpha val="50000"/>
-              </a:srgbClr>
-            </a:solidFill>
-          </a:ln>
-        </p:spPr>
-        <p:style>
-          <a:lnRef idx="1">
-            <a:schemeClr val="accent1"/>
-          </a:lnRef>
-          <a:fillRef idx="0">
-            <a:schemeClr val="accent1"/>
-          </a:fillRef>
-          <a:effectRef idx="0">
-            <a:schemeClr val="accent1"/>
-          </a:effectRef>
-          <a:fontRef idx="minor">
-            <a:schemeClr val="tx1"/>
-          </a:fontRef>
-        </p:style>
-      </p:cxnSp>
-      <p:sp>
-        <p:nvSpPr>
-          <p:cNvPr id="57" name="TextBox 56">
-            <a:extLst>
-              <a:ext uri="{FF2B5EF4-FFF2-40B4-BE49-F238E27FC236}">
-                <a16:creationId xmlns:a16="http://schemas.microsoft.com/office/drawing/2014/main" id="{FCE57C74-0DC0-D341-96E9-DCD928EB1B6C}"/>
-              </a:ext>
-            </a:extLst>
-          </p:cNvPr>
-          <p:cNvSpPr txBox="1"/>
-          <p:nvPr/>
-        </p:nvSpPr>
-        <p:spPr>
-          <a:xfrm>
-            <a:off x="7038609" y="3416958"/>
-            <a:ext cx="470000" cy="369332"/>
-          </a:xfrm>
-          <a:prstGeom prst="rect">
-            <a:avLst/>
-          </a:prstGeom>
-          <a:noFill/>
-        </p:spPr>
-        <p:txBody>
-          <a:bodyPr wrap="none" rtlCol="0">
-            <a:spAutoFit/>
-          </a:bodyPr>
-          <a:lstStyle/>
-          <a:p>
-            <a:r>
-              <a:rPr lang="en-GB" dirty="0">
-                <a:solidFill>
-                  <a:schemeClr val="accent6"/>
-                </a:solidFill>
-              </a:rPr>
-              <a:t>= 3</a:t>
-            </a:r>
-          </a:p>
-        </p:txBody>
-      </p:sp>
-      <p:sp>
-        <p:nvSpPr>
-          <p:cNvPr id="58" name="TextBox 57">
-            <a:extLst>
-              <a:ext uri="{FF2B5EF4-FFF2-40B4-BE49-F238E27FC236}">
-                <a16:creationId xmlns:a16="http://schemas.microsoft.com/office/drawing/2014/main" id="{F4DB46FE-4F4F-5147-97A2-8D04019D1D9D}"/>
-              </a:ext>
-            </a:extLst>
-          </p:cNvPr>
-          <p:cNvSpPr txBox="1"/>
-          <p:nvPr/>
-        </p:nvSpPr>
-        <p:spPr>
-          <a:xfrm>
-            <a:off x="7022247" y="3774617"/>
-            <a:ext cx="470000" cy="369332"/>
-          </a:xfrm>
-          <a:prstGeom prst="rect">
-            <a:avLst/>
-          </a:prstGeom>
-          <a:noFill/>
-        </p:spPr>
-        <p:txBody>
-          <a:bodyPr wrap="none" rtlCol="0">
-            <a:spAutoFit/>
-          </a:bodyPr>
-          <a:lstStyle/>
-          <a:p>
-            <a:r>
-              <a:rPr lang="en-GB" dirty="0">
-                <a:solidFill>
-                  <a:schemeClr val="accent6"/>
-                </a:solidFill>
-              </a:rPr>
-              <a:t>= 4</a:t>
-            </a:r>
-          </a:p>
-        </p:txBody>
-      </p:sp>
-    </p:spTree>
-    <p:extLst>
-      <p:ext uri="{BB962C8B-B14F-4D97-AF65-F5344CB8AC3E}">
-        <p14:creationId xmlns:p14="http://schemas.microsoft.com/office/powerpoint/2010/main" val="3372367009"/>
-      </p:ext>
-    </p:extLst>
-  </p:cSld>
-  <p:clrMapOvr>
-    <a:masterClrMapping/>
-  </p:clrMapOvr>
-  <p:timing>
-    <p:tnLst>
-      <p:par>
-        <p:cTn id="1" dur="indefinite" restart="never" nodeType="tmRoot">
-          <p:childTnLst>
-            <p:seq concurrent="1" nextAc="seek">
-              <p:cTn id="2" dur="indefinite" nodeType="mainSeq">
-                <p:childTnLst>
-                  <p:par>
-                    <p:cTn id="3" fill="hold">
-                      <p:stCondLst>
-                        <p:cond delay="indefinite"/>
-                      </p:stCondLst>
-                      <p:childTnLst>
-                        <p:par>
-                          <p:cTn id="4" fill="hold">
-                            <p:stCondLst>
-                              <p:cond delay="0"/>
-                            </p:stCondLst>
-                            <p:childTnLst>
-                              <p:par>
-                                <p:cTn id="5" presetID="1" presetClass="entr" presetSubtype="0" fill="hold" grpId="0" nodeType="clickEffect">
-                                  <p:stCondLst>
-                                    <p:cond delay="0"/>
-                                  </p:stCondLst>
-                                  <p:childTnLst>
-                                    <p:set>
-                                      <p:cBhvr>
-                                        <p:cTn id="6" dur="1" fill="hold">
-                                          <p:stCondLst>
-                                            <p:cond delay="0"/>
-                                          </p:stCondLst>
-                                        </p:cTn>
-                                        <p:tgtEl>
-                                          <p:spTgt spid="53"/>
-                                        </p:tgtEl>
-                                        <p:attrNameLst>
-                                          <p:attrName>style.visibility</p:attrName>
-                                        </p:attrNameLst>
-                                      </p:cBhvr>
-                                      <p:to>
-                                        <p:strVal val="visible"/>
-                                      </p:to>
-                                    </p:set>
-                                  </p:childTnLst>
-                                </p:cTn>
-                              </p:par>
-                            </p:childTnLst>
-                          </p:cTn>
-                        </p:par>
-                      </p:childTnLst>
-                    </p:cTn>
-                  </p:par>
-                  <p:par>
-                    <p:cTn id="7" fill="hold">
-                      <p:stCondLst>
-                        <p:cond delay="indefinite"/>
-                      </p:stCondLst>
-                      <p:childTnLst>
-                        <p:par>
-                          <p:cTn id="8" fill="hold">
-                            <p:stCondLst>
-                              <p:cond delay="0"/>
-                            </p:stCondLst>
-                            <p:childTnLst>
-                              <p:par>
-                                <p:cTn id="9" presetID="1" presetClass="entr" presetSubtype="0" fill="hold" grpId="0" nodeType="clickEffect">
-                                  <p:stCondLst>
-                                    <p:cond delay="0"/>
-                                  </p:stCondLst>
-                                  <p:childTnLst>
-                                    <p:set>
-                                      <p:cBhvr>
-                                        <p:cTn id="10" dur="1" fill="hold">
-                                          <p:stCondLst>
-                                            <p:cond delay="0"/>
-                                          </p:stCondLst>
-                                        </p:cTn>
-                                        <p:tgtEl>
-                                          <p:spTgt spid="54"/>
-                                        </p:tgtEl>
-                                        <p:attrNameLst>
-                                          <p:attrName>style.visibility</p:attrName>
-                                        </p:attrNameLst>
-                                      </p:cBhvr>
-                                      <p:to>
-                                        <p:strVal val="visible"/>
-                                      </p:to>
-                                    </p:set>
-                                  </p:childTnLst>
-                                </p:cTn>
-                              </p:par>
-                            </p:childTnLst>
-                          </p:cTn>
-                        </p:par>
-                      </p:childTnLst>
-                    </p:cTn>
-                  </p:par>
-                  <p:par>
-                    <p:cTn id="11" fill="hold">
-                      <p:stCondLst>
-                        <p:cond delay="indefinite"/>
-                      </p:stCondLst>
-                      <p:childTnLst>
-                        <p:par>
-                          <p:cTn id="12" fill="hold">
-                            <p:stCondLst>
-                              <p:cond delay="0"/>
-                            </p:stCondLst>
-                            <p:childTnLst>
-                              <p:par>
-                                <p:cTn id="13" presetID="1" presetClass="entr" presetSubtype="0" fill="hold" grpId="0" nodeType="clickEffect">
-                                  <p:stCondLst>
-                                    <p:cond delay="0"/>
-                                  </p:stCondLst>
-                                  <p:childTnLst>
-                                    <p:set>
-                                      <p:cBhvr>
-                                        <p:cTn id="14" dur="1" fill="hold">
-                                          <p:stCondLst>
-                                            <p:cond delay="0"/>
-                                          </p:stCondLst>
-                                        </p:cTn>
-                                        <p:tgtEl>
-                                          <p:spTgt spid="5"/>
-                                        </p:tgtEl>
-                                        <p:attrNameLst>
-                                          <p:attrName>style.visibility</p:attrName>
-                                        </p:attrNameLst>
-                                      </p:cBhvr>
-                                      <p:to>
-                                        <p:strVal val="visible"/>
-                                      </p:to>
-                                    </p:set>
-                                  </p:childTnLst>
-                                </p:cTn>
-                              </p:par>
-                            </p:childTnLst>
-                          </p:cTn>
-                        </p:par>
-                      </p:childTnLst>
-                    </p:cTn>
-                  </p:par>
-                  <p:par>
-                    <p:cTn id="15" fill="hold">
-                      <p:stCondLst>
-                        <p:cond delay="indefinite"/>
-                      </p:stCondLst>
-                      <p:childTnLst>
-                        <p:par>
-                          <p:cTn id="16" fill="hold">
-                            <p:stCondLst>
-                              <p:cond delay="0"/>
-                            </p:stCondLst>
-                            <p:childTnLst>
-                              <p:par>
-                                <p:cTn id="17" presetID="1" presetClass="entr" presetSubtype="0" fill="hold" grpId="0" nodeType="clickEffect">
-                                  <p:stCondLst>
-                                    <p:cond delay="0"/>
-                                  </p:stCondLst>
-                                  <p:childTnLst>
-                                    <p:set>
-                                      <p:cBhvr>
-                                        <p:cTn id="18" dur="1" fill="hold">
-                                          <p:stCondLst>
-                                            <p:cond delay="0"/>
-                                          </p:stCondLst>
-                                        </p:cTn>
-                                        <p:tgtEl>
-                                          <p:spTgt spid="57"/>
-                                        </p:tgtEl>
-                                        <p:attrNameLst>
-                                          <p:attrName>style.visibility</p:attrName>
-                                        </p:attrNameLst>
-                                      </p:cBhvr>
-                                      <p:to>
-                                        <p:strVal val="visible"/>
-                                      </p:to>
-                                    </p:set>
-                                  </p:childTnLst>
-                                </p:cTn>
-                              </p:par>
-                            </p:childTnLst>
-                          </p:cTn>
-                        </p:par>
-                      </p:childTnLst>
-                    </p:cTn>
-                  </p:par>
-                  <p:par>
-                    <p:cTn id="19" fill="hold">
-                      <p:stCondLst>
-                        <p:cond delay="indefinite"/>
-                      </p:stCondLst>
-                      <p:childTnLst>
-                        <p:par>
-                          <p:cTn id="20" fill="hold">
-                            <p:stCondLst>
-                              <p:cond delay="0"/>
-                            </p:stCondLst>
-                            <p:childTnLst>
-                              <p:par>
-                                <p:cTn id="21" presetID="1" presetClass="entr" presetSubtype="0" fill="hold" grpId="0" nodeType="clickEffect">
-                                  <p:stCondLst>
-                                    <p:cond delay="0"/>
-                                  </p:stCondLst>
-                                  <p:childTnLst>
-                                    <p:set>
-                                      <p:cBhvr>
-                                        <p:cTn id="22" dur="1" fill="hold">
-                                          <p:stCondLst>
-                                            <p:cond delay="0"/>
-                                          </p:stCondLst>
-                                        </p:cTn>
-                                        <p:tgtEl>
-                                          <p:spTgt spid="58"/>
-                                        </p:tgtEl>
-                                        <p:attrNameLst>
-                                          <p:attrName>style.visibility</p:attrName>
-                                        </p:attrNameLst>
-                                      </p:cBhvr>
-                                      <p:to>
-                                        <p:strVal val="visible"/>
-                                      </p:to>
-                                    </p:set>
-                                  </p:childTnLst>
-                                </p:cTn>
-                              </p:par>
-                            </p:childTnLst>
-                          </p:cTn>
-                        </p:par>
-                      </p:childTnLst>
-                    </p:cTn>
-                  </p:par>
-                  <p:par>
-                    <p:cTn id="23" fill="hold">
-                      <p:stCondLst>
-                        <p:cond delay="indefinite"/>
-                      </p:stCondLst>
-                      <p:childTnLst>
-                        <p:par>
-                          <p:cTn id="24" fill="hold">
-                            <p:stCondLst>
-                              <p:cond delay="0"/>
-                            </p:stCondLst>
-                            <p:childTnLst>
-                              <p:par>
-                                <p:cTn id="25" presetID="1" presetClass="entr" presetSubtype="0" fill="hold" grpId="0" nodeType="clickEffect">
-                                  <p:stCondLst>
-                                    <p:cond delay="0"/>
-                                  </p:stCondLst>
-                                  <p:childTnLst>
-                                    <p:set>
-                                      <p:cBhvr>
-                                        <p:cTn id="26" dur="1" fill="hold">
-                                          <p:stCondLst>
-                                            <p:cond delay="0"/>
-                                          </p:stCondLst>
-                                        </p:cTn>
-                                        <p:tgtEl>
-                                          <p:spTgt spid="6"/>
-                                        </p:tgtEl>
-                                        <p:attrNameLst>
-                                          <p:attrName>style.visibility</p:attrName>
-                                        </p:attrNameLst>
-                                      </p:cBhvr>
-                                      <p:to>
-                                        <p:strVal val="visible"/>
-                                      </p:to>
-                                    </p:set>
-                                  </p:childTnLst>
-                                </p:cTn>
-                              </p:par>
-                            </p:childTnLst>
-                          </p:cTn>
-                        </p:par>
-                      </p:childTnLst>
-                    </p:cTn>
-                  </p:par>
-                  <p:par>
-                    <p:cTn id="27" fill="hold">
-                      <p:stCondLst>
-                        <p:cond delay="indefinite"/>
-                      </p:stCondLst>
-                      <p:childTnLst>
-                        <p:par>
-                          <p:cTn id="28" fill="hold">
-                            <p:stCondLst>
-                              <p:cond delay="0"/>
-                            </p:stCondLst>
-                            <p:childTnLst>
-                              <p:par>
-                                <p:cTn id="29" presetID="1" presetClass="entr" presetSubtype="0" fill="hold" nodeType="clickEffect">
-                                  <p:stCondLst>
-                                    <p:cond delay="0"/>
-                                  </p:stCondLst>
-                                  <p:childTnLst>
-                                    <p:set>
-                                      <p:cBhvr>
-                                        <p:cTn id="30" dur="1" fill="hold">
-                                          <p:stCondLst>
-                                            <p:cond delay="0"/>
-                                          </p:stCondLst>
-                                        </p:cTn>
-                                        <p:tgtEl>
-                                          <p:spTgt spid="55"/>
-                                        </p:tgtEl>
-                                        <p:attrNameLst>
-                                          <p:attrName>style.visibility</p:attrName>
-                                        </p:attrNameLst>
-                                      </p:cBhvr>
-                                      <p:to>
-                                        <p:strVal val="visible"/>
-                                      </p:to>
-                                    </p:set>
-                                  </p:childTnLst>
-                                </p:cTn>
-                              </p:par>
-                            </p:childTnLst>
-                          </p:cTn>
-                        </p:par>
-                      </p:childTnLst>
-                    </p:cTn>
-                  </p:par>
-                </p:childTnLst>
-              </p:cTn>
-              <p:prevCondLst>
-                <p:cond evt="onPrev" delay="0">
-                  <p:tgtEl>
-                    <p:sldTgt/>
-                  </p:tgtEl>
-                </p:cond>
-              </p:prevCondLst>
-              <p:nextCondLst>
-                <p:cond evt="onNext" delay="0">
-                  <p:tgtEl>
-                    <p:sldTgt/>
-                  </p:tgtEl>
-                </p:cond>
-              </p:nextCondLst>
-            </p:seq>
-          </p:childTnLst>
-        </p:cTn>
-      </p:par>
-    </p:tnLst>
-    <p:bldLst>
-      <p:bldP spid="5" grpId="0"/>
-      <p:bldP spid="6" grpId="0"/>
-      <p:bldP spid="53" grpId="0"/>
-      <p:bldP spid="54" grpId="0"/>
-      <p:bldP spid="57" grpId="0"/>
-      <p:bldP spid="58" grpId="0"/>
-    </p:bldLst>
   </p:timing>
 </p:sld>
 </file>
